--- a/Slide - PTTKHT - Nhóm 12.pptx
+++ b/Slide - PTTKHT - Nhóm 12.pptx
@@ -200,18 +200,18 @@
           </a:lstStyle>
           <a:p>
             <a:r>
-              <a:rPr lang="en-US" dirty="0" smtClean="0"/>
+              <a:rPr lang="en-US" dirty="0"/>
               <a:t>Click to edit </a:t>
             </a:r>
             <a:br>
-              <a:rPr lang="en-US" dirty="0" smtClean="0"/>
+              <a:rPr lang="en-US" dirty="0"/>
             </a:br>
             <a:r>
-              <a:rPr lang="en-US" dirty="0" smtClean="0"/>
+              <a:rPr lang="en-US" dirty="0"/>
               <a:t>Master subtitle style</a:t>
             </a:r>
             <a:br>
-              <a:rPr lang="en-US" dirty="0" smtClean="0"/>
+              <a:rPr lang="en-US" dirty="0"/>
             </a:br>
             <a:endParaRPr lang="en-US" dirty="0"/>
           </a:p>
@@ -281,10 +281,9 @@
           </a:lstStyle>
           <a:p>
             <a:r>
-              <a:rPr lang="en-US" dirty="0" smtClean="0"/>
+              <a:rPr lang="en-US" dirty="0"/>
               <a:t>Click to edit Master subtitle style</a:t>
             </a:r>
-            <a:endParaRPr lang="en-US" dirty="0"/>
           </a:p>
         </p:txBody>
       </p:sp>
@@ -305,7 +304,7 @@
           <a:p>
             <a:fld id="{A0EC2761-52B0-42C5-B01B-DF8F69615AE5}" type="datetimeFigureOut">
               <a:rPr lang="en-US" smtClean="0"/>
-              <a:t>5/18/2019</a:t>
+              <a:t>5/20/19</a:t>
             </a:fld>
             <a:endParaRPr lang="en-US"/>
           </a:p>
@@ -399,10 +398,9 @@
           <a:lstStyle/>
           <a:p>
             <a:r>
-              <a:rPr lang="en-US" smtClean="0"/>
+              <a:rPr lang="en-US"/>
               <a:t>Click to edit Master title style</a:t>
             </a:r>
-            <a:endParaRPr lang="en-US"/>
           </a:p>
         </p:txBody>
       </p:sp>
@@ -423,38 +421,37 @@
           <a:p>
             <a:pPr lvl="0"/>
             <a:r>
-              <a:rPr lang="en-US" smtClean="0"/>
+              <a:rPr lang="en-US"/>
               <a:t>Click to edit Master text styles</a:t>
             </a:r>
           </a:p>
           <a:p>
             <a:pPr lvl="1"/>
             <a:r>
-              <a:rPr lang="en-US" smtClean="0"/>
+              <a:rPr lang="en-US"/>
               <a:t>Second level</a:t>
             </a:r>
           </a:p>
           <a:p>
             <a:pPr lvl="2"/>
             <a:r>
-              <a:rPr lang="en-US" smtClean="0"/>
+              <a:rPr lang="en-US"/>
               <a:t>Third level</a:t>
             </a:r>
           </a:p>
           <a:p>
             <a:pPr lvl="3"/>
             <a:r>
-              <a:rPr lang="en-US" smtClean="0"/>
+              <a:rPr lang="en-US"/>
               <a:t>Fourth level</a:t>
             </a:r>
           </a:p>
           <a:p>
             <a:pPr lvl="4"/>
             <a:r>
-              <a:rPr lang="en-US" smtClean="0"/>
+              <a:rPr lang="en-US"/>
               <a:t>Fifth level</a:t>
             </a:r>
-            <a:endParaRPr lang="en-US"/>
           </a:p>
         </p:txBody>
       </p:sp>
@@ -475,7 +472,7 @@
           <a:p>
             <a:fld id="{A0EC2761-52B0-42C5-B01B-DF8F69615AE5}" type="datetimeFigureOut">
               <a:rPr lang="en-US" smtClean="0"/>
-              <a:t>5/18/2019</a:t>
+              <a:t>5/20/19</a:t>
             </a:fld>
             <a:endParaRPr lang="en-US"/>
           </a:p>
@@ -574,10 +571,9 @@
           <a:lstStyle/>
           <a:p>
             <a:r>
-              <a:rPr lang="en-US" smtClean="0"/>
+              <a:rPr lang="en-US"/>
               <a:t>Click to edit Master title style</a:t>
             </a:r>
-            <a:endParaRPr lang="en-US"/>
           </a:p>
         </p:txBody>
       </p:sp>
@@ -603,38 +599,37 @@
           <a:p>
             <a:pPr lvl="0"/>
             <a:r>
-              <a:rPr lang="en-US" smtClean="0"/>
+              <a:rPr lang="en-US"/>
               <a:t>Click to edit Master text styles</a:t>
             </a:r>
           </a:p>
           <a:p>
             <a:pPr lvl="1"/>
             <a:r>
-              <a:rPr lang="en-US" smtClean="0"/>
+              <a:rPr lang="en-US"/>
               <a:t>Second level</a:t>
             </a:r>
           </a:p>
           <a:p>
             <a:pPr lvl="2"/>
             <a:r>
-              <a:rPr lang="en-US" smtClean="0"/>
+              <a:rPr lang="en-US"/>
               <a:t>Third level</a:t>
             </a:r>
           </a:p>
           <a:p>
             <a:pPr lvl="3"/>
             <a:r>
-              <a:rPr lang="en-US" smtClean="0"/>
+              <a:rPr lang="en-US"/>
               <a:t>Fourth level</a:t>
             </a:r>
           </a:p>
           <a:p>
             <a:pPr lvl="4"/>
             <a:r>
-              <a:rPr lang="en-US" smtClean="0"/>
+              <a:rPr lang="en-US"/>
               <a:t>Fifth level</a:t>
             </a:r>
-            <a:endParaRPr lang="en-US"/>
           </a:p>
         </p:txBody>
       </p:sp>
@@ -655,7 +650,7 @@
           <a:p>
             <a:fld id="{A0EC2761-52B0-42C5-B01B-DF8F69615AE5}" type="datetimeFigureOut">
               <a:rPr lang="en-US" smtClean="0"/>
-              <a:t>5/18/2019</a:t>
+              <a:t>5/20/19</a:t>
             </a:fld>
             <a:endParaRPr lang="en-US"/>
           </a:p>
@@ -749,10 +744,9 @@
           <a:lstStyle/>
           <a:p>
             <a:r>
-              <a:rPr lang="en-US" smtClean="0"/>
+              <a:rPr lang="en-US"/>
               <a:t>Click to edit Master title style</a:t>
             </a:r>
-            <a:endParaRPr lang="en-US"/>
           </a:p>
         </p:txBody>
       </p:sp>
@@ -773,38 +767,37 @@
           <a:p>
             <a:pPr lvl="0"/>
             <a:r>
-              <a:rPr lang="en-US" smtClean="0"/>
+              <a:rPr lang="en-US"/>
               <a:t>Click to edit Master text styles</a:t>
             </a:r>
           </a:p>
           <a:p>
             <a:pPr lvl="1"/>
             <a:r>
-              <a:rPr lang="en-US" smtClean="0"/>
+              <a:rPr lang="en-US"/>
               <a:t>Second level</a:t>
             </a:r>
           </a:p>
           <a:p>
             <a:pPr lvl="2"/>
             <a:r>
-              <a:rPr lang="en-US" smtClean="0"/>
+              <a:rPr lang="en-US"/>
               <a:t>Third level</a:t>
             </a:r>
           </a:p>
           <a:p>
             <a:pPr lvl="3"/>
             <a:r>
-              <a:rPr lang="en-US" smtClean="0"/>
+              <a:rPr lang="en-US"/>
               <a:t>Fourth level</a:t>
             </a:r>
           </a:p>
           <a:p>
             <a:pPr lvl="4"/>
             <a:r>
-              <a:rPr lang="en-US" smtClean="0"/>
+              <a:rPr lang="en-US"/>
               <a:t>Fifth level</a:t>
             </a:r>
-            <a:endParaRPr lang="en-US"/>
           </a:p>
         </p:txBody>
       </p:sp>
@@ -825,7 +818,7 @@
           <a:p>
             <a:fld id="{A0EC2761-52B0-42C5-B01B-DF8F69615AE5}" type="datetimeFigureOut">
               <a:rPr lang="en-US" smtClean="0"/>
-              <a:t>5/18/2019</a:t>
+              <a:t>5/20/19</a:t>
             </a:fld>
             <a:endParaRPr lang="en-US"/>
           </a:p>
@@ -928,10 +921,9 @@
           </a:lstStyle>
           <a:p>
             <a:r>
-              <a:rPr lang="en-US" smtClean="0"/>
+              <a:rPr lang="en-US"/>
               <a:t>Click to edit Master title style</a:t>
             </a:r>
-            <a:endParaRPr lang="en-US"/>
           </a:p>
         </p:txBody>
       </p:sp>
@@ -1048,7 +1040,7 @@
           <a:p>
             <a:pPr lvl="0"/>
             <a:r>
-              <a:rPr lang="en-US" smtClean="0"/>
+              <a:rPr lang="en-US"/>
               <a:t>Click to edit Master text styles</a:t>
             </a:r>
           </a:p>
@@ -1071,7 +1063,7 @@
           <a:p>
             <a:fld id="{A0EC2761-52B0-42C5-B01B-DF8F69615AE5}" type="datetimeFigureOut">
               <a:rPr lang="en-US" smtClean="0"/>
-              <a:t>5/18/2019</a:t>
+              <a:t>5/20/19</a:t>
             </a:fld>
             <a:endParaRPr lang="en-US"/>
           </a:p>
@@ -1165,10 +1157,9 @@
           <a:lstStyle/>
           <a:p>
             <a:r>
-              <a:rPr lang="en-US" smtClean="0"/>
+              <a:rPr lang="en-US"/>
               <a:t>Click to edit Master title style</a:t>
             </a:r>
-            <a:endParaRPr lang="en-US"/>
           </a:p>
         </p:txBody>
       </p:sp>
@@ -1194,38 +1185,37 @@
           <a:p>
             <a:pPr lvl="0"/>
             <a:r>
-              <a:rPr lang="en-US" smtClean="0"/>
+              <a:rPr lang="en-US"/>
               <a:t>Click to edit Master text styles</a:t>
             </a:r>
           </a:p>
           <a:p>
             <a:pPr lvl="1"/>
             <a:r>
-              <a:rPr lang="en-US" smtClean="0"/>
+              <a:rPr lang="en-US"/>
               <a:t>Second level</a:t>
             </a:r>
           </a:p>
           <a:p>
             <a:pPr lvl="2"/>
             <a:r>
-              <a:rPr lang="en-US" smtClean="0"/>
+              <a:rPr lang="en-US"/>
               <a:t>Third level</a:t>
             </a:r>
           </a:p>
           <a:p>
             <a:pPr lvl="3"/>
             <a:r>
-              <a:rPr lang="en-US" smtClean="0"/>
+              <a:rPr lang="en-US"/>
               <a:t>Fourth level</a:t>
             </a:r>
           </a:p>
           <a:p>
             <a:pPr lvl="4"/>
             <a:r>
-              <a:rPr lang="en-US" smtClean="0"/>
+              <a:rPr lang="en-US"/>
               <a:t>Fifth level</a:t>
             </a:r>
-            <a:endParaRPr lang="en-US"/>
           </a:p>
         </p:txBody>
       </p:sp>
@@ -1251,38 +1241,37 @@
           <a:p>
             <a:pPr lvl="0"/>
             <a:r>
-              <a:rPr lang="en-US" smtClean="0"/>
+              <a:rPr lang="en-US"/>
               <a:t>Click to edit Master text styles</a:t>
             </a:r>
           </a:p>
           <a:p>
             <a:pPr lvl="1"/>
             <a:r>
-              <a:rPr lang="en-US" smtClean="0"/>
+              <a:rPr lang="en-US"/>
               <a:t>Second level</a:t>
             </a:r>
           </a:p>
           <a:p>
             <a:pPr lvl="2"/>
             <a:r>
-              <a:rPr lang="en-US" smtClean="0"/>
+              <a:rPr lang="en-US"/>
               <a:t>Third level</a:t>
             </a:r>
           </a:p>
           <a:p>
             <a:pPr lvl="3"/>
             <a:r>
-              <a:rPr lang="en-US" smtClean="0"/>
+              <a:rPr lang="en-US"/>
               <a:t>Fourth level</a:t>
             </a:r>
           </a:p>
           <a:p>
             <a:pPr lvl="4"/>
             <a:r>
-              <a:rPr lang="en-US" smtClean="0"/>
+              <a:rPr lang="en-US"/>
               <a:t>Fifth level</a:t>
             </a:r>
-            <a:endParaRPr lang="en-US"/>
           </a:p>
         </p:txBody>
       </p:sp>
@@ -1303,7 +1292,7 @@
           <a:p>
             <a:fld id="{A0EC2761-52B0-42C5-B01B-DF8F69615AE5}" type="datetimeFigureOut">
               <a:rPr lang="en-US" smtClean="0"/>
-              <a:t>5/18/2019</a:t>
+              <a:t>5/20/19</a:t>
             </a:fld>
             <a:endParaRPr lang="en-US"/>
           </a:p>
@@ -1402,10 +1391,9 @@
           <a:lstStyle/>
           <a:p>
             <a:r>
-              <a:rPr lang="en-US" smtClean="0"/>
+              <a:rPr lang="en-US"/>
               <a:t>Click to edit Master title style</a:t>
             </a:r>
-            <a:endParaRPr lang="en-US"/>
           </a:p>
         </p:txBody>
       </p:sp>
@@ -1468,7 +1456,7 @@
           <a:p>
             <a:pPr lvl="0"/>
             <a:r>
-              <a:rPr lang="en-US" smtClean="0"/>
+              <a:rPr lang="en-US"/>
               <a:t>Click to edit Master text styles</a:t>
             </a:r>
           </a:p>
@@ -1496,38 +1484,37 @@
           <a:p>
             <a:pPr lvl="0"/>
             <a:r>
-              <a:rPr lang="en-US" smtClean="0"/>
+              <a:rPr lang="en-US"/>
               <a:t>Click to edit Master text styles</a:t>
             </a:r>
           </a:p>
           <a:p>
             <a:pPr lvl="1"/>
             <a:r>
-              <a:rPr lang="en-US" smtClean="0"/>
+              <a:rPr lang="en-US"/>
               <a:t>Second level</a:t>
             </a:r>
           </a:p>
           <a:p>
             <a:pPr lvl="2"/>
             <a:r>
-              <a:rPr lang="en-US" smtClean="0"/>
+              <a:rPr lang="en-US"/>
               <a:t>Third level</a:t>
             </a:r>
           </a:p>
           <a:p>
             <a:pPr lvl="3"/>
             <a:r>
-              <a:rPr lang="en-US" smtClean="0"/>
+              <a:rPr lang="en-US"/>
               <a:t>Fourth level</a:t>
             </a:r>
           </a:p>
           <a:p>
             <a:pPr lvl="4"/>
             <a:r>
-              <a:rPr lang="en-US" smtClean="0"/>
+              <a:rPr lang="en-US"/>
               <a:t>Fifth level</a:t>
             </a:r>
-            <a:endParaRPr lang="en-US"/>
           </a:p>
         </p:txBody>
       </p:sp>
@@ -1590,7 +1577,7 @@
           <a:p>
             <a:pPr lvl="0"/>
             <a:r>
-              <a:rPr lang="en-US" smtClean="0"/>
+              <a:rPr lang="en-US"/>
               <a:t>Click to edit Master text styles</a:t>
             </a:r>
           </a:p>
@@ -1618,38 +1605,37 @@
           <a:p>
             <a:pPr lvl="0"/>
             <a:r>
-              <a:rPr lang="en-US" smtClean="0"/>
+              <a:rPr lang="en-US"/>
               <a:t>Click to edit Master text styles</a:t>
             </a:r>
           </a:p>
           <a:p>
             <a:pPr lvl="1"/>
             <a:r>
-              <a:rPr lang="en-US" smtClean="0"/>
+              <a:rPr lang="en-US"/>
               <a:t>Second level</a:t>
             </a:r>
           </a:p>
           <a:p>
             <a:pPr lvl="2"/>
             <a:r>
-              <a:rPr lang="en-US" smtClean="0"/>
+              <a:rPr lang="en-US"/>
               <a:t>Third level</a:t>
             </a:r>
           </a:p>
           <a:p>
             <a:pPr lvl="3"/>
             <a:r>
-              <a:rPr lang="en-US" smtClean="0"/>
+              <a:rPr lang="en-US"/>
               <a:t>Fourth level</a:t>
             </a:r>
           </a:p>
           <a:p>
             <a:pPr lvl="4"/>
             <a:r>
-              <a:rPr lang="en-US" smtClean="0"/>
+              <a:rPr lang="en-US"/>
               <a:t>Fifth level</a:t>
             </a:r>
-            <a:endParaRPr lang="en-US"/>
           </a:p>
         </p:txBody>
       </p:sp>
@@ -1670,7 +1656,7 @@
           <a:p>
             <a:fld id="{A0EC2761-52B0-42C5-B01B-DF8F69615AE5}" type="datetimeFigureOut">
               <a:rPr lang="en-US" smtClean="0"/>
-              <a:t>5/18/2019</a:t>
+              <a:t>5/20/19</a:t>
             </a:fld>
             <a:endParaRPr lang="en-US"/>
           </a:p>
@@ -1779,7 +1765,7 @@
           <a:p>
             <a:fld id="{A0EC2761-52B0-42C5-B01B-DF8F69615AE5}" type="datetimeFigureOut">
               <a:rPr lang="en-US" smtClean="0"/>
-              <a:t>5/18/2019</a:t>
+              <a:t>5/20/19</a:t>
             </a:fld>
             <a:endParaRPr lang="en-US"/>
           </a:p>
@@ -1888,7 +1874,7 @@
           <a:p>
             <a:fld id="{A0EC2761-52B0-42C5-B01B-DF8F69615AE5}" type="datetimeFigureOut">
               <a:rPr lang="en-US" smtClean="0"/>
-              <a:t>5/18/2019</a:t>
+              <a:t>5/20/19</a:t>
             </a:fld>
             <a:endParaRPr lang="en-US"/>
           </a:p>
@@ -1991,10 +1977,9 @@
           </a:lstStyle>
           <a:p>
             <a:r>
-              <a:rPr lang="en-US" smtClean="0"/>
+              <a:rPr lang="en-US"/>
               <a:t>Click to edit Master title style</a:t>
             </a:r>
-            <a:endParaRPr lang="en-US"/>
           </a:p>
         </p:txBody>
       </p:sp>
@@ -2048,38 +2033,37 @@
           <a:p>
             <a:pPr lvl="0"/>
             <a:r>
-              <a:rPr lang="en-US" smtClean="0"/>
+              <a:rPr lang="en-US"/>
               <a:t>Click to edit Master text styles</a:t>
             </a:r>
           </a:p>
           <a:p>
             <a:pPr lvl="1"/>
             <a:r>
-              <a:rPr lang="en-US" smtClean="0"/>
+              <a:rPr lang="en-US"/>
               <a:t>Second level</a:t>
             </a:r>
           </a:p>
           <a:p>
             <a:pPr lvl="2"/>
             <a:r>
-              <a:rPr lang="en-US" smtClean="0"/>
+              <a:rPr lang="en-US"/>
               <a:t>Third level</a:t>
             </a:r>
           </a:p>
           <a:p>
             <a:pPr lvl="3"/>
             <a:r>
-              <a:rPr lang="en-US" smtClean="0"/>
+              <a:rPr lang="en-US"/>
               <a:t>Fourth level</a:t>
             </a:r>
           </a:p>
           <a:p>
             <a:pPr lvl="4"/>
             <a:r>
-              <a:rPr lang="en-US" smtClean="0"/>
+              <a:rPr lang="en-US"/>
               <a:t>Fifth level</a:t>
             </a:r>
-            <a:endParaRPr lang="en-US"/>
           </a:p>
         </p:txBody>
       </p:sp>
@@ -2142,7 +2126,7 @@
           <a:p>
             <a:pPr lvl="0"/>
             <a:r>
-              <a:rPr lang="en-US" smtClean="0"/>
+              <a:rPr lang="en-US"/>
               <a:t>Click to edit Master text styles</a:t>
             </a:r>
           </a:p>
@@ -2165,7 +2149,7 @@
           <a:p>
             <a:fld id="{A0EC2761-52B0-42C5-B01B-DF8F69615AE5}" type="datetimeFigureOut">
               <a:rPr lang="en-US" smtClean="0"/>
-              <a:t>5/18/2019</a:t>
+              <a:t>5/20/19</a:t>
             </a:fld>
             <a:endParaRPr lang="en-US"/>
           </a:p>
@@ -2268,10 +2252,9 @@
           </a:lstStyle>
           <a:p>
             <a:r>
-              <a:rPr lang="en-US" smtClean="0"/>
+              <a:rPr lang="en-US"/>
               <a:t>Click to edit Master title style</a:t>
             </a:r>
-            <a:endParaRPr lang="en-US"/>
           </a:p>
         </p:txBody>
       </p:sp>
@@ -2333,10 +2316,9 @@
           </a:lstStyle>
           <a:p>
             <a:r>
-              <a:rPr lang="en-US" smtClean="0"/>
+              <a:rPr lang="en-US"/>
               <a:t>Click icon to add picture</a:t>
             </a:r>
-            <a:endParaRPr lang="en-US"/>
           </a:p>
         </p:txBody>
       </p:sp>
@@ -2399,7 +2381,7 @@
           <a:p>
             <a:pPr lvl="0"/>
             <a:r>
-              <a:rPr lang="en-US" smtClean="0"/>
+              <a:rPr lang="en-US"/>
               <a:t>Click to edit Master text styles</a:t>
             </a:r>
           </a:p>
@@ -2422,7 +2404,7 @@
           <a:p>
             <a:fld id="{A0EC2761-52B0-42C5-B01B-DF8F69615AE5}" type="datetimeFigureOut">
               <a:rPr lang="en-US" smtClean="0"/>
-              <a:t>5/18/2019</a:t>
+              <a:t>5/20/19</a:t>
             </a:fld>
             <a:endParaRPr lang="en-US"/>
           </a:p>
@@ -2540,10 +2522,9 @@
           <a:lstStyle/>
           <a:p>
             <a:r>
-              <a:rPr lang="en-US" dirty="0" smtClean="0"/>
+              <a:rPr lang="en-US" dirty="0"/>
               <a:t>Click to edit Master title style</a:t>
             </a:r>
-            <a:endParaRPr lang="en-US" dirty="0"/>
           </a:p>
         </p:txBody>
       </p:sp>
@@ -2574,38 +2555,37 @@
           <a:p>
             <a:pPr lvl="0"/>
             <a:r>
-              <a:rPr lang="en-US" dirty="0" smtClean="0"/>
+              <a:rPr lang="en-US" dirty="0"/>
               <a:t>Click to edit Master text styles</a:t>
             </a:r>
           </a:p>
           <a:p>
             <a:pPr lvl="1"/>
             <a:r>
-              <a:rPr lang="en-US" dirty="0" smtClean="0"/>
+              <a:rPr lang="en-US" dirty="0"/>
               <a:t>Second level</a:t>
             </a:r>
           </a:p>
           <a:p>
             <a:pPr lvl="2"/>
             <a:r>
-              <a:rPr lang="en-US" dirty="0" smtClean="0"/>
+              <a:rPr lang="en-US" dirty="0"/>
               <a:t>Third level</a:t>
             </a:r>
           </a:p>
           <a:p>
             <a:pPr lvl="3"/>
             <a:r>
-              <a:rPr lang="en-US" dirty="0" smtClean="0"/>
+              <a:rPr lang="en-US" dirty="0"/>
               <a:t>Fourth level</a:t>
             </a:r>
           </a:p>
           <a:p>
             <a:pPr lvl="4"/>
             <a:r>
-              <a:rPr lang="en-US" dirty="0" smtClean="0"/>
+              <a:rPr lang="en-US" dirty="0"/>
               <a:t>Fifth level</a:t>
             </a:r>
-            <a:endParaRPr lang="en-US" dirty="0"/>
           </a:p>
         </p:txBody>
       </p:sp>
@@ -2644,7 +2624,7 @@
           <a:p>
             <a:fld id="{A0EC2761-52B0-42C5-B01B-DF8F69615AE5}" type="datetimeFigureOut">
               <a:rPr lang="en-US" smtClean="0"/>
-              <a:t>5/18/2019</a:t>
+              <a:t>5/20/19</a:t>
             </a:fld>
             <a:endParaRPr lang="en-US"/>
           </a:p>
@@ -3076,13 +3056,13 @@
         </p:nvSpPr>
         <p:spPr>
           <a:xfrm>
-            <a:off x="0" y="1332039"/>
-            <a:ext cx="9144000" cy="1289185"/>
+            <a:off x="0" y="1636433"/>
+            <a:ext cx="9144000" cy="568132"/>
           </a:xfrm>
         </p:spPr>
         <p:txBody>
           <a:bodyPr anchor="ctr">
-            <a:normAutofit/>
+            <a:normAutofit fontScale="90000"/>
           </a:bodyPr>
           <a:lstStyle/>
           <a:p>
@@ -3092,19 +3072,13 @@
               </a:spcAft>
             </a:pPr>
             <a:r>
-              <a:rPr lang="en-US" dirty="0" smtClean="0">
+              <a:rPr lang="en-US" sz="4000" dirty="0">
                 <a:latin typeface="Arial" panose="020B0604020202020204" pitchFamily="34" charset="0"/>
                 <a:cs typeface="Arial" panose="020B0604020202020204" pitchFamily="34" charset="0"/>
               </a:rPr>
               <a:t>PHÂN TÍCH THIẾT KẾ HỆ THỐNG</a:t>
             </a:r>
-            <a:br>
-              <a:rPr lang="en-US" dirty="0" smtClean="0">
-                <a:latin typeface="Arial" panose="020B0604020202020204" pitchFamily="34" charset="0"/>
-                <a:cs typeface="Arial" panose="020B0604020202020204" pitchFamily="34" charset="0"/>
-              </a:rPr>
-            </a:br>
-            <a:endParaRPr lang="en-US" sz="3200" b="0" i="1" dirty="0">
+            <a:endParaRPr lang="en-US" sz="4000" b="0" i="1" dirty="0">
               <a:latin typeface="Arial" panose="020B0604020202020204" pitchFamily="34" charset="0"/>
               <a:cs typeface="Arial" panose="020B0604020202020204" pitchFamily="34" charset="0"/>
             </a:endParaRPr>
@@ -3127,11 +3101,11 @@
           <a:lstStyle/>
           <a:p>
             <a:r>
-              <a:rPr lang="en-US" dirty="0" err="1" smtClean="0"/>
+              <a:rPr lang="en-US" dirty="0" err="1"/>
               <a:t>Nhóm</a:t>
             </a:r>
             <a:r>
-              <a:rPr lang="en-US" dirty="0" smtClean="0"/>
+              <a:rPr lang="en-US" dirty="0"/>
               <a:t> 12</a:t>
             </a:r>
           </a:p>
@@ -3150,8 +3124,8 @@
         </p:nvSpPr>
         <p:spPr>
           <a:xfrm>
-            <a:off x="0" y="2621225"/>
-            <a:ext cx="9144000" cy="1458991"/>
+            <a:off x="5174901" y="3392141"/>
+            <a:ext cx="4280597" cy="844636"/>
           </a:xfrm>
           <a:prstGeom prst="rect">
             <a:avLst/>
@@ -3159,7 +3133,7 @@
         </p:spPr>
         <p:txBody>
           <a:bodyPr vert="horz" lIns="91440" tIns="45720" rIns="91440" bIns="45720" rtlCol="0" anchor="ctr">
-            <a:normAutofit lnSpcReduction="10000"/>
+            <a:normAutofit/>
           </a:bodyPr>
           <a:lstStyle>
             <a:lvl1pPr marL="0" marR="0" indent="0" algn="ctr" defTabSz="685800" rtl="0" eaLnBrk="1" fontAlgn="auto" latinLnBrk="0" hangingPunct="1">
@@ -3191,115 +3165,82 @@
             </a:lvl1pPr>
           </a:lstStyle>
           <a:p>
-            <a:pPr>
+            <a:pPr algn="l">
               <a:spcAft>
                 <a:spcPts val="1200"/>
               </a:spcAft>
             </a:pPr>
             <a:r>
-              <a:rPr lang="en-US" dirty="0" smtClean="0">
-                <a:latin typeface="Arial" panose="020B0604020202020204" pitchFamily="34" charset="0"/>
-                <a:cs typeface="Arial" panose="020B0604020202020204" pitchFamily="34" charset="0"/>
-              </a:rPr>
-              <a:t/>
-            </a:r>
-            <a:br>
-              <a:rPr lang="en-US" dirty="0" smtClean="0">
-                <a:latin typeface="Arial" panose="020B0604020202020204" pitchFamily="34" charset="0"/>
-                <a:cs typeface="Arial" panose="020B0604020202020204" pitchFamily="34" charset="0"/>
-              </a:rPr>
-            </a:br>
-            <a:r>
-              <a:rPr lang="en-US" sz="3200" dirty="0" smtClean="0">
-                <a:latin typeface="Arial" panose="020B0604020202020204" pitchFamily="34" charset="0"/>
-                <a:cs typeface="Arial" panose="020B0604020202020204" pitchFamily="34" charset="0"/>
-              </a:rPr>
-              <a:t/>
-            </a:r>
-            <a:br>
-              <a:rPr lang="en-US" sz="3200" dirty="0" smtClean="0">
-                <a:latin typeface="Arial" panose="020B0604020202020204" pitchFamily="34" charset="0"/>
-                <a:cs typeface="Arial" panose="020B0604020202020204" pitchFamily="34" charset="0"/>
-              </a:rPr>
-            </a:br>
-            <a:r>
-              <a:rPr lang="en-US" sz="3200" dirty="0" smtClean="0">
-                <a:latin typeface="Arial" panose="020B0604020202020204" pitchFamily="34" charset="0"/>
-                <a:cs typeface="Arial" panose="020B0604020202020204" pitchFamily="34" charset="0"/>
-              </a:rPr>
-              <a:t>					</a:t>
-            </a:r>
-            <a:r>
-              <a:rPr lang="en-US" sz="2400" b="0" i="1" dirty="0" smtClean="0">
+              <a:rPr lang="en-US" sz="1600" b="0" i="1" dirty="0">
                 <a:latin typeface="Arial" panose="020B0604020202020204" pitchFamily="34" charset="0"/>
                 <a:cs typeface="Arial" panose="020B0604020202020204" pitchFamily="34" charset="0"/>
               </a:rPr>
               <a:t>GV </a:t>
             </a:r>
             <a:r>
-              <a:rPr lang="en-US" sz="2400" b="0" i="1" dirty="0" err="1" smtClean="0">
+              <a:rPr lang="en-US" sz="1600" b="0" i="1" dirty="0" err="1">
                 <a:latin typeface="Arial" panose="020B0604020202020204" pitchFamily="34" charset="0"/>
                 <a:cs typeface="Arial" panose="020B0604020202020204" pitchFamily="34" charset="0"/>
               </a:rPr>
               <a:t>hướng</a:t>
             </a:r>
             <a:r>
-              <a:rPr lang="en-US" sz="2400" b="0" i="1" dirty="0" smtClean="0">
+              <a:rPr lang="en-US" sz="1600" b="0" i="1" dirty="0">
                 <a:latin typeface="Arial" panose="020B0604020202020204" pitchFamily="34" charset="0"/>
                 <a:cs typeface="Arial" panose="020B0604020202020204" pitchFamily="34" charset="0"/>
               </a:rPr>
               <a:t> </a:t>
             </a:r>
             <a:r>
-              <a:rPr lang="en-US" sz="2400" b="0" i="1" dirty="0" err="1" smtClean="0">
+              <a:rPr lang="en-US" sz="1600" b="0" i="1" dirty="0" err="1">
                 <a:latin typeface="Arial" panose="020B0604020202020204" pitchFamily="34" charset="0"/>
                 <a:cs typeface="Arial" panose="020B0604020202020204" pitchFamily="34" charset="0"/>
               </a:rPr>
               <a:t>dẫn</a:t>
             </a:r>
             <a:r>
-              <a:rPr lang="en-US" sz="2400" b="0" i="1" dirty="0" smtClean="0">
+              <a:rPr lang="en-US" sz="1600" b="0" i="1" dirty="0">
                 <a:latin typeface="Arial" panose="020B0604020202020204" pitchFamily="34" charset="0"/>
                 <a:cs typeface="Arial" panose="020B0604020202020204" pitchFamily="34" charset="0"/>
               </a:rPr>
               <a:t>: TS. </a:t>
             </a:r>
             <a:r>
-              <a:rPr lang="en-US" sz="2400" b="0" i="1" dirty="0" err="1" smtClean="0">
+              <a:rPr lang="en-US" sz="1600" b="0" i="1" dirty="0" err="1">
                 <a:latin typeface="Arial" panose="020B0604020202020204" pitchFamily="34" charset="0"/>
                 <a:cs typeface="Arial" panose="020B0604020202020204" pitchFamily="34" charset="0"/>
               </a:rPr>
               <a:t>Nguyễn</a:t>
             </a:r>
             <a:r>
-              <a:rPr lang="en-US" sz="2400" b="0" i="1" dirty="0" smtClean="0">
+              <a:rPr lang="en-US" sz="1600" b="0" i="1" dirty="0">
                 <a:latin typeface="Arial" panose="020B0604020202020204" pitchFamily="34" charset="0"/>
                 <a:cs typeface="Arial" panose="020B0604020202020204" pitchFamily="34" charset="0"/>
               </a:rPr>
               <a:t> </a:t>
             </a:r>
             <a:r>
-              <a:rPr lang="en-US" sz="2400" b="0" i="1" dirty="0" err="1" smtClean="0">
+              <a:rPr lang="en-US" sz="1600" b="0" i="1" dirty="0" err="1">
                 <a:latin typeface="Arial" panose="020B0604020202020204" pitchFamily="34" charset="0"/>
                 <a:cs typeface="Arial" panose="020B0604020202020204" pitchFamily="34" charset="0"/>
               </a:rPr>
               <a:t>Nhật</a:t>
             </a:r>
             <a:r>
-              <a:rPr lang="en-US" sz="2400" b="0" i="1" dirty="0" smtClean="0">
+              <a:rPr lang="en-US" sz="1600" b="0" i="1" dirty="0">
                 <a:latin typeface="Arial" panose="020B0604020202020204" pitchFamily="34" charset="0"/>
                 <a:cs typeface="Arial" panose="020B0604020202020204" pitchFamily="34" charset="0"/>
               </a:rPr>
               <a:t> </a:t>
             </a:r>
             <a:r>
-              <a:rPr lang="en-US" sz="2400" b="0" i="1" dirty="0" err="1" smtClean="0">
+              <a:rPr lang="en-US" sz="1600" b="0" i="1" dirty="0" err="1">
                 <a:latin typeface="Arial" panose="020B0604020202020204" pitchFamily="34" charset="0"/>
                 <a:cs typeface="Arial" panose="020B0604020202020204" pitchFamily="34" charset="0"/>
               </a:rPr>
               <a:t>Quang</a:t>
             </a:r>
-            <a:endParaRPr lang="en-US" sz="3200" b="0" i="1" dirty="0">
+            <a:endParaRPr lang="en-US" sz="1600" b="0" i="1" dirty="0">
               <a:latin typeface="Arial" panose="020B0604020202020204" pitchFamily="34" charset="0"/>
               <a:cs typeface="Arial" panose="020B0604020202020204" pitchFamily="34" charset="0"/>
             </a:endParaRPr>
@@ -3316,8 +3257,8 @@
         </p:nvSpPr>
         <p:spPr>
           <a:xfrm>
-            <a:off x="0" y="1946395"/>
-            <a:ext cx="9144000" cy="1815702"/>
+            <a:off x="0" y="2462734"/>
+            <a:ext cx="9144000" cy="568132"/>
           </a:xfrm>
           <a:prstGeom prst="rect">
             <a:avLst/>
@@ -3325,7 +3266,7 @@
         </p:spPr>
         <p:txBody>
           <a:bodyPr vert="horz" lIns="91440" tIns="45720" rIns="91440" bIns="45720" rtlCol="0" anchor="ctr">
-            <a:normAutofit lnSpcReduction="10000"/>
+            <a:normAutofit/>
           </a:bodyPr>
           <a:lstStyle>
             <a:lvl1pPr marL="0" marR="0" indent="0" algn="ctr" defTabSz="685800" rtl="0" eaLnBrk="1" fontAlgn="auto" latinLnBrk="0" hangingPunct="1">
@@ -3363,178 +3304,146 @@
               </a:spcAft>
             </a:pPr>
             <a:r>
-              <a:rPr lang="en-US" dirty="0" smtClean="0">
-                <a:latin typeface="Arial" panose="020B0604020202020204" pitchFamily="34" charset="0"/>
-                <a:cs typeface="Arial" panose="020B0604020202020204" pitchFamily="34" charset="0"/>
-              </a:rPr>
-              <a:t/>
-            </a:r>
-            <a:br>
-              <a:rPr lang="en-US" dirty="0" smtClean="0">
-                <a:latin typeface="Arial" panose="020B0604020202020204" pitchFamily="34" charset="0"/>
-                <a:cs typeface="Arial" panose="020B0604020202020204" pitchFamily="34" charset="0"/>
-              </a:rPr>
-            </a:br>
-            <a:r>
-              <a:rPr lang="en-US" sz="3200" dirty="0" err="1" smtClean="0">
+              <a:rPr lang="en-US" sz="2400" dirty="0" err="1">
                 <a:latin typeface="Arial" panose="020B0604020202020204" pitchFamily="34" charset="0"/>
                 <a:cs typeface="Arial" panose="020B0604020202020204" pitchFamily="34" charset="0"/>
               </a:rPr>
               <a:t>Đề</a:t>
             </a:r>
             <a:r>
-              <a:rPr lang="en-US" sz="3200" dirty="0" smtClean="0">
+              <a:rPr lang="en-US" sz="2400" dirty="0">
                 <a:latin typeface="Arial" panose="020B0604020202020204" pitchFamily="34" charset="0"/>
                 <a:cs typeface="Arial" panose="020B0604020202020204" pitchFamily="34" charset="0"/>
               </a:rPr>
               <a:t> </a:t>
             </a:r>
             <a:r>
-              <a:rPr lang="en-US" sz="3200" dirty="0" err="1" smtClean="0">
+              <a:rPr lang="en-US" sz="2400" dirty="0" err="1">
                 <a:latin typeface="Arial" panose="020B0604020202020204" pitchFamily="34" charset="0"/>
                 <a:cs typeface="Arial" panose="020B0604020202020204" pitchFamily="34" charset="0"/>
               </a:rPr>
               <a:t>tài</a:t>
             </a:r>
             <a:r>
-              <a:rPr lang="en-US" sz="3200" dirty="0" smtClean="0">
+              <a:rPr lang="en-US" sz="2400" dirty="0">
                 <a:latin typeface="Arial" panose="020B0604020202020204" pitchFamily="34" charset="0"/>
                 <a:cs typeface="Arial" panose="020B0604020202020204" pitchFamily="34" charset="0"/>
               </a:rPr>
               <a:t>: </a:t>
             </a:r>
             <a:r>
-              <a:rPr lang="en-US" sz="3200" dirty="0" err="1" smtClean="0">
-                <a:latin typeface="Arial" panose="020B0604020202020204" pitchFamily="34" charset="0"/>
-                <a:cs typeface="Arial" panose="020B0604020202020204" pitchFamily="34" charset="0"/>
-              </a:rPr>
-              <a:t>Công</a:t>
-            </a:r>
-            <a:r>
-              <a:rPr lang="en-US" sz="3200" dirty="0" smtClean="0">
+              <a:rPr lang="en-US" sz="2400" dirty="0" err="1">
+                <a:latin typeface="Arial" panose="020B0604020202020204" pitchFamily="34" charset="0"/>
+                <a:cs typeface="Arial" panose="020B0604020202020204" pitchFamily="34" charset="0"/>
+              </a:rPr>
+              <a:t>Cổng</a:t>
+            </a:r>
+            <a:r>
+              <a:rPr lang="en-US" sz="2400" dirty="0">
                 <a:latin typeface="Arial" panose="020B0604020202020204" pitchFamily="34" charset="0"/>
                 <a:cs typeface="Arial" panose="020B0604020202020204" pitchFamily="34" charset="0"/>
               </a:rPr>
               <a:t> </a:t>
             </a:r>
             <a:r>
-              <a:rPr lang="en-US" sz="3200" dirty="0" err="1" smtClean="0">
+              <a:rPr lang="en-US" sz="2400" dirty="0" err="1">
                 <a:latin typeface="Arial" panose="020B0604020202020204" pitchFamily="34" charset="0"/>
                 <a:cs typeface="Arial" panose="020B0604020202020204" pitchFamily="34" charset="0"/>
               </a:rPr>
               <a:t>thông</a:t>
             </a:r>
             <a:r>
-              <a:rPr lang="en-US" sz="3200" dirty="0" smtClean="0">
+              <a:rPr lang="en-US" sz="2400" dirty="0">
                 <a:latin typeface="Arial" panose="020B0604020202020204" pitchFamily="34" charset="0"/>
                 <a:cs typeface="Arial" panose="020B0604020202020204" pitchFamily="34" charset="0"/>
               </a:rPr>
               <a:t> tin </a:t>
             </a:r>
             <a:r>
-              <a:rPr lang="en-US" sz="3200" dirty="0" err="1" smtClean="0">
+              <a:rPr lang="en-US" sz="2400" dirty="0" err="1">
                 <a:latin typeface="Arial" panose="020B0604020202020204" pitchFamily="34" charset="0"/>
                 <a:cs typeface="Arial" panose="020B0604020202020204" pitchFamily="34" charset="0"/>
               </a:rPr>
               <a:t>về</a:t>
             </a:r>
             <a:r>
-              <a:rPr lang="en-US" sz="3200" dirty="0" smtClean="0">
+              <a:rPr lang="en-US" sz="2400" dirty="0">
                 <a:latin typeface="Arial" panose="020B0604020202020204" pitchFamily="34" charset="0"/>
                 <a:cs typeface="Arial" panose="020B0604020202020204" pitchFamily="34" charset="0"/>
               </a:rPr>
               <a:t> </a:t>
             </a:r>
-            <a:br>
-              <a:rPr lang="en-US" sz="3200" dirty="0" smtClean="0">
-                <a:latin typeface="Arial" panose="020B0604020202020204" pitchFamily="34" charset="0"/>
-                <a:cs typeface="Arial" panose="020B0604020202020204" pitchFamily="34" charset="0"/>
-              </a:rPr>
-            </a:br>
-            <a:r>
-              <a:rPr lang="en-US" sz="3200" dirty="0" err="1" smtClean="0">
+            <a:r>
+              <a:rPr lang="en-US" sz="2400" dirty="0" err="1">
                 <a:latin typeface="Arial" panose="020B0604020202020204" pitchFamily="34" charset="0"/>
                 <a:cs typeface="Arial" panose="020B0604020202020204" pitchFamily="34" charset="0"/>
               </a:rPr>
               <a:t>phim</a:t>
             </a:r>
             <a:r>
-              <a:rPr lang="en-US" sz="3200" dirty="0" smtClean="0">
+              <a:rPr lang="en-US" sz="2400" dirty="0">
                 <a:latin typeface="Arial" panose="020B0604020202020204" pitchFamily="34" charset="0"/>
                 <a:cs typeface="Arial" panose="020B0604020202020204" pitchFamily="34" charset="0"/>
               </a:rPr>
               <a:t> </a:t>
             </a:r>
             <a:r>
-              <a:rPr lang="en-US" sz="3200" dirty="0" err="1" smtClean="0">
+              <a:rPr lang="en-US" sz="2400" dirty="0" err="1">
                 <a:latin typeface="Arial" panose="020B0604020202020204" pitchFamily="34" charset="0"/>
                 <a:cs typeface="Arial" panose="020B0604020202020204" pitchFamily="34" charset="0"/>
               </a:rPr>
               <a:t>chiếu</a:t>
             </a:r>
             <a:r>
-              <a:rPr lang="en-US" sz="3200" dirty="0" smtClean="0">
+              <a:rPr lang="en-US" sz="2400" dirty="0">
                 <a:latin typeface="Arial" panose="020B0604020202020204" pitchFamily="34" charset="0"/>
                 <a:cs typeface="Arial" panose="020B0604020202020204" pitchFamily="34" charset="0"/>
               </a:rPr>
               <a:t> </a:t>
             </a:r>
             <a:r>
-              <a:rPr lang="en-US" sz="3200" dirty="0" err="1" smtClean="0">
+              <a:rPr lang="en-US" sz="2400" dirty="0" err="1">
                 <a:latin typeface="Arial" panose="020B0604020202020204" pitchFamily="34" charset="0"/>
                 <a:cs typeface="Arial" panose="020B0604020202020204" pitchFamily="34" charset="0"/>
               </a:rPr>
               <a:t>rạp</a:t>
             </a:r>
             <a:r>
-              <a:rPr lang="en-US" sz="3200" dirty="0" smtClean="0">
+              <a:rPr lang="en-US" sz="2400" dirty="0">
                 <a:latin typeface="Arial" panose="020B0604020202020204" pitchFamily="34" charset="0"/>
                 <a:cs typeface="Arial" panose="020B0604020202020204" pitchFamily="34" charset="0"/>
               </a:rPr>
               <a:t> </a:t>
             </a:r>
             <a:r>
-              <a:rPr lang="en-US" sz="3200" dirty="0" err="1" smtClean="0">
+              <a:rPr lang="en-US" sz="2400" dirty="0" err="1">
                 <a:latin typeface="Arial" panose="020B0604020202020204" pitchFamily="34" charset="0"/>
                 <a:cs typeface="Arial" panose="020B0604020202020204" pitchFamily="34" charset="0"/>
               </a:rPr>
               <a:t>tại</a:t>
             </a:r>
             <a:r>
-              <a:rPr lang="en-US" sz="3200" dirty="0" smtClean="0">
+              <a:rPr lang="en-US" sz="2400" dirty="0">
                 <a:latin typeface="Arial" panose="020B0604020202020204" pitchFamily="34" charset="0"/>
                 <a:cs typeface="Arial" panose="020B0604020202020204" pitchFamily="34" charset="0"/>
               </a:rPr>
               <a:t> </a:t>
             </a:r>
             <a:r>
-              <a:rPr lang="en-US" sz="3200" dirty="0" err="1" smtClean="0">
+              <a:rPr lang="en-US" sz="2400" dirty="0" err="1">
                 <a:latin typeface="Arial" panose="020B0604020202020204" pitchFamily="34" charset="0"/>
                 <a:cs typeface="Arial" panose="020B0604020202020204" pitchFamily="34" charset="0"/>
               </a:rPr>
               <a:t>Việt</a:t>
             </a:r>
             <a:r>
-              <a:rPr lang="en-US" sz="3200" dirty="0" smtClean="0">
+              <a:rPr lang="en-US" sz="2400" dirty="0">
                 <a:latin typeface="Arial" panose="020B0604020202020204" pitchFamily="34" charset="0"/>
                 <a:cs typeface="Arial" panose="020B0604020202020204" pitchFamily="34" charset="0"/>
               </a:rPr>
               <a:t> Nam</a:t>
             </a:r>
-            <a:br>
-              <a:rPr lang="en-US" sz="3200" dirty="0" smtClean="0">
-                <a:latin typeface="Arial" panose="020B0604020202020204" pitchFamily="34" charset="0"/>
-                <a:cs typeface="Arial" panose="020B0604020202020204" pitchFamily="34" charset="0"/>
-              </a:rPr>
-            </a:br>
-            <a:r>
-              <a:rPr lang="en-US" sz="3200" dirty="0" smtClean="0">
-                <a:latin typeface="Arial" panose="020B0604020202020204" pitchFamily="34" charset="0"/>
-                <a:cs typeface="Arial" panose="020B0604020202020204" pitchFamily="34" charset="0"/>
-              </a:rPr>
-              <a:t>					</a:t>
-            </a:r>
-            <a:endParaRPr lang="en-US" sz="3200" b="0" i="1" dirty="0">
+            <a:endParaRPr lang="en-US" sz="2400" i="1" dirty="0">
               <a:latin typeface="Arial" panose="020B0604020202020204" pitchFamily="34" charset="0"/>
               <a:cs typeface="Arial" panose="020B0604020202020204" pitchFamily="34" charset="0"/>
             </a:endParaRPr>
@@ -3566,8 +3475,20 @@
                 <a:tableStyleId>{2D5ABB26-0587-4C30-8999-92F81FD0307C}</a:tableStyleId>
               </a:tblPr>
               <a:tblGrid>
-                <a:gridCol w="2457719"/>
-                <a:gridCol w="2457719"/>
+                <a:gridCol w="2457719">
+                  <a:extLst>
+                    <a:ext uri="{9D8B030D-6E8A-4147-A177-3AD203B41FA5}">
+                      <a16:colId xmlns:a16="http://schemas.microsoft.com/office/drawing/2014/main" val="20000"/>
+                    </a:ext>
+                  </a:extLst>
+                </a:gridCol>
+                <a:gridCol w="2457719">
+                  <a:extLst>
+                    <a:ext uri="{9D8B030D-6E8A-4147-A177-3AD203B41FA5}">
+                      <a16:colId xmlns:a16="http://schemas.microsoft.com/office/drawing/2014/main" val="20001"/>
+                    </a:ext>
+                  </a:extLst>
+                </a:gridCol>
               </a:tblGrid>
               <a:tr h="338286">
                 <a:tc>
@@ -3577,7 +3498,7 @@
                     <a:p>
                       <a:pPr algn="l"/>
                       <a:r>
-                        <a:rPr lang="en-US" sz="1800" dirty="0" err="1" smtClean="0">
+                        <a:rPr lang="en-US" sz="1800" dirty="0" err="1">
                           <a:solidFill>
                             <a:schemeClr val="bg1"/>
                           </a:solidFill>
@@ -3587,7 +3508,7 @@
                         <a:t>Lê</a:t>
                       </a:r>
                       <a:r>
-                        <a:rPr lang="en-US" sz="1800" baseline="0" dirty="0" smtClean="0">
+                        <a:rPr lang="en-US" sz="1800" baseline="0" dirty="0">
                           <a:solidFill>
                             <a:schemeClr val="bg1"/>
                           </a:solidFill>
@@ -3597,7 +3518,7 @@
                         <a:t> Nam </a:t>
                       </a:r>
                       <a:r>
-                        <a:rPr lang="en-US" sz="1800" baseline="0" dirty="0" err="1" smtClean="0">
+                        <a:rPr lang="en-US" sz="1800" baseline="0" dirty="0" err="1">
                           <a:solidFill>
                             <a:schemeClr val="bg1"/>
                           </a:solidFill>
@@ -3624,7 +3545,7 @@
                     <a:p>
                       <a:pPr algn="r"/>
                       <a:r>
-                        <a:rPr lang="en-US" sz="1800" dirty="0" smtClean="0">
+                        <a:rPr lang="en-US" sz="1800" dirty="0">
                           <a:solidFill>
                             <a:schemeClr val="bg1"/>
                           </a:solidFill>
@@ -3633,17 +3554,15 @@
                         </a:rPr>
                         <a:t>20160092</a:t>
                       </a:r>
-                      <a:endParaRPr lang="en-US" sz="1800" dirty="0">
-                        <a:solidFill>
-                          <a:schemeClr val="bg1"/>
-                        </a:solidFill>
-                        <a:latin typeface="Arial" panose="020B0604020202020204" pitchFamily="34" charset="0"/>
-                        <a:cs typeface="Arial" panose="020B0604020202020204" pitchFamily="34" charset="0"/>
-                      </a:endParaRPr>
                     </a:p>
                   </a:txBody>
                   <a:tcPr/>
                 </a:tc>
+                <a:extLst>
+                  <a:ext uri="{0D108BD9-81ED-4DB2-BD59-A6C34878D82A}">
+                    <a16:rowId xmlns:a16="http://schemas.microsoft.com/office/drawing/2014/main" val="10000"/>
+                  </a:ext>
+                </a:extLst>
               </a:tr>
               <a:tr h="370840">
                 <a:tc>
@@ -3653,7 +3572,7 @@
                     <a:p>
                       <a:pPr algn="l"/>
                       <a:r>
-                        <a:rPr lang="en-US" sz="1800" dirty="0" err="1" smtClean="0">
+                        <a:rPr lang="en-US" sz="1800" dirty="0" err="1">
                           <a:solidFill>
                             <a:schemeClr val="bg1"/>
                           </a:solidFill>
@@ -3663,7 +3582,7 @@
                         <a:t>Phùng</a:t>
                       </a:r>
                       <a:r>
-                        <a:rPr lang="en-US" sz="1800" baseline="0" dirty="0" smtClean="0">
+                        <a:rPr lang="en-US" sz="1800" baseline="0" dirty="0">
                           <a:solidFill>
                             <a:schemeClr val="bg1"/>
                           </a:solidFill>
@@ -3673,7 +3592,7 @@
                         <a:t> </a:t>
                       </a:r>
                       <a:r>
-                        <a:rPr lang="en-US" sz="1800" baseline="0" dirty="0" err="1" smtClean="0">
+                        <a:rPr lang="en-US" sz="1800" baseline="0" dirty="0" err="1">
                           <a:solidFill>
                             <a:schemeClr val="bg1"/>
                           </a:solidFill>
@@ -3683,7 +3602,7 @@
                         <a:t>Việt</a:t>
                       </a:r>
                       <a:r>
-                        <a:rPr lang="en-US" sz="1800" baseline="0" dirty="0" smtClean="0">
+                        <a:rPr lang="en-US" sz="1800" baseline="0" dirty="0">
                           <a:solidFill>
                             <a:schemeClr val="bg1"/>
                           </a:solidFill>
@@ -3693,7 +3612,7 @@
                         <a:t> </a:t>
                       </a:r>
                       <a:r>
-                        <a:rPr lang="en-US" sz="1800" baseline="0" dirty="0" err="1" smtClean="0">
+                        <a:rPr lang="en-US" sz="1800" baseline="0" dirty="0" err="1">
                           <a:solidFill>
                             <a:schemeClr val="bg1"/>
                           </a:solidFill>
@@ -3720,7 +3639,7 @@
                     <a:p>
                       <a:pPr algn="r"/>
                       <a:r>
-                        <a:rPr lang="en-US" sz="1800" dirty="0" smtClean="0">
+                        <a:rPr lang="en-US" sz="1800" dirty="0">
                           <a:solidFill>
                             <a:schemeClr val="bg1"/>
                           </a:solidFill>
@@ -3729,17 +3648,15 @@
                         </a:rPr>
                         <a:t>20160782</a:t>
                       </a:r>
-                      <a:endParaRPr lang="en-US" sz="1800" dirty="0">
-                        <a:solidFill>
-                          <a:schemeClr val="bg1"/>
-                        </a:solidFill>
-                        <a:latin typeface="Arial" panose="020B0604020202020204" pitchFamily="34" charset="0"/>
-                        <a:cs typeface="Arial" panose="020B0604020202020204" pitchFamily="34" charset="0"/>
-                      </a:endParaRPr>
                     </a:p>
                   </a:txBody>
                   <a:tcPr/>
                 </a:tc>
+                <a:extLst>
+                  <a:ext uri="{0D108BD9-81ED-4DB2-BD59-A6C34878D82A}">
+                    <a16:rowId xmlns:a16="http://schemas.microsoft.com/office/drawing/2014/main" val="10001"/>
+                  </a:ext>
+                </a:extLst>
               </a:tr>
               <a:tr h="370840">
                 <a:tc>
@@ -3749,7 +3666,7 @@
                     <a:p>
                       <a:pPr algn="l"/>
                       <a:r>
-                        <a:rPr lang="en-US" sz="1800" dirty="0" err="1" smtClean="0">
+                        <a:rPr lang="en-US" sz="1800" dirty="0" err="1">
                           <a:solidFill>
                             <a:schemeClr val="bg1"/>
                           </a:solidFill>
@@ -3759,7 +3676,7 @@
                         <a:t>Đào</a:t>
                       </a:r>
                       <a:r>
-                        <a:rPr lang="en-US" sz="1800" baseline="0" dirty="0" smtClean="0">
+                        <a:rPr lang="en-US" sz="1800" baseline="0" dirty="0">
                           <a:solidFill>
                             <a:schemeClr val="bg1"/>
                           </a:solidFill>
@@ -3769,7 +3686,7 @@
                         <a:t> </a:t>
                       </a:r>
                       <a:r>
-                        <a:rPr lang="en-US" sz="1800" baseline="0" dirty="0" err="1" smtClean="0">
+                        <a:rPr lang="en-US" sz="1800" baseline="0" dirty="0" err="1">
                           <a:solidFill>
                             <a:schemeClr val="bg1"/>
                           </a:solidFill>
@@ -3779,7 +3696,7 @@
                         <a:t>Duy</a:t>
                       </a:r>
                       <a:r>
-                        <a:rPr lang="en-US" sz="1800" baseline="0" dirty="0" smtClean="0">
+                        <a:rPr lang="en-US" sz="1800" baseline="0" dirty="0">
                           <a:solidFill>
                             <a:schemeClr val="bg1"/>
                           </a:solidFill>
@@ -3806,7 +3723,7 @@
                     <a:p>
                       <a:pPr algn="r"/>
                       <a:r>
-                        <a:rPr lang="en-US" sz="1800" dirty="0" smtClean="0">
+                        <a:rPr lang="en-US" sz="1800" dirty="0">
                           <a:solidFill>
                             <a:schemeClr val="bg1"/>
                           </a:solidFill>
@@ -3815,17 +3732,15 @@
                         </a:rPr>
                         <a:t>20162789</a:t>
                       </a:r>
-                      <a:endParaRPr lang="en-US" sz="1800" dirty="0">
-                        <a:solidFill>
-                          <a:schemeClr val="bg1"/>
-                        </a:solidFill>
-                        <a:latin typeface="Arial" panose="020B0604020202020204" pitchFamily="34" charset="0"/>
-                        <a:cs typeface="Arial" panose="020B0604020202020204" pitchFamily="34" charset="0"/>
-                      </a:endParaRPr>
                     </a:p>
                   </a:txBody>
                   <a:tcPr/>
                 </a:tc>
+                <a:extLst>
+                  <a:ext uri="{0D108BD9-81ED-4DB2-BD59-A6C34878D82A}">
+                    <a16:rowId xmlns:a16="http://schemas.microsoft.com/office/drawing/2014/main" val="10002"/>
+                  </a:ext>
+                </a:extLst>
               </a:tr>
               <a:tr h="370840">
                 <a:tc>
@@ -3835,7 +3750,7 @@
                     <a:p>
                       <a:pPr algn="l"/>
                       <a:r>
-                        <a:rPr lang="en-US" sz="1800" dirty="0" err="1" smtClean="0">
+                        <a:rPr lang="en-US" sz="1800" dirty="0" err="1">
                           <a:solidFill>
                             <a:schemeClr val="bg1"/>
                           </a:solidFill>
@@ -3845,7 +3760,7 @@
                         <a:t>Nguyễn</a:t>
                       </a:r>
                       <a:r>
-                        <a:rPr lang="en-US" sz="1800" baseline="0" dirty="0" smtClean="0">
+                        <a:rPr lang="en-US" sz="1800" baseline="0" dirty="0">
                           <a:solidFill>
                             <a:schemeClr val="bg1"/>
                           </a:solidFill>
@@ -3855,7 +3770,7 @@
                         <a:t> </a:t>
                       </a:r>
                       <a:r>
-                        <a:rPr lang="en-US" sz="1800" baseline="0" dirty="0" err="1" smtClean="0">
+                        <a:rPr lang="en-US" sz="1800" baseline="0" dirty="0" err="1">
                           <a:solidFill>
                             <a:schemeClr val="bg1"/>
                           </a:solidFill>
@@ -3865,7 +3780,7 @@
                         <a:t>Quang</a:t>
                       </a:r>
                       <a:r>
-                        <a:rPr lang="en-US" sz="1800" baseline="0" dirty="0" smtClean="0">
+                        <a:rPr lang="en-US" sz="1800" baseline="0" dirty="0">
                           <a:solidFill>
                             <a:schemeClr val="bg1"/>
                           </a:solidFill>
@@ -3875,7 +3790,7 @@
                         <a:t> </a:t>
                       </a:r>
                       <a:r>
-                        <a:rPr lang="en-US" sz="1800" baseline="0" dirty="0" err="1" smtClean="0">
+                        <a:rPr lang="en-US" sz="1800" baseline="0" dirty="0" err="1">
                           <a:solidFill>
                             <a:schemeClr val="bg1"/>
                           </a:solidFill>
@@ -3902,7 +3817,7 @@
                     <a:p>
                       <a:pPr algn="r"/>
                       <a:r>
-                        <a:rPr lang="en-US" sz="1800" dirty="0" smtClean="0">
+                        <a:rPr lang="en-US" sz="1800" dirty="0">
                           <a:solidFill>
                             <a:schemeClr val="bg1"/>
                           </a:solidFill>
@@ -3911,17 +3826,15 @@
                         </a:rPr>
                         <a:t>20162025</a:t>
                       </a:r>
-                      <a:endParaRPr lang="en-US" sz="1800" dirty="0">
-                        <a:solidFill>
-                          <a:schemeClr val="bg1"/>
-                        </a:solidFill>
-                        <a:latin typeface="Arial" panose="020B0604020202020204" pitchFamily="34" charset="0"/>
-                        <a:cs typeface="Arial" panose="020B0604020202020204" pitchFamily="34" charset="0"/>
-                      </a:endParaRPr>
                     </a:p>
                   </a:txBody>
                   <a:tcPr/>
                 </a:tc>
+                <a:extLst>
+                  <a:ext uri="{0D108BD9-81ED-4DB2-BD59-A6C34878D82A}">
+                    <a16:rowId xmlns:a16="http://schemas.microsoft.com/office/drawing/2014/main" val="10003"/>
+                  </a:ext>
+                </a:extLst>
               </a:tr>
               <a:tr h="370840">
                 <a:tc>
@@ -3931,7 +3844,7 @@
                     <a:p>
                       <a:pPr algn="l"/>
                       <a:r>
-                        <a:rPr lang="en-US" sz="1800" dirty="0" err="1" smtClean="0">
+                        <a:rPr lang="en-US" sz="1800" dirty="0" err="1">
                           <a:solidFill>
                             <a:schemeClr val="bg1"/>
                           </a:solidFill>
@@ -3941,7 +3854,7 @@
                         <a:t>Trương</a:t>
                       </a:r>
                       <a:r>
-                        <a:rPr lang="en-US" sz="1800" baseline="0" dirty="0" smtClean="0">
+                        <a:rPr lang="en-US" sz="1800" baseline="0" dirty="0">
                           <a:solidFill>
                             <a:schemeClr val="bg1"/>
                           </a:solidFill>
@@ -3951,7 +3864,7 @@
                         <a:t> </a:t>
                       </a:r>
                       <a:r>
-                        <a:rPr lang="en-US" sz="1800" baseline="0" dirty="0" err="1" smtClean="0">
+                        <a:rPr lang="en-US" sz="1800" baseline="0" dirty="0" err="1">
                           <a:solidFill>
                             <a:schemeClr val="bg1"/>
                           </a:solidFill>
@@ -3961,7 +3874,7 @@
                         <a:t>Anh</a:t>
                       </a:r>
                       <a:r>
-                        <a:rPr lang="en-US" sz="1800" baseline="0" dirty="0" smtClean="0">
+                        <a:rPr lang="en-US" sz="1800" baseline="0" dirty="0">
                           <a:solidFill>
                             <a:schemeClr val="bg1"/>
                           </a:solidFill>
@@ -3971,7 +3884,7 @@
                         <a:t> </a:t>
                       </a:r>
                       <a:r>
-                        <a:rPr lang="en-US" sz="1800" baseline="0" dirty="0" err="1" smtClean="0">
+                        <a:rPr lang="en-US" sz="1800" baseline="0" dirty="0" err="1">
                           <a:solidFill>
                             <a:schemeClr val="bg1"/>
                           </a:solidFill>
@@ -3998,7 +3911,7 @@
                     <a:p>
                       <a:pPr algn="r"/>
                       <a:r>
-                        <a:rPr lang="en-US" sz="1800" dirty="0" smtClean="0">
+                        <a:rPr lang="en-US" sz="1800" dirty="0">
                           <a:solidFill>
                             <a:schemeClr val="bg1"/>
                           </a:solidFill>
@@ -4007,17 +3920,15 @@
                         </a:rPr>
                         <a:t>20163403</a:t>
                       </a:r>
-                      <a:endParaRPr lang="en-US" sz="1800" dirty="0">
-                        <a:solidFill>
-                          <a:schemeClr val="bg1"/>
-                        </a:solidFill>
-                        <a:latin typeface="Arial" panose="020B0604020202020204" pitchFamily="34" charset="0"/>
-                        <a:cs typeface="Arial" panose="020B0604020202020204" pitchFamily="34" charset="0"/>
-                      </a:endParaRPr>
                     </a:p>
                   </a:txBody>
                   <a:tcPr/>
                 </a:tc>
+                <a:extLst>
+                  <a:ext uri="{0D108BD9-81ED-4DB2-BD59-A6C34878D82A}">
+                    <a16:rowId xmlns:a16="http://schemas.microsoft.com/office/drawing/2014/main" val="10004"/>
+                  </a:ext>
+                </a:extLst>
               </a:tr>
             </a:tbl>
           </a:graphicData>
@@ -4033,13 +3944,6 @@
   <p:clrMapOvr>
     <a:masterClrMapping/>
   </p:clrMapOvr>
-  <p:timing>
-    <p:tnLst>
-      <p:par>
-        <p:cTn id="1" dur="indefinite" restart="never" nodeType="tmRoot"/>
-      </p:par>
-    </p:tnLst>
-  </p:timing>
 </p:sld>
 </file>
 
@@ -4106,15 +4010,15 @@
           <a:lstStyle/>
           <a:p>
             <a:r>
-              <a:rPr lang="en-US" dirty="0" err="1" smtClean="0"/>
+              <a:rPr lang="en-US" dirty="0" err="1"/>
               <a:t>Mục</a:t>
             </a:r>
             <a:r>
-              <a:rPr lang="en-US" dirty="0" smtClean="0"/>
+              <a:rPr lang="en-US" dirty="0"/>
               <a:t> </a:t>
             </a:r>
             <a:r>
-              <a:rPr lang="en-US" dirty="0" err="1" smtClean="0"/>
+              <a:rPr lang="en-US" dirty="0" err="1"/>
               <a:t>lục</a:t>
             </a:r>
             <a:endParaRPr lang="en-US" dirty="0"/>
@@ -4151,62 +4055,62 @@
               <a:buNone/>
             </a:pPr>
             <a:r>
-              <a:rPr lang="en-US" dirty="0" smtClean="0">
+              <a:rPr lang="en-US" b="1" dirty="0">
                 <a:latin typeface="Arial" panose="020B0604020202020204" pitchFamily="34" charset="0"/>
                 <a:cs typeface="Arial" panose="020B0604020202020204" pitchFamily="34" charset="0"/>
               </a:rPr>
               <a:t>1. </a:t>
             </a:r>
             <a:r>
-              <a:rPr lang="en-US" dirty="0" err="1" smtClean="0">
+              <a:rPr lang="en-US" b="1" dirty="0" err="1">
                 <a:latin typeface="Arial" panose="020B0604020202020204" pitchFamily="34" charset="0"/>
                 <a:cs typeface="Arial" panose="020B0604020202020204" pitchFamily="34" charset="0"/>
               </a:rPr>
               <a:t>Tổng</a:t>
             </a:r>
             <a:r>
-              <a:rPr lang="en-US" dirty="0" smtClean="0">
+              <a:rPr lang="en-US" b="1" dirty="0">
                 <a:latin typeface="Arial" panose="020B0604020202020204" pitchFamily="34" charset="0"/>
                 <a:cs typeface="Arial" panose="020B0604020202020204" pitchFamily="34" charset="0"/>
               </a:rPr>
               <a:t> </a:t>
             </a:r>
             <a:r>
-              <a:rPr lang="en-US" dirty="0" err="1" smtClean="0">
+              <a:rPr lang="en-US" b="1" dirty="0" err="1">
                 <a:latin typeface="Arial" panose="020B0604020202020204" pitchFamily="34" charset="0"/>
                 <a:cs typeface="Arial" panose="020B0604020202020204" pitchFamily="34" charset="0"/>
               </a:rPr>
               <a:t>quan</a:t>
             </a:r>
             <a:r>
-              <a:rPr lang="en-US" dirty="0" smtClean="0">
+              <a:rPr lang="en-US" b="1" dirty="0">
                 <a:latin typeface="Arial" panose="020B0604020202020204" pitchFamily="34" charset="0"/>
                 <a:cs typeface="Arial" panose="020B0604020202020204" pitchFamily="34" charset="0"/>
               </a:rPr>
               <a:t> </a:t>
             </a:r>
             <a:r>
-              <a:rPr lang="en-US" dirty="0" err="1" smtClean="0">
+              <a:rPr lang="en-US" b="1" dirty="0" err="1">
                 <a:latin typeface="Arial" panose="020B0604020202020204" pitchFamily="34" charset="0"/>
                 <a:cs typeface="Arial" panose="020B0604020202020204" pitchFamily="34" charset="0"/>
               </a:rPr>
               <a:t>đề</a:t>
             </a:r>
             <a:r>
-              <a:rPr lang="en-US" dirty="0" smtClean="0">
+              <a:rPr lang="en-US" b="1" dirty="0">
                 <a:latin typeface="Arial" panose="020B0604020202020204" pitchFamily="34" charset="0"/>
                 <a:cs typeface="Arial" panose="020B0604020202020204" pitchFamily="34" charset="0"/>
               </a:rPr>
               <a:t> </a:t>
             </a:r>
             <a:r>
-              <a:rPr lang="en-US" dirty="0" err="1" smtClean="0">
+              <a:rPr lang="en-US" b="1" dirty="0" err="1">
                 <a:latin typeface="Arial" panose="020B0604020202020204" pitchFamily="34" charset="0"/>
                 <a:cs typeface="Arial" panose="020B0604020202020204" pitchFamily="34" charset="0"/>
               </a:rPr>
               <a:t>tài</a:t>
             </a:r>
-            <a:endParaRPr lang="en-US" dirty="0" smtClean="0">
+            <a:endParaRPr lang="en-US" b="1" dirty="0">
               <a:latin typeface="Arial" panose="020B0604020202020204" pitchFamily="34" charset="0"/>
               <a:cs typeface="Arial" panose="020B0604020202020204" pitchFamily="34" charset="0"/>
             </a:endParaRPr>
@@ -4222,56 +4126,56 @@
               <a:buNone/>
             </a:pPr>
             <a:r>
-              <a:rPr lang="en-US" dirty="0" smtClean="0">
+              <a:rPr lang="en-US" dirty="0">
                 <a:latin typeface="Arial" panose="020B0604020202020204" pitchFamily="34" charset="0"/>
                 <a:cs typeface="Arial" panose="020B0604020202020204" pitchFamily="34" charset="0"/>
               </a:rPr>
               <a:t>2. </a:t>
             </a:r>
             <a:r>
-              <a:rPr lang="en-US" dirty="0" err="1" smtClean="0">
+              <a:rPr lang="en-US" dirty="0" err="1">
                 <a:latin typeface="Arial" panose="020B0604020202020204" pitchFamily="34" charset="0"/>
                 <a:cs typeface="Arial" panose="020B0604020202020204" pitchFamily="34" charset="0"/>
               </a:rPr>
               <a:t>Phân</a:t>
             </a:r>
             <a:r>
-              <a:rPr lang="en-US" dirty="0" smtClean="0">
+              <a:rPr lang="en-US" dirty="0">
                 <a:latin typeface="Arial" panose="020B0604020202020204" pitchFamily="34" charset="0"/>
                 <a:cs typeface="Arial" panose="020B0604020202020204" pitchFamily="34" charset="0"/>
               </a:rPr>
               <a:t> </a:t>
             </a:r>
             <a:r>
-              <a:rPr lang="en-US" dirty="0" err="1" smtClean="0">
+              <a:rPr lang="en-US" dirty="0" err="1">
                 <a:latin typeface="Arial" panose="020B0604020202020204" pitchFamily="34" charset="0"/>
                 <a:cs typeface="Arial" panose="020B0604020202020204" pitchFamily="34" charset="0"/>
               </a:rPr>
               <a:t>tích</a:t>
             </a:r>
             <a:r>
-              <a:rPr lang="en-US" dirty="0" smtClean="0">
+              <a:rPr lang="en-US" dirty="0">
                 <a:latin typeface="Arial" panose="020B0604020202020204" pitchFamily="34" charset="0"/>
                 <a:cs typeface="Arial" panose="020B0604020202020204" pitchFamily="34" charset="0"/>
               </a:rPr>
               <a:t> </a:t>
             </a:r>
             <a:r>
-              <a:rPr lang="en-US" dirty="0" err="1" smtClean="0">
+              <a:rPr lang="en-US" dirty="0" err="1">
                 <a:latin typeface="Arial" panose="020B0604020202020204" pitchFamily="34" charset="0"/>
                 <a:cs typeface="Arial" panose="020B0604020202020204" pitchFamily="34" charset="0"/>
               </a:rPr>
               <a:t>yêu</a:t>
             </a:r>
             <a:r>
-              <a:rPr lang="en-US" dirty="0" smtClean="0">
+              <a:rPr lang="en-US" dirty="0">
                 <a:latin typeface="Arial" panose="020B0604020202020204" pitchFamily="34" charset="0"/>
                 <a:cs typeface="Arial" panose="020B0604020202020204" pitchFamily="34" charset="0"/>
               </a:rPr>
               <a:t> </a:t>
             </a:r>
             <a:r>
-              <a:rPr lang="en-US" dirty="0" err="1" smtClean="0">
+              <a:rPr lang="en-US" dirty="0" err="1">
                 <a:latin typeface="Arial" panose="020B0604020202020204" pitchFamily="34" charset="0"/>
                 <a:cs typeface="Arial" panose="020B0604020202020204" pitchFamily="34" charset="0"/>
               </a:rPr>
@@ -4293,72 +4197,68 @@
               <a:buNone/>
             </a:pPr>
             <a:r>
-              <a:rPr lang="en-US" dirty="0" smtClean="0">
+              <a:rPr lang="en-US" dirty="0">
                 <a:latin typeface="Arial" panose="020B0604020202020204" pitchFamily="34" charset="0"/>
                 <a:cs typeface="Arial" panose="020B0604020202020204" pitchFamily="34" charset="0"/>
               </a:rPr>
               <a:t>3. </a:t>
             </a:r>
             <a:r>
-              <a:rPr lang="en-US" dirty="0" err="1" smtClean="0">
+              <a:rPr lang="en-US" dirty="0" err="1">
                 <a:latin typeface="Arial" panose="020B0604020202020204" pitchFamily="34" charset="0"/>
                 <a:cs typeface="Arial" panose="020B0604020202020204" pitchFamily="34" charset="0"/>
               </a:rPr>
               <a:t>Thiết</a:t>
             </a:r>
             <a:r>
-              <a:rPr lang="en-US" dirty="0" smtClean="0">
+              <a:rPr lang="en-US" dirty="0">
                 <a:latin typeface="Arial" panose="020B0604020202020204" pitchFamily="34" charset="0"/>
                 <a:cs typeface="Arial" panose="020B0604020202020204" pitchFamily="34" charset="0"/>
               </a:rPr>
               <a:t> </a:t>
             </a:r>
             <a:r>
-              <a:rPr lang="en-US" dirty="0" err="1" smtClean="0">
+              <a:rPr lang="en-US" dirty="0" err="1">
                 <a:latin typeface="Arial" panose="020B0604020202020204" pitchFamily="34" charset="0"/>
                 <a:cs typeface="Arial" panose="020B0604020202020204" pitchFamily="34" charset="0"/>
               </a:rPr>
               <a:t>kế</a:t>
             </a:r>
             <a:r>
-              <a:rPr lang="en-US" dirty="0" smtClean="0">
+              <a:rPr lang="en-US" dirty="0">
                 <a:latin typeface="Arial" panose="020B0604020202020204" pitchFamily="34" charset="0"/>
                 <a:cs typeface="Arial" panose="020B0604020202020204" pitchFamily="34" charset="0"/>
               </a:rPr>
               <a:t> </a:t>
             </a:r>
             <a:r>
-              <a:rPr lang="en-US" dirty="0" err="1" smtClean="0">
+              <a:rPr lang="en-US" dirty="0" err="1">
                 <a:latin typeface="Arial" panose="020B0604020202020204" pitchFamily="34" charset="0"/>
                 <a:cs typeface="Arial" panose="020B0604020202020204" pitchFamily="34" charset="0"/>
               </a:rPr>
               <a:t>hệ</a:t>
             </a:r>
             <a:r>
-              <a:rPr lang="en-US" dirty="0" smtClean="0">
+              <a:rPr lang="en-US" dirty="0">
                 <a:latin typeface="Arial" panose="020B0604020202020204" pitchFamily="34" charset="0"/>
                 <a:cs typeface="Arial" panose="020B0604020202020204" pitchFamily="34" charset="0"/>
               </a:rPr>
               <a:t> </a:t>
             </a:r>
             <a:r>
-              <a:rPr lang="en-US" dirty="0" err="1" smtClean="0">
+              <a:rPr lang="en-US" dirty="0" err="1">
                 <a:latin typeface="Arial" panose="020B0604020202020204" pitchFamily="34" charset="0"/>
                 <a:cs typeface="Arial" panose="020B0604020202020204" pitchFamily="34" charset="0"/>
               </a:rPr>
               <a:t>thống</a:t>
             </a:r>
             <a:r>
-              <a:rPr lang="en-US" dirty="0" smtClean="0">
+              <a:rPr lang="en-US" dirty="0">
                 <a:latin typeface="Arial" panose="020B0604020202020204" pitchFamily="34" charset="0"/>
                 <a:cs typeface="Arial" panose="020B0604020202020204" pitchFamily="34" charset="0"/>
               </a:rPr>
               <a:t> </a:t>
             </a:r>
-            <a:endParaRPr lang="en-US" dirty="0">
-              <a:latin typeface="Arial" panose="020B0604020202020204" pitchFamily="34" charset="0"/>
-              <a:cs typeface="Arial" panose="020B0604020202020204" pitchFamily="34" charset="0"/>
-            </a:endParaRPr>
           </a:p>
         </p:txBody>
       </p:sp>
@@ -4372,13 +4272,6 @@
   <p:clrMapOvr>
     <a:masterClrMapping/>
   </p:clrMapOvr>
-  <p:timing>
-    <p:tnLst>
-      <p:par>
-        <p:cTn id="1" dur="indefinite" restart="never" nodeType="tmRoot"/>
-      </p:par>
-    </p:tnLst>
-  </p:timing>
 </p:sld>
 </file>
 
@@ -4415,35 +4308,35 @@
           <a:lstStyle/>
           <a:p>
             <a:r>
-              <a:rPr lang="en-US" dirty="0" smtClean="0"/>
+              <a:rPr lang="en-US" dirty="0"/>
               <a:t>1. </a:t>
             </a:r>
             <a:r>
-              <a:rPr lang="en-US" dirty="0" err="1" smtClean="0"/>
+              <a:rPr lang="en-US" dirty="0" err="1"/>
               <a:t>Tổng</a:t>
             </a:r>
             <a:r>
-              <a:rPr lang="en-US" dirty="0" smtClean="0"/>
+              <a:rPr lang="en-US" dirty="0"/>
               <a:t> </a:t>
             </a:r>
             <a:r>
-              <a:rPr lang="en-US" dirty="0" err="1" smtClean="0"/>
+              <a:rPr lang="en-US" dirty="0" err="1"/>
               <a:t>quan</a:t>
             </a:r>
             <a:r>
-              <a:rPr lang="en-US" dirty="0" smtClean="0"/>
+              <a:rPr lang="en-US" dirty="0"/>
               <a:t> </a:t>
             </a:r>
             <a:r>
-              <a:rPr lang="en-US" dirty="0" err="1" smtClean="0"/>
+              <a:rPr lang="en-US" dirty="0" err="1"/>
               <a:t>đề</a:t>
             </a:r>
             <a:r>
-              <a:rPr lang="en-US" dirty="0" smtClean="0"/>
+              <a:rPr lang="en-US" dirty="0"/>
               <a:t> </a:t>
             </a:r>
             <a:r>
-              <a:rPr lang="en-US" dirty="0" err="1" smtClean="0"/>
+              <a:rPr lang="en-US" dirty="0" err="1"/>
               <a:t>tài</a:t>
             </a:r>
             <a:endParaRPr lang="en-US" dirty="0"/>
@@ -4469,62 +4362,62 @@
               <a:buNone/>
             </a:pPr>
             <a:r>
-              <a:rPr lang="en-US" dirty="0" smtClean="0">
+              <a:rPr lang="en-US" b="1" dirty="0">
                 <a:latin typeface="Arial" panose="020B0604020202020204" pitchFamily="34" charset="0"/>
                 <a:cs typeface="Arial" panose="020B0604020202020204" pitchFamily="34" charset="0"/>
               </a:rPr>
               <a:t>1.1 </a:t>
             </a:r>
             <a:r>
-              <a:rPr lang="en-US" dirty="0" err="1" smtClean="0">
+              <a:rPr lang="en-US" b="1" dirty="0" err="1">
                 <a:latin typeface="Arial" panose="020B0604020202020204" pitchFamily="34" charset="0"/>
                 <a:cs typeface="Arial" panose="020B0604020202020204" pitchFamily="34" charset="0"/>
               </a:rPr>
               <a:t>Giới</a:t>
             </a:r>
             <a:r>
-              <a:rPr lang="en-US" dirty="0" smtClean="0">
+              <a:rPr lang="en-US" b="1" dirty="0">
                 <a:latin typeface="Arial" panose="020B0604020202020204" pitchFamily="34" charset="0"/>
                 <a:cs typeface="Arial" panose="020B0604020202020204" pitchFamily="34" charset="0"/>
               </a:rPr>
               <a:t> </a:t>
             </a:r>
             <a:r>
-              <a:rPr lang="en-US" dirty="0" err="1" smtClean="0">
+              <a:rPr lang="en-US" b="1" dirty="0" err="1">
                 <a:latin typeface="Arial" panose="020B0604020202020204" pitchFamily="34" charset="0"/>
                 <a:cs typeface="Arial" panose="020B0604020202020204" pitchFamily="34" charset="0"/>
               </a:rPr>
               <a:t>thiệu</a:t>
             </a:r>
             <a:r>
-              <a:rPr lang="en-US" dirty="0" smtClean="0">
+              <a:rPr lang="en-US" b="1" dirty="0">
                 <a:latin typeface="Arial" panose="020B0604020202020204" pitchFamily="34" charset="0"/>
                 <a:cs typeface="Arial" panose="020B0604020202020204" pitchFamily="34" charset="0"/>
               </a:rPr>
               <a:t> </a:t>
             </a:r>
             <a:r>
-              <a:rPr lang="en-US" dirty="0" err="1" smtClean="0">
+              <a:rPr lang="en-US" b="1" dirty="0" err="1">
                 <a:latin typeface="Arial" panose="020B0604020202020204" pitchFamily="34" charset="0"/>
                 <a:cs typeface="Arial" panose="020B0604020202020204" pitchFamily="34" charset="0"/>
               </a:rPr>
               <a:t>bài</a:t>
             </a:r>
             <a:r>
-              <a:rPr lang="en-US" dirty="0" smtClean="0">
+              <a:rPr lang="en-US" b="1" dirty="0">
                 <a:latin typeface="Arial" panose="020B0604020202020204" pitchFamily="34" charset="0"/>
                 <a:cs typeface="Arial" panose="020B0604020202020204" pitchFamily="34" charset="0"/>
               </a:rPr>
               <a:t> </a:t>
             </a:r>
             <a:r>
-              <a:rPr lang="en-US" dirty="0" err="1" smtClean="0">
+              <a:rPr lang="en-US" b="1" dirty="0" err="1">
                 <a:latin typeface="Arial" panose="020B0604020202020204" pitchFamily="34" charset="0"/>
                 <a:cs typeface="Arial" panose="020B0604020202020204" pitchFamily="34" charset="0"/>
               </a:rPr>
               <a:t>toán</a:t>
             </a:r>
-            <a:endParaRPr lang="en-US" dirty="0" smtClean="0">
+            <a:endParaRPr lang="en-US" b="1" dirty="0">
               <a:latin typeface="Arial" panose="020B0604020202020204" pitchFamily="34" charset="0"/>
               <a:cs typeface="Arial" panose="020B0604020202020204" pitchFamily="34" charset="0"/>
             </a:endParaRPr>
@@ -4534,42 +4427,42 @@
               <a:buNone/>
             </a:pPr>
             <a:r>
-              <a:rPr lang="en-US" dirty="0" smtClean="0">
+              <a:rPr lang="en-US" dirty="0">
                 <a:latin typeface="Arial" panose="020B0604020202020204" pitchFamily="34" charset="0"/>
                 <a:cs typeface="Arial" panose="020B0604020202020204" pitchFamily="34" charset="0"/>
               </a:rPr>
               <a:t>1.2 </a:t>
             </a:r>
             <a:r>
-              <a:rPr lang="en-US" dirty="0" err="1" smtClean="0">
+              <a:rPr lang="en-US" dirty="0" err="1">
                 <a:latin typeface="Arial" panose="020B0604020202020204" pitchFamily="34" charset="0"/>
                 <a:cs typeface="Arial" panose="020B0604020202020204" pitchFamily="34" charset="0"/>
               </a:rPr>
               <a:t>Phạm</a:t>
             </a:r>
             <a:r>
-              <a:rPr lang="en-US" dirty="0" smtClean="0">
+              <a:rPr lang="en-US" dirty="0">
                 <a:latin typeface="Arial" panose="020B0604020202020204" pitchFamily="34" charset="0"/>
                 <a:cs typeface="Arial" panose="020B0604020202020204" pitchFamily="34" charset="0"/>
               </a:rPr>
               <a:t> vi </a:t>
             </a:r>
             <a:r>
-              <a:rPr lang="en-US" dirty="0" err="1" smtClean="0">
+              <a:rPr lang="en-US" dirty="0" err="1">
                 <a:latin typeface="Arial" panose="020B0604020202020204" pitchFamily="34" charset="0"/>
                 <a:cs typeface="Arial" panose="020B0604020202020204" pitchFamily="34" charset="0"/>
               </a:rPr>
               <a:t>giải</a:t>
             </a:r>
             <a:r>
-              <a:rPr lang="en-US" dirty="0" smtClean="0">
+              <a:rPr lang="en-US" dirty="0">
                 <a:latin typeface="Arial" panose="020B0604020202020204" pitchFamily="34" charset="0"/>
                 <a:cs typeface="Arial" panose="020B0604020202020204" pitchFamily="34" charset="0"/>
               </a:rPr>
               <a:t> </a:t>
             </a:r>
             <a:r>
-              <a:rPr lang="en-US" dirty="0" err="1" smtClean="0">
+              <a:rPr lang="en-US" dirty="0" err="1">
                 <a:latin typeface="Arial" panose="020B0604020202020204" pitchFamily="34" charset="0"/>
                 <a:cs typeface="Arial" panose="020B0604020202020204" pitchFamily="34" charset="0"/>
               </a:rPr>
@@ -4627,7 +4520,63 @@
           <a:bodyPr/>
           <a:lstStyle/>
           <a:p>
-            <a:endParaRPr lang="en-US"/>
+            <a:r>
+              <a:rPr lang="en-US" b="0" dirty="0">
+                <a:latin typeface="Arial" panose="020B0604020202020204" pitchFamily="34" charset="0"/>
+                <a:cs typeface="Arial" panose="020B0604020202020204" pitchFamily="34" charset="0"/>
+              </a:rPr>
+              <a:t>1.1 </a:t>
+            </a:r>
+            <a:r>
+              <a:rPr lang="en-US" b="0" dirty="0" err="1">
+                <a:latin typeface="Arial" panose="020B0604020202020204" pitchFamily="34" charset="0"/>
+                <a:cs typeface="Arial" panose="020B0604020202020204" pitchFamily="34" charset="0"/>
+              </a:rPr>
+              <a:t>Giới</a:t>
+            </a:r>
+            <a:r>
+              <a:rPr lang="en-US" b="0" dirty="0">
+                <a:latin typeface="Arial" panose="020B0604020202020204" pitchFamily="34" charset="0"/>
+                <a:cs typeface="Arial" panose="020B0604020202020204" pitchFamily="34" charset="0"/>
+              </a:rPr>
+              <a:t> </a:t>
+            </a:r>
+            <a:r>
+              <a:rPr lang="en-US" b="0" dirty="0" err="1">
+                <a:latin typeface="Arial" panose="020B0604020202020204" pitchFamily="34" charset="0"/>
+                <a:cs typeface="Arial" panose="020B0604020202020204" pitchFamily="34" charset="0"/>
+              </a:rPr>
+              <a:t>thiệu</a:t>
+            </a:r>
+            <a:r>
+              <a:rPr lang="en-US" b="0" dirty="0">
+                <a:latin typeface="Arial" panose="020B0604020202020204" pitchFamily="34" charset="0"/>
+                <a:cs typeface="Arial" panose="020B0604020202020204" pitchFamily="34" charset="0"/>
+              </a:rPr>
+              <a:t> </a:t>
+            </a:r>
+            <a:r>
+              <a:rPr lang="en-US" b="0" dirty="0" err="1">
+                <a:latin typeface="Arial" panose="020B0604020202020204" pitchFamily="34" charset="0"/>
+                <a:cs typeface="Arial" panose="020B0604020202020204" pitchFamily="34" charset="0"/>
+              </a:rPr>
+              <a:t>bài</a:t>
+            </a:r>
+            <a:r>
+              <a:rPr lang="en-US" b="0" dirty="0">
+                <a:latin typeface="Arial" panose="020B0604020202020204" pitchFamily="34" charset="0"/>
+                <a:cs typeface="Arial" panose="020B0604020202020204" pitchFamily="34" charset="0"/>
+              </a:rPr>
+              <a:t> </a:t>
+            </a:r>
+            <a:r>
+              <a:rPr lang="en-US" b="0" dirty="0" err="1">
+                <a:latin typeface="Arial" panose="020B0604020202020204" pitchFamily="34" charset="0"/>
+                <a:cs typeface="Arial" panose="020B0604020202020204" pitchFamily="34" charset="0"/>
+              </a:rPr>
+              <a:t>toán</a:t>
+            </a:r>
+            <a:endParaRPr lang="en-US" b="0" dirty="0"/>
           </a:p>
         </p:txBody>
       </p:sp>
@@ -4646,7 +4595,7 @@
           <a:bodyPr/>
           <a:lstStyle/>
           <a:p>
-            <a:endParaRPr lang="en-US"/>
+            <a:endParaRPr lang="en-US" dirty="0"/>
           </a:p>
         </p:txBody>
       </p:sp>

--- a/Slide - PTTKHT - Nhóm 12.pptx
+++ b/Slide - PTTKHT - Nhóm 12.pptx
@@ -4,17 +4,39 @@
   <p:sldMasterIdLst>
     <p:sldMasterId id="2147483648" r:id="rId1"/>
   </p:sldMasterIdLst>
+  <p:notesMasterIdLst>
+    <p:notesMasterId r:id="rId31"/>
+  </p:notesMasterIdLst>
   <p:sldIdLst>
     <p:sldId id="256" r:id="rId2"/>
     <p:sldId id="257" r:id="rId3"/>
     <p:sldId id="260" r:id="rId4"/>
     <p:sldId id="261" r:id="rId5"/>
-    <p:sldId id="262" r:id="rId6"/>
-    <p:sldId id="263" r:id="rId7"/>
-    <p:sldId id="264" r:id="rId8"/>
-    <p:sldId id="265" r:id="rId9"/>
-    <p:sldId id="266" r:id="rId10"/>
-    <p:sldId id="258" r:id="rId11"/>
+    <p:sldId id="267" r:id="rId6"/>
+    <p:sldId id="268" r:id="rId7"/>
+    <p:sldId id="269" r:id="rId8"/>
+    <p:sldId id="270" r:id="rId9"/>
+    <p:sldId id="271" r:id="rId10"/>
+    <p:sldId id="262" r:id="rId11"/>
+    <p:sldId id="263" r:id="rId12"/>
+    <p:sldId id="278" r:id="rId13"/>
+    <p:sldId id="272" r:id="rId14"/>
+    <p:sldId id="273" r:id="rId15"/>
+    <p:sldId id="279" r:id="rId16"/>
+    <p:sldId id="274" r:id="rId17"/>
+    <p:sldId id="275" r:id="rId18"/>
+    <p:sldId id="276" r:id="rId19"/>
+    <p:sldId id="277" r:id="rId20"/>
+    <p:sldId id="280" r:id="rId21"/>
+    <p:sldId id="281" r:id="rId22"/>
+    <p:sldId id="282" r:id="rId23"/>
+    <p:sldId id="283" r:id="rId24"/>
+    <p:sldId id="284" r:id="rId25"/>
+    <p:sldId id="285" r:id="rId26"/>
+    <p:sldId id="286" r:id="rId27"/>
+    <p:sldId id="287" r:id="rId28"/>
+    <p:sldId id="288" r:id="rId29"/>
+    <p:sldId id="258" r:id="rId30"/>
   </p:sldIdLst>
   <p:sldSz cx="9144000" cy="6858000" type="screen4x3"/>
   <p:notesSz cx="6858000" cy="9144000"/>
@@ -121,6 +143,355 @@
 </p:presentation>
 </file>
 
+<file path=ppt/notesMasters/notesMaster1.xml><?xml version="1.0" encoding="utf-8"?>
+<p:notesMaster xmlns:a="http://schemas.openxmlformats.org/drawingml/2006/main" xmlns:r="http://schemas.openxmlformats.org/officeDocument/2006/relationships" xmlns:p="http://schemas.openxmlformats.org/presentationml/2006/main">
+  <p:cSld>
+    <p:bg>
+      <p:bgRef idx="1001">
+        <a:schemeClr val="bg1"/>
+      </p:bgRef>
+    </p:bg>
+    <p:spTree>
+      <p:nvGrpSpPr>
+        <p:cNvPr id="1" name=""/>
+        <p:cNvGrpSpPr/>
+        <p:nvPr/>
+      </p:nvGrpSpPr>
+      <p:grpSpPr>
+        <a:xfrm>
+          <a:off x="0" y="0"/>
+          <a:ext cx="0" cy="0"/>
+          <a:chOff x="0" y="0"/>
+          <a:chExt cx="0" cy="0"/>
+        </a:xfrm>
+      </p:grpSpPr>
+      <p:sp>
+        <p:nvSpPr>
+          <p:cNvPr id="2" name="Header Placeholder 1"/>
+          <p:cNvSpPr>
+            <a:spLocks noGrp="1"/>
+          </p:cNvSpPr>
+          <p:nvPr>
+            <p:ph type="hdr" sz="quarter"/>
+          </p:nvPr>
+        </p:nvSpPr>
+        <p:spPr>
+          <a:xfrm>
+            <a:off x="0" y="0"/>
+            <a:ext cx="2971800" cy="458788"/>
+          </a:xfrm>
+          <a:prstGeom prst="rect">
+            <a:avLst/>
+          </a:prstGeom>
+        </p:spPr>
+        <p:txBody>
+          <a:bodyPr vert="horz" lIns="91440" tIns="45720" rIns="91440" bIns="45720" rtlCol="0"/>
+          <a:lstStyle>
+            <a:lvl1pPr algn="l">
+              <a:defRPr sz="1200"/>
+            </a:lvl1pPr>
+          </a:lstStyle>
+          <a:p>
+            <a:endParaRPr lang="en-US"/>
+          </a:p>
+        </p:txBody>
+      </p:sp>
+      <p:sp>
+        <p:nvSpPr>
+          <p:cNvPr id="3" name="Date Placeholder 2"/>
+          <p:cNvSpPr>
+            <a:spLocks noGrp="1"/>
+          </p:cNvSpPr>
+          <p:nvPr>
+            <p:ph type="dt" idx="1"/>
+          </p:nvPr>
+        </p:nvSpPr>
+        <p:spPr>
+          <a:xfrm>
+            <a:off x="3884613" y="0"/>
+            <a:ext cx="2971800" cy="458788"/>
+          </a:xfrm>
+          <a:prstGeom prst="rect">
+            <a:avLst/>
+          </a:prstGeom>
+        </p:spPr>
+        <p:txBody>
+          <a:bodyPr vert="horz" lIns="91440" tIns="45720" rIns="91440" bIns="45720" rtlCol="0"/>
+          <a:lstStyle>
+            <a:lvl1pPr algn="r">
+              <a:defRPr sz="1200"/>
+            </a:lvl1pPr>
+          </a:lstStyle>
+          <a:p>
+            <a:fld id="{0280C810-319F-FB4B-BE36-E0953180E325}" type="datetimeFigureOut">
+              <a:rPr lang="en-US" smtClean="0"/>
+              <a:t>5/20/19</a:t>
+            </a:fld>
+            <a:endParaRPr lang="en-US"/>
+          </a:p>
+        </p:txBody>
+      </p:sp>
+      <p:sp>
+        <p:nvSpPr>
+          <p:cNvPr id="4" name="Slide Image Placeholder 3"/>
+          <p:cNvSpPr>
+            <a:spLocks noGrp="1" noRot="1" noChangeAspect="1"/>
+          </p:cNvSpPr>
+          <p:nvPr>
+            <p:ph type="sldImg" idx="2"/>
+          </p:nvPr>
+        </p:nvSpPr>
+        <p:spPr>
+          <a:xfrm>
+            <a:off x="1371600" y="1143000"/>
+            <a:ext cx="4114800" cy="3086100"/>
+          </a:xfrm>
+          <a:prstGeom prst="rect">
+            <a:avLst/>
+          </a:prstGeom>
+          <a:noFill/>
+          <a:ln w="12700">
+            <a:solidFill>
+              <a:prstClr val="black"/>
+            </a:solidFill>
+          </a:ln>
+        </p:spPr>
+        <p:txBody>
+          <a:bodyPr vert="horz" lIns="91440" tIns="45720" rIns="91440" bIns="45720" rtlCol="0" anchor="ctr"/>
+          <a:lstStyle/>
+          <a:p>
+            <a:endParaRPr lang="en-US"/>
+          </a:p>
+        </p:txBody>
+      </p:sp>
+      <p:sp>
+        <p:nvSpPr>
+          <p:cNvPr id="5" name="Notes Placeholder 4"/>
+          <p:cNvSpPr>
+            <a:spLocks noGrp="1"/>
+          </p:cNvSpPr>
+          <p:nvPr>
+            <p:ph type="body" sz="quarter" idx="3"/>
+          </p:nvPr>
+        </p:nvSpPr>
+        <p:spPr>
+          <a:xfrm>
+            <a:off x="685800" y="4400550"/>
+            <a:ext cx="5486400" cy="3600450"/>
+          </a:xfrm>
+          <a:prstGeom prst="rect">
+            <a:avLst/>
+          </a:prstGeom>
+        </p:spPr>
+        <p:txBody>
+          <a:bodyPr vert="horz" lIns="91440" tIns="45720" rIns="91440" bIns="45720" rtlCol="0"/>
+          <a:lstStyle/>
+          <a:p>
+            <a:pPr lvl="0"/>
+            <a:r>
+              <a:rPr lang="en-US"/>
+              <a:t>Click to edit Master text styles</a:t>
+            </a:r>
+          </a:p>
+          <a:p>
+            <a:pPr lvl="1"/>
+            <a:r>
+              <a:rPr lang="en-US"/>
+              <a:t>Second level</a:t>
+            </a:r>
+          </a:p>
+          <a:p>
+            <a:pPr lvl="2"/>
+            <a:r>
+              <a:rPr lang="en-US"/>
+              <a:t>Third level</a:t>
+            </a:r>
+          </a:p>
+          <a:p>
+            <a:pPr lvl="3"/>
+            <a:r>
+              <a:rPr lang="en-US"/>
+              <a:t>Fourth level</a:t>
+            </a:r>
+          </a:p>
+          <a:p>
+            <a:pPr lvl="4"/>
+            <a:r>
+              <a:rPr lang="en-US"/>
+              <a:t>Fifth level</a:t>
+            </a:r>
+          </a:p>
+        </p:txBody>
+      </p:sp>
+      <p:sp>
+        <p:nvSpPr>
+          <p:cNvPr id="6" name="Footer Placeholder 5"/>
+          <p:cNvSpPr>
+            <a:spLocks noGrp="1"/>
+          </p:cNvSpPr>
+          <p:nvPr>
+            <p:ph type="ftr" sz="quarter" idx="4"/>
+          </p:nvPr>
+        </p:nvSpPr>
+        <p:spPr>
+          <a:xfrm>
+            <a:off x="0" y="8685213"/>
+            <a:ext cx="2971800" cy="458787"/>
+          </a:xfrm>
+          <a:prstGeom prst="rect">
+            <a:avLst/>
+          </a:prstGeom>
+        </p:spPr>
+        <p:txBody>
+          <a:bodyPr vert="horz" lIns="91440" tIns="45720" rIns="91440" bIns="45720" rtlCol="0" anchor="b"/>
+          <a:lstStyle>
+            <a:lvl1pPr algn="l">
+              <a:defRPr sz="1200"/>
+            </a:lvl1pPr>
+          </a:lstStyle>
+          <a:p>
+            <a:endParaRPr lang="en-US"/>
+          </a:p>
+        </p:txBody>
+      </p:sp>
+      <p:sp>
+        <p:nvSpPr>
+          <p:cNvPr id="7" name="Slide Number Placeholder 6"/>
+          <p:cNvSpPr>
+            <a:spLocks noGrp="1"/>
+          </p:cNvSpPr>
+          <p:nvPr>
+            <p:ph type="sldNum" sz="quarter" idx="5"/>
+          </p:nvPr>
+        </p:nvSpPr>
+        <p:spPr>
+          <a:xfrm>
+            <a:off x="3884613" y="8685213"/>
+            <a:ext cx="2971800" cy="458787"/>
+          </a:xfrm>
+          <a:prstGeom prst="rect">
+            <a:avLst/>
+          </a:prstGeom>
+        </p:spPr>
+        <p:txBody>
+          <a:bodyPr vert="horz" lIns="91440" tIns="45720" rIns="91440" bIns="45720" rtlCol="0" anchor="b"/>
+          <a:lstStyle>
+            <a:lvl1pPr algn="r">
+              <a:defRPr sz="1200"/>
+            </a:lvl1pPr>
+          </a:lstStyle>
+          <a:p>
+            <a:fld id="{2AED251E-A72F-AB49-A597-9A00103416B7}" type="slidenum">
+              <a:rPr lang="en-US" smtClean="0"/>
+              <a:t>‹#›</a:t>
+            </a:fld>
+            <a:endParaRPr lang="en-US"/>
+          </a:p>
+        </p:txBody>
+      </p:sp>
+    </p:spTree>
+    <p:extLst>
+      <p:ext uri="{BB962C8B-B14F-4D97-AF65-F5344CB8AC3E}">
+        <p14:creationId xmlns:p14="http://schemas.microsoft.com/office/powerpoint/2010/main" val="740860174"/>
+      </p:ext>
+    </p:extLst>
+  </p:cSld>
+  <p:clrMap bg1="lt1" tx1="dk1" bg2="lt2" tx2="dk2" accent1="accent1" accent2="accent2" accent3="accent3" accent4="accent4" accent5="accent5" accent6="accent6" hlink="hlink" folHlink="folHlink"/>
+  <p:notesStyle>
+    <a:lvl1pPr marL="0" algn="l" defTabSz="914400" rtl="0" eaLnBrk="1" latinLnBrk="0" hangingPunct="1">
+      <a:defRPr sz="1200" kern="1200">
+        <a:solidFill>
+          <a:schemeClr val="tx1"/>
+        </a:solidFill>
+        <a:latin typeface="+mn-lt"/>
+        <a:ea typeface="+mn-ea"/>
+        <a:cs typeface="+mn-cs"/>
+      </a:defRPr>
+    </a:lvl1pPr>
+    <a:lvl2pPr marL="457200" algn="l" defTabSz="914400" rtl="0" eaLnBrk="1" latinLnBrk="0" hangingPunct="1">
+      <a:defRPr sz="1200" kern="1200">
+        <a:solidFill>
+          <a:schemeClr val="tx1"/>
+        </a:solidFill>
+        <a:latin typeface="+mn-lt"/>
+        <a:ea typeface="+mn-ea"/>
+        <a:cs typeface="+mn-cs"/>
+      </a:defRPr>
+    </a:lvl2pPr>
+    <a:lvl3pPr marL="914400" algn="l" defTabSz="914400" rtl="0" eaLnBrk="1" latinLnBrk="0" hangingPunct="1">
+      <a:defRPr sz="1200" kern="1200">
+        <a:solidFill>
+          <a:schemeClr val="tx1"/>
+        </a:solidFill>
+        <a:latin typeface="+mn-lt"/>
+        <a:ea typeface="+mn-ea"/>
+        <a:cs typeface="+mn-cs"/>
+      </a:defRPr>
+    </a:lvl3pPr>
+    <a:lvl4pPr marL="1371600" algn="l" defTabSz="914400" rtl="0" eaLnBrk="1" latinLnBrk="0" hangingPunct="1">
+      <a:defRPr sz="1200" kern="1200">
+        <a:solidFill>
+          <a:schemeClr val="tx1"/>
+        </a:solidFill>
+        <a:latin typeface="+mn-lt"/>
+        <a:ea typeface="+mn-ea"/>
+        <a:cs typeface="+mn-cs"/>
+      </a:defRPr>
+    </a:lvl4pPr>
+    <a:lvl5pPr marL="1828800" algn="l" defTabSz="914400" rtl="0" eaLnBrk="1" latinLnBrk="0" hangingPunct="1">
+      <a:defRPr sz="1200" kern="1200">
+        <a:solidFill>
+          <a:schemeClr val="tx1"/>
+        </a:solidFill>
+        <a:latin typeface="+mn-lt"/>
+        <a:ea typeface="+mn-ea"/>
+        <a:cs typeface="+mn-cs"/>
+      </a:defRPr>
+    </a:lvl5pPr>
+    <a:lvl6pPr marL="2286000" algn="l" defTabSz="914400" rtl="0" eaLnBrk="1" latinLnBrk="0" hangingPunct="1">
+      <a:defRPr sz="1200" kern="1200">
+        <a:solidFill>
+          <a:schemeClr val="tx1"/>
+        </a:solidFill>
+        <a:latin typeface="+mn-lt"/>
+        <a:ea typeface="+mn-ea"/>
+        <a:cs typeface="+mn-cs"/>
+      </a:defRPr>
+    </a:lvl6pPr>
+    <a:lvl7pPr marL="2743200" algn="l" defTabSz="914400" rtl="0" eaLnBrk="1" latinLnBrk="0" hangingPunct="1">
+      <a:defRPr sz="1200" kern="1200">
+        <a:solidFill>
+          <a:schemeClr val="tx1"/>
+        </a:solidFill>
+        <a:latin typeface="+mn-lt"/>
+        <a:ea typeface="+mn-ea"/>
+        <a:cs typeface="+mn-cs"/>
+      </a:defRPr>
+    </a:lvl7pPr>
+    <a:lvl8pPr marL="3200400" algn="l" defTabSz="914400" rtl="0" eaLnBrk="1" latinLnBrk="0" hangingPunct="1">
+      <a:defRPr sz="1200" kern="1200">
+        <a:solidFill>
+          <a:schemeClr val="tx1"/>
+        </a:solidFill>
+        <a:latin typeface="+mn-lt"/>
+        <a:ea typeface="+mn-ea"/>
+        <a:cs typeface="+mn-cs"/>
+      </a:defRPr>
+    </a:lvl8pPr>
+    <a:lvl9pPr marL="3657600" algn="l" defTabSz="914400" rtl="0" eaLnBrk="1" latinLnBrk="0" hangingPunct="1">
+      <a:defRPr sz="1200" kern="1200">
+        <a:solidFill>
+          <a:schemeClr val="tx1"/>
+        </a:solidFill>
+        <a:latin typeface="+mn-lt"/>
+        <a:ea typeface="+mn-ea"/>
+        <a:cs typeface="+mn-cs"/>
+      </a:defRPr>
+    </a:lvl9pPr>
+  </p:notesStyle>
+</p:notesMaster>
+</file>
+
 <file path=ppt/slideLayouts/slideLayout1.xml><?xml version="1.0" encoding="utf-8"?>
 <p:sldLayout xmlns:a="http://schemas.openxmlformats.org/drawingml/2006/main" xmlns:r="http://schemas.openxmlformats.org/officeDocument/2006/relationships" xmlns:p="http://schemas.openxmlformats.org/presentationml/2006/main" type="title" preserve="1">
   <p:cSld name="Title Slide">
@@ -302,7 +673,7 @@
           <a:bodyPr/>
           <a:lstStyle/>
           <a:p>
-            <a:fld id="{A0EC2761-52B0-42C5-B01B-DF8F69615AE5}" type="datetimeFigureOut">
+            <a:fld id="{C740E59B-F1D8-004A-80B6-8482D9FB30F6}" type="datetime1">
               <a:rPr lang="en-US" smtClean="0"/>
               <a:t>5/20/19</a:t>
             </a:fld>
@@ -470,7 +841,7 @@
           <a:bodyPr/>
           <a:lstStyle/>
           <a:p>
-            <a:fld id="{A0EC2761-52B0-42C5-B01B-DF8F69615AE5}" type="datetimeFigureOut">
+            <a:fld id="{1E0FBD51-E7D9-D54F-9767-DA3D498DEB57}" type="datetime1">
               <a:rPr lang="en-US" smtClean="0"/>
               <a:t>5/20/19</a:t>
             </a:fld>
@@ -648,7 +1019,7 @@
           <a:bodyPr/>
           <a:lstStyle/>
           <a:p>
-            <a:fld id="{A0EC2761-52B0-42C5-B01B-DF8F69615AE5}" type="datetimeFigureOut">
+            <a:fld id="{627C00C1-7A86-1C41-B796-FF86BC48FCE6}" type="datetime1">
               <a:rPr lang="en-US" smtClean="0"/>
               <a:t>5/20/19</a:t>
             </a:fld>
@@ -816,7 +1187,7 @@
           <a:bodyPr/>
           <a:lstStyle/>
           <a:p>
-            <a:fld id="{A0EC2761-52B0-42C5-B01B-DF8F69615AE5}" type="datetimeFigureOut">
+            <a:fld id="{53336B72-E85A-0C40-AC47-20BD74845F44}" type="datetime1">
               <a:rPr lang="en-US" smtClean="0"/>
               <a:t>5/20/19</a:t>
             </a:fld>
@@ -1061,7 +1432,7 @@
           <a:bodyPr/>
           <a:lstStyle/>
           <a:p>
-            <a:fld id="{A0EC2761-52B0-42C5-B01B-DF8F69615AE5}" type="datetimeFigureOut">
+            <a:fld id="{43F57D3E-D326-6945-8D76-C5F8F2CDD445}" type="datetime1">
               <a:rPr lang="en-US" smtClean="0"/>
               <a:t>5/20/19</a:t>
             </a:fld>
@@ -1290,7 +1661,7 @@
           <a:bodyPr/>
           <a:lstStyle/>
           <a:p>
-            <a:fld id="{A0EC2761-52B0-42C5-B01B-DF8F69615AE5}" type="datetimeFigureOut">
+            <a:fld id="{9A927BEA-3869-A64B-88DD-D80778AE0954}" type="datetime1">
               <a:rPr lang="en-US" smtClean="0"/>
               <a:t>5/20/19</a:t>
             </a:fld>
@@ -1654,7 +2025,7 @@
           <a:bodyPr/>
           <a:lstStyle/>
           <a:p>
-            <a:fld id="{A0EC2761-52B0-42C5-B01B-DF8F69615AE5}" type="datetimeFigureOut">
+            <a:fld id="{12271DAD-72AC-484D-9FD6-BD4EF6E67010}" type="datetime1">
               <a:rPr lang="en-US" smtClean="0"/>
               <a:t>5/20/19</a:t>
             </a:fld>
@@ -1763,7 +2134,7 @@
           <a:bodyPr/>
           <a:lstStyle/>
           <a:p>
-            <a:fld id="{A0EC2761-52B0-42C5-B01B-DF8F69615AE5}" type="datetimeFigureOut">
+            <a:fld id="{3C2E1E27-DDF7-F147-871B-CF9B546B50EF}" type="datetime1">
               <a:rPr lang="en-US" smtClean="0"/>
               <a:t>5/20/19</a:t>
             </a:fld>
@@ -1872,7 +2243,7 @@
           <a:bodyPr/>
           <a:lstStyle/>
           <a:p>
-            <a:fld id="{A0EC2761-52B0-42C5-B01B-DF8F69615AE5}" type="datetimeFigureOut">
+            <a:fld id="{B600BFD3-1530-E54F-8061-3C23C4B7D657}" type="datetime1">
               <a:rPr lang="en-US" smtClean="0"/>
               <a:t>5/20/19</a:t>
             </a:fld>
@@ -2147,7 +2518,7 @@
           <a:bodyPr/>
           <a:lstStyle/>
           <a:p>
-            <a:fld id="{A0EC2761-52B0-42C5-B01B-DF8F69615AE5}" type="datetimeFigureOut">
+            <a:fld id="{7567C7CB-8B8B-0F4C-BBF2-92CFA6AB6394}" type="datetime1">
               <a:rPr lang="en-US" smtClean="0"/>
               <a:t>5/20/19</a:t>
             </a:fld>
@@ -2402,7 +2773,7 @@
           <a:bodyPr/>
           <a:lstStyle/>
           <a:p>
-            <a:fld id="{A0EC2761-52B0-42C5-B01B-DF8F69615AE5}" type="datetimeFigureOut">
+            <a:fld id="{1844B72A-50BA-C346-9D26-95CAB533944F}" type="datetime1">
               <a:rPr lang="en-US" smtClean="0"/>
               <a:t>5/20/19</a:t>
             </a:fld>
@@ -2622,7 +2993,7 @@
             </a:lvl1pPr>
           </a:lstStyle>
           <a:p>
-            <a:fld id="{A0EC2761-52B0-42C5-B01B-DF8F69615AE5}" type="datetimeFigureOut">
+            <a:fld id="{782E0984-7B5E-584B-8286-FD334BC122FF}" type="datetime1">
               <a:rPr lang="en-US" smtClean="0"/>
               <a:t>5/20/19</a:t>
             </a:fld>
@@ -2729,6 +3100,7 @@
     <p:sldLayoutId id="2147483658" r:id="rId10"/>
     <p:sldLayoutId id="2147483659" r:id="rId11"/>
   </p:sldLayoutIdLst>
+  <p:hf hdr="0" ftr="0" dt="0"/>
   <p:txStyles>
     <p:titleStyle>
       <a:lvl1pPr algn="l" defTabSz="685800" rtl="0" eaLnBrk="1" latinLnBrk="0" hangingPunct="1">
@@ -3934,6 +4306,35 @@
           </a:graphicData>
         </a:graphic>
       </p:graphicFrame>
+      <p:sp>
+        <p:nvSpPr>
+          <p:cNvPr id="7" name="Slide Number Placeholder 6">
+            <a:extLst>
+              <a:ext uri="{FF2B5EF4-FFF2-40B4-BE49-F238E27FC236}">
+                <a16:creationId xmlns:a16="http://schemas.microsoft.com/office/drawing/2014/main" id="{82DB9283-C228-AC42-9468-F61E53A8985A}"/>
+              </a:ext>
+            </a:extLst>
+          </p:cNvPr>
+          <p:cNvSpPr>
+            <a:spLocks noGrp="1"/>
+          </p:cNvSpPr>
+          <p:nvPr>
+            <p:ph type="sldNum" sz="quarter" idx="12"/>
+          </p:nvPr>
+        </p:nvSpPr>
+        <p:spPr/>
+        <p:txBody>
+          <a:bodyPr/>
+          <a:lstStyle/>
+          <a:p>
+            <a:fld id="{A02EBBDA-6239-48A4-BF42-145536EAE284}" type="slidenum">
+              <a:rPr lang="en-US" smtClean="0"/>
+              <a:t>1</a:t>
+            </a:fld>
+            <a:endParaRPr lang="en-US"/>
+          </a:p>
+        </p:txBody>
+      </p:sp>
     </p:spTree>
     <p:extLst>
       <p:ext uri="{BB962C8B-B14F-4D97-AF65-F5344CB8AC3E}">
@@ -3964,10 +4365,2324 @@
           <a:chExt cx="0" cy="0"/>
         </a:xfrm>
       </p:grpSpPr>
+      <p:sp>
+        <p:nvSpPr>
+          <p:cNvPr id="2" name="Title 1"/>
+          <p:cNvSpPr>
+            <a:spLocks noGrp="1"/>
+          </p:cNvSpPr>
+          <p:nvPr>
+            <p:ph type="title"/>
+          </p:nvPr>
+        </p:nvSpPr>
+        <p:spPr/>
+        <p:txBody>
+          <a:bodyPr/>
+          <a:lstStyle/>
+          <a:p>
+            <a:r>
+              <a:rPr lang="en-US" dirty="0"/>
+              <a:t>2. </a:t>
+            </a:r>
+            <a:r>
+              <a:rPr lang="en-US" dirty="0" err="1"/>
+              <a:t>Phân</a:t>
+            </a:r>
+            <a:r>
+              <a:rPr lang="en-US" dirty="0"/>
+              <a:t> </a:t>
+            </a:r>
+            <a:r>
+              <a:rPr lang="en-US" dirty="0" err="1"/>
+              <a:t>tích</a:t>
+            </a:r>
+            <a:r>
+              <a:rPr lang="en-US" dirty="0"/>
+              <a:t> </a:t>
+            </a:r>
+            <a:r>
+              <a:rPr lang="en-US" dirty="0" err="1"/>
+              <a:t>yêu</a:t>
+            </a:r>
+            <a:r>
+              <a:rPr lang="en-US" dirty="0"/>
+              <a:t> </a:t>
+            </a:r>
+            <a:r>
+              <a:rPr lang="en-US" dirty="0" err="1"/>
+              <a:t>cầu</a:t>
+            </a:r>
+            <a:endParaRPr lang="en-US" dirty="0"/>
+          </a:p>
+        </p:txBody>
+      </p:sp>
+      <p:sp>
+        <p:nvSpPr>
+          <p:cNvPr id="3" name="Content Placeholder 2"/>
+          <p:cNvSpPr>
+            <a:spLocks noGrp="1"/>
+          </p:cNvSpPr>
+          <p:nvPr>
+            <p:ph idx="1"/>
+          </p:nvPr>
+        </p:nvSpPr>
+        <p:spPr/>
+        <p:txBody>
+          <a:bodyPr/>
+          <a:lstStyle/>
+          <a:p>
+            <a:pPr marL="0" indent="0">
+              <a:buNone/>
+            </a:pPr>
+            <a:r>
+              <a:rPr lang="en-US" b="1" dirty="0"/>
+              <a:t>2.1. </a:t>
+            </a:r>
+            <a:r>
+              <a:rPr lang="en-US" b="1" dirty="0" err="1"/>
+              <a:t>Sơ</a:t>
+            </a:r>
+            <a:r>
+              <a:rPr lang="en-US" b="1" dirty="0"/>
+              <a:t> </a:t>
+            </a:r>
+            <a:r>
+              <a:rPr lang="en-US" b="1" dirty="0" err="1"/>
+              <a:t>đồ</a:t>
+            </a:r>
+            <a:r>
+              <a:rPr lang="en-US" b="1" dirty="0"/>
+              <a:t> Use Case </a:t>
+            </a:r>
+            <a:r>
+              <a:rPr lang="en-US" b="1" dirty="0" err="1"/>
+              <a:t>tổng</a:t>
+            </a:r>
+            <a:r>
+              <a:rPr lang="en-US" b="1" dirty="0"/>
+              <a:t> </a:t>
+            </a:r>
+            <a:r>
+              <a:rPr lang="en-US" b="1" dirty="0" err="1"/>
+              <a:t>quan</a:t>
+            </a:r>
+            <a:r>
+              <a:rPr lang="en-US" b="1" dirty="0"/>
+              <a:t> </a:t>
+            </a:r>
+          </a:p>
+          <a:p>
+            <a:pPr marL="0" indent="0">
+              <a:buNone/>
+            </a:pPr>
+            <a:r>
+              <a:rPr lang="en-US" dirty="0"/>
+              <a:t>2.2. </a:t>
+            </a:r>
+            <a:r>
+              <a:rPr lang="en-US" dirty="0" err="1"/>
+              <a:t>Sơ</a:t>
+            </a:r>
+            <a:r>
+              <a:rPr lang="en-US" dirty="0"/>
+              <a:t> </a:t>
+            </a:r>
+            <a:r>
+              <a:rPr lang="en-US" dirty="0" err="1"/>
+              <a:t>đồ</a:t>
+            </a:r>
+            <a:r>
+              <a:rPr lang="en-US" dirty="0"/>
+              <a:t> </a:t>
+            </a:r>
+            <a:r>
+              <a:rPr lang="en-US" dirty="0" err="1"/>
+              <a:t>lớp</a:t>
+            </a:r>
+            <a:r>
+              <a:rPr lang="en-US" dirty="0"/>
+              <a:t> </a:t>
+            </a:r>
+            <a:r>
+              <a:rPr lang="en-US" dirty="0" err="1"/>
+              <a:t>tham</a:t>
+            </a:r>
+            <a:r>
+              <a:rPr lang="en-US" dirty="0"/>
+              <a:t> </a:t>
+            </a:r>
+            <a:r>
+              <a:rPr lang="en-US" dirty="0" err="1"/>
+              <a:t>gia</a:t>
+            </a:r>
+            <a:r>
+              <a:rPr lang="en-US" dirty="0"/>
+              <a:t> Use Case</a:t>
+            </a:r>
+          </a:p>
+          <a:p>
+            <a:pPr marL="0" indent="0">
+              <a:buNone/>
+            </a:pPr>
+            <a:r>
+              <a:rPr lang="en-US" dirty="0"/>
+              <a:t>2.3. </a:t>
+            </a:r>
+            <a:r>
+              <a:rPr lang="en-US" dirty="0" err="1"/>
+              <a:t>Sơ</a:t>
+            </a:r>
+            <a:r>
+              <a:rPr lang="en-US" dirty="0"/>
+              <a:t> </a:t>
+            </a:r>
+            <a:r>
+              <a:rPr lang="en-US" dirty="0" err="1"/>
+              <a:t>đồ</a:t>
+            </a:r>
+            <a:r>
+              <a:rPr lang="en-US" dirty="0"/>
+              <a:t> </a:t>
+            </a:r>
+            <a:r>
+              <a:rPr lang="en-US" dirty="0" err="1"/>
+              <a:t>trình</a:t>
+            </a:r>
+            <a:r>
+              <a:rPr lang="en-US" dirty="0"/>
+              <a:t> </a:t>
+            </a:r>
+            <a:r>
+              <a:rPr lang="en-US" dirty="0" err="1"/>
+              <a:t>tự</a:t>
+            </a:r>
+            <a:endParaRPr lang="en-US" dirty="0"/>
+          </a:p>
+        </p:txBody>
+      </p:sp>
+      <p:sp>
+        <p:nvSpPr>
+          <p:cNvPr id="4" name="Slide Number Placeholder 3">
+            <a:extLst>
+              <a:ext uri="{FF2B5EF4-FFF2-40B4-BE49-F238E27FC236}">
+                <a16:creationId xmlns:a16="http://schemas.microsoft.com/office/drawing/2014/main" id="{2F142CB2-BE52-C042-87A4-24A34A87DE6E}"/>
+              </a:ext>
+            </a:extLst>
+          </p:cNvPr>
+          <p:cNvSpPr>
+            <a:spLocks noGrp="1"/>
+          </p:cNvSpPr>
+          <p:nvPr>
+            <p:ph type="sldNum" sz="quarter" idx="12"/>
+          </p:nvPr>
+        </p:nvSpPr>
+        <p:spPr/>
+        <p:txBody>
+          <a:bodyPr/>
+          <a:lstStyle/>
+          <a:p>
+            <a:fld id="{A02EBBDA-6239-48A4-BF42-145536EAE284}" type="slidenum">
+              <a:rPr lang="en-US" smtClean="0"/>
+              <a:t>10</a:t>
+            </a:fld>
+            <a:endParaRPr lang="en-US"/>
+          </a:p>
+        </p:txBody>
+      </p:sp>
     </p:spTree>
     <p:extLst>
       <p:ext uri="{BB962C8B-B14F-4D97-AF65-F5344CB8AC3E}">
-        <p14:creationId xmlns:p14="http://schemas.microsoft.com/office/powerpoint/2010/main" val="3158584091"/>
+        <p14:creationId xmlns:p14="http://schemas.microsoft.com/office/powerpoint/2010/main" val="250996911"/>
+      </p:ext>
+    </p:extLst>
+  </p:cSld>
+  <p:clrMapOvr>
+    <a:masterClrMapping/>
+  </p:clrMapOvr>
+</p:sld>
+</file>
+
+<file path=ppt/slides/slide11.xml><?xml version="1.0" encoding="utf-8"?>
+<p:sld xmlns:a="http://schemas.openxmlformats.org/drawingml/2006/main" xmlns:r="http://schemas.openxmlformats.org/officeDocument/2006/relationships" xmlns:p="http://schemas.openxmlformats.org/presentationml/2006/main">
+  <p:cSld>
+    <p:spTree>
+      <p:nvGrpSpPr>
+        <p:cNvPr id="1" name=""/>
+        <p:cNvGrpSpPr/>
+        <p:nvPr/>
+      </p:nvGrpSpPr>
+      <p:grpSpPr>
+        <a:xfrm>
+          <a:off x="0" y="0"/>
+          <a:ext cx="0" cy="0"/>
+          <a:chOff x="0" y="0"/>
+          <a:chExt cx="0" cy="0"/>
+        </a:xfrm>
+      </p:grpSpPr>
+      <p:sp>
+        <p:nvSpPr>
+          <p:cNvPr id="2" name="Title 1"/>
+          <p:cNvSpPr>
+            <a:spLocks noGrp="1"/>
+          </p:cNvSpPr>
+          <p:nvPr>
+            <p:ph type="title"/>
+          </p:nvPr>
+        </p:nvSpPr>
+        <p:spPr/>
+        <p:txBody>
+          <a:bodyPr/>
+          <a:lstStyle/>
+          <a:p>
+            <a:r>
+              <a:rPr lang="en-US" dirty="0"/>
+              <a:t>2.1. </a:t>
+            </a:r>
+            <a:r>
+              <a:rPr lang="en-US" dirty="0" err="1"/>
+              <a:t>Sơ</a:t>
+            </a:r>
+            <a:r>
+              <a:rPr lang="en-US" dirty="0"/>
+              <a:t> </a:t>
+            </a:r>
+            <a:r>
+              <a:rPr lang="en-US" dirty="0" err="1"/>
+              <a:t>đồ</a:t>
+            </a:r>
+            <a:r>
+              <a:rPr lang="en-US" dirty="0"/>
+              <a:t> Use Case </a:t>
+            </a:r>
+            <a:r>
+              <a:rPr lang="en-US" dirty="0" err="1"/>
+              <a:t>tổng</a:t>
+            </a:r>
+            <a:r>
+              <a:rPr lang="en-US" dirty="0"/>
+              <a:t> </a:t>
+            </a:r>
+            <a:r>
+              <a:rPr lang="en-US" dirty="0" err="1"/>
+              <a:t>quan</a:t>
+            </a:r>
+            <a:endParaRPr lang="en-US" dirty="0"/>
+          </a:p>
+        </p:txBody>
+      </p:sp>
+      <p:sp>
+        <p:nvSpPr>
+          <p:cNvPr id="4" name="Slide Number Placeholder 3">
+            <a:extLst>
+              <a:ext uri="{FF2B5EF4-FFF2-40B4-BE49-F238E27FC236}">
+                <a16:creationId xmlns:a16="http://schemas.microsoft.com/office/drawing/2014/main" id="{8DB84AF7-7332-CB47-9FB1-C7AF06AA651C}"/>
+              </a:ext>
+            </a:extLst>
+          </p:cNvPr>
+          <p:cNvSpPr>
+            <a:spLocks noGrp="1"/>
+          </p:cNvSpPr>
+          <p:nvPr>
+            <p:ph type="sldNum" sz="quarter" idx="12"/>
+          </p:nvPr>
+        </p:nvSpPr>
+        <p:spPr/>
+        <p:txBody>
+          <a:bodyPr/>
+          <a:lstStyle/>
+          <a:p>
+            <a:fld id="{A02EBBDA-6239-48A4-BF42-145536EAE284}" type="slidenum">
+              <a:rPr lang="en-US" smtClean="0"/>
+              <a:t>11</a:t>
+            </a:fld>
+            <a:endParaRPr lang="en-US"/>
+          </a:p>
+        </p:txBody>
+      </p:sp>
+      <p:pic>
+        <p:nvPicPr>
+          <p:cNvPr id="6" name="Picture 5">
+            <a:extLst>
+              <a:ext uri="{FF2B5EF4-FFF2-40B4-BE49-F238E27FC236}">
+                <a16:creationId xmlns:a16="http://schemas.microsoft.com/office/drawing/2014/main" id="{28E5C0BE-6956-314B-AE78-954468304923}"/>
+              </a:ext>
+            </a:extLst>
+          </p:cNvPr>
+          <p:cNvPicPr>
+            <a:picLocks noChangeAspect="1"/>
+          </p:cNvPicPr>
+          <p:nvPr/>
+        </p:nvPicPr>
+        <p:blipFill>
+          <a:blip r:embed="rId2">
+            <a:extLst>
+              <a:ext uri="{28A0092B-C50C-407E-A947-70E740481C1C}">
+                <a14:useLocalDpi xmlns:a14="http://schemas.microsoft.com/office/drawing/2010/main" val="0"/>
+              </a:ext>
+            </a:extLst>
+          </a:blip>
+          <a:stretch>
+            <a:fillRect/>
+          </a:stretch>
+        </p:blipFill>
+        <p:spPr>
+          <a:xfrm>
+            <a:off x="1841329" y="1498599"/>
+            <a:ext cx="5461341" cy="4597400"/>
+          </a:xfrm>
+          <a:prstGeom prst="rect">
+            <a:avLst/>
+          </a:prstGeom>
+        </p:spPr>
+      </p:pic>
+    </p:spTree>
+    <p:extLst>
+      <p:ext uri="{BB962C8B-B14F-4D97-AF65-F5344CB8AC3E}">
+        <p14:creationId xmlns:p14="http://schemas.microsoft.com/office/powerpoint/2010/main" val="31164438"/>
+      </p:ext>
+    </p:extLst>
+  </p:cSld>
+  <p:clrMapOvr>
+    <a:masterClrMapping/>
+  </p:clrMapOvr>
+</p:sld>
+</file>
+
+<file path=ppt/slides/slide12.xml><?xml version="1.0" encoding="utf-8"?>
+<p:sld xmlns:a="http://schemas.openxmlformats.org/drawingml/2006/main" xmlns:r="http://schemas.openxmlformats.org/officeDocument/2006/relationships" xmlns:p="http://schemas.openxmlformats.org/presentationml/2006/main">
+  <p:cSld>
+    <p:spTree>
+      <p:nvGrpSpPr>
+        <p:cNvPr id="1" name=""/>
+        <p:cNvGrpSpPr/>
+        <p:nvPr/>
+      </p:nvGrpSpPr>
+      <p:grpSpPr>
+        <a:xfrm>
+          <a:off x="0" y="0"/>
+          <a:ext cx="0" cy="0"/>
+          <a:chOff x="0" y="0"/>
+          <a:chExt cx="0" cy="0"/>
+        </a:xfrm>
+      </p:grpSpPr>
+      <p:sp>
+        <p:nvSpPr>
+          <p:cNvPr id="2" name="Title 1"/>
+          <p:cNvSpPr>
+            <a:spLocks noGrp="1"/>
+          </p:cNvSpPr>
+          <p:nvPr>
+            <p:ph type="title"/>
+          </p:nvPr>
+        </p:nvSpPr>
+        <p:spPr/>
+        <p:txBody>
+          <a:bodyPr/>
+          <a:lstStyle/>
+          <a:p>
+            <a:r>
+              <a:rPr lang="en-US" dirty="0"/>
+              <a:t>2. </a:t>
+            </a:r>
+            <a:r>
+              <a:rPr lang="en-US" dirty="0" err="1"/>
+              <a:t>Phân</a:t>
+            </a:r>
+            <a:r>
+              <a:rPr lang="en-US" dirty="0"/>
+              <a:t> </a:t>
+            </a:r>
+            <a:r>
+              <a:rPr lang="en-US" dirty="0" err="1"/>
+              <a:t>tích</a:t>
+            </a:r>
+            <a:r>
+              <a:rPr lang="en-US" dirty="0"/>
+              <a:t> </a:t>
+            </a:r>
+            <a:r>
+              <a:rPr lang="en-US" dirty="0" err="1"/>
+              <a:t>yêu</a:t>
+            </a:r>
+            <a:r>
+              <a:rPr lang="en-US" dirty="0"/>
+              <a:t> </a:t>
+            </a:r>
+            <a:r>
+              <a:rPr lang="en-US" dirty="0" err="1"/>
+              <a:t>cầu</a:t>
+            </a:r>
+            <a:endParaRPr lang="en-US" dirty="0"/>
+          </a:p>
+        </p:txBody>
+      </p:sp>
+      <p:sp>
+        <p:nvSpPr>
+          <p:cNvPr id="3" name="Content Placeholder 2"/>
+          <p:cNvSpPr>
+            <a:spLocks noGrp="1"/>
+          </p:cNvSpPr>
+          <p:nvPr>
+            <p:ph idx="1"/>
+          </p:nvPr>
+        </p:nvSpPr>
+        <p:spPr/>
+        <p:txBody>
+          <a:bodyPr/>
+          <a:lstStyle/>
+          <a:p>
+            <a:pPr marL="0" indent="0">
+              <a:buNone/>
+            </a:pPr>
+            <a:r>
+              <a:rPr lang="en-US" dirty="0"/>
+              <a:t>2.1. </a:t>
+            </a:r>
+            <a:r>
+              <a:rPr lang="en-US" dirty="0" err="1"/>
+              <a:t>Sơ</a:t>
+            </a:r>
+            <a:r>
+              <a:rPr lang="en-US" dirty="0"/>
+              <a:t> </a:t>
+            </a:r>
+            <a:r>
+              <a:rPr lang="en-US" dirty="0" err="1"/>
+              <a:t>đồ</a:t>
+            </a:r>
+            <a:r>
+              <a:rPr lang="en-US" dirty="0"/>
+              <a:t> Use Case </a:t>
+            </a:r>
+            <a:r>
+              <a:rPr lang="en-US" dirty="0" err="1"/>
+              <a:t>tổng</a:t>
+            </a:r>
+            <a:r>
+              <a:rPr lang="en-US" dirty="0"/>
+              <a:t> </a:t>
+            </a:r>
+            <a:r>
+              <a:rPr lang="en-US" dirty="0" err="1"/>
+              <a:t>quan</a:t>
+            </a:r>
+            <a:r>
+              <a:rPr lang="en-US" dirty="0"/>
+              <a:t> </a:t>
+            </a:r>
+          </a:p>
+          <a:p>
+            <a:pPr marL="0" indent="0">
+              <a:buNone/>
+            </a:pPr>
+            <a:r>
+              <a:rPr lang="en-US" b="1" dirty="0"/>
+              <a:t>2.2. </a:t>
+            </a:r>
+            <a:r>
+              <a:rPr lang="en-US" b="1" dirty="0" err="1"/>
+              <a:t>Sơ</a:t>
+            </a:r>
+            <a:r>
+              <a:rPr lang="en-US" b="1" dirty="0"/>
+              <a:t> </a:t>
+            </a:r>
+            <a:r>
+              <a:rPr lang="en-US" b="1" dirty="0" err="1"/>
+              <a:t>đồ</a:t>
+            </a:r>
+            <a:r>
+              <a:rPr lang="en-US" b="1" dirty="0"/>
+              <a:t> </a:t>
+            </a:r>
+            <a:r>
+              <a:rPr lang="en-US" b="1" dirty="0" err="1"/>
+              <a:t>lớp</a:t>
+            </a:r>
+            <a:r>
+              <a:rPr lang="en-US" b="1" dirty="0"/>
+              <a:t> </a:t>
+            </a:r>
+            <a:r>
+              <a:rPr lang="en-US" b="1" dirty="0" err="1"/>
+              <a:t>tham</a:t>
+            </a:r>
+            <a:r>
+              <a:rPr lang="en-US" b="1" dirty="0"/>
+              <a:t> </a:t>
+            </a:r>
+            <a:r>
+              <a:rPr lang="en-US" b="1" dirty="0" err="1"/>
+              <a:t>gia</a:t>
+            </a:r>
+            <a:r>
+              <a:rPr lang="en-US" b="1" dirty="0"/>
+              <a:t> Use Case</a:t>
+            </a:r>
+          </a:p>
+          <a:p>
+            <a:pPr marL="0" indent="0">
+              <a:buNone/>
+            </a:pPr>
+            <a:r>
+              <a:rPr lang="en-US" dirty="0"/>
+              <a:t>2.3. </a:t>
+            </a:r>
+            <a:r>
+              <a:rPr lang="en-US" dirty="0" err="1"/>
+              <a:t>Sơ</a:t>
+            </a:r>
+            <a:r>
+              <a:rPr lang="en-US" dirty="0"/>
+              <a:t> </a:t>
+            </a:r>
+            <a:r>
+              <a:rPr lang="en-US" dirty="0" err="1"/>
+              <a:t>đồ</a:t>
+            </a:r>
+            <a:r>
+              <a:rPr lang="en-US" dirty="0"/>
+              <a:t> </a:t>
+            </a:r>
+            <a:r>
+              <a:rPr lang="en-US" dirty="0" err="1"/>
+              <a:t>trình</a:t>
+            </a:r>
+            <a:r>
+              <a:rPr lang="en-US" dirty="0"/>
+              <a:t> </a:t>
+            </a:r>
+            <a:r>
+              <a:rPr lang="en-US" dirty="0" err="1"/>
+              <a:t>tự</a:t>
+            </a:r>
+            <a:endParaRPr lang="en-US" dirty="0"/>
+          </a:p>
+        </p:txBody>
+      </p:sp>
+      <p:sp>
+        <p:nvSpPr>
+          <p:cNvPr id="4" name="Slide Number Placeholder 3">
+            <a:extLst>
+              <a:ext uri="{FF2B5EF4-FFF2-40B4-BE49-F238E27FC236}">
+                <a16:creationId xmlns:a16="http://schemas.microsoft.com/office/drawing/2014/main" id="{2F142CB2-BE52-C042-87A4-24A34A87DE6E}"/>
+              </a:ext>
+            </a:extLst>
+          </p:cNvPr>
+          <p:cNvSpPr>
+            <a:spLocks noGrp="1"/>
+          </p:cNvSpPr>
+          <p:nvPr>
+            <p:ph type="sldNum" sz="quarter" idx="12"/>
+          </p:nvPr>
+        </p:nvSpPr>
+        <p:spPr/>
+        <p:txBody>
+          <a:bodyPr/>
+          <a:lstStyle/>
+          <a:p>
+            <a:fld id="{A02EBBDA-6239-48A4-BF42-145536EAE284}" type="slidenum">
+              <a:rPr lang="en-US" smtClean="0"/>
+              <a:t>12</a:t>
+            </a:fld>
+            <a:endParaRPr lang="en-US"/>
+          </a:p>
+        </p:txBody>
+      </p:sp>
+    </p:spTree>
+    <p:extLst>
+      <p:ext uri="{BB962C8B-B14F-4D97-AF65-F5344CB8AC3E}">
+        <p14:creationId xmlns:p14="http://schemas.microsoft.com/office/powerpoint/2010/main" val="2259942346"/>
+      </p:ext>
+    </p:extLst>
+  </p:cSld>
+  <p:clrMapOvr>
+    <a:masterClrMapping/>
+  </p:clrMapOvr>
+</p:sld>
+</file>
+
+<file path=ppt/slides/slide13.xml><?xml version="1.0" encoding="utf-8"?>
+<p:sld xmlns:a="http://schemas.openxmlformats.org/drawingml/2006/main" xmlns:r="http://schemas.openxmlformats.org/officeDocument/2006/relationships" xmlns:p="http://schemas.openxmlformats.org/presentationml/2006/main">
+  <p:cSld>
+    <p:spTree>
+      <p:nvGrpSpPr>
+        <p:cNvPr id="1" name=""/>
+        <p:cNvGrpSpPr/>
+        <p:nvPr/>
+      </p:nvGrpSpPr>
+      <p:grpSpPr>
+        <a:xfrm>
+          <a:off x="0" y="0"/>
+          <a:ext cx="0" cy="0"/>
+          <a:chOff x="0" y="0"/>
+          <a:chExt cx="0" cy="0"/>
+        </a:xfrm>
+      </p:grpSpPr>
+      <p:sp>
+        <p:nvSpPr>
+          <p:cNvPr id="2" name="Title 1"/>
+          <p:cNvSpPr>
+            <a:spLocks noGrp="1"/>
+          </p:cNvSpPr>
+          <p:nvPr>
+            <p:ph type="title"/>
+          </p:nvPr>
+        </p:nvSpPr>
+        <p:spPr/>
+        <p:txBody>
+          <a:bodyPr/>
+          <a:lstStyle/>
+          <a:p>
+            <a:r>
+              <a:rPr lang="en-US" dirty="0"/>
+              <a:t>2.2. </a:t>
+            </a:r>
+            <a:r>
+              <a:rPr lang="en-US" dirty="0" err="1"/>
+              <a:t>Sơ</a:t>
+            </a:r>
+            <a:r>
+              <a:rPr lang="en-US" dirty="0"/>
+              <a:t> </a:t>
+            </a:r>
+            <a:r>
+              <a:rPr lang="en-US" dirty="0" err="1"/>
+              <a:t>đồ</a:t>
+            </a:r>
+            <a:r>
+              <a:rPr lang="en-US" dirty="0"/>
+              <a:t> </a:t>
+            </a:r>
+            <a:r>
+              <a:rPr lang="en-US" dirty="0" err="1"/>
+              <a:t>lớp</a:t>
+            </a:r>
+            <a:endParaRPr lang="en-US" dirty="0"/>
+          </a:p>
+        </p:txBody>
+      </p:sp>
+      <p:sp>
+        <p:nvSpPr>
+          <p:cNvPr id="4" name="Slide Number Placeholder 3">
+            <a:extLst>
+              <a:ext uri="{FF2B5EF4-FFF2-40B4-BE49-F238E27FC236}">
+                <a16:creationId xmlns:a16="http://schemas.microsoft.com/office/drawing/2014/main" id="{8DB84AF7-7332-CB47-9FB1-C7AF06AA651C}"/>
+              </a:ext>
+            </a:extLst>
+          </p:cNvPr>
+          <p:cNvSpPr>
+            <a:spLocks noGrp="1"/>
+          </p:cNvSpPr>
+          <p:nvPr>
+            <p:ph type="sldNum" sz="quarter" idx="12"/>
+          </p:nvPr>
+        </p:nvSpPr>
+        <p:spPr/>
+        <p:txBody>
+          <a:bodyPr/>
+          <a:lstStyle/>
+          <a:p>
+            <a:fld id="{A02EBBDA-6239-48A4-BF42-145536EAE284}" type="slidenum">
+              <a:rPr lang="en-US" smtClean="0"/>
+              <a:t>13</a:t>
+            </a:fld>
+            <a:endParaRPr lang="en-US"/>
+          </a:p>
+        </p:txBody>
+      </p:sp>
+      <p:sp>
+        <p:nvSpPr>
+          <p:cNvPr id="3" name="TextBox 2">
+            <a:extLst>
+              <a:ext uri="{FF2B5EF4-FFF2-40B4-BE49-F238E27FC236}">
+                <a16:creationId xmlns:a16="http://schemas.microsoft.com/office/drawing/2014/main" id="{4A86700D-1D6E-DF49-9B71-E094581B638B}"/>
+              </a:ext>
+            </a:extLst>
+          </p:cNvPr>
+          <p:cNvSpPr txBox="1"/>
+          <p:nvPr/>
+        </p:nvSpPr>
+        <p:spPr>
+          <a:xfrm>
+            <a:off x="220664" y="3471283"/>
+            <a:ext cx="3080808" cy="369332"/>
+          </a:xfrm>
+          <a:prstGeom prst="rect">
+            <a:avLst/>
+          </a:prstGeom>
+          <a:noFill/>
+        </p:spPr>
+        <p:txBody>
+          <a:bodyPr wrap="square" rtlCol="0">
+            <a:spAutoFit/>
+          </a:bodyPr>
+          <a:lstStyle/>
+          <a:p>
+            <a:r>
+              <a:rPr lang="en-US" dirty="0"/>
+              <a:t>Class Diagram - </a:t>
+            </a:r>
+            <a:r>
+              <a:rPr lang="en-US" dirty="0" err="1"/>
+              <a:t>Tìm</a:t>
+            </a:r>
+            <a:r>
+              <a:rPr lang="en-US" dirty="0"/>
+              <a:t> </a:t>
+            </a:r>
+            <a:r>
+              <a:rPr lang="en-US" dirty="0" err="1"/>
+              <a:t>kiếm</a:t>
+            </a:r>
+            <a:r>
+              <a:rPr lang="en-US" dirty="0"/>
+              <a:t> </a:t>
+            </a:r>
+            <a:r>
+              <a:rPr lang="en-US" dirty="0" err="1"/>
+              <a:t>phim</a:t>
+            </a:r>
+            <a:endParaRPr lang="en-US" dirty="0"/>
+          </a:p>
+        </p:txBody>
+      </p:sp>
+      <p:pic>
+        <p:nvPicPr>
+          <p:cNvPr id="7" name="Picture 6">
+            <a:extLst>
+              <a:ext uri="{FF2B5EF4-FFF2-40B4-BE49-F238E27FC236}">
+                <a16:creationId xmlns:a16="http://schemas.microsoft.com/office/drawing/2014/main" id="{31CA685D-A382-5E4F-8C9B-4F81A005EED3}"/>
+              </a:ext>
+            </a:extLst>
+          </p:cNvPr>
+          <p:cNvPicPr>
+            <a:picLocks noChangeAspect="1"/>
+          </p:cNvPicPr>
+          <p:nvPr/>
+        </p:nvPicPr>
+        <p:blipFill>
+          <a:blip r:embed="rId2">
+            <a:extLst>
+              <a:ext uri="{28A0092B-C50C-407E-A947-70E740481C1C}">
+                <a14:useLocalDpi xmlns:a14="http://schemas.microsoft.com/office/drawing/2010/main" val="0"/>
+              </a:ext>
+            </a:extLst>
+          </a:blip>
+          <a:stretch>
+            <a:fillRect/>
+          </a:stretch>
+        </p:blipFill>
+        <p:spPr>
+          <a:xfrm>
+            <a:off x="3421973" y="1207937"/>
+            <a:ext cx="5604472" cy="5235046"/>
+          </a:xfrm>
+          <a:prstGeom prst="rect">
+            <a:avLst/>
+          </a:prstGeom>
+        </p:spPr>
+      </p:pic>
+    </p:spTree>
+    <p:extLst>
+      <p:ext uri="{BB962C8B-B14F-4D97-AF65-F5344CB8AC3E}">
+        <p14:creationId xmlns:p14="http://schemas.microsoft.com/office/powerpoint/2010/main" val="2228189659"/>
+      </p:ext>
+    </p:extLst>
+  </p:cSld>
+  <p:clrMapOvr>
+    <a:masterClrMapping/>
+  </p:clrMapOvr>
+</p:sld>
+</file>
+
+<file path=ppt/slides/slide14.xml><?xml version="1.0" encoding="utf-8"?>
+<p:sld xmlns:a="http://schemas.openxmlformats.org/drawingml/2006/main" xmlns:r="http://schemas.openxmlformats.org/officeDocument/2006/relationships" xmlns:p="http://schemas.openxmlformats.org/presentationml/2006/main">
+  <p:cSld>
+    <p:spTree>
+      <p:nvGrpSpPr>
+        <p:cNvPr id="1" name=""/>
+        <p:cNvGrpSpPr/>
+        <p:nvPr/>
+      </p:nvGrpSpPr>
+      <p:grpSpPr>
+        <a:xfrm>
+          <a:off x="0" y="0"/>
+          <a:ext cx="0" cy="0"/>
+          <a:chOff x="0" y="0"/>
+          <a:chExt cx="0" cy="0"/>
+        </a:xfrm>
+      </p:grpSpPr>
+      <p:sp>
+        <p:nvSpPr>
+          <p:cNvPr id="2" name="Title 1"/>
+          <p:cNvSpPr>
+            <a:spLocks noGrp="1"/>
+          </p:cNvSpPr>
+          <p:nvPr>
+            <p:ph type="title"/>
+          </p:nvPr>
+        </p:nvSpPr>
+        <p:spPr/>
+        <p:txBody>
+          <a:bodyPr/>
+          <a:lstStyle/>
+          <a:p>
+            <a:r>
+              <a:rPr lang="en-US" dirty="0"/>
+              <a:t>2.2. </a:t>
+            </a:r>
+            <a:r>
+              <a:rPr lang="en-US" dirty="0" err="1"/>
+              <a:t>Sơ</a:t>
+            </a:r>
+            <a:r>
+              <a:rPr lang="en-US" dirty="0"/>
+              <a:t> </a:t>
+            </a:r>
+            <a:r>
+              <a:rPr lang="en-US" dirty="0" err="1"/>
+              <a:t>đồ</a:t>
+            </a:r>
+            <a:r>
+              <a:rPr lang="en-US" dirty="0"/>
+              <a:t> </a:t>
+            </a:r>
+            <a:r>
+              <a:rPr lang="en-US" dirty="0" err="1"/>
+              <a:t>lớp</a:t>
+            </a:r>
+            <a:endParaRPr lang="en-US" dirty="0"/>
+          </a:p>
+        </p:txBody>
+      </p:sp>
+      <p:sp>
+        <p:nvSpPr>
+          <p:cNvPr id="4" name="Slide Number Placeholder 3">
+            <a:extLst>
+              <a:ext uri="{FF2B5EF4-FFF2-40B4-BE49-F238E27FC236}">
+                <a16:creationId xmlns:a16="http://schemas.microsoft.com/office/drawing/2014/main" id="{8DB84AF7-7332-CB47-9FB1-C7AF06AA651C}"/>
+              </a:ext>
+            </a:extLst>
+          </p:cNvPr>
+          <p:cNvSpPr>
+            <a:spLocks noGrp="1"/>
+          </p:cNvSpPr>
+          <p:nvPr>
+            <p:ph type="sldNum" sz="quarter" idx="12"/>
+          </p:nvPr>
+        </p:nvSpPr>
+        <p:spPr/>
+        <p:txBody>
+          <a:bodyPr/>
+          <a:lstStyle/>
+          <a:p>
+            <a:fld id="{A02EBBDA-6239-48A4-BF42-145536EAE284}" type="slidenum">
+              <a:rPr lang="en-US" smtClean="0"/>
+              <a:t>14</a:t>
+            </a:fld>
+            <a:endParaRPr lang="en-US"/>
+          </a:p>
+        </p:txBody>
+      </p:sp>
+      <p:sp>
+        <p:nvSpPr>
+          <p:cNvPr id="3" name="TextBox 2">
+            <a:extLst>
+              <a:ext uri="{FF2B5EF4-FFF2-40B4-BE49-F238E27FC236}">
+                <a16:creationId xmlns:a16="http://schemas.microsoft.com/office/drawing/2014/main" id="{4A86700D-1D6E-DF49-9B71-E094581B638B}"/>
+              </a:ext>
+            </a:extLst>
+          </p:cNvPr>
+          <p:cNvSpPr txBox="1"/>
+          <p:nvPr/>
+        </p:nvSpPr>
+        <p:spPr>
+          <a:xfrm>
+            <a:off x="2713830" y="1254115"/>
+            <a:ext cx="3987271" cy="369332"/>
+          </a:xfrm>
+          <a:prstGeom prst="rect">
+            <a:avLst/>
+          </a:prstGeom>
+          <a:noFill/>
+        </p:spPr>
+        <p:txBody>
+          <a:bodyPr wrap="square" rtlCol="0">
+            <a:spAutoFit/>
+          </a:bodyPr>
+          <a:lstStyle/>
+          <a:p>
+            <a:r>
+              <a:rPr lang="en-US" dirty="0"/>
+              <a:t>Class Diagram – </a:t>
+            </a:r>
+            <a:r>
+              <a:rPr lang="en-US" dirty="0" err="1"/>
+              <a:t>Đánh</a:t>
+            </a:r>
+            <a:r>
+              <a:rPr lang="en-US" dirty="0"/>
+              <a:t> </a:t>
+            </a:r>
+            <a:r>
+              <a:rPr lang="en-US" dirty="0" err="1"/>
+              <a:t>giá</a:t>
+            </a:r>
+            <a:r>
+              <a:rPr lang="en-US" dirty="0"/>
+              <a:t> </a:t>
+            </a:r>
+            <a:r>
+              <a:rPr lang="en-US" dirty="0" err="1"/>
+              <a:t>phim</a:t>
+            </a:r>
+            <a:r>
+              <a:rPr lang="en-US" dirty="0"/>
+              <a:t> </a:t>
+            </a:r>
+            <a:r>
+              <a:rPr lang="en-US" dirty="0" err="1"/>
+              <a:t>hoặc</a:t>
+            </a:r>
+            <a:r>
+              <a:rPr lang="en-US" dirty="0"/>
+              <a:t> </a:t>
+            </a:r>
+            <a:r>
+              <a:rPr lang="en-US" dirty="0" err="1"/>
+              <a:t>rạp</a:t>
+            </a:r>
+            <a:endParaRPr lang="en-US" dirty="0"/>
+          </a:p>
+        </p:txBody>
+      </p:sp>
+      <p:pic>
+        <p:nvPicPr>
+          <p:cNvPr id="6" name="Picture 5">
+            <a:extLst>
+              <a:ext uri="{FF2B5EF4-FFF2-40B4-BE49-F238E27FC236}">
+                <a16:creationId xmlns:a16="http://schemas.microsoft.com/office/drawing/2014/main" id="{E110A8F4-E066-CD44-8D97-C54352405D83}"/>
+              </a:ext>
+            </a:extLst>
+          </p:cNvPr>
+          <p:cNvPicPr>
+            <a:picLocks noChangeAspect="1"/>
+          </p:cNvPicPr>
+          <p:nvPr/>
+        </p:nvPicPr>
+        <p:blipFill>
+          <a:blip r:embed="rId2">
+            <a:extLst>
+              <a:ext uri="{28A0092B-C50C-407E-A947-70E740481C1C}">
+                <a14:useLocalDpi xmlns:a14="http://schemas.microsoft.com/office/drawing/2010/main" val="0"/>
+              </a:ext>
+            </a:extLst>
+          </a:blip>
+          <a:stretch>
+            <a:fillRect/>
+          </a:stretch>
+        </p:blipFill>
+        <p:spPr>
+          <a:xfrm>
+            <a:off x="567265" y="1802518"/>
+            <a:ext cx="8280400" cy="4553833"/>
+          </a:xfrm>
+          <a:prstGeom prst="rect">
+            <a:avLst/>
+          </a:prstGeom>
+        </p:spPr>
+      </p:pic>
+    </p:spTree>
+    <p:extLst>
+      <p:ext uri="{BB962C8B-B14F-4D97-AF65-F5344CB8AC3E}">
+        <p14:creationId xmlns:p14="http://schemas.microsoft.com/office/powerpoint/2010/main" val="504968573"/>
+      </p:ext>
+    </p:extLst>
+  </p:cSld>
+  <p:clrMapOvr>
+    <a:masterClrMapping/>
+  </p:clrMapOvr>
+</p:sld>
+</file>
+
+<file path=ppt/slides/slide15.xml><?xml version="1.0" encoding="utf-8"?>
+<p:sld xmlns:a="http://schemas.openxmlformats.org/drawingml/2006/main" xmlns:r="http://schemas.openxmlformats.org/officeDocument/2006/relationships" xmlns:p="http://schemas.openxmlformats.org/presentationml/2006/main">
+  <p:cSld>
+    <p:spTree>
+      <p:nvGrpSpPr>
+        <p:cNvPr id="1" name=""/>
+        <p:cNvGrpSpPr/>
+        <p:nvPr/>
+      </p:nvGrpSpPr>
+      <p:grpSpPr>
+        <a:xfrm>
+          <a:off x="0" y="0"/>
+          <a:ext cx="0" cy="0"/>
+          <a:chOff x="0" y="0"/>
+          <a:chExt cx="0" cy="0"/>
+        </a:xfrm>
+      </p:grpSpPr>
+      <p:sp>
+        <p:nvSpPr>
+          <p:cNvPr id="2" name="Title 1"/>
+          <p:cNvSpPr>
+            <a:spLocks noGrp="1"/>
+          </p:cNvSpPr>
+          <p:nvPr>
+            <p:ph type="title"/>
+          </p:nvPr>
+        </p:nvSpPr>
+        <p:spPr/>
+        <p:txBody>
+          <a:bodyPr/>
+          <a:lstStyle/>
+          <a:p>
+            <a:r>
+              <a:rPr lang="en-US" dirty="0"/>
+              <a:t>2. </a:t>
+            </a:r>
+            <a:r>
+              <a:rPr lang="en-US" dirty="0" err="1"/>
+              <a:t>Phân</a:t>
+            </a:r>
+            <a:r>
+              <a:rPr lang="en-US" dirty="0"/>
+              <a:t> </a:t>
+            </a:r>
+            <a:r>
+              <a:rPr lang="en-US" dirty="0" err="1"/>
+              <a:t>tích</a:t>
+            </a:r>
+            <a:r>
+              <a:rPr lang="en-US" dirty="0"/>
+              <a:t> </a:t>
+            </a:r>
+            <a:r>
+              <a:rPr lang="en-US" dirty="0" err="1"/>
+              <a:t>yêu</a:t>
+            </a:r>
+            <a:r>
+              <a:rPr lang="en-US" dirty="0"/>
+              <a:t> </a:t>
+            </a:r>
+            <a:r>
+              <a:rPr lang="en-US" dirty="0" err="1"/>
+              <a:t>cầu</a:t>
+            </a:r>
+            <a:endParaRPr lang="en-US" dirty="0"/>
+          </a:p>
+        </p:txBody>
+      </p:sp>
+      <p:sp>
+        <p:nvSpPr>
+          <p:cNvPr id="3" name="Content Placeholder 2"/>
+          <p:cNvSpPr>
+            <a:spLocks noGrp="1"/>
+          </p:cNvSpPr>
+          <p:nvPr>
+            <p:ph idx="1"/>
+          </p:nvPr>
+        </p:nvSpPr>
+        <p:spPr/>
+        <p:txBody>
+          <a:bodyPr/>
+          <a:lstStyle/>
+          <a:p>
+            <a:pPr marL="0" indent="0">
+              <a:buNone/>
+            </a:pPr>
+            <a:r>
+              <a:rPr lang="en-US" dirty="0"/>
+              <a:t>2.1. </a:t>
+            </a:r>
+            <a:r>
+              <a:rPr lang="en-US" dirty="0" err="1"/>
+              <a:t>Sơ</a:t>
+            </a:r>
+            <a:r>
+              <a:rPr lang="en-US" dirty="0"/>
+              <a:t> </a:t>
+            </a:r>
+            <a:r>
+              <a:rPr lang="en-US" dirty="0" err="1"/>
+              <a:t>đồ</a:t>
+            </a:r>
+            <a:r>
+              <a:rPr lang="en-US" dirty="0"/>
+              <a:t> Use Case </a:t>
+            </a:r>
+            <a:r>
+              <a:rPr lang="en-US" dirty="0" err="1"/>
+              <a:t>tổng</a:t>
+            </a:r>
+            <a:r>
+              <a:rPr lang="en-US" dirty="0"/>
+              <a:t> </a:t>
+            </a:r>
+            <a:r>
+              <a:rPr lang="en-US" dirty="0" err="1"/>
+              <a:t>quan</a:t>
+            </a:r>
+            <a:r>
+              <a:rPr lang="en-US" dirty="0"/>
+              <a:t> </a:t>
+            </a:r>
+          </a:p>
+          <a:p>
+            <a:pPr marL="0" indent="0">
+              <a:buNone/>
+            </a:pPr>
+            <a:r>
+              <a:rPr lang="en-US" dirty="0"/>
+              <a:t>2.2. </a:t>
+            </a:r>
+            <a:r>
+              <a:rPr lang="en-US" dirty="0" err="1"/>
+              <a:t>Sơ</a:t>
+            </a:r>
+            <a:r>
+              <a:rPr lang="en-US" dirty="0"/>
+              <a:t> </a:t>
+            </a:r>
+            <a:r>
+              <a:rPr lang="en-US" dirty="0" err="1"/>
+              <a:t>đồ</a:t>
+            </a:r>
+            <a:r>
+              <a:rPr lang="en-US" dirty="0"/>
+              <a:t> </a:t>
+            </a:r>
+            <a:r>
+              <a:rPr lang="en-US" dirty="0" err="1"/>
+              <a:t>lớp</a:t>
+            </a:r>
+            <a:r>
+              <a:rPr lang="en-US" dirty="0"/>
+              <a:t> </a:t>
+            </a:r>
+            <a:r>
+              <a:rPr lang="en-US" dirty="0" err="1"/>
+              <a:t>tham</a:t>
+            </a:r>
+            <a:r>
+              <a:rPr lang="en-US" dirty="0"/>
+              <a:t> </a:t>
+            </a:r>
+            <a:r>
+              <a:rPr lang="en-US" dirty="0" err="1"/>
+              <a:t>gia</a:t>
+            </a:r>
+            <a:r>
+              <a:rPr lang="en-US" dirty="0"/>
+              <a:t> Use Case</a:t>
+            </a:r>
+          </a:p>
+          <a:p>
+            <a:pPr marL="0" indent="0">
+              <a:buNone/>
+            </a:pPr>
+            <a:r>
+              <a:rPr lang="en-US" b="1" dirty="0"/>
+              <a:t>2.3. </a:t>
+            </a:r>
+            <a:r>
+              <a:rPr lang="en-US" b="1" dirty="0" err="1"/>
+              <a:t>Sơ</a:t>
+            </a:r>
+            <a:r>
+              <a:rPr lang="en-US" b="1" dirty="0"/>
+              <a:t> </a:t>
+            </a:r>
+            <a:r>
+              <a:rPr lang="en-US" b="1" dirty="0" err="1"/>
+              <a:t>đồ</a:t>
+            </a:r>
+            <a:r>
+              <a:rPr lang="en-US" b="1" dirty="0"/>
+              <a:t> </a:t>
+            </a:r>
+            <a:r>
+              <a:rPr lang="en-US" b="1" dirty="0" err="1"/>
+              <a:t>trình</a:t>
+            </a:r>
+            <a:r>
+              <a:rPr lang="en-US" b="1" dirty="0"/>
+              <a:t> </a:t>
+            </a:r>
+            <a:r>
+              <a:rPr lang="en-US" b="1" dirty="0" err="1"/>
+              <a:t>tự</a:t>
+            </a:r>
+            <a:endParaRPr lang="en-US" b="1" dirty="0"/>
+          </a:p>
+        </p:txBody>
+      </p:sp>
+      <p:sp>
+        <p:nvSpPr>
+          <p:cNvPr id="4" name="Slide Number Placeholder 3">
+            <a:extLst>
+              <a:ext uri="{FF2B5EF4-FFF2-40B4-BE49-F238E27FC236}">
+                <a16:creationId xmlns:a16="http://schemas.microsoft.com/office/drawing/2014/main" id="{2F142CB2-BE52-C042-87A4-24A34A87DE6E}"/>
+              </a:ext>
+            </a:extLst>
+          </p:cNvPr>
+          <p:cNvSpPr>
+            <a:spLocks noGrp="1"/>
+          </p:cNvSpPr>
+          <p:nvPr>
+            <p:ph type="sldNum" sz="quarter" idx="12"/>
+          </p:nvPr>
+        </p:nvSpPr>
+        <p:spPr/>
+        <p:txBody>
+          <a:bodyPr/>
+          <a:lstStyle/>
+          <a:p>
+            <a:fld id="{A02EBBDA-6239-48A4-BF42-145536EAE284}" type="slidenum">
+              <a:rPr lang="en-US" smtClean="0"/>
+              <a:t>15</a:t>
+            </a:fld>
+            <a:endParaRPr lang="en-US"/>
+          </a:p>
+        </p:txBody>
+      </p:sp>
+    </p:spTree>
+    <p:extLst>
+      <p:ext uri="{BB962C8B-B14F-4D97-AF65-F5344CB8AC3E}">
+        <p14:creationId xmlns:p14="http://schemas.microsoft.com/office/powerpoint/2010/main" val="303964672"/>
+      </p:ext>
+    </p:extLst>
+  </p:cSld>
+  <p:clrMapOvr>
+    <a:masterClrMapping/>
+  </p:clrMapOvr>
+</p:sld>
+</file>
+
+<file path=ppt/slides/slide16.xml><?xml version="1.0" encoding="utf-8"?>
+<p:sld xmlns:a="http://schemas.openxmlformats.org/drawingml/2006/main" xmlns:r="http://schemas.openxmlformats.org/officeDocument/2006/relationships" xmlns:p="http://schemas.openxmlformats.org/presentationml/2006/main">
+  <p:cSld>
+    <p:spTree>
+      <p:nvGrpSpPr>
+        <p:cNvPr id="1" name=""/>
+        <p:cNvGrpSpPr/>
+        <p:nvPr/>
+      </p:nvGrpSpPr>
+      <p:grpSpPr>
+        <a:xfrm>
+          <a:off x="0" y="0"/>
+          <a:ext cx="0" cy="0"/>
+          <a:chOff x="0" y="0"/>
+          <a:chExt cx="0" cy="0"/>
+        </a:xfrm>
+      </p:grpSpPr>
+      <p:sp>
+        <p:nvSpPr>
+          <p:cNvPr id="2" name="Title 1"/>
+          <p:cNvSpPr>
+            <a:spLocks noGrp="1"/>
+          </p:cNvSpPr>
+          <p:nvPr>
+            <p:ph type="title"/>
+          </p:nvPr>
+        </p:nvSpPr>
+        <p:spPr/>
+        <p:txBody>
+          <a:bodyPr/>
+          <a:lstStyle/>
+          <a:p>
+            <a:r>
+              <a:rPr lang="en-US" dirty="0"/>
+              <a:t>2.3. </a:t>
+            </a:r>
+            <a:r>
+              <a:rPr lang="en-US" dirty="0" err="1"/>
+              <a:t>Sơ</a:t>
+            </a:r>
+            <a:r>
+              <a:rPr lang="en-US" dirty="0"/>
+              <a:t> </a:t>
+            </a:r>
+            <a:r>
+              <a:rPr lang="en-US" dirty="0" err="1"/>
+              <a:t>đồ</a:t>
+            </a:r>
+            <a:r>
+              <a:rPr lang="en-US" dirty="0"/>
+              <a:t> </a:t>
+            </a:r>
+            <a:r>
+              <a:rPr lang="en-US" dirty="0" err="1"/>
+              <a:t>trình</a:t>
+            </a:r>
+            <a:r>
+              <a:rPr lang="en-US" dirty="0"/>
+              <a:t> </a:t>
+            </a:r>
+            <a:r>
+              <a:rPr lang="en-US" dirty="0" err="1"/>
+              <a:t>tự</a:t>
+            </a:r>
+            <a:endParaRPr lang="en-US" dirty="0"/>
+          </a:p>
+        </p:txBody>
+      </p:sp>
+      <p:sp>
+        <p:nvSpPr>
+          <p:cNvPr id="4" name="Slide Number Placeholder 3">
+            <a:extLst>
+              <a:ext uri="{FF2B5EF4-FFF2-40B4-BE49-F238E27FC236}">
+                <a16:creationId xmlns:a16="http://schemas.microsoft.com/office/drawing/2014/main" id="{8DB84AF7-7332-CB47-9FB1-C7AF06AA651C}"/>
+              </a:ext>
+            </a:extLst>
+          </p:cNvPr>
+          <p:cNvSpPr>
+            <a:spLocks noGrp="1"/>
+          </p:cNvSpPr>
+          <p:nvPr>
+            <p:ph type="sldNum" sz="quarter" idx="12"/>
+          </p:nvPr>
+        </p:nvSpPr>
+        <p:spPr/>
+        <p:txBody>
+          <a:bodyPr/>
+          <a:lstStyle/>
+          <a:p>
+            <a:fld id="{A02EBBDA-6239-48A4-BF42-145536EAE284}" type="slidenum">
+              <a:rPr lang="en-US" smtClean="0"/>
+              <a:t>16</a:t>
+            </a:fld>
+            <a:endParaRPr lang="en-US"/>
+          </a:p>
+        </p:txBody>
+      </p:sp>
+      <p:sp>
+        <p:nvSpPr>
+          <p:cNvPr id="3" name="TextBox 2">
+            <a:extLst>
+              <a:ext uri="{FF2B5EF4-FFF2-40B4-BE49-F238E27FC236}">
+                <a16:creationId xmlns:a16="http://schemas.microsoft.com/office/drawing/2014/main" id="{4A86700D-1D6E-DF49-9B71-E094581B638B}"/>
+              </a:ext>
+            </a:extLst>
+          </p:cNvPr>
+          <p:cNvSpPr txBox="1"/>
+          <p:nvPr/>
+        </p:nvSpPr>
+        <p:spPr>
+          <a:xfrm>
+            <a:off x="2800481" y="1555303"/>
+            <a:ext cx="3543037" cy="369332"/>
+          </a:xfrm>
+          <a:prstGeom prst="rect">
+            <a:avLst/>
+          </a:prstGeom>
+          <a:noFill/>
+        </p:spPr>
+        <p:txBody>
+          <a:bodyPr wrap="square" rtlCol="0">
+            <a:spAutoFit/>
+          </a:bodyPr>
+          <a:lstStyle/>
+          <a:p>
+            <a:r>
+              <a:rPr lang="en-US" dirty="0"/>
+              <a:t>Sequence Diagram – </a:t>
+            </a:r>
+            <a:r>
+              <a:rPr lang="en-US" dirty="0" err="1"/>
+              <a:t>Tìm</a:t>
+            </a:r>
+            <a:r>
+              <a:rPr lang="en-US" dirty="0"/>
+              <a:t> </a:t>
+            </a:r>
+            <a:r>
+              <a:rPr lang="en-US" dirty="0" err="1"/>
+              <a:t>kiếm</a:t>
+            </a:r>
+            <a:r>
+              <a:rPr lang="en-US" dirty="0"/>
+              <a:t> </a:t>
+            </a:r>
+            <a:r>
+              <a:rPr lang="en-US" dirty="0" err="1"/>
+              <a:t>phim</a:t>
+            </a:r>
+            <a:endParaRPr lang="en-US" dirty="0"/>
+          </a:p>
+        </p:txBody>
+      </p:sp>
+      <p:pic>
+        <p:nvPicPr>
+          <p:cNvPr id="7" name="Picture 6">
+            <a:extLst>
+              <a:ext uri="{FF2B5EF4-FFF2-40B4-BE49-F238E27FC236}">
+                <a16:creationId xmlns:a16="http://schemas.microsoft.com/office/drawing/2014/main" id="{44F2B848-4F2C-B14D-BB41-A3B8EF5C5133}"/>
+              </a:ext>
+            </a:extLst>
+          </p:cNvPr>
+          <p:cNvPicPr>
+            <a:picLocks noChangeAspect="1"/>
+          </p:cNvPicPr>
+          <p:nvPr/>
+        </p:nvPicPr>
+        <p:blipFill>
+          <a:blip r:embed="rId2">
+            <a:extLst>
+              <a:ext uri="{28A0092B-C50C-407E-A947-70E740481C1C}">
+                <a14:useLocalDpi xmlns:a14="http://schemas.microsoft.com/office/drawing/2010/main" val="0"/>
+              </a:ext>
+            </a:extLst>
+          </a:blip>
+          <a:stretch>
+            <a:fillRect/>
+          </a:stretch>
+        </p:blipFill>
+        <p:spPr>
+          <a:xfrm>
+            <a:off x="488950" y="2241691"/>
+            <a:ext cx="8441267" cy="3321436"/>
+          </a:xfrm>
+          <a:prstGeom prst="rect">
+            <a:avLst/>
+          </a:prstGeom>
+        </p:spPr>
+      </p:pic>
+    </p:spTree>
+    <p:extLst>
+      <p:ext uri="{BB962C8B-B14F-4D97-AF65-F5344CB8AC3E}">
+        <p14:creationId xmlns:p14="http://schemas.microsoft.com/office/powerpoint/2010/main" val="584343388"/>
+      </p:ext>
+    </p:extLst>
+  </p:cSld>
+  <p:clrMapOvr>
+    <a:masterClrMapping/>
+  </p:clrMapOvr>
+</p:sld>
+</file>
+
+<file path=ppt/slides/slide17.xml><?xml version="1.0" encoding="utf-8"?>
+<p:sld xmlns:a="http://schemas.openxmlformats.org/drawingml/2006/main" xmlns:r="http://schemas.openxmlformats.org/officeDocument/2006/relationships" xmlns:p="http://schemas.openxmlformats.org/presentationml/2006/main">
+  <p:cSld>
+    <p:spTree>
+      <p:nvGrpSpPr>
+        <p:cNvPr id="1" name=""/>
+        <p:cNvGrpSpPr/>
+        <p:nvPr/>
+      </p:nvGrpSpPr>
+      <p:grpSpPr>
+        <a:xfrm>
+          <a:off x="0" y="0"/>
+          <a:ext cx="0" cy="0"/>
+          <a:chOff x="0" y="0"/>
+          <a:chExt cx="0" cy="0"/>
+        </a:xfrm>
+      </p:grpSpPr>
+      <p:sp>
+        <p:nvSpPr>
+          <p:cNvPr id="2" name="Title 1"/>
+          <p:cNvSpPr>
+            <a:spLocks noGrp="1"/>
+          </p:cNvSpPr>
+          <p:nvPr>
+            <p:ph type="title"/>
+          </p:nvPr>
+        </p:nvSpPr>
+        <p:spPr/>
+        <p:txBody>
+          <a:bodyPr/>
+          <a:lstStyle/>
+          <a:p>
+            <a:r>
+              <a:rPr lang="en-US" dirty="0"/>
+              <a:t>2.3. </a:t>
+            </a:r>
+            <a:r>
+              <a:rPr lang="en-US" dirty="0" err="1"/>
+              <a:t>Sơ</a:t>
+            </a:r>
+            <a:r>
+              <a:rPr lang="en-US" dirty="0"/>
+              <a:t> </a:t>
+            </a:r>
+            <a:r>
+              <a:rPr lang="en-US" dirty="0" err="1"/>
+              <a:t>đồ</a:t>
+            </a:r>
+            <a:r>
+              <a:rPr lang="en-US" dirty="0"/>
+              <a:t> </a:t>
+            </a:r>
+            <a:r>
+              <a:rPr lang="en-US" dirty="0" err="1"/>
+              <a:t>trình</a:t>
+            </a:r>
+            <a:r>
+              <a:rPr lang="en-US" dirty="0"/>
+              <a:t> </a:t>
+            </a:r>
+            <a:r>
+              <a:rPr lang="en-US" dirty="0" err="1"/>
+              <a:t>tự</a:t>
+            </a:r>
+            <a:endParaRPr lang="en-US" dirty="0"/>
+          </a:p>
+        </p:txBody>
+      </p:sp>
+      <p:sp>
+        <p:nvSpPr>
+          <p:cNvPr id="4" name="Slide Number Placeholder 3">
+            <a:extLst>
+              <a:ext uri="{FF2B5EF4-FFF2-40B4-BE49-F238E27FC236}">
+                <a16:creationId xmlns:a16="http://schemas.microsoft.com/office/drawing/2014/main" id="{8DB84AF7-7332-CB47-9FB1-C7AF06AA651C}"/>
+              </a:ext>
+            </a:extLst>
+          </p:cNvPr>
+          <p:cNvSpPr>
+            <a:spLocks noGrp="1"/>
+          </p:cNvSpPr>
+          <p:nvPr>
+            <p:ph type="sldNum" sz="quarter" idx="12"/>
+          </p:nvPr>
+        </p:nvSpPr>
+        <p:spPr/>
+        <p:txBody>
+          <a:bodyPr/>
+          <a:lstStyle/>
+          <a:p>
+            <a:fld id="{A02EBBDA-6239-48A4-BF42-145536EAE284}" type="slidenum">
+              <a:rPr lang="en-US" smtClean="0"/>
+              <a:t>17</a:t>
+            </a:fld>
+            <a:endParaRPr lang="en-US"/>
+          </a:p>
+        </p:txBody>
+      </p:sp>
+      <p:sp>
+        <p:nvSpPr>
+          <p:cNvPr id="3" name="TextBox 2">
+            <a:extLst>
+              <a:ext uri="{FF2B5EF4-FFF2-40B4-BE49-F238E27FC236}">
+                <a16:creationId xmlns:a16="http://schemas.microsoft.com/office/drawing/2014/main" id="{4A86700D-1D6E-DF49-9B71-E094581B638B}"/>
+              </a:ext>
+            </a:extLst>
+          </p:cNvPr>
+          <p:cNvSpPr txBox="1"/>
+          <p:nvPr/>
+        </p:nvSpPr>
+        <p:spPr>
+          <a:xfrm>
+            <a:off x="2729193" y="1448478"/>
+            <a:ext cx="3545914" cy="369332"/>
+          </a:xfrm>
+          <a:prstGeom prst="rect">
+            <a:avLst/>
+          </a:prstGeom>
+          <a:noFill/>
+        </p:spPr>
+        <p:txBody>
+          <a:bodyPr wrap="square" rtlCol="0">
+            <a:spAutoFit/>
+          </a:bodyPr>
+          <a:lstStyle/>
+          <a:p>
+            <a:r>
+              <a:rPr lang="en-US" dirty="0"/>
+              <a:t>Sequence Diagram – </a:t>
+            </a:r>
+            <a:r>
+              <a:rPr lang="en-US" dirty="0" err="1"/>
+              <a:t>Đánh</a:t>
+            </a:r>
+            <a:r>
+              <a:rPr lang="en-US" dirty="0"/>
+              <a:t> </a:t>
+            </a:r>
+            <a:r>
+              <a:rPr lang="en-US" dirty="0" err="1"/>
+              <a:t>giá</a:t>
+            </a:r>
+            <a:r>
+              <a:rPr lang="en-US" dirty="0"/>
+              <a:t> </a:t>
+            </a:r>
+            <a:r>
+              <a:rPr lang="en-US" dirty="0" err="1"/>
+              <a:t>phim</a:t>
+            </a:r>
+            <a:endParaRPr lang="en-US" dirty="0"/>
+          </a:p>
+        </p:txBody>
+      </p:sp>
+      <p:pic>
+        <p:nvPicPr>
+          <p:cNvPr id="6" name="Picture 5">
+            <a:extLst>
+              <a:ext uri="{FF2B5EF4-FFF2-40B4-BE49-F238E27FC236}">
+                <a16:creationId xmlns:a16="http://schemas.microsoft.com/office/drawing/2014/main" id="{8CD4DAC8-5CC1-214F-8103-87520E497B0C}"/>
+              </a:ext>
+            </a:extLst>
+          </p:cNvPr>
+          <p:cNvPicPr>
+            <a:picLocks noChangeAspect="1"/>
+          </p:cNvPicPr>
+          <p:nvPr/>
+        </p:nvPicPr>
+        <p:blipFill>
+          <a:blip r:embed="rId2">
+            <a:extLst>
+              <a:ext uri="{28A0092B-C50C-407E-A947-70E740481C1C}">
+                <a14:useLocalDpi xmlns:a14="http://schemas.microsoft.com/office/drawing/2010/main" val="0"/>
+              </a:ext>
+            </a:extLst>
+          </a:blip>
+          <a:stretch>
+            <a:fillRect/>
+          </a:stretch>
+        </p:blipFill>
+        <p:spPr>
+          <a:xfrm>
+            <a:off x="571640" y="2277811"/>
+            <a:ext cx="8382165" cy="3709181"/>
+          </a:xfrm>
+          <a:prstGeom prst="rect">
+            <a:avLst/>
+          </a:prstGeom>
+        </p:spPr>
+      </p:pic>
+    </p:spTree>
+    <p:extLst>
+      <p:ext uri="{BB962C8B-B14F-4D97-AF65-F5344CB8AC3E}">
+        <p14:creationId xmlns:p14="http://schemas.microsoft.com/office/powerpoint/2010/main" val="2039678300"/>
+      </p:ext>
+    </p:extLst>
+  </p:cSld>
+  <p:clrMapOvr>
+    <a:masterClrMapping/>
+  </p:clrMapOvr>
+</p:sld>
+</file>
+
+<file path=ppt/slides/slide18.xml><?xml version="1.0" encoding="utf-8"?>
+<p:sld xmlns:a="http://schemas.openxmlformats.org/drawingml/2006/main" xmlns:r="http://schemas.openxmlformats.org/officeDocument/2006/relationships" xmlns:p="http://schemas.openxmlformats.org/presentationml/2006/main">
+  <p:cSld>
+    <p:spTree>
+      <p:nvGrpSpPr>
+        <p:cNvPr id="1" name=""/>
+        <p:cNvGrpSpPr/>
+        <p:nvPr/>
+      </p:nvGrpSpPr>
+      <p:grpSpPr>
+        <a:xfrm>
+          <a:off x="0" y="0"/>
+          <a:ext cx="0" cy="0"/>
+          <a:chOff x="0" y="0"/>
+          <a:chExt cx="0" cy="0"/>
+        </a:xfrm>
+      </p:grpSpPr>
+      <p:sp>
+        <p:nvSpPr>
+          <p:cNvPr id="2" name="Title 1"/>
+          <p:cNvSpPr>
+            <a:spLocks noGrp="1"/>
+          </p:cNvSpPr>
+          <p:nvPr>
+            <p:ph type="title"/>
+          </p:nvPr>
+        </p:nvSpPr>
+        <p:spPr/>
+        <p:txBody>
+          <a:bodyPr/>
+          <a:lstStyle/>
+          <a:p>
+            <a:r>
+              <a:rPr lang="en-US" dirty="0" err="1"/>
+              <a:t>Mục</a:t>
+            </a:r>
+            <a:r>
+              <a:rPr lang="en-US" dirty="0"/>
+              <a:t> </a:t>
+            </a:r>
+            <a:r>
+              <a:rPr lang="en-US" dirty="0" err="1"/>
+              <a:t>lục</a:t>
+            </a:r>
+            <a:endParaRPr lang="en-US" dirty="0"/>
+          </a:p>
+        </p:txBody>
+      </p:sp>
+      <p:sp>
+        <p:nvSpPr>
+          <p:cNvPr id="3" name="Content Placeholder 2"/>
+          <p:cNvSpPr>
+            <a:spLocks noGrp="1"/>
+          </p:cNvSpPr>
+          <p:nvPr>
+            <p:ph idx="1"/>
+          </p:nvPr>
+        </p:nvSpPr>
+        <p:spPr>
+          <a:xfrm>
+            <a:off x="488950" y="1955802"/>
+            <a:ext cx="8026400" cy="4548030"/>
+          </a:xfrm>
+        </p:spPr>
+        <p:txBody>
+          <a:bodyPr/>
+          <a:lstStyle/>
+          <a:p>
+            <a:pPr marL="0" indent="0">
+              <a:spcBef>
+                <a:spcPts val="1200"/>
+              </a:spcBef>
+              <a:spcAft>
+                <a:spcPts val="1200"/>
+              </a:spcAft>
+              <a:buNone/>
+            </a:pPr>
+            <a:r>
+              <a:rPr lang="en-US" dirty="0">
+                <a:latin typeface="Arial" panose="020B0604020202020204" pitchFamily="34" charset="0"/>
+                <a:cs typeface="Arial" panose="020B0604020202020204" pitchFamily="34" charset="0"/>
+              </a:rPr>
+              <a:t>1. </a:t>
+            </a:r>
+            <a:r>
+              <a:rPr lang="en-US" dirty="0" err="1">
+                <a:latin typeface="Arial" panose="020B0604020202020204" pitchFamily="34" charset="0"/>
+                <a:cs typeface="Arial" panose="020B0604020202020204" pitchFamily="34" charset="0"/>
+              </a:rPr>
+              <a:t>Tổng</a:t>
+            </a:r>
+            <a:r>
+              <a:rPr lang="en-US" dirty="0">
+                <a:latin typeface="Arial" panose="020B0604020202020204" pitchFamily="34" charset="0"/>
+                <a:cs typeface="Arial" panose="020B0604020202020204" pitchFamily="34" charset="0"/>
+              </a:rPr>
+              <a:t> </a:t>
+            </a:r>
+            <a:r>
+              <a:rPr lang="en-US" dirty="0" err="1">
+                <a:latin typeface="Arial" panose="020B0604020202020204" pitchFamily="34" charset="0"/>
+                <a:cs typeface="Arial" panose="020B0604020202020204" pitchFamily="34" charset="0"/>
+              </a:rPr>
+              <a:t>quan</a:t>
+            </a:r>
+            <a:r>
+              <a:rPr lang="en-US" dirty="0">
+                <a:latin typeface="Arial" panose="020B0604020202020204" pitchFamily="34" charset="0"/>
+                <a:cs typeface="Arial" panose="020B0604020202020204" pitchFamily="34" charset="0"/>
+              </a:rPr>
+              <a:t> </a:t>
+            </a:r>
+            <a:r>
+              <a:rPr lang="en-US" dirty="0" err="1">
+                <a:latin typeface="Arial" panose="020B0604020202020204" pitchFamily="34" charset="0"/>
+                <a:cs typeface="Arial" panose="020B0604020202020204" pitchFamily="34" charset="0"/>
+              </a:rPr>
+              <a:t>đề</a:t>
+            </a:r>
+            <a:r>
+              <a:rPr lang="en-US" dirty="0">
+                <a:latin typeface="Arial" panose="020B0604020202020204" pitchFamily="34" charset="0"/>
+                <a:cs typeface="Arial" panose="020B0604020202020204" pitchFamily="34" charset="0"/>
+              </a:rPr>
+              <a:t> </a:t>
+            </a:r>
+            <a:r>
+              <a:rPr lang="en-US" dirty="0" err="1">
+                <a:latin typeface="Arial" panose="020B0604020202020204" pitchFamily="34" charset="0"/>
+                <a:cs typeface="Arial" panose="020B0604020202020204" pitchFamily="34" charset="0"/>
+              </a:rPr>
+              <a:t>tài</a:t>
+            </a:r>
+            <a:endParaRPr lang="en-US" dirty="0">
+              <a:latin typeface="Arial" panose="020B0604020202020204" pitchFamily="34" charset="0"/>
+              <a:cs typeface="Arial" panose="020B0604020202020204" pitchFamily="34" charset="0"/>
+            </a:endParaRPr>
+          </a:p>
+          <a:p>
+            <a:pPr marL="0" indent="0">
+              <a:spcBef>
+                <a:spcPts val="1200"/>
+              </a:spcBef>
+              <a:spcAft>
+                <a:spcPts val="1200"/>
+              </a:spcAft>
+              <a:buNone/>
+            </a:pPr>
+            <a:r>
+              <a:rPr lang="en-US" dirty="0">
+                <a:latin typeface="Arial" panose="020B0604020202020204" pitchFamily="34" charset="0"/>
+                <a:cs typeface="Arial" panose="020B0604020202020204" pitchFamily="34" charset="0"/>
+              </a:rPr>
+              <a:t>2. </a:t>
+            </a:r>
+            <a:r>
+              <a:rPr lang="en-US" dirty="0" err="1">
+                <a:latin typeface="Arial" panose="020B0604020202020204" pitchFamily="34" charset="0"/>
+                <a:cs typeface="Arial" panose="020B0604020202020204" pitchFamily="34" charset="0"/>
+              </a:rPr>
+              <a:t>Phân</a:t>
+            </a:r>
+            <a:r>
+              <a:rPr lang="en-US" dirty="0">
+                <a:latin typeface="Arial" panose="020B0604020202020204" pitchFamily="34" charset="0"/>
+                <a:cs typeface="Arial" panose="020B0604020202020204" pitchFamily="34" charset="0"/>
+              </a:rPr>
+              <a:t> </a:t>
+            </a:r>
+            <a:r>
+              <a:rPr lang="en-US" dirty="0" err="1">
+                <a:latin typeface="Arial" panose="020B0604020202020204" pitchFamily="34" charset="0"/>
+                <a:cs typeface="Arial" panose="020B0604020202020204" pitchFamily="34" charset="0"/>
+              </a:rPr>
+              <a:t>tích</a:t>
+            </a:r>
+            <a:r>
+              <a:rPr lang="en-US" dirty="0">
+                <a:latin typeface="Arial" panose="020B0604020202020204" pitchFamily="34" charset="0"/>
+                <a:cs typeface="Arial" panose="020B0604020202020204" pitchFamily="34" charset="0"/>
+              </a:rPr>
+              <a:t> </a:t>
+            </a:r>
+            <a:r>
+              <a:rPr lang="en-US" dirty="0" err="1">
+                <a:latin typeface="Arial" panose="020B0604020202020204" pitchFamily="34" charset="0"/>
+                <a:cs typeface="Arial" panose="020B0604020202020204" pitchFamily="34" charset="0"/>
+              </a:rPr>
+              <a:t>yêu</a:t>
+            </a:r>
+            <a:r>
+              <a:rPr lang="en-US" dirty="0">
+                <a:latin typeface="Arial" panose="020B0604020202020204" pitchFamily="34" charset="0"/>
+                <a:cs typeface="Arial" panose="020B0604020202020204" pitchFamily="34" charset="0"/>
+              </a:rPr>
+              <a:t> </a:t>
+            </a:r>
+            <a:r>
+              <a:rPr lang="en-US" dirty="0" err="1">
+                <a:latin typeface="Arial" panose="020B0604020202020204" pitchFamily="34" charset="0"/>
+                <a:cs typeface="Arial" panose="020B0604020202020204" pitchFamily="34" charset="0"/>
+              </a:rPr>
+              <a:t>cầu</a:t>
+            </a:r>
+            <a:endParaRPr lang="en-US" dirty="0">
+              <a:latin typeface="Arial" panose="020B0604020202020204" pitchFamily="34" charset="0"/>
+              <a:cs typeface="Arial" panose="020B0604020202020204" pitchFamily="34" charset="0"/>
+            </a:endParaRPr>
+          </a:p>
+          <a:p>
+            <a:pPr marL="0" indent="0">
+              <a:spcBef>
+                <a:spcPts val="1200"/>
+              </a:spcBef>
+              <a:spcAft>
+                <a:spcPts val="1200"/>
+              </a:spcAft>
+              <a:buNone/>
+            </a:pPr>
+            <a:r>
+              <a:rPr lang="en-US" b="1" dirty="0">
+                <a:latin typeface="Arial" panose="020B0604020202020204" pitchFamily="34" charset="0"/>
+                <a:cs typeface="Arial" panose="020B0604020202020204" pitchFamily="34" charset="0"/>
+              </a:rPr>
+              <a:t>3. </a:t>
+            </a:r>
+            <a:r>
+              <a:rPr lang="en-US" b="1" dirty="0" err="1">
+                <a:latin typeface="Arial" panose="020B0604020202020204" pitchFamily="34" charset="0"/>
+                <a:cs typeface="Arial" panose="020B0604020202020204" pitchFamily="34" charset="0"/>
+              </a:rPr>
+              <a:t>Thiết</a:t>
+            </a:r>
+            <a:r>
+              <a:rPr lang="en-US" b="1" dirty="0">
+                <a:latin typeface="Arial" panose="020B0604020202020204" pitchFamily="34" charset="0"/>
+                <a:cs typeface="Arial" panose="020B0604020202020204" pitchFamily="34" charset="0"/>
+              </a:rPr>
+              <a:t> </a:t>
+            </a:r>
+            <a:r>
+              <a:rPr lang="en-US" b="1" dirty="0" err="1">
+                <a:latin typeface="Arial" panose="020B0604020202020204" pitchFamily="34" charset="0"/>
+                <a:cs typeface="Arial" panose="020B0604020202020204" pitchFamily="34" charset="0"/>
+              </a:rPr>
+              <a:t>kế</a:t>
+            </a:r>
+            <a:r>
+              <a:rPr lang="en-US" b="1" dirty="0">
+                <a:latin typeface="Arial" panose="020B0604020202020204" pitchFamily="34" charset="0"/>
+                <a:cs typeface="Arial" panose="020B0604020202020204" pitchFamily="34" charset="0"/>
+              </a:rPr>
+              <a:t> </a:t>
+            </a:r>
+            <a:r>
+              <a:rPr lang="en-US" b="1" dirty="0" err="1">
+                <a:latin typeface="Arial" panose="020B0604020202020204" pitchFamily="34" charset="0"/>
+                <a:cs typeface="Arial" panose="020B0604020202020204" pitchFamily="34" charset="0"/>
+              </a:rPr>
+              <a:t>hệ</a:t>
+            </a:r>
+            <a:r>
+              <a:rPr lang="en-US" b="1" dirty="0">
+                <a:latin typeface="Arial" panose="020B0604020202020204" pitchFamily="34" charset="0"/>
+                <a:cs typeface="Arial" panose="020B0604020202020204" pitchFamily="34" charset="0"/>
+              </a:rPr>
+              <a:t> </a:t>
+            </a:r>
+            <a:r>
+              <a:rPr lang="en-US" b="1" dirty="0" err="1">
+                <a:latin typeface="Arial" panose="020B0604020202020204" pitchFamily="34" charset="0"/>
+                <a:cs typeface="Arial" panose="020B0604020202020204" pitchFamily="34" charset="0"/>
+              </a:rPr>
+              <a:t>thống</a:t>
+            </a:r>
+            <a:endParaRPr lang="en-US" dirty="0">
+              <a:latin typeface="Arial" panose="020B0604020202020204" pitchFamily="34" charset="0"/>
+              <a:cs typeface="Arial" panose="020B0604020202020204" pitchFamily="34" charset="0"/>
+            </a:endParaRPr>
+          </a:p>
+          <a:p>
+            <a:pPr marL="0" indent="0">
+              <a:spcBef>
+                <a:spcPts val="1200"/>
+              </a:spcBef>
+              <a:spcAft>
+                <a:spcPts val="1200"/>
+              </a:spcAft>
+              <a:buNone/>
+            </a:pPr>
+            <a:r>
+              <a:rPr lang="en-US" dirty="0">
+                <a:latin typeface="Arial" panose="020B0604020202020204" pitchFamily="34" charset="0"/>
+                <a:cs typeface="Arial" panose="020B0604020202020204" pitchFamily="34" charset="0"/>
+              </a:rPr>
+              <a:t>4. </a:t>
+            </a:r>
+            <a:r>
+              <a:rPr lang="en-US" dirty="0" err="1">
+                <a:latin typeface="Arial" panose="020B0604020202020204" pitchFamily="34" charset="0"/>
+                <a:cs typeface="Arial" panose="020B0604020202020204" pitchFamily="34" charset="0"/>
+              </a:rPr>
+              <a:t>Tổng</a:t>
+            </a:r>
+            <a:r>
+              <a:rPr lang="en-US" dirty="0">
+                <a:latin typeface="Arial" panose="020B0604020202020204" pitchFamily="34" charset="0"/>
+                <a:cs typeface="Arial" panose="020B0604020202020204" pitchFamily="34" charset="0"/>
+              </a:rPr>
+              <a:t> </a:t>
+            </a:r>
+            <a:r>
+              <a:rPr lang="en-US" dirty="0" err="1">
+                <a:latin typeface="Arial" panose="020B0604020202020204" pitchFamily="34" charset="0"/>
+                <a:cs typeface="Arial" panose="020B0604020202020204" pitchFamily="34" charset="0"/>
+              </a:rPr>
+              <a:t>kết</a:t>
+            </a:r>
+            <a:r>
+              <a:rPr lang="en-US" dirty="0">
+                <a:latin typeface="Arial" panose="020B0604020202020204" pitchFamily="34" charset="0"/>
+                <a:cs typeface="Arial" panose="020B0604020202020204" pitchFamily="34" charset="0"/>
+              </a:rPr>
+              <a:t> </a:t>
+            </a:r>
+            <a:r>
+              <a:rPr lang="en-US" b="1" dirty="0">
+                <a:latin typeface="Arial" panose="020B0604020202020204" pitchFamily="34" charset="0"/>
+                <a:cs typeface="Arial" panose="020B0604020202020204" pitchFamily="34" charset="0"/>
+              </a:rPr>
+              <a:t> </a:t>
+            </a:r>
+          </a:p>
+        </p:txBody>
+      </p:sp>
+      <p:sp>
+        <p:nvSpPr>
+          <p:cNvPr id="4" name="Slide Number Placeholder 3">
+            <a:extLst>
+              <a:ext uri="{FF2B5EF4-FFF2-40B4-BE49-F238E27FC236}">
+                <a16:creationId xmlns:a16="http://schemas.microsoft.com/office/drawing/2014/main" id="{166D67BD-3139-5549-B067-B437D799E23B}"/>
+              </a:ext>
+            </a:extLst>
+          </p:cNvPr>
+          <p:cNvSpPr>
+            <a:spLocks noGrp="1"/>
+          </p:cNvSpPr>
+          <p:nvPr>
+            <p:ph type="sldNum" sz="quarter" idx="12"/>
+          </p:nvPr>
+        </p:nvSpPr>
+        <p:spPr/>
+        <p:txBody>
+          <a:bodyPr/>
+          <a:lstStyle/>
+          <a:p>
+            <a:fld id="{A02EBBDA-6239-48A4-BF42-145536EAE284}" type="slidenum">
+              <a:rPr lang="en-US" smtClean="0"/>
+              <a:t>18</a:t>
+            </a:fld>
+            <a:endParaRPr lang="en-US"/>
+          </a:p>
+        </p:txBody>
+      </p:sp>
+    </p:spTree>
+    <p:extLst>
+      <p:ext uri="{BB962C8B-B14F-4D97-AF65-F5344CB8AC3E}">
+        <p14:creationId xmlns:p14="http://schemas.microsoft.com/office/powerpoint/2010/main" val="3359186715"/>
+      </p:ext>
+    </p:extLst>
+  </p:cSld>
+  <p:clrMapOvr>
+    <a:masterClrMapping/>
+  </p:clrMapOvr>
+</p:sld>
+</file>
+
+<file path=ppt/slides/slide19.xml><?xml version="1.0" encoding="utf-8"?>
+<p:sld xmlns:a="http://schemas.openxmlformats.org/drawingml/2006/main" xmlns:r="http://schemas.openxmlformats.org/officeDocument/2006/relationships" xmlns:p="http://schemas.openxmlformats.org/presentationml/2006/main">
+  <p:cSld>
+    <p:spTree>
+      <p:nvGrpSpPr>
+        <p:cNvPr id="1" name=""/>
+        <p:cNvGrpSpPr/>
+        <p:nvPr/>
+      </p:nvGrpSpPr>
+      <p:grpSpPr>
+        <a:xfrm>
+          <a:off x="0" y="0"/>
+          <a:ext cx="0" cy="0"/>
+          <a:chOff x="0" y="0"/>
+          <a:chExt cx="0" cy="0"/>
+        </a:xfrm>
+      </p:grpSpPr>
+      <p:sp>
+        <p:nvSpPr>
+          <p:cNvPr id="2" name="Title 1"/>
+          <p:cNvSpPr>
+            <a:spLocks noGrp="1"/>
+          </p:cNvSpPr>
+          <p:nvPr>
+            <p:ph type="title"/>
+          </p:nvPr>
+        </p:nvSpPr>
+        <p:spPr/>
+        <p:txBody>
+          <a:bodyPr/>
+          <a:lstStyle/>
+          <a:p>
+            <a:r>
+              <a:rPr lang="en-US" dirty="0"/>
+              <a:t>3. </a:t>
+            </a:r>
+            <a:r>
+              <a:rPr lang="en-US" dirty="0" err="1"/>
+              <a:t>Thiết</a:t>
+            </a:r>
+            <a:r>
+              <a:rPr lang="en-US" dirty="0"/>
+              <a:t> </a:t>
+            </a:r>
+            <a:r>
+              <a:rPr lang="en-US" dirty="0" err="1"/>
+              <a:t>kế</a:t>
+            </a:r>
+            <a:r>
+              <a:rPr lang="en-US" dirty="0"/>
+              <a:t> </a:t>
+            </a:r>
+            <a:r>
+              <a:rPr lang="en-US" dirty="0" err="1"/>
+              <a:t>hệ</a:t>
+            </a:r>
+            <a:r>
+              <a:rPr lang="en-US" dirty="0"/>
+              <a:t> </a:t>
+            </a:r>
+            <a:r>
+              <a:rPr lang="en-US" dirty="0" err="1"/>
+              <a:t>thống</a:t>
+            </a:r>
+            <a:endParaRPr lang="en-US" dirty="0"/>
+          </a:p>
+        </p:txBody>
+      </p:sp>
+      <p:sp>
+        <p:nvSpPr>
+          <p:cNvPr id="3" name="Content Placeholder 2"/>
+          <p:cNvSpPr>
+            <a:spLocks noGrp="1"/>
+          </p:cNvSpPr>
+          <p:nvPr>
+            <p:ph idx="1"/>
+          </p:nvPr>
+        </p:nvSpPr>
+        <p:spPr/>
+        <p:txBody>
+          <a:bodyPr/>
+          <a:lstStyle/>
+          <a:p>
+            <a:pPr marL="0" indent="0">
+              <a:buNone/>
+            </a:pPr>
+            <a:r>
+              <a:rPr lang="en-US" b="1" dirty="0"/>
+              <a:t>3.1. </a:t>
+            </a:r>
+            <a:r>
+              <a:rPr lang="en-US" b="1" dirty="0" err="1"/>
+              <a:t>Kiến</a:t>
+            </a:r>
+            <a:r>
+              <a:rPr lang="en-US" b="1" dirty="0"/>
+              <a:t> </a:t>
+            </a:r>
+            <a:r>
+              <a:rPr lang="en-US" b="1" dirty="0" err="1"/>
+              <a:t>trúc</a:t>
+            </a:r>
+            <a:r>
+              <a:rPr lang="en-US" b="1" dirty="0"/>
+              <a:t> </a:t>
+            </a:r>
+            <a:r>
+              <a:rPr lang="en-US" b="1" dirty="0" err="1"/>
+              <a:t>tổng</a:t>
+            </a:r>
+            <a:r>
+              <a:rPr lang="en-US" b="1" dirty="0"/>
+              <a:t> </a:t>
+            </a:r>
+            <a:r>
+              <a:rPr lang="en-US" b="1" dirty="0" err="1"/>
+              <a:t>thể</a:t>
+            </a:r>
+            <a:r>
+              <a:rPr lang="en-US" b="1" dirty="0"/>
+              <a:t> - </a:t>
+            </a:r>
+            <a:r>
+              <a:rPr lang="en-US" b="1" dirty="0" err="1"/>
+              <a:t>Sơ</a:t>
+            </a:r>
+            <a:r>
+              <a:rPr lang="en-US" b="1" dirty="0"/>
+              <a:t> </a:t>
+            </a:r>
+            <a:r>
+              <a:rPr lang="en-US" b="1" dirty="0" err="1"/>
+              <a:t>đồ</a:t>
+            </a:r>
+            <a:r>
+              <a:rPr lang="en-US" b="1" dirty="0"/>
+              <a:t> </a:t>
+            </a:r>
+            <a:r>
+              <a:rPr lang="en-US" b="1" dirty="0" err="1"/>
+              <a:t>gói</a:t>
+            </a:r>
+            <a:endParaRPr lang="en-US" b="1" dirty="0"/>
+          </a:p>
+          <a:p>
+            <a:pPr marL="0" indent="0">
+              <a:buNone/>
+            </a:pPr>
+            <a:r>
+              <a:rPr lang="en-US" dirty="0"/>
+              <a:t>3.2. </a:t>
+            </a:r>
+            <a:r>
+              <a:rPr lang="en-US" dirty="0" err="1"/>
+              <a:t>Sơ</a:t>
+            </a:r>
+            <a:r>
+              <a:rPr lang="en-US" dirty="0"/>
+              <a:t> </a:t>
+            </a:r>
+            <a:r>
+              <a:rPr lang="en-US" dirty="0" err="1"/>
+              <a:t>đồ</a:t>
+            </a:r>
+            <a:r>
+              <a:rPr lang="en-US" dirty="0"/>
+              <a:t> </a:t>
+            </a:r>
+            <a:r>
+              <a:rPr lang="en-US" dirty="0" err="1"/>
+              <a:t>thực</a:t>
+            </a:r>
+            <a:r>
+              <a:rPr lang="en-US" dirty="0"/>
+              <a:t> </a:t>
+            </a:r>
+            <a:r>
+              <a:rPr lang="en-US" dirty="0" err="1"/>
+              <a:t>thể</a:t>
+            </a:r>
+            <a:r>
+              <a:rPr lang="en-US" dirty="0"/>
+              <a:t> - </a:t>
+            </a:r>
+            <a:r>
+              <a:rPr lang="en-US" dirty="0" err="1"/>
+              <a:t>quan</a:t>
+            </a:r>
+            <a:r>
+              <a:rPr lang="en-US" dirty="0"/>
+              <a:t> </a:t>
+            </a:r>
+            <a:r>
+              <a:rPr lang="en-US" dirty="0" err="1"/>
+              <a:t>hệ</a:t>
+            </a:r>
+            <a:endParaRPr lang="en-US" dirty="0"/>
+          </a:p>
+          <a:p>
+            <a:pPr marL="0" indent="0">
+              <a:buNone/>
+            </a:pPr>
+            <a:r>
+              <a:rPr lang="en-US" dirty="0"/>
+              <a:t>3.3. Prototype</a:t>
+            </a:r>
+          </a:p>
+        </p:txBody>
+      </p:sp>
+      <p:sp>
+        <p:nvSpPr>
+          <p:cNvPr id="4" name="Slide Number Placeholder 3">
+            <a:extLst>
+              <a:ext uri="{FF2B5EF4-FFF2-40B4-BE49-F238E27FC236}">
+                <a16:creationId xmlns:a16="http://schemas.microsoft.com/office/drawing/2014/main" id="{2F142CB2-BE52-C042-87A4-24A34A87DE6E}"/>
+              </a:ext>
+            </a:extLst>
+          </p:cNvPr>
+          <p:cNvSpPr>
+            <a:spLocks noGrp="1"/>
+          </p:cNvSpPr>
+          <p:nvPr>
+            <p:ph type="sldNum" sz="quarter" idx="12"/>
+          </p:nvPr>
+        </p:nvSpPr>
+        <p:spPr/>
+        <p:txBody>
+          <a:bodyPr/>
+          <a:lstStyle/>
+          <a:p>
+            <a:fld id="{A02EBBDA-6239-48A4-BF42-145536EAE284}" type="slidenum">
+              <a:rPr lang="en-US" smtClean="0"/>
+              <a:t>19</a:t>
+            </a:fld>
+            <a:endParaRPr lang="en-US"/>
+          </a:p>
+        </p:txBody>
+      </p:sp>
+    </p:spTree>
+    <p:extLst>
+      <p:ext uri="{BB962C8B-B14F-4D97-AF65-F5344CB8AC3E}">
+        <p14:creationId xmlns:p14="http://schemas.microsoft.com/office/powerpoint/2010/main" val="2024538905"/>
       </p:ext>
     </p:extLst>
   </p:cSld>
@@ -4252,13 +6967,85 @@
               </a:rPr>
               <a:t>thống</a:t>
             </a:r>
+            <a:endParaRPr lang="en-US" dirty="0">
+              <a:latin typeface="Arial" panose="020B0604020202020204" pitchFamily="34" charset="0"/>
+              <a:cs typeface="Arial" panose="020B0604020202020204" pitchFamily="34" charset="0"/>
+            </a:endParaRPr>
+          </a:p>
+          <a:p>
+            <a:pPr marL="0" indent="0">
+              <a:spcBef>
+                <a:spcPts val="1200"/>
+              </a:spcBef>
+              <a:spcAft>
+                <a:spcPts val="1200"/>
+              </a:spcAft>
+              <a:buNone/>
+            </a:pPr>
             <a:r>
               <a:rPr lang="en-US" dirty="0">
                 <a:latin typeface="Arial" panose="020B0604020202020204" pitchFamily="34" charset="0"/>
                 <a:cs typeface="Arial" panose="020B0604020202020204" pitchFamily="34" charset="0"/>
               </a:rPr>
-              <a:t> </a:t>
-            </a:r>
+              <a:t>4. </a:t>
+            </a:r>
+            <a:r>
+              <a:rPr lang="en-US" dirty="0" err="1">
+                <a:latin typeface="Arial" panose="020B0604020202020204" pitchFamily="34" charset="0"/>
+                <a:cs typeface="Arial" panose="020B0604020202020204" pitchFamily="34" charset="0"/>
+              </a:rPr>
+              <a:t>Tổng</a:t>
+            </a:r>
+            <a:r>
+              <a:rPr lang="en-US" dirty="0">
+                <a:latin typeface="Arial" panose="020B0604020202020204" pitchFamily="34" charset="0"/>
+                <a:cs typeface="Arial" panose="020B0604020202020204" pitchFamily="34" charset="0"/>
+              </a:rPr>
+              <a:t> </a:t>
+            </a:r>
+            <a:r>
+              <a:rPr lang="en-US" dirty="0" err="1">
+                <a:latin typeface="Arial" panose="020B0604020202020204" pitchFamily="34" charset="0"/>
+                <a:cs typeface="Arial" panose="020B0604020202020204" pitchFamily="34" charset="0"/>
+              </a:rPr>
+              <a:t>kết</a:t>
+            </a:r>
+            <a:r>
+              <a:rPr lang="en-US" dirty="0">
+                <a:latin typeface="Arial" panose="020B0604020202020204" pitchFamily="34" charset="0"/>
+                <a:cs typeface="Arial" panose="020B0604020202020204" pitchFamily="34" charset="0"/>
+              </a:rPr>
+              <a:t> </a:t>
+            </a:r>
+          </a:p>
+        </p:txBody>
+      </p:sp>
+      <p:sp>
+        <p:nvSpPr>
+          <p:cNvPr id="4" name="Slide Number Placeholder 3">
+            <a:extLst>
+              <a:ext uri="{FF2B5EF4-FFF2-40B4-BE49-F238E27FC236}">
+                <a16:creationId xmlns:a16="http://schemas.microsoft.com/office/drawing/2014/main" id="{96D8E537-E2EB-5B47-8EB4-82FB83938CD9}"/>
+              </a:ext>
+            </a:extLst>
+          </p:cNvPr>
+          <p:cNvSpPr>
+            <a:spLocks noGrp="1"/>
+          </p:cNvSpPr>
+          <p:nvPr>
+            <p:ph type="sldNum" sz="quarter" idx="12"/>
+          </p:nvPr>
+        </p:nvSpPr>
+        <p:spPr/>
+        <p:txBody>
+          <a:bodyPr/>
+          <a:lstStyle/>
+          <a:p>
+            <a:fld id="{A02EBBDA-6239-48A4-BF42-145536EAE284}" type="slidenum">
+              <a:rPr lang="en-US" smtClean="0"/>
+              <a:t>2</a:t>
+            </a:fld>
+            <a:endParaRPr lang="en-US"/>
           </a:p>
         </p:txBody>
       </p:sp>
@@ -4266,6 +7053,3242 @@
     <p:extLst>
       <p:ext uri="{BB962C8B-B14F-4D97-AF65-F5344CB8AC3E}">
         <p14:creationId xmlns:p14="http://schemas.microsoft.com/office/powerpoint/2010/main" val="2365241059"/>
+      </p:ext>
+    </p:extLst>
+  </p:cSld>
+  <p:clrMapOvr>
+    <a:masterClrMapping/>
+  </p:clrMapOvr>
+</p:sld>
+</file>
+
+<file path=ppt/slides/slide20.xml><?xml version="1.0" encoding="utf-8"?>
+<p:sld xmlns:a="http://schemas.openxmlformats.org/drawingml/2006/main" xmlns:r="http://schemas.openxmlformats.org/officeDocument/2006/relationships" xmlns:p="http://schemas.openxmlformats.org/presentationml/2006/main">
+  <p:cSld>
+    <p:spTree>
+      <p:nvGrpSpPr>
+        <p:cNvPr id="1" name=""/>
+        <p:cNvGrpSpPr/>
+        <p:nvPr/>
+      </p:nvGrpSpPr>
+      <p:grpSpPr>
+        <a:xfrm>
+          <a:off x="0" y="0"/>
+          <a:ext cx="0" cy="0"/>
+          <a:chOff x="0" y="0"/>
+          <a:chExt cx="0" cy="0"/>
+        </a:xfrm>
+      </p:grpSpPr>
+      <p:sp>
+        <p:nvSpPr>
+          <p:cNvPr id="2" name="Title 1"/>
+          <p:cNvSpPr>
+            <a:spLocks noGrp="1"/>
+          </p:cNvSpPr>
+          <p:nvPr>
+            <p:ph type="title"/>
+          </p:nvPr>
+        </p:nvSpPr>
+        <p:spPr/>
+        <p:txBody>
+          <a:bodyPr/>
+          <a:lstStyle/>
+          <a:p>
+            <a:r>
+              <a:rPr lang="en-US" b="0" dirty="0">
+                <a:latin typeface="Arial" panose="020B0604020202020204" pitchFamily="34" charset="0"/>
+                <a:cs typeface="Arial" panose="020B0604020202020204" pitchFamily="34" charset="0"/>
+              </a:rPr>
+              <a:t>3.1. </a:t>
+            </a:r>
+            <a:r>
+              <a:rPr lang="en-US" b="0" dirty="0" err="1">
+                <a:latin typeface="Arial" panose="020B0604020202020204" pitchFamily="34" charset="0"/>
+                <a:cs typeface="Arial" panose="020B0604020202020204" pitchFamily="34" charset="0"/>
+              </a:rPr>
+              <a:t>Kiến</a:t>
+            </a:r>
+            <a:r>
+              <a:rPr lang="en-US" b="0" dirty="0">
+                <a:latin typeface="Arial" panose="020B0604020202020204" pitchFamily="34" charset="0"/>
+                <a:cs typeface="Arial" panose="020B0604020202020204" pitchFamily="34" charset="0"/>
+              </a:rPr>
+              <a:t> </a:t>
+            </a:r>
+            <a:r>
+              <a:rPr lang="en-US" b="0" dirty="0" err="1">
+                <a:latin typeface="Arial" panose="020B0604020202020204" pitchFamily="34" charset="0"/>
+                <a:cs typeface="Arial" panose="020B0604020202020204" pitchFamily="34" charset="0"/>
+              </a:rPr>
+              <a:t>trúc</a:t>
+            </a:r>
+            <a:r>
+              <a:rPr lang="en-US" b="0" dirty="0">
+                <a:latin typeface="Arial" panose="020B0604020202020204" pitchFamily="34" charset="0"/>
+                <a:cs typeface="Arial" panose="020B0604020202020204" pitchFamily="34" charset="0"/>
+              </a:rPr>
+              <a:t> </a:t>
+            </a:r>
+            <a:r>
+              <a:rPr lang="en-US" b="0" dirty="0" err="1">
+                <a:latin typeface="Arial" panose="020B0604020202020204" pitchFamily="34" charset="0"/>
+                <a:cs typeface="Arial" panose="020B0604020202020204" pitchFamily="34" charset="0"/>
+              </a:rPr>
+              <a:t>tổng</a:t>
+            </a:r>
+            <a:r>
+              <a:rPr lang="en-US" b="0" dirty="0">
+                <a:latin typeface="Arial" panose="020B0604020202020204" pitchFamily="34" charset="0"/>
+                <a:cs typeface="Arial" panose="020B0604020202020204" pitchFamily="34" charset="0"/>
+              </a:rPr>
+              <a:t> </a:t>
+            </a:r>
+            <a:r>
+              <a:rPr lang="en-US" b="0" dirty="0" err="1">
+                <a:latin typeface="Arial" panose="020B0604020202020204" pitchFamily="34" charset="0"/>
+                <a:cs typeface="Arial" panose="020B0604020202020204" pitchFamily="34" charset="0"/>
+              </a:rPr>
+              <a:t>thể</a:t>
+            </a:r>
+            <a:endParaRPr lang="en-US" b="0" dirty="0"/>
+          </a:p>
+        </p:txBody>
+      </p:sp>
+      <p:sp>
+        <p:nvSpPr>
+          <p:cNvPr id="4" name="Slide Number Placeholder 3">
+            <a:extLst>
+              <a:ext uri="{FF2B5EF4-FFF2-40B4-BE49-F238E27FC236}">
+                <a16:creationId xmlns:a16="http://schemas.microsoft.com/office/drawing/2014/main" id="{61741357-4979-AA47-BE22-C095653C830F}"/>
+              </a:ext>
+            </a:extLst>
+          </p:cNvPr>
+          <p:cNvSpPr>
+            <a:spLocks noGrp="1"/>
+          </p:cNvSpPr>
+          <p:nvPr>
+            <p:ph type="sldNum" sz="quarter" idx="12"/>
+          </p:nvPr>
+        </p:nvSpPr>
+        <p:spPr/>
+        <p:txBody>
+          <a:bodyPr/>
+          <a:lstStyle/>
+          <a:p>
+            <a:fld id="{A02EBBDA-6239-48A4-BF42-145536EAE284}" type="slidenum">
+              <a:rPr lang="en-US" smtClean="0"/>
+              <a:t>20</a:t>
+            </a:fld>
+            <a:endParaRPr lang="en-US"/>
+          </a:p>
+        </p:txBody>
+      </p:sp>
+      <p:sp>
+        <p:nvSpPr>
+          <p:cNvPr id="5" name="TextBox 4">
+            <a:extLst>
+              <a:ext uri="{FF2B5EF4-FFF2-40B4-BE49-F238E27FC236}">
+                <a16:creationId xmlns:a16="http://schemas.microsoft.com/office/drawing/2014/main" id="{D1593DDE-3147-824D-88BC-10135D2C16D4}"/>
+              </a:ext>
+            </a:extLst>
+          </p:cNvPr>
+          <p:cNvSpPr txBox="1"/>
+          <p:nvPr/>
+        </p:nvSpPr>
+        <p:spPr>
+          <a:xfrm>
+            <a:off x="3964516" y="1407582"/>
+            <a:ext cx="1075267" cy="369332"/>
+          </a:xfrm>
+          <a:prstGeom prst="rect">
+            <a:avLst/>
+          </a:prstGeom>
+          <a:noFill/>
+        </p:spPr>
+        <p:txBody>
+          <a:bodyPr wrap="square" rtlCol="0">
+            <a:spAutoFit/>
+          </a:bodyPr>
+          <a:lstStyle/>
+          <a:p>
+            <a:r>
+              <a:rPr lang="en-US" dirty="0" err="1"/>
+              <a:t>Sơ</a:t>
+            </a:r>
+            <a:r>
+              <a:rPr lang="en-US" dirty="0"/>
+              <a:t> </a:t>
+            </a:r>
+            <a:r>
+              <a:rPr lang="en-US" dirty="0" err="1"/>
+              <a:t>đồ</a:t>
+            </a:r>
+            <a:r>
+              <a:rPr lang="en-US" dirty="0"/>
+              <a:t> </a:t>
+            </a:r>
+            <a:r>
+              <a:rPr lang="en-US" dirty="0" err="1"/>
+              <a:t>gói</a:t>
+            </a:r>
+            <a:endParaRPr lang="en-US" dirty="0"/>
+          </a:p>
+        </p:txBody>
+      </p:sp>
+      <p:pic>
+        <p:nvPicPr>
+          <p:cNvPr id="6" name="Picture 5" descr="A screenshot of a cell phone&#10;&#10;Description automatically generated">
+            <a:extLst>
+              <a:ext uri="{FF2B5EF4-FFF2-40B4-BE49-F238E27FC236}">
+                <a16:creationId xmlns:a16="http://schemas.microsoft.com/office/drawing/2014/main" id="{60163C40-7056-DF40-884E-7555E52B01E7}"/>
+              </a:ext>
+            </a:extLst>
+          </p:cNvPr>
+          <p:cNvPicPr/>
+          <p:nvPr/>
+        </p:nvPicPr>
+        <p:blipFill>
+          <a:blip r:embed="rId2">
+            <a:extLst>
+              <a:ext uri="{28A0092B-C50C-407E-A947-70E740481C1C}">
+                <a14:useLocalDpi xmlns:a14="http://schemas.microsoft.com/office/drawing/2010/main" val="0"/>
+              </a:ext>
+            </a:extLst>
+          </a:blip>
+          <a:stretch>
+            <a:fillRect/>
+          </a:stretch>
+        </p:blipFill>
+        <p:spPr>
+          <a:xfrm>
+            <a:off x="1676082" y="1946248"/>
+            <a:ext cx="5791835" cy="3687445"/>
+          </a:xfrm>
+          <a:prstGeom prst="rect">
+            <a:avLst/>
+          </a:prstGeom>
+        </p:spPr>
+      </p:pic>
+    </p:spTree>
+    <p:extLst>
+      <p:ext uri="{BB962C8B-B14F-4D97-AF65-F5344CB8AC3E}">
+        <p14:creationId xmlns:p14="http://schemas.microsoft.com/office/powerpoint/2010/main" val="1199661521"/>
+      </p:ext>
+    </p:extLst>
+  </p:cSld>
+  <p:clrMapOvr>
+    <a:masterClrMapping/>
+  </p:clrMapOvr>
+</p:sld>
+</file>
+
+<file path=ppt/slides/slide21.xml><?xml version="1.0" encoding="utf-8"?>
+<p:sld xmlns:a="http://schemas.openxmlformats.org/drawingml/2006/main" xmlns:r="http://schemas.openxmlformats.org/officeDocument/2006/relationships" xmlns:p="http://schemas.openxmlformats.org/presentationml/2006/main">
+  <p:cSld>
+    <p:spTree>
+      <p:nvGrpSpPr>
+        <p:cNvPr id="1" name=""/>
+        <p:cNvGrpSpPr/>
+        <p:nvPr/>
+      </p:nvGrpSpPr>
+      <p:grpSpPr>
+        <a:xfrm>
+          <a:off x="0" y="0"/>
+          <a:ext cx="0" cy="0"/>
+          <a:chOff x="0" y="0"/>
+          <a:chExt cx="0" cy="0"/>
+        </a:xfrm>
+      </p:grpSpPr>
+      <p:sp>
+        <p:nvSpPr>
+          <p:cNvPr id="2" name="Title 1"/>
+          <p:cNvSpPr>
+            <a:spLocks noGrp="1"/>
+          </p:cNvSpPr>
+          <p:nvPr>
+            <p:ph type="title"/>
+          </p:nvPr>
+        </p:nvSpPr>
+        <p:spPr/>
+        <p:txBody>
+          <a:bodyPr/>
+          <a:lstStyle/>
+          <a:p>
+            <a:r>
+              <a:rPr lang="en-US" dirty="0"/>
+              <a:t>3. </a:t>
+            </a:r>
+            <a:r>
+              <a:rPr lang="en-US" dirty="0" err="1"/>
+              <a:t>Thiết</a:t>
+            </a:r>
+            <a:r>
+              <a:rPr lang="en-US" dirty="0"/>
+              <a:t> </a:t>
+            </a:r>
+            <a:r>
+              <a:rPr lang="en-US" dirty="0" err="1"/>
+              <a:t>kế</a:t>
+            </a:r>
+            <a:r>
+              <a:rPr lang="en-US" dirty="0"/>
+              <a:t> </a:t>
+            </a:r>
+            <a:r>
+              <a:rPr lang="en-US" dirty="0" err="1"/>
+              <a:t>hệ</a:t>
+            </a:r>
+            <a:r>
+              <a:rPr lang="en-US" dirty="0"/>
+              <a:t> </a:t>
+            </a:r>
+            <a:r>
+              <a:rPr lang="en-US" dirty="0" err="1"/>
+              <a:t>thống</a:t>
+            </a:r>
+            <a:endParaRPr lang="en-US" dirty="0"/>
+          </a:p>
+        </p:txBody>
+      </p:sp>
+      <p:sp>
+        <p:nvSpPr>
+          <p:cNvPr id="3" name="Content Placeholder 2"/>
+          <p:cNvSpPr>
+            <a:spLocks noGrp="1"/>
+          </p:cNvSpPr>
+          <p:nvPr>
+            <p:ph idx="1"/>
+          </p:nvPr>
+        </p:nvSpPr>
+        <p:spPr/>
+        <p:txBody>
+          <a:bodyPr/>
+          <a:lstStyle/>
+          <a:p>
+            <a:pPr marL="0" indent="0">
+              <a:buNone/>
+            </a:pPr>
+            <a:r>
+              <a:rPr lang="en-US" dirty="0"/>
+              <a:t>3.1. </a:t>
+            </a:r>
+            <a:r>
+              <a:rPr lang="en-US" dirty="0" err="1"/>
+              <a:t>Kiến</a:t>
+            </a:r>
+            <a:r>
+              <a:rPr lang="en-US" dirty="0"/>
+              <a:t> </a:t>
+            </a:r>
+            <a:r>
+              <a:rPr lang="en-US" dirty="0" err="1"/>
+              <a:t>trúc</a:t>
+            </a:r>
+            <a:r>
+              <a:rPr lang="en-US" dirty="0"/>
+              <a:t> </a:t>
+            </a:r>
+            <a:r>
+              <a:rPr lang="en-US" dirty="0" err="1"/>
+              <a:t>tổng</a:t>
+            </a:r>
+            <a:r>
+              <a:rPr lang="en-US" dirty="0"/>
+              <a:t> </a:t>
+            </a:r>
+            <a:r>
+              <a:rPr lang="en-US" dirty="0" err="1"/>
+              <a:t>thể</a:t>
+            </a:r>
+            <a:r>
+              <a:rPr lang="en-US" dirty="0"/>
+              <a:t> - </a:t>
+            </a:r>
+            <a:r>
+              <a:rPr lang="en-US" dirty="0" err="1"/>
+              <a:t>Sơ</a:t>
+            </a:r>
+            <a:r>
+              <a:rPr lang="en-US" dirty="0"/>
+              <a:t> </a:t>
+            </a:r>
+            <a:r>
+              <a:rPr lang="en-US" dirty="0" err="1"/>
+              <a:t>đồ</a:t>
+            </a:r>
+            <a:r>
+              <a:rPr lang="en-US" dirty="0"/>
+              <a:t> </a:t>
+            </a:r>
+            <a:r>
+              <a:rPr lang="en-US" dirty="0" err="1"/>
+              <a:t>gói</a:t>
+            </a:r>
+            <a:endParaRPr lang="en-US" dirty="0"/>
+          </a:p>
+          <a:p>
+            <a:pPr marL="0" indent="0">
+              <a:buNone/>
+            </a:pPr>
+            <a:r>
+              <a:rPr lang="en-US" b="1" dirty="0"/>
+              <a:t>3.2. </a:t>
+            </a:r>
+            <a:r>
+              <a:rPr lang="en-US" b="1" dirty="0" err="1"/>
+              <a:t>Sơ</a:t>
+            </a:r>
+            <a:r>
+              <a:rPr lang="en-US" b="1" dirty="0"/>
+              <a:t> </a:t>
+            </a:r>
+            <a:r>
+              <a:rPr lang="en-US" b="1" dirty="0" err="1"/>
+              <a:t>đồ</a:t>
+            </a:r>
+            <a:r>
+              <a:rPr lang="en-US" b="1" dirty="0"/>
+              <a:t> </a:t>
+            </a:r>
+            <a:r>
+              <a:rPr lang="en-US" b="1" dirty="0" err="1"/>
+              <a:t>thực</a:t>
+            </a:r>
+            <a:r>
+              <a:rPr lang="en-US" b="1" dirty="0"/>
+              <a:t> </a:t>
+            </a:r>
+            <a:r>
+              <a:rPr lang="en-US" b="1" dirty="0" err="1"/>
+              <a:t>thể</a:t>
+            </a:r>
+            <a:r>
+              <a:rPr lang="en-US" b="1" dirty="0"/>
+              <a:t> - </a:t>
+            </a:r>
+            <a:r>
+              <a:rPr lang="en-US" b="1" dirty="0" err="1"/>
+              <a:t>quan</a:t>
+            </a:r>
+            <a:r>
+              <a:rPr lang="en-US" b="1" dirty="0"/>
+              <a:t> </a:t>
+            </a:r>
+            <a:r>
+              <a:rPr lang="en-US" b="1" dirty="0" err="1"/>
+              <a:t>hệ</a:t>
+            </a:r>
+            <a:endParaRPr lang="en-US" b="1" dirty="0"/>
+          </a:p>
+          <a:p>
+            <a:pPr marL="0" indent="0">
+              <a:buNone/>
+            </a:pPr>
+            <a:r>
+              <a:rPr lang="en-US" dirty="0"/>
+              <a:t>3.3. Prototype</a:t>
+            </a:r>
+          </a:p>
+        </p:txBody>
+      </p:sp>
+      <p:sp>
+        <p:nvSpPr>
+          <p:cNvPr id="4" name="Slide Number Placeholder 3">
+            <a:extLst>
+              <a:ext uri="{FF2B5EF4-FFF2-40B4-BE49-F238E27FC236}">
+                <a16:creationId xmlns:a16="http://schemas.microsoft.com/office/drawing/2014/main" id="{2F142CB2-BE52-C042-87A4-24A34A87DE6E}"/>
+              </a:ext>
+            </a:extLst>
+          </p:cNvPr>
+          <p:cNvSpPr>
+            <a:spLocks noGrp="1"/>
+          </p:cNvSpPr>
+          <p:nvPr>
+            <p:ph type="sldNum" sz="quarter" idx="12"/>
+          </p:nvPr>
+        </p:nvSpPr>
+        <p:spPr/>
+        <p:txBody>
+          <a:bodyPr/>
+          <a:lstStyle/>
+          <a:p>
+            <a:fld id="{A02EBBDA-6239-48A4-BF42-145536EAE284}" type="slidenum">
+              <a:rPr lang="en-US" smtClean="0"/>
+              <a:t>21</a:t>
+            </a:fld>
+            <a:endParaRPr lang="en-US"/>
+          </a:p>
+        </p:txBody>
+      </p:sp>
+    </p:spTree>
+    <p:extLst>
+      <p:ext uri="{BB962C8B-B14F-4D97-AF65-F5344CB8AC3E}">
+        <p14:creationId xmlns:p14="http://schemas.microsoft.com/office/powerpoint/2010/main" val="3584168593"/>
+      </p:ext>
+    </p:extLst>
+  </p:cSld>
+  <p:clrMapOvr>
+    <a:masterClrMapping/>
+  </p:clrMapOvr>
+</p:sld>
+</file>
+
+<file path=ppt/slides/slide22.xml><?xml version="1.0" encoding="utf-8"?>
+<p:sld xmlns:a="http://schemas.openxmlformats.org/drawingml/2006/main" xmlns:r="http://schemas.openxmlformats.org/officeDocument/2006/relationships" xmlns:p="http://schemas.openxmlformats.org/presentationml/2006/main">
+  <p:cSld>
+    <p:spTree>
+      <p:nvGrpSpPr>
+        <p:cNvPr id="1" name=""/>
+        <p:cNvGrpSpPr/>
+        <p:nvPr/>
+      </p:nvGrpSpPr>
+      <p:grpSpPr>
+        <a:xfrm>
+          <a:off x="0" y="0"/>
+          <a:ext cx="0" cy="0"/>
+          <a:chOff x="0" y="0"/>
+          <a:chExt cx="0" cy="0"/>
+        </a:xfrm>
+      </p:grpSpPr>
+      <p:sp>
+        <p:nvSpPr>
+          <p:cNvPr id="2" name="Title 1"/>
+          <p:cNvSpPr>
+            <a:spLocks noGrp="1"/>
+          </p:cNvSpPr>
+          <p:nvPr>
+            <p:ph type="title"/>
+          </p:nvPr>
+        </p:nvSpPr>
+        <p:spPr/>
+        <p:txBody>
+          <a:bodyPr/>
+          <a:lstStyle/>
+          <a:p>
+            <a:r>
+              <a:rPr lang="en-US" b="0" dirty="0">
+                <a:latin typeface="Arial" panose="020B0604020202020204" pitchFamily="34" charset="0"/>
+                <a:cs typeface="Arial" panose="020B0604020202020204" pitchFamily="34" charset="0"/>
+              </a:rPr>
+              <a:t>3.2. </a:t>
+            </a:r>
+            <a:r>
+              <a:rPr lang="en-US" b="0" dirty="0" err="1">
+                <a:latin typeface="Arial" panose="020B0604020202020204" pitchFamily="34" charset="0"/>
+                <a:cs typeface="Arial" panose="020B0604020202020204" pitchFamily="34" charset="0"/>
+              </a:rPr>
+              <a:t>Sơ</a:t>
+            </a:r>
+            <a:r>
+              <a:rPr lang="en-US" b="0" dirty="0">
+                <a:latin typeface="Arial" panose="020B0604020202020204" pitchFamily="34" charset="0"/>
+                <a:cs typeface="Arial" panose="020B0604020202020204" pitchFamily="34" charset="0"/>
+              </a:rPr>
+              <a:t> </a:t>
+            </a:r>
+            <a:r>
+              <a:rPr lang="en-US" b="0" dirty="0" err="1">
+                <a:latin typeface="Arial" panose="020B0604020202020204" pitchFamily="34" charset="0"/>
+                <a:cs typeface="Arial" panose="020B0604020202020204" pitchFamily="34" charset="0"/>
+              </a:rPr>
+              <a:t>đồ</a:t>
+            </a:r>
+            <a:r>
+              <a:rPr lang="en-US" b="0" dirty="0">
+                <a:latin typeface="Arial" panose="020B0604020202020204" pitchFamily="34" charset="0"/>
+                <a:cs typeface="Arial" panose="020B0604020202020204" pitchFamily="34" charset="0"/>
+              </a:rPr>
+              <a:t> </a:t>
+            </a:r>
+            <a:r>
+              <a:rPr lang="en-US" b="0" dirty="0" err="1">
+                <a:latin typeface="Arial" panose="020B0604020202020204" pitchFamily="34" charset="0"/>
+                <a:cs typeface="Arial" panose="020B0604020202020204" pitchFamily="34" charset="0"/>
+              </a:rPr>
+              <a:t>thực</a:t>
+            </a:r>
+            <a:r>
+              <a:rPr lang="en-US" b="0" dirty="0">
+                <a:latin typeface="Arial" panose="020B0604020202020204" pitchFamily="34" charset="0"/>
+                <a:cs typeface="Arial" panose="020B0604020202020204" pitchFamily="34" charset="0"/>
+              </a:rPr>
+              <a:t> </a:t>
+            </a:r>
+            <a:r>
+              <a:rPr lang="en-US" b="0" dirty="0" err="1">
+                <a:latin typeface="Arial" panose="020B0604020202020204" pitchFamily="34" charset="0"/>
+                <a:cs typeface="Arial" panose="020B0604020202020204" pitchFamily="34" charset="0"/>
+              </a:rPr>
+              <a:t>thể</a:t>
+            </a:r>
+            <a:r>
+              <a:rPr lang="en-US" b="0" dirty="0">
+                <a:latin typeface="Arial" panose="020B0604020202020204" pitchFamily="34" charset="0"/>
+                <a:cs typeface="Arial" panose="020B0604020202020204" pitchFamily="34" charset="0"/>
+              </a:rPr>
+              <a:t> – </a:t>
+            </a:r>
+            <a:r>
+              <a:rPr lang="en-US" b="0" dirty="0" err="1">
+                <a:latin typeface="Arial" panose="020B0604020202020204" pitchFamily="34" charset="0"/>
+                <a:cs typeface="Arial" panose="020B0604020202020204" pitchFamily="34" charset="0"/>
+              </a:rPr>
+              <a:t>quan</a:t>
+            </a:r>
+            <a:r>
+              <a:rPr lang="en-US" b="0" dirty="0">
+                <a:latin typeface="Arial" panose="020B0604020202020204" pitchFamily="34" charset="0"/>
+                <a:cs typeface="Arial" panose="020B0604020202020204" pitchFamily="34" charset="0"/>
+              </a:rPr>
+              <a:t> </a:t>
+            </a:r>
+            <a:r>
+              <a:rPr lang="en-US" b="0" dirty="0" err="1">
+                <a:latin typeface="Arial" panose="020B0604020202020204" pitchFamily="34" charset="0"/>
+                <a:cs typeface="Arial" panose="020B0604020202020204" pitchFamily="34" charset="0"/>
+              </a:rPr>
+              <a:t>hệ</a:t>
+            </a:r>
+            <a:r>
+              <a:rPr lang="en-US" b="0" dirty="0">
+                <a:latin typeface="Arial" panose="020B0604020202020204" pitchFamily="34" charset="0"/>
+                <a:cs typeface="Arial" panose="020B0604020202020204" pitchFamily="34" charset="0"/>
+              </a:rPr>
+              <a:t> (ERD)</a:t>
+            </a:r>
+            <a:endParaRPr lang="en-US" b="0" dirty="0"/>
+          </a:p>
+        </p:txBody>
+      </p:sp>
+      <p:sp>
+        <p:nvSpPr>
+          <p:cNvPr id="4" name="Slide Number Placeholder 3">
+            <a:extLst>
+              <a:ext uri="{FF2B5EF4-FFF2-40B4-BE49-F238E27FC236}">
+                <a16:creationId xmlns:a16="http://schemas.microsoft.com/office/drawing/2014/main" id="{61741357-4979-AA47-BE22-C095653C830F}"/>
+              </a:ext>
+            </a:extLst>
+          </p:cNvPr>
+          <p:cNvSpPr>
+            <a:spLocks noGrp="1"/>
+          </p:cNvSpPr>
+          <p:nvPr>
+            <p:ph type="sldNum" sz="quarter" idx="12"/>
+          </p:nvPr>
+        </p:nvSpPr>
+        <p:spPr/>
+        <p:txBody>
+          <a:bodyPr/>
+          <a:lstStyle/>
+          <a:p>
+            <a:fld id="{A02EBBDA-6239-48A4-BF42-145536EAE284}" type="slidenum">
+              <a:rPr lang="en-US" smtClean="0"/>
+              <a:t>22</a:t>
+            </a:fld>
+            <a:endParaRPr lang="en-US"/>
+          </a:p>
+        </p:txBody>
+      </p:sp>
+      <p:sp>
+        <p:nvSpPr>
+          <p:cNvPr id="5" name="TextBox 4">
+            <a:extLst>
+              <a:ext uri="{FF2B5EF4-FFF2-40B4-BE49-F238E27FC236}">
+                <a16:creationId xmlns:a16="http://schemas.microsoft.com/office/drawing/2014/main" id="{D1593DDE-3147-824D-88BC-10135D2C16D4}"/>
+              </a:ext>
+            </a:extLst>
+          </p:cNvPr>
+          <p:cNvSpPr txBox="1"/>
+          <p:nvPr/>
+        </p:nvSpPr>
+        <p:spPr>
+          <a:xfrm>
+            <a:off x="2750449" y="1282699"/>
+            <a:ext cx="3503401" cy="369332"/>
+          </a:xfrm>
+          <a:prstGeom prst="rect">
+            <a:avLst/>
+          </a:prstGeom>
+          <a:noFill/>
+        </p:spPr>
+        <p:txBody>
+          <a:bodyPr wrap="square" rtlCol="0">
+            <a:spAutoFit/>
+          </a:bodyPr>
+          <a:lstStyle/>
+          <a:p>
+            <a:r>
+              <a:rPr lang="en-US" dirty="0" err="1">
+                <a:latin typeface="Arial" panose="020B0604020202020204" pitchFamily="34" charset="0"/>
+                <a:cs typeface="Arial" panose="020B0604020202020204" pitchFamily="34" charset="0"/>
+              </a:rPr>
+              <a:t>Sơ</a:t>
+            </a:r>
+            <a:r>
+              <a:rPr lang="en-US" dirty="0">
+                <a:latin typeface="Arial" panose="020B0604020202020204" pitchFamily="34" charset="0"/>
+                <a:cs typeface="Arial" panose="020B0604020202020204" pitchFamily="34" charset="0"/>
+              </a:rPr>
+              <a:t> </a:t>
+            </a:r>
+            <a:r>
+              <a:rPr lang="en-US" dirty="0" err="1">
+                <a:latin typeface="Arial" panose="020B0604020202020204" pitchFamily="34" charset="0"/>
+                <a:cs typeface="Arial" panose="020B0604020202020204" pitchFamily="34" charset="0"/>
+              </a:rPr>
+              <a:t>đồ</a:t>
+            </a:r>
+            <a:r>
+              <a:rPr lang="en-US" dirty="0">
+                <a:latin typeface="Arial" panose="020B0604020202020204" pitchFamily="34" charset="0"/>
+                <a:cs typeface="Arial" panose="020B0604020202020204" pitchFamily="34" charset="0"/>
+              </a:rPr>
+              <a:t> </a:t>
+            </a:r>
+            <a:r>
+              <a:rPr lang="en-US" dirty="0" err="1">
+                <a:latin typeface="Arial" panose="020B0604020202020204" pitchFamily="34" charset="0"/>
+                <a:cs typeface="Arial" panose="020B0604020202020204" pitchFamily="34" charset="0"/>
+              </a:rPr>
+              <a:t>thực</a:t>
+            </a:r>
+            <a:r>
+              <a:rPr lang="en-US" dirty="0">
+                <a:latin typeface="Arial" panose="020B0604020202020204" pitchFamily="34" charset="0"/>
+                <a:cs typeface="Arial" panose="020B0604020202020204" pitchFamily="34" charset="0"/>
+              </a:rPr>
+              <a:t> </a:t>
+            </a:r>
+            <a:r>
+              <a:rPr lang="en-US" dirty="0" err="1">
+                <a:latin typeface="Arial" panose="020B0604020202020204" pitchFamily="34" charset="0"/>
+                <a:cs typeface="Arial" panose="020B0604020202020204" pitchFamily="34" charset="0"/>
+              </a:rPr>
+              <a:t>thể</a:t>
+            </a:r>
+            <a:r>
+              <a:rPr lang="en-US" dirty="0">
+                <a:latin typeface="Arial" panose="020B0604020202020204" pitchFamily="34" charset="0"/>
+                <a:cs typeface="Arial" panose="020B0604020202020204" pitchFamily="34" charset="0"/>
+              </a:rPr>
+              <a:t> – </a:t>
+            </a:r>
+            <a:r>
+              <a:rPr lang="en-US" dirty="0" err="1">
+                <a:latin typeface="Arial" panose="020B0604020202020204" pitchFamily="34" charset="0"/>
+                <a:cs typeface="Arial" panose="020B0604020202020204" pitchFamily="34" charset="0"/>
+              </a:rPr>
+              <a:t>quan</a:t>
+            </a:r>
+            <a:r>
+              <a:rPr lang="en-US" dirty="0">
+                <a:latin typeface="Arial" panose="020B0604020202020204" pitchFamily="34" charset="0"/>
+                <a:cs typeface="Arial" panose="020B0604020202020204" pitchFamily="34" charset="0"/>
+              </a:rPr>
+              <a:t> </a:t>
+            </a:r>
+            <a:r>
+              <a:rPr lang="en-US" dirty="0" err="1">
+                <a:latin typeface="Arial" panose="020B0604020202020204" pitchFamily="34" charset="0"/>
+                <a:cs typeface="Arial" panose="020B0604020202020204" pitchFamily="34" charset="0"/>
+              </a:rPr>
+              <a:t>hệ</a:t>
+            </a:r>
+            <a:r>
+              <a:rPr lang="en-US" dirty="0">
+                <a:latin typeface="Arial" panose="020B0604020202020204" pitchFamily="34" charset="0"/>
+                <a:cs typeface="Arial" panose="020B0604020202020204" pitchFamily="34" charset="0"/>
+              </a:rPr>
+              <a:t> (ERD)</a:t>
+            </a:r>
+            <a:endParaRPr lang="en-US" dirty="0"/>
+          </a:p>
+        </p:txBody>
+      </p:sp>
+      <p:pic>
+        <p:nvPicPr>
+          <p:cNvPr id="7" name="Picture 6">
+            <a:extLst>
+              <a:ext uri="{FF2B5EF4-FFF2-40B4-BE49-F238E27FC236}">
+                <a16:creationId xmlns:a16="http://schemas.microsoft.com/office/drawing/2014/main" id="{A0A797A6-F5E0-204D-85C9-B09AD1177E19}"/>
+              </a:ext>
+            </a:extLst>
+          </p:cNvPr>
+          <p:cNvPicPr>
+            <a:picLocks noChangeAspect="1"/>
+          </p:cNvPicPr>
+          <p:nvPr/>
+        </p:nvPicPr>
+        <p:blipFill>
+          <a:blip r:embed="rId2">
+            <a:extLst>
+              <a:ext uri="{28A0092B-C50C-407E-A947-70E740481C1C}">
+                <a14:useLocalDpi xmlns:a14="http://schemas.microsoft.com/office/drawing/2010/main" val="0"/>
+              </a:ext>
+            </a:extLst>
+          </a:blip>
+          <a:stretch>
+            <a:fillRect/>
+          </a:stretch>
+        </p:blipFill>
+        <p:spPr>
+          <a:xfrm>
+            <a:off x="1457854" y="1652031"/>
+            <a:ext cx="6228292" cy="4982634"/>
+          </a:xfrm>
+          <a:prstGeom prst="rect">
+            <a:avLst/>
+          </a:prstGeom>
+        </p:spPr>
+      </p:pic>
+    </p:spTree>
+    <p:extLst>
+      <p:ext uri="{BB962C8B-B14F-4D97-AF65-F5344CB8AC3E}">
+        <p14:creationId xmlns:p14="http://schemas.microsoft.com/office/powerpoint/2010/main" val="2297909803"/>
+      </p:ext>
+    </p:extLst>
+  </p:cSld>
+  <p:clrMapOvr>
+    <a:masterClrMapping/>
+  </p:clrMapOvr>
+</p:sld>
+</file>
+
+<file path=ppt/slides/slide23.xml><?xml version="1.0" encoding="utf-8"?>
+<p:sld xmlns:a="http://schemas.openxmlformats.org/drawingml/2006/main" xmlns:r="http://schemas.openxmlformats.org/officeDocument/2006/relationships" xmlns:p="http://schemas.openxmlformats.org/presentationml/2006/main">
+  <p:cSld>
+    <p:spTree>
+      <p:nvGrpSpPr>
+        <p:cNvPr id="1" name=""/>
+        <p:cNvGrpSpPr/>
+        <p:nvPr/>
+      </p:nvGrpSpPr>
+      <p:grpSpPr>
+        <a:xfrm>
+          <a:off x="0" y="0"/>
+          <a:ext cx="0" cy="0"/>
+          <a:chOff x="0" y="0"/>
+          <a:chExt cx="0" cy="0"/>
+        </a:xfrm>
+      </p:grpSpPr>
+      <p:sp>
+        <p:nvSpPr>
+          <p:cNvPr id="2" name="Title 1"/>
+          <p:cNvSpPr>
+            <a:spLocks noGrp="1"/>
+          </p:cNvSpPr>
+          <p:nvPr>
+            <p:ph type="title"/>
+          </p:nvPr>
+        </p:nvSpPr>
+        <p:spPr/>
+        <p:txBody>
+          <a:bodyPr/>
+          <a:lstStyle/>
+          <a:p>
+            <a:r>
+              <a:rPr lang="en-US" dirty="0"/>
+              <a:t>3. </a:t>
+            </a:r>
+            <a:r>
+              <a:rPr lang="en-US" dirty="0" err="1"/>
+              <a:t>Thiết</a:t>
+            </a:r>
+            <a:r>
+              <a:rPr lang="en-US" dirty="0"/>
+              <a:t> </a:t>
+            </a:r>
+            <a:r>
+              <a:rPr lang="en-US" dirty="0" err="1"/>
+              <a:t>kế</a:t>
+            </a:r>
+            <a:r>
+              <a:rPr lang="en-US" dirty="0"/>
+              <a:t> </a:t>
+            </a:r>
+            <a:r>
+              <a:rPr lang="en-US" dirty="0" err="1"/>
+              <a:t>hệ</a:t>
+            </a:r>
+            <a:r>
+              <a:rPr lang="en-US" dirty="0"/>
+              <a:t> </a:t>
+            </a:r>
+            <a:r>
+              <a:rPr lang="en-US" dirty="0" err="1"/>
+              <a:t>thống</a:t>
+            </a:r>
+            <a:endParaRPr lang="en-US" dirty="0"/>
+          </a:p>
+        </p:txBody>
+      </p:sp>
+      <p:sp>
+        <p:nvSpPr>
+          <p:cNvPr id="3" name="Content Placeholder 2"/>
+          <p:cNvSpPr>
+            <a:spLocks noGrp="1"/>
+          </p:cNvSpPr>
+          <p:nvPr>
+            <p:ph idx="1"/>
+          </p:nvPr>
+        </p:nvSpPr>
+        <p:spPr/>
+        <p:txBody>
+          <a:bodyPr/>
+          <a:lstStyle/>
+          <a:p>
+            <a:pPr marL="0" indent="0">
+              <a:buNone/>
+            </a:pPr>
+            <a:r>
+              <a:rPr lang="en-US" dirty="0"/>
+              <a:t>3.1. </a:t>
+            </a:r>
+            <a:r>
+              <a:rPr lang="en-US" dirty="0" err="1"/>
+              <a:t>Kiến</a:t>
+            </a:r>
+            <a:r>
+              <a:rPr lang="en-US" dirty="0"/>
+              <a:t> </a:t>
+            </a:r>
+            <a:r>
+              <a:rPr lang="en-US" dirty="0" err="1"/>
+              <a:t>trúc</a:t>
+            </a:r>
+            <a:r>
+              <a:rPr lang="en-US" dirty="0"/>
+              <a:t> </a:t>
+            </a:r>
+            <a:r>
+              <a:rPr lang="en-US" dirty="0" err="1"/>
+              <a:t>tổng</a:t>
+            </a:r>
+            <a:r>
+              <a:rPr lang="en-US" dirty="0"/>
+              <a:t> </a:t>
+            </a:r>
+            <a:r>
+              <a:rPr lang="en-US" dirty="0" err="1"/>
+              <a:t>thể</a:t>
+            </a:r>
+            <a:r>
+              <a:rPr lang="en-US" dirty="0"/>
+              <a:t> - </a:t>
+            </a:r>
+            <a:r>
+              <a:rPr lang="en-US" dirty="0" err="1"/>
+              <a:t>Sơ</a:t>
+            </a:r>
+            <a:r>
+              <a:rPr lang="en-US" dirty="0"/>
+              <a:t> </a:t>
+            </a:r>
+            <a:r>
+              <a:rPr lang="en-US" dirty="0" err="1"/>
+              <a:t>đồ</a:t>
+            </a:r>
+            <a:r>
+              <a:rPr lang="en-US" dirty="0"/>
+              <a:t> </a:t>
+            </a:r>
+            <a:r>
+              <a:rPr lang="en-US" dirty="0" err="1"/>
+              <a:t>gói</a:t>
+            </a:r>
+            <a:endParaRPr lang="en-US" dirty="0"/>
+          </a:p>
+          <a:p>
+            <a:pPr marL="0" indent="0">
+              <a:buNone/>
+            </a:pPr>
+            <a:r>
+              <a:rPr lang="en-US" dirty="0"/>
+              <a:t>3.2. </a:t>
+            </a:r>
+            <a:r>
+              <a:rPr lang="en-US" dirty="0" err="1"/>
+              <a:t>Sơ</a:t>
+            </a:r>
+            <a:r>
+              <a:rPr lang="en-US" dirty="0"/>
+              <a:t> </a:t>
+            </a:r>
+            <a:r>
+              <a:rPr lang="en-US" dirty="0" err="1"/>
+              <a:t>đồ</a:t>
+            </a:r>
+            <a:r>
+              <a:rPr lang="en-US" dirty="0"/>
+              <a:t> </a:t>
+            </a:r>
+            <a:r>
+              <a:rPr lang="en-US" dirty="0" err="1"/>
+              <a:t>thực</a:t>
+            </a:r>
+            <a:r>
+              <a:rPr lang="en-US" dirty="0"/>
+              <a:t> </a:t>
+            </a:r>
+            <a:r>
+              <a:rPr lang="en-US" dirty="0" err="1"/>
+              <a:t>thể</a:t>
+            </a:r>
+            <a:r>
+              <a:rPr lang="en-US" dirty="0"/>
+              <a:t> - </a:t>
+            </a:r>
+            <a:r>
+              <a:rPr lang="en-US" dirty="0" err="1"/>
+              <a:t>quan</a:t>
+            </a:r>
+            <a:r>
+              <a:rPr lang="en-US" dirty="0"/>
+              <a:t> </a:t>
+            </a:r>
+            <a:r>
+              <a:rPr lang="en-US" dirty="0" err="1"/>
+              <a:t>hệ</a:t>
+            </a:r>
+            <a:endParaRPr lang="en-US" dirty="0"/>
+          </a:p>
+          <a:p>
+            <a:pPr marL="0" indent="0">
+              <a:buNone/>
+            </a:pPr>
+            <a:r>
+              <a:rPr lang="en-US" b="1" dirty="0"/>
+              <a:t>3.3. Prototype</a:t>
+            </a:r>
+          </a:p>
+        </p:txBody>
+      </p:sp>
+      <p:sp>
+        <p:nvSpPr>
+          <p:cNvPr id="4" name="Slide Number Placeholder 3">
+            <a:extLst>
+              <a:ext uri="{FF2B5EF4-FFF2-40B4-BE49-F238E27FC236}">
+                <a16:creationId xmlns:a16="http://schemas.microsoft.com/office/drawing/2014/main" id="{2F142CB2-BE52-C042-87A4-24A34A87DE6E}"/>
+              </a:ext>
+            </a:extLst>
+          </p:cNvPr>
+          <p:cNvSpPr>
+            <a:spLocks noGrp="1"/>
+          </p:cNvSpPr>
+          <p:nvPr>
+            <p:ph type="sldNum" sz="quarter" idx="12"/>
+          </p:nvPr>
+        </p:nvSpPr>
+        <p:spPr/>
+        <p:txBody>
+          <a:bodyPr/>
+          <a:lstStyle/>
+          <a:p>
+            <a:fld id="{A02EBBDA-6239-48A4-BF42-145536EAE284}" type="slidenum">
+              <a:rPr lang="en-US" smtClean="0"/>
+              <a:t>23</a:t>
+            </a:fld>
+            <a:endParaRPr lang="en-US"/>
+          </a:p>
+        </p:txBody>
+      </p:sp>
+    </p:spTree>
+    <p:extLst>
+      <p:ext uri="{BB962C8B-B14F-4D97-AF65-F5344CB8AC3E}">
+        <p14:creationId xmlns:p14="http://schemas.microsoft.com/office/powerpoint/2010/main" val="3594584697"/>
+      </p:ext>
+    </p:extLst>
+  </p:cSld>
+  <p:clrMapOvr>
+    <a:masterClrMapping/>
+  </p:clrMapOvr>
+</p:sld>
+</file>
+
+<file path=ppt/slides/slide24.xml><?xml version="1.0" encoding="utf-8"?>
+<p:sld xmlns:a="http://schemas.openxmlformats.org/drawingml/2006/main" xmlns:r="http://schemas.openxmlformats.org/officeDocument/2006/relationships" xmlns:p="http://schemas.openxmlformats.org/presentationml/2006/main">
+  <p:cSld>
+    <p:spTree>
+      <p:nvGrpSpPr>
+        <p:cNvPr id="1" name=""/>
+        <p:cNvGrpSpPr/>
+        <p:nvPr/>
+      </p:nvGrpSpPr>
+      <p:grpSpPr>
+        <a:xfrm>
+          <a:off x="0" y="0"/>
+          <a:ext cx="0" cy="0"/>
+          <a:chOff x="0" y="0"/>
+          <a:chExt cx="0" cy="0"/>
+        </a:xfrm>
+      </p:grpSpPr>
+      <p:sp>
+        <p:nvSpPr>
+          <p:cNvPr id="2" name="Title 1"/>
+          <p:cNvSpPr>
+            <a:spLocks noGrp="1"/>
+          </p:cNvSpPr>
+          <p:nvPr>
+            <p:ph type="title"/>
+          </p:nvPr>
+        </p:nvSpPr>
+        <p:spPr/>
+        <p:txBody>
+          <a:bodyPr/>
+          <a:lstStyle/>
+          <a:p>
+            <a:r>
+              <a:rPr lang="en-US" b="0" dirty="0">
+                <a:latin typeface="Arial" panose="020B0604020202020204" pitchFamily="34" charset="0"/>
+                <a:cs typeface="Arial" panose="020B0604020202020204" pitchFamily="34" charset="0"/>
+              </a:rPr>
+              <a:t>3.3. Prototype </a:t>
+            </a:r>
+            <a:r>
+              <a:rPr lang="en-US" b="0" dirty="0" err="1">
+                <a:latin typeface="Arial" panose="020B0604020202020204" pitchFamily="34" charset="0"/>
+                <a:cs typeface="Arial" panose="020B0604020202020204" pitchFamily="34" charset="0"/>
+              </a:rPr>
+              <a:t>giao</a:t>
+            </a:r>
+            <a:r>
+              <a:rPr lang="en-US" b="0" dirty="0">
+                <a:latin typeface="Arial" panose="020B0604020202020204" pitchFamily="34" charset="0"/>
+                <a:cs typeface="Arial" panose="020B0604020202020204" pitchFamily="34" charset="0"/>
+              </a:rPr>
+              <a:t> </a:t>
+            </a:r>
+            <a:r>
+              <a:rPr lang="en-US" b="0" dirty="0" err="1">
+                <a:latin typeface="Arial" panose="020B0604020202020204" pitchFamily="34" charset="0"/>
+                <a:cs typeface="Arial" panose="020B0604020202020204" pitchFamily="34" charset="0"/>
+              </a:rPr>
+              <a:t>diện</a:t>
+            </a:r>
+            <a:endParaRPr lang="en-US" b="0" dirty="0"/>
+          </a:p>
+        </p:txBody>
+      </p:sp>
+      <p:sp>
+        <p:nvSpPr>
+          <p:cNvPr id="4" name="Slide Number Placeholder 3">
+            <a:extLst>
+              <a:ext uri="{FF2B5EF4-FFF2-40B4-BE49-F238E27FC236}">
+                <a16:creationId xmlns:a16="http://schemas.microsoft.com/office/drawing/2014/main" id="{61741357-4979-AA47-BE22-C095653C830F}"/>
+              </a:ext>
+            </a:extLst>
+          </p:cNvPr>
+          <p:cNvSpPr>
+            <a:spLocks noGrp="1"/>
+          </p:cNvSpPr>
+          <p:nvPr>
+            <p:ph type="sldNum" sz="quarter" idx="12"/>
+          </p:nvPr>
+        </p:nvSpPr>
+        <p:spPr/>
+        <p:txBody>
+          <a:bodyPr/>
+          <a:lstStyle/>
+          <a:p>
+            <a:fld id="{A02EBBDA-6239-48A4-BF42-145536EAE284}" type="slidenum">
+              <a:rPr lang="en-US" smtClean="0"/>
+              <a:t>24</a:t>
+            </a:fld>
+            <a:endParaRPr lang="en-US"/>
+          </a:p>
+        </p:txBody>
+      </p:sp>
+      <p:sp>
+        <p:nvSpPr>
+          <p:cNvPr id="5" name="TextBox 4">
+            <a:extLst>
+              <a:ext uri="{FF2B5EF4-FFF2-40B4-BE49-F238E27FC236}">
+                <a16:creationId xmlns:a16="http://schemas.microsoft.com/office/drawing/2014/main" id="{D1593DDE-3147-824D-88BC-10135D2C16D4}"/>
+              </a:ext>
+            </a:extLst>
+          </p:cNvPr>
+          <p:cNvSpPr txBox="1"/>
+          <p:nvPr/>
+        </p:nvSpPr>
+        <p:spPr>
+          <a:xfrm>
+            <a:off x="6457950" y="3244334"/>
+            <a:ext cx="2483459" cy="646331"/>
+          </a:xfrm>
+          <a:prstGeom prst="rect">
+            <a:avLst/>
+          </a:prstGeom>
+          <a:noFill/>
+        </p:spPr>
+        <p:txBody>
+          <a:bodyPr wrap="square" rtlCol="0">
+            <a:spAutoFit/>
+          </a:bodyPr>
+          <a:lstStyle/>
+          <a:p>
+            <a:pPr algn="ctr"/>
+            <a:r>
+              <a:rPr lang="en-US" dirty="0" err="1"/>
+              <a:t>Giao</a:t>
+            </a:r>
+            <a:r>
+              <a:rPr lang="en-US" dirty="0"/>
+              <a:t> </a:t>
+            </a:r>
+            <a:r>
+              <a:rPr lang="en-US" dirty="0" err="1"/>
+              <a:t>diện</a:t>
+            </a:r>
+            <a:r>
+              <a:rPr lang="en-US" dirty="0"/>
+              <a:t> chi </a:t>
+            </a:r>
+            <a:r>
+              <a:rPr lang="en-US" dirty="0" err="1"/>
+              <a:t>tiết</a:t>
+            </a:r>
+            <a:r>
+              <a:rPr lang="en-US" dirty="0"/>
+              <a:t> </a:t>
+            </a:r>
+            <a:r>
+              <a:rPr lang="en-US" dirty="0" err="1"/>
+              <a:t>phim</a:t>
+            </a:r>
+            <a:endParaRPr lang="en-US" dirty="0"/>
+          </a:p>
+          <a:p>
+            <a:pPr algn="ctr"/>
+            <a:r>
+              <a:rPr lang="en-US" dirty="0" err="1"/>
+              <a:t>và</a:t>
+            </a:r>
+            <a:r>
+              <a:rPr lang="en-US" dirty="0"/>
+              <a:t> </a:t>
+            </a:r>
+            <a:r>
+              <a:rPr lang="en-US" dirty="0" err="1"/>
+              <a:t>đánh</a:t>
+            </a:r>
+            <a:r>
+              <a:rPr lang="en-US" dirty="0"/>
+              <a:t> </a:t>
+            </a:r>
+            <a:r>
+              <a:rPr lang="en-US" dirty="0" err="1"/>
+              <a:t>giá</a:t>
+            </a:r>
+            <a:endParaRPr lang="en-US" dirty="0"/>
+          </a:p>
+        </p:txBody>
+      </p:sp>
+      <p:pic>
+        <p:nvPicPr>
+          <p:cNvPr id="6" name="Picture 5">
+            <a:extLst>
+              <a:ext uri="{FF2B5EF4-FFF2-40B4-BE49-F238E27FC236}">
+                <a16:creationId xmlns:a16="http://schemas.microsoft.com/office/drawing/2014/main" id="{28268963-82D2-5242-8717-012D0072CE0D}"/>
+              </a:ext>
+            </a:extLst>
+          </p:cNvPr>
+          <p:cNvPicPr>
+            <a:picLocks noChangeAspect="1"/>
+          </p:cNvPicPr>
+          <p:nvPr/>
+        </p:nvPicPr>
+        <p:blipFill>
+          <a:blip r:embed="rId2">
+            <a:extLst>
+              <a:ext uri="{28A0092B-C50C-407E-A947-70E740481C1C}">
+                <a14:useLocalDpi xmlns:a14="http://schemas.microsoft.com/office/drawing/2010/main" val="0"/>
+              </a:ext>
+            </a:extLst>
+          </a:blip>
+          <a:stretch>
+            <a:fillRect/>
+          </a:stretch>
+        </p:blipFill>
+        <p:spPr>
+          <a:xfrm>
+            <a:off x="628650" y="1238248"/>
+            <a:ext cx="5275341" cy="5431648"/>
+          </a:xfrm>
+          <a:prstGeom prst="rect">
+            <a:avLst/>
+          </a:prstGeom>
+        </p:spPr>
+      </p:pic>
+    </p:spTree>
+    <p:extLst>
+      <p:ext uri="{BB962C8B-B14F-4D97-AF65-F5344CB8AC3E}">
+        <p14:creationId xmlns:p14="http://schemas.microsoft.com/office/powerpoint/2010/main" val="2196779388"/>
+      </p:ext>
+    </p:extLst>
+  </p:cSld>
+  <p:clrMapOvr>
+    <a:masterClrMapping/>
+  </p:clrMapOvr>
+</p:sld>
+</file>
+
+<file path=ppt/slides/slide25.xml><?xml version="1.0" encoding="utf-8"?>
+<p:sld xmlns:a="http://schemas.openxmlformats.org/drawingml/2006/main" xmlns:r="http://schemas.openxmlformats.org/officeDocument/2006/relationships" xmlns:p="http://schemas.openxmlformats.org/presentationml/2006/main">
+  <p:cSld>
+    <p:spTree>
+      <p:nvGrpSpPr>
+        <p:cNvPr id="1" name=""/>
+        <p:cNvGrpSpPr/>
+        <p:nvPr/>
+      </p:nvGrpSpPr>
+      <p:grpSpPr>
+        <a:xfrm>
+          <a:off x="0" y="0"/>
+          <a:ext cx="0" cy="0"/>
+          <a:chOff x="0" y="0"/>
+          <a:chExt cx="0" cy="0"/>
+        </a:xfrm>
+      </p:grpSpPr>
+      <p:sp>
+        <p:nvSpPr>
+          <p:cNvPr id="2" name="Title 1"/>
+          <p:cNvSpPr>
+            <a:spLocks noGrp="1"/>
+          </p:cNvSpPr>
+          <p:nvPr>
+            <p:ph type="title"/>
+          </p:nvPr>
+        </p:nvSpPr>
+        <p:spPr/>
+        <p:txBody>
+          <a:bodyPr/>
+          <a:lstStyle/>
+          <a:p>
+            <a:r>
+              <a:rPr lang="en-US" b="0" dirty="0">
+                <a:latin typeface="Arial" panose="020B0604020202020204" pitchFamily="34" charset="0"/>
+                <a:cs typeface="Arial" panose="020B0604020202020204" pitchFamily="34" charset="0"/>
+              </a:rPr>
+              <a:t>3.3. Prototype </a:t>
+            </a:r>
+            <a:r>
+              <a:rPr lang="en-US" b="0" dirty="0" err="1">
+                <a:latin typeface="Arial" panose="020B0604020202020204" pitchFamily="34" charset="0"/>
+                <a:cs typeface="Arial" panose="020B0604020202020204" pitchFamily="34" charset="0"/>
+              </a:rPr>
+              <a:t>giao</a:t>
+            </a:r>
+            <a:r>
+              <a:rPr lang="en-US" b="0" dirty="0">
+                <a:latin typeface="Arial" panose="020B0604020202020204" pitchFamily="34" charset="0"/>
+                <a:cs typeface="Arial" panose="020B0604020202020204" pitchFamily="34" charset="0"/>
+              </a:rPr>
+              <a:t> </a:t>
+            </a:r>
+            <a:r>
+              <a:rPr lang="en-US" b="0" dirty="0" err="1">
+                <a:latin typeface="Arial" panose="020B0604020202020204" pitchFamily="34" charset="0"/>
+                <a:cs typeface="Arial" panose="020B0604020202020204" pitchFamily="34" charset="0"/>
+              </a:rPr>
+              <a:t>diện</a:t>
+            </a:r>
+            <a:endParaRPr lang="en-US" b="0" dirty="0"/>
+          </a:p>
+        </p:txBody>
+      </p:sp>
+      <p:sp>
+        <p:nvSpPr>
+          <p:cNvPr id="4" name="Slide Number Placeholder 3">
+            <a:extLst>
+              <a:ext uri="{FF2B5EF4-FFF2-40B4-BE49-F238E27FC236}">
+                <a16:creationId xmlns:a16="http://schemas.microsoft.com/office/drawing/2014/main" id="{61741357-4979-AA47-BE22-C095653C830F}"/>
+              </a:ext>
+            </a:extLst>
+          </p:cNvPr>
+          <p:cNvSpPr>
+            <a:spLocks noGrp="1"/>
+          </p:cNvSpPr>
+          <p:nvPr>
+            <p:ph type="sldNum" sz="quarter" idx="12"/>
+          </p:nvPr>
+        </p:nvSpPr>
+        <p:spPr/>
+        <p:txBody>
+          <a:bodyPr/>
+          <a:lstStyle/>
+          <a:p>
+            <a:fld id="{A02EBBDA-6239-48A4-BF42-145536EAE284}" type="slidenum">
+              <a:rPr lang="en-US" smtClean="0"/>
+              <a:t>25</a:t>
+            </a:fld>
+            <a:endParaRPr lang="en-US"/>
+          </a:p>
+        </p:txBody>
+      </p:sp>
+      <p:sp>
+        <p:nvSpPr>
+          <p:cNvPr id="5" name="TextBox 4">
+            <a:extLst>
+              <a:ext uri="{FF2B5EF4-FFF2-40B4-BE49-F238E27FC236}">
+                <a16:creationId xmlns:a16="http://schemas.microsoft.com/office/drawing/2014/main" id="{D1593DDE-3147-824D-88BC-10135D2C16D4}"/>
+              </a:ext>
+            </a:extLst>
+          </p:cNvPr>
+          <p:cNvSpPr txBox="1"/>
+          <p:nvPr/>
+        </p:nvSpPr>
+        <p:spPr>
+          <a:xfrm>
+            <a:off x="6457950" y="3345935"/>
+            <a:ext cx="2168075" cy="369332"/>
+          </a:xfrm>
+          <a:prstGeom prst="rect">
+            <a:avLst/>
+          </a:prstGeom>
+          <a:noFill/>
+        </p:spPr>
+        <p:txBody>
+          <a:bodyPr wrap="square" rtlCol="0">
+            <a:spAutoFit/>
+          </a:bodyPr>
+          <a:lstStyle/>
+          <a:p>
+            <a:r>
+              <a:rPr lang="en-US" dirty="0" err="1"/>
+              <a:t>Giao</a:t>
+            </a:r>
+            <a:r>
+              <a:rPr lang="en-US" dirty="0"/>
+              <a:t> </a:t>
+            </a:r>
+            <a:r>
+              <a:rPr lang="en-US" dirty="0" err="1"/>
+              <a:t>diện</a:t>
+            </a:r>
+            <a:r>
+              <a:rPr lang="en-US" dirty="0"/>
+              <a:t> chi </a:t>
+            </a:r>
+            <a:r>
+              <a:rPr lang="en-US" dirty="0" err="1"/>
+              <a:t>tiết</a:t>
+            </a:r>
+            <a:r>
+              <a:rPr lang="en-US" dirty="0"/>
+              <a:t> </a:t>
+            </a:r>
+            <a:r>
+              <a:rPr lang="en-US" dirty="0" err="1"/>
+              <a:t>rạp</a:t>
+            </a:r>
+            <a:endParaRPr lang="en-US" dirty="0"/>
+          </a:p>
+        </p:txBody>
+      </p:sp>
+      <p:pic>
+        <p:nvPicPr>
+          <p:cNvPr id="7" name="Picture 6">
+            <a:extLst>
+              <a:ext uri="{FF2B5EF4-FFF2-40B4-BE49-F238E27FC236}">
+                <a16:creationId xmlns:a16="http://schemas.microsoft.com/office/drawing/2014/main" id="{BCAF5A65-0779-D845-BC57-5CDFC8CA061E}"/>
+              </a:ext>
+            </a:extLst>
+          </p:cNvPr>
+          <p:cNvPicPr>
+            <a:picLocks noChangeAspect="1"/>
+          </p:cNvPicPr>
+          <p:nvPr/>
+        </p:nvPicPr>
+        <p:blipFill>
+          <a:blip r:embed="rId2">
+            <a:extLst>
+              <a:ext uri="{28A0092B-C50C-407E-A947-70E740481C1C}">
+                <a14:useLocalDpi xmlns:a14="http://schemas.microsoft.com/office/drawing/2010/main" val="0"/>
+              </a:ext>
+            </a:extLst>
+          </a:blip>
+          <a:stretch>
+            <a:fillRect/>
+          </a:stretch>
+        </p:blipFill>
+        <p:spPr>
+          <a:xfrm>
+            <a:off x="558801" y="1238248"/>
+            <a:ext cx="5634526" cy="5483228"/>
+          </a:xfrm>
+          <a:prstGeom prst="rect">
+            <a:avLst/>
+          </a:prstGeom>
+        </p:spPr>
+      </p:pic>
+    </p:spTree>
+    <p:extLst>
+      <p:ext uri="{BB962C8B-B14F-4D97-AF65-F5344CB8AC3E}">
+        <p14:creationId xmlns:p14="http://schemas.microsoft.com/office/powerpoint/2010/main" val="2235254132"/>
+      </p:ext>
+    </p:extLst>
+  </p:cSld>
+  <p:clrMapOvr>
+    <a:masterClrMapping/>
+  </p:clrMapOvr>
+</p:sld>
+</file>
+
+<file path=ppt/slides/slide26.xml><?xml version="1.0" encoding="utf-8"?>
+<p:sld xmlns:a="http://schemas.openxmlformats.org/drawingml/2006/main" xmlns:r="http://schemas.openxmlformats.org/officeDocument/2006/relationships" xmlns:p="http://schemas.openxmlformats.org/presentationml/2006/main">
+  <p:cSld>
+    <p:spTree>
+      <p:nvGrpSpPr>
+        <p:cNvPr id="1" name=""/>
+        <p:cNvGrpSpPr/>
+        <p:nvPr/>
+      </p:nvGrpSpPr>
+      <p:grpSpPr>
+        <a:xfrm>
+          <a:off x="0" y="0"/>
+          <a:ext cx="0" cy="0"/>
+          <a:chOff x="0" y="0"/>
+          <a:chExt cx="0" cy="0"/>
+        </a:xfrm>
+      </p:grpSpPr>
+      <p:sp>
+        <p:nvSpPr>
+          <p:cNvPr id="2" name="Title 1"/>
+          <p:cNvSpPr>
+            <a:spLocks noGrp="1"/>
+          </p:cNvSpPr>
+          <p:nvPr>
+            <p:ph type="title"/>
+          </p:nvPr>
+        </p:nvSpPr>
+        <p:spPr/>
+        <p:txBody>
+          <a:bodyPr/>
+          <a:lstStyle/>
+          <a:p>
+            <a:r>
+              <a:rPr lang="en-US" b="0" dirty="0">
+                <a:latin typeface="Arial" panose="020B0604020202020204" pitchFamily="34" charset="0"/>
+                <a:cs typeface="Arial" panose="020B0604020202020204" pitchFamily="34" charset="0"/>
+              </a:rPr>
+              <a:t>3.3. Prototype </a:t>
+            </a:r>
+            <a:r>
+              <a:rPr lang="en-US" b="0" dirty="0" err="1">
+                <a:latin typeface="Arial" panose="020B0604020202020204" pitchFamily="34" charset="0"/>
+                <a:cs typeface="Arial" panose="020B0604020202020204" pitchFamily="34" charset="0"/>
+              </a:rPr>
+              <a:t>giao</a:t>
+            </a:r>
+            <a:r>
+              <a:rPr lang="en-US" b="0" dirty="0">
+                <a:latin typeface="Arial" panose="020B0604020202020204" pitchFamily="34" charset="0"/>
+                <a:cs typeface="Arial" panose="020B0604020202020204" pitchFamily="34" charset="0"/>
+              </a:rPr>
+              <a:t> </a:t>
+            </a:r>
+            <a:r>
+              <a:rPr lang="en-US" b="0" dirty="0" err="1">
+                <a:latin typeface="Arial" panose="020B0604020202020204" pitchFamily="34" charset="0"/>
+                <a:cs typeface="Arial" panose="020B0604020202020204" pitchFamily="34" charset="0"/>
+              </a:rPr>
+              <a:t>diện</a:t>
+            </a:r>
+            <a:endParaRPr lang="en-US" b="0" dirty="0"/>
+          </a:p>
+        </p:txBody>
+      </p:sp>
+      <p:sp>
+        <p:nvSpPr>
+          <p:cNvPr id="4" name="Slide Number Placeholder 3">
+            <a:extLst>
+              <a:ext uri="{FF2B5EF4-FFF2-40B4-BE49-F238E27FC236}">
+                <a16:creationId xmlns:a16="http://schemas.microsoft.com/office/drawing/2014/main" id="{61741357-4979-AA47-BE22-C095653C830F}"/>
+              </a:ext>
+            </a:extLst>
+          </p:cNvPr>
+          <p:cNvSpPr>
+            <a:spLocks noGrp="1"/>
+          </p:cNvSpPr>
+          <p:nvPr>
+            <p:ph type="sldNum" sz="quarter" idx="12"/>
+          </p:nvPr>
+        </p:nvSpPr>
+        <p:spPr/>
+        <p:txBody>
+          <a:bodyPr/>
+          <a:lstStyle/>
+          <a:p>
+            <a:fld id="{A02EBBDA-6239-48A4-BF42-145536EAE284}" type="slidenum">
+              <a:rPr lang="en-US" smtClean="0"/>
+              <a:t>26</a:t>
+            </a:fld>
+            <a:endParaRPr lang="en-US"/>
+          </a:p>
+        </p:txBody>
+      </p:sp>
+      <p:sp>
+        <p:nvSpPr>
+          <p:cNvPr id="5" name="TextBox 4">
+            <a:extLst>
+              <a:ext uri="{FF2B5EF4-FFF2-40B4-BE49-F238E27FC236}">
+                <a16:creationId xmlns:a16="http://schemas.microsoft.com/office/drawing/2014/main" id="{D1593DDE-3147-824D-88BC-10135D2C16D4}"/>
+              </a:ext>
+            </a:extLst>
+          </p:cNvPr>
+          <p:cNvSpPr txBox="1"/>
+          <p:nvPr/>
+        </p:nvSpPr>
+        <p:spPr>
+          <a:xfrm>
+            <a:off x="3008841" y="1236145"/>
+            <a:ext cx="3126316" cy="369332"/>
+          </a:xfrm>
+          <a:prstGeom prst="rect">
+            <a:avLst/>
+          </a:prstGeom>
+          <a:noFill/>
+        </p:spPr>
+        <p:txBody>
+          <a:bodyPr wrap="square" rtlCol="0">
+            <a:spAutoFit/>
+          </a:bodyPr>
+          <a:lstStyle/>
+          <a:p>
+            <a:pPr algn="ctr"/>
+            <a:r>
+              <a:rPr lang="en-US" dirty="0" err="1"/>
+              <a:t>Giao</a:t>
+            </a:r>
+            <a:r>
+              <a:rPr lang="en-US" dirty="0"/>
+              <a:t> </a:t>
+            </a:r>
+            <a:r>
+              <a:rPr lang="en-US" dirty="0" err="1"/>
+              <a:t>diện</a:t>
+            </a:r>
+            <a:r>
+              <a:rPr lang="en-US" dirty="0"/>
+              <a:t> Admin </a:t>
+            </a:r>
+            <a:r>
+              <a:rPr lang="en-US" dirty="0" err="1"/>
+              <a:t>thêm</a:t>
+            </a:r>
+            <a:r>
+              <a:rPr lang="en-US" dirty="0"/>
+              <a:t> </a:t>
+            </a:r>
+            <a:r>
+              <a:rPr lang="en-US" dirty="0" err="1"/>
+              <a:t>phim</a:t>
+            </a:r>
+            <a:endParaRPr lang="en-US" dirty="0"/>
+          </a:p>
+        </p:txBody>
+      </p:sp>
+      <p:pic>
+        <p:nvPicPr>
+          <p:cNvPr id="6" name="Picture 5">
+            <a:extLst>
+              <a:ext uri="{FF2B5EF4-FFF2-40B4-BE49-F238E27FC236}">
+                <a16:creationId xmlns:a16="http://schemas.microsoft.com/office/drawing/2014/main" id="{EBBCAD25-7854-3D48-869B-670DE8E85F31}"/>
+              </a:ext>
+            </a:extLst>
+          </p:cNvPr>
+          <p:cNvPicPr>
+            <a:picLocks noChangeAspect="1"/>
+          </p:cNvPicPr>
+          <p:nvPr/>
+        </p:nvPicPr>
+        <p:blipFill>
+          <a:blip r:embed="rId2">
+            <a:extLst>
+              <a:ext uri="{28A0092B-C50C-407E-A947-70E740481C1C}">
+                <a14:useLocalDpi xmlns:a14="http://schemas.microsoft.com/office/drawing/2010/main" val="0"/>
+              </a:ext>
+            </a:extLst>
+          </a:blip>
+          <a:stretch>
+            <a:fillRect/>
+          </a:stretch>
+        </p:blipFill>
+        <p:spPr>
+          <a:xfrm>
+            <a:off x="986366" y="1701668"/>
+            <a:ext cx="7171267" cy="4654683"/>
+          </a:xfrm>
+          <a:prstGeom prst="rect">
+            <a:avLst/>
+          </a:prstGeom>
+        </p:spPr>
+      </p:pic>
+    </p:spTree>
+    <p:extLst>
+      <p:ext uri="{BB962C8B-B14F-4D97-AF65-F5344CB8AC3E}">
+        <p14:creationId xmlns:p14="http://schemas.microsoft.com/office/powerpoint/2010/main" val="2928301091"/>
+      </p:ext>
+    </p:extLst>
+  </p:cSld>
+  <p:clrMapOvr>
+    <a:masterClrMapping/>
+  </p:clrMapOvr>
+</p:sld>
+</file>
+
+<file path=ppt/slides/slide27.xml><?xml version="1.0" encoding="utf-8"?>
+<p:sld xmlns:a="http://schemas.openxmlformats.org/drawingml/2006/main" xmlns:r="http://schemas.openxmlformats.org/officeDocument/2006/relationships" xmlns:p="http://schemas.openxmlformats.org/presentationml/2006/main">
+  <p:cSld>
+    <p:spTree>
+      <p:nvGrpSpPr>
+        <p:cNvPr id="1" name=""/>
+        <p:cNvGrpSpPr/>
+        <p:nvPr/>
+      </p:nvGrpSpPr>
+      <p:grpSpPr>
+        <a:xfrm>
+          <a:off x="0" y="0"/>
+          <a:ext cx="0" cy="0"/>
+          <a:chOff x="0" y="0"/>
+          <a:chExt cx="0" cy="0"/>
+        </a:xfrm>
+      </p:grpSpPr>
+      <p:sp>
+        <p:nvSpPr>
+          <p:cNvPr id="2" name="Title 1"/>
+          <p:cNvSpPr>
+            <a:spLocks noGrp="1"/>
+          </p:cNvSpPr>
+          <p:nvPr>
+            <p:ph type="title"/>
+          </p:nvPr>
+        </p:nvSpPr>
+        <p:spPr/>
+        <p:txBody>
+          <a:bodyPr/>
+          <a:lstStyle/>
+          <a:p>
+            <a:r>
+              <a:rPr lang="en-US" dirty="0" err="1"/>
+              <a:t>Mục</a:t>
+            </a:r>
+            <a:r>
+              <a:rPr lang="en-US" dirty="0"/>
+              <a:t> </a:t>
+            </a:r>
+            <a:r>
+              <a:rPr lang="en-US" dirty="0" err="1"/>
+              <a:t>lục</a:t>
+            </a:r>
+            <a:endParaRPr lang="en-US" dirty="0"/>
+          </a:p>
+        </p:txBody>
+      </p:sp>
+      <p:sp>
+        <p:nvSpPr>
+          <p:cNvPr id="3" name="Content Placeholder 2"/>
+          <p:cNvSpPr>
+            <a:spLocks noGrp="1"/>
+          </p:cNvSpPr>
+          <p:nvPr>
+            <p:ph idx="1"/>
+          </p:nvPr>
+        </p:nvSpPr>
+        <p:spPr>
+          <a:xfrm>
+            <a:off x="488950" y="1955802"/>
+            <a:ext cx="8026400" cy="4548030"/>
+          </a:xfrm>
+        </p:spPr>
+        <p:txBody>
+          <a:bodyPr/>
+          <a:lstStyle/>
+          <a:p>
+            <a:pPr marL="0" indent="0">
+              <a:spcBef>
+                <a:spcPts val="1200"/>
+              </a:spcBef>
+              <a:spcAft>
+                <a:spcPts val="1200"/>
+              </a:spcAft>
+              <a:buNone/>
+            </a:pPr>
+            <a:r>
+              <a:rPr lang="en-US" dirty="0">
+                <a:latin typeface="Arial" panose="020B0604020202020204" pitchFamily="34" charset="0"/>
+                <a:cs typeface="Arial" panose="020B0604020202020204" pitchFamily="34" charset="0"/>
+              </a:rPr>
+              <a:t>1. </a:t>
+            </a:r>
+            <a:r>
+              <a:rPr lang="en-US" dirty="0" err="1">
+                <a:latin typeface="Arial" panose="020B0604020202020204" pitchFamily="34" charset="0"/>
+                <a:cs typeface="Arial" panose="020B0604020202020204" pitchFamily="34" charset="0"/>
+              </a:rPr>
+              <a:t>Tổng</a:t>
+            </a:r>
+            <a:r>
+              <a:rPr lang="en-US" dirty="0">
+                <a:latin typeface="Arial" panose="020B0604020202020204" pitchFamily="34" charset="0"/>
+                <a:cs typeface="Arial" panose="020B0604020202020204" pitchFamily="34" charset="0"/>
+              </a:rPr>
+              <a:t> </a:t>
+            </a:r>
+            <a:r>
+              <a:rPr lang="en-US" dirty="0" err="1">
+                <a:latin typeface="Arial" panose="020B0604020202020204" pitchFamily="34" charset="0"/>
+                <a:cs typeface="Arial" panose="020B0604020202020204" pitchFamily="34" charset="0"/>
+              </a:rPr>
+              <a:t>quan</a:t>
+            </a:r>
+            <a:r>
+              <a:rPr lang="en-US" dirty="0">
+                <a:latin typeface="Arial" panose="020B0604020202020204" pitchFamily="34" charset="0"/>
+                <a:cs typeface="Arial" panose="020B0604020202020204" pitchFamily="34" charset="0"/>
+              </a:rPr>
+              <a:t> </a:t>
+            </a:r>
+            <a:r>
+              <a:rPr lang="en-US" dirty="0" err="1">
+                <a:latin typeface="Arial" panose="020B0604020202020204" pitchFamily="34" charset="0"/>
+                <a:cs typeface="Arial" panose="020B0604020202020204" pitchFamily="34" charset="0"/>
+              </a:rPr>
+              <a:t>đề</a:t>
+            </a:r>
+            <a:r>
+              <a:rPr lang="en-US" dirty="0">
+                <a:latin typeface="Arial" panose="020B0604020202020204" pitchFamily="34" charset="0"/>
+                <a:cs typeface="Arial" panose="020B0604020202020204" pitchFamily="34" charset="0"/>
+              </a:rPr>
+              <a:t> </a:t>
+            </a:r>
+            <a:r>
+              <a:rPr lang="en-US" dirty="0" err="1">
+                <a:latin typeface="Arial" panose="020B0604020202020204" pitchFamily="34" charset="0"/>
+                <a:cs typeface="Arial" panose="020B0604020202020204" pitchFamily="34" charset="0"/>
+              </a:rPr>
+              <a:t>tài</a:t>
+            </a:r>
+            <a:endParaRPr lang="en-US" dirty="0">
+              <a:latin typeface="Arial" panose="020B0604020202020204" pitchFamily="34" charset="0"/>
+              <a:cs typeface="Arial" panose="020B0604020202020204" pitchFamily="34" charset="0"/>
+            </a:endParaRPr>
+          </a:p>
+          <a:p>
+            <a:pPr marL="0" indent="0">
+              <a:spcBef>
+                <a:spcPts val="1200"/>
+              </a:spcBef>
+              <a:spcAft>
+                <a:spcPts val="1200"/>
+              </a:spcAft>
+              <a:buNone/>
+            </a:pPr>
+            <a:r>
+              <a:rPr lang="en-US" dirty="0">
+                <a:latin typeface="Arial" panose="020B0604020202020204" pitchFamily="34" charset="0"/>
+                <a:cs typeface="Arial" panose="020B0604020202020204" pitchFamily="34" charset="0"/>
+              </a:rPr>
+              <a:t>2. </a:t>
+            </a:r>
+            <a:r>
+              <a:rPr lang="en-US" dirty="0" err="1">
+                <a:latin typeface="Arial" panose="020B0604020202020204" pitchFamily="34" charset="0"/>
+                <a:cs typeface="Arial" panose="020B0604020202020204" pitchFamily="34" charset="0"/>
+              </a:rPr>
+              <a:t>Phân</a:t>
+            </a:r>
+            <a:r>
+              <a:rPr lang="en-US" dirty="0">
+                <a:latin typeface="Arial" panose="020B0604020202020204" pitchFamily="34" charset="0"/>
+                <a:cs typeface="Arial" panose="020B0604020202020204" pitchFamily="34" charset="0"/>
+              </a:rPr>
+              <a:t> </a:t>
+            </a:r>
+            <a:r>
+              <a:rPr lang="en-US" dirty="0" err="1">
+                <a:latin typeface="Arial" panose="020B0604020202020204" pitchFamily="34" charset="0"/>
+                <a:cs typeface="Arial" panose="020B0604020202020204" pitchFamily="34" charset="0"/>
+              </a:rPr>
+              <a:t>tích</a:t>
+            </a:r>
+            <a:r>
+              <a:rPr lang="en-US" dirty="0">
+                <a:latin typeface="Arial" panose="020B0604020202020204" pitchFamily="34" charset="0"/>
+                <a:cs typeface="Arial" panose="020B0604020202020204" pitchFamily="34" charset="0"/>
+              </a:rPr>
+              <a:t> </a:t>
+            </a:r>
+            <a:r>
+              <a:rPr lang="en-US" dirty="0" err="1">
+                <a:latin typeface="Arial" panose="020B0604020202020204" pitchFamily="34" charset="0"/>
+                <a:cs typeface="Arial" panose="020B0604020202020204" pitchFamily="34" charset="0"/>
+              </a:rPr>
+              <a:t>yêu</a:t>
+            </a:r>
+            <a:r>
+              <a:rPr lang="en-US" dirty="0">
+                <a:latin typeface="Arial" panose="020B0604020202020204" pitchFamily="34" charset="0"/>
+                <a:cs typeface="Arial" panose="020B0604020202020204" pitchFamily="34" charset="0"/>
+              </a:rPr>
+              <a:t> </a:t>
+            </a:r>
+            <a:r>
+              <a:rPr lang="en-US" dirty="0" err="1">
+                <a:latin typeface="Arial" panose="020B0604020202020204" pitchFamily="34" charset="0"/>
+                <a:cs typeface="Arial" panose="020B0604020202020204" pitchFamily="34" charset="0"/>
+              </a:rPr>
+              <a:t>cầu</a:t>
+            </a:r>
+            <a:endParaRPr lang="en-US" dirty="0">
+              <a:latin typeface="Arial" panose="020B0604020202020204" pitchFamily="34" charset="0"/>
+              <a:cs typeface="Arial" panose="020B0604020202020204" pitchFamily="34" charset="0"/>
+            </a:endParaRPr>
+          </a:p>
+          <a:p>
+            <a:pPr marL="0" indent="0">
+              <a:spcBef>
+                <a:spcPts val="1200"/>
+              </a:spcBef>
+              <a:spcAft>
+                <a:spcPts val="1200"/>
+              </a:spcAft>
+              <a:buNone/>
+            </a:pPr>
+            <a:r>
+              <a:rPr lang="en-US" dirty="0">
+                <a:latin typeface="Arial" panose="020B0604020202020204" pitchFamily="34" charset="0"/>
+                <a:cs typeface="Arial" panose="020B0604020202020204" pitchFamily="34" charset="0"/>
+              </a:rPr>
+              <a:t>3. </a:t>
+            </a:r>
+            <a:r>
+              <a:rPr lang="en-US" dirty="0" err="1">
+                <a:latin typeface="Arial" panose="020B0604020202020204" pitchFamily="34" charset="0"/>
+                <a:cs typeface="Arial" panose="020B0604020202020204" pitchFamily="34" charset="0"/>
+              </a:rPr>
+              <a:t>Thiết</a:t>
+            </a:r>
+            <a:r>
+              <a:rPr lang="en-US" dirty="0">
+                <a:latin typeface="Arial" panose="020B0604020202020204" pitchFamily="34" charset="0"/>
+                <a:cs typeface="Arial" panose="020B0604020202020204" pitchFamily="34" charset="0"/>
+              </a:rPr>
+              <a:t> </a:t>
+            </a:r>
+            <a:r>
+              <a:rPr lang="en-US" dirty="0" err="1">
+                <a:latin typeface="Arial" panose="020B0604020202020204" pitchFamily="34" charset="0"/>
+                <a:cs typeface="Arial" panose="020B0604020202020204" pitchFamily="34" charset="0"/>
+              </a:rPr>
+              <a:t>kế</a:t>
+            </a:r>
+            <a:r>
+              <a:rPr lang="en-US" dirty="0">
+                <a:latin typeface="Arial" panose="020B0604020202020204" pitchFamily="34" charset="0"/>
+                <a:cs typeface="Arial" panose="020B0604020202020204" pitchFamily="34" charset="0"/>
+              </a:rPr>
+              <a:t> </a:t>
+            </a:r>
+            <a:r>
+              <a:rPr lang="en-US" dirty="0" err="1">
+                <a:latin typeface="Arial" panose="020B0604020202020204" pitchFamily="34" charset="0"/>
+                <a:cs typeface="Arial" panose="020B0604020202020204" pitchFamily="34" charset="0"/>
+              </a:rPr>
+              <a:t>hệ</a:t>
+            </a:r>
+            <a:r>
+              <a:rPr lang="en-US" dirty="0">
+                <a:latin typeface="Arial" panose="020B0604020202020204" pitchFamily="34" charset="0"/>
+                <a:cs typeface="Arial" panose="020B0604020202020204" pitchFamily="34" charset="0"/>
+              </a:rPr>
+              <a:t> </a:t>
+            </a:r>
+            <a:r>
+              <a:rPr lang="en-US" dirty="0" err="1">
+                <a:latin typeface="Arial" panose="020B0604020202020204" pitchFamily="34" charset="0"/>
+                <a:cs typeface="Arial" panose="020B0604020202020204" pitchFamily="34" charset="0"/>
+              </a:rPr>
+              <a:t>thống</a:t>
+            </a:r>
+            <a:endParaRPr lang="en-US" dirty="0">
+              <a:latin typeface="Arial" panose="020B0604020202020204" pitchFamily="34" charset="0"/>
+              <a:cs typeface="Arial" panose="020B0604020202020204" pitchFamily="34" charset="0"/>
+            </a:endParaRPr>
+          </a:p>
+          <a:p>
+            <a:pPr marL="0" indent="0">
+              <a:spcBef>
+                <a:spcPts val="1200"/>
+              </a:spcBef>
+              <a:spcAft>
+                <a:spcPts val="1200"/>
+              </a:spcAft>
+              <a:buNone/>
+            </a:pPr>
+            <a:r>
+              <a:rPr lang="en-US" b="1" dirty="0">
+                <a:latin typeface="Arial" panose="020B0604020202020204" pitchFamily="34" charset="0"/>
+                <a:cs typeface="Arial" panose="020B0604020202020204" pitchFamily="34" charset="0"/>
+              </a:rPr>
+              <a:t>4. </a:t>
+            </a:r>
+            <a:r>
+              <a:rPr lang="en-US" b="1" dirty="0" err="1">
+                <a:latin typeface="Arial" panose="020B0604020202020204" pitchFamily="34" charset="0"/>
+                <a:cs typeface="Arial" panose="020B0604020202020204" pitchFamily="34" charset="0"/>
+              </a:rPr>
+              <a:t>Tổng</a:t>
+            </a:r>
+            <a:r>
+              <a:rPr lang="en-US" b="1" dirty="0">
+                <a:latin typeface="Arial" panose="020B0604020202020204" pitchFamily="34" charset="0"/>
+                <a:cs typeface="Arial" panose="020B0604020202020204" pitchFamily="34" charset="0"/>
+              </a:rPr>
+              <a:t> </a:t>
+            </a:r>
+            <a:r>
+              <a:rPr lang="en-US" b="1" dirty="0" err="1">
+                <a:latin typeface="Arial" panose="020B0604020202020204" pitchFamily="34" charset="0"/>
+                <a:cs typeface="Arial" panose="020B0604020202020204" pitchFamily="34" charset="0"/>
+              </a:rPr>
+              <a:t>kết</a:t>
+            </a:r>
+            <a:r>
+              <a:rPr lang="en-US" b="1" dirty="0">
+                <a:latin typeface="Arial" panose="020B0604020202020204" pitchFamily="34" charset="0"/>
+                <a:cs typeface="Arial" panose="020B0604020202020204" pitchFamily="34" charset="0"/>
+              </a:rPr>
+              <a:t>  </a:t>
+            </a:r>
+          </a:p>
+        </p:txBody>
+      </p:sp>
+      <p:sp>
+        <p:nvSpPr>
+          <p:cNvPr id="4" name="Slide Number Placeholder 3">
+            <a:extLst>
+              <a:ext uri="{FF2B5EF4-FFF2-40B4-BE49-F238E27FC236}">
+                <a16:creationId xmlns:a16="http://schemas.microsoft.com/office/drawing/2014/main" id="{166D67BD-3139-5549-B067-B437D799E23B}"/>
+              </a:ext>
+            </a:extLst>
+          </p:cNvPr>
+          <p:cNvSpPr>
+            <a:spLocks noGrp="1"/>
+          </p:cNvSpPr>
+          <p:nvPr>
+            <p:ph type="sldNum" sz="quarter" idx="12"/>
+          </p:nvPr>
+        </p:nvSpPr>
+        <p:spPr/>
+        <p:txBody>
+          <a:bodyPr/>
+          <a:lstStyle/>
+          <a:p>
+            <a:fld id="{A02EBBDA-6239-48A4-BF42-145536EAE284}" type="slidenum">
+              <a:rPr lang="en-US" smtClean="0"/>
+              <a:t>27</a:t>
+            </a:fld>
+            <a:endParaRPr lang="en-US"/>
+          </a:p>
+        </p:txBody>
+      </p:sp>
+    </p:spTree>
+    <p:extLst>
+      <p:ext uri="{BB962C8B-B14F-4D97-AF65-F5344CB8AC3E}">
+        <p14:creationId xmlns:p14="http://schemas.microsoft.com/office/powerpoint/2010/main" val="1199280706"/>
+      </p:ext>
+    </p:extLst>
+  </p:cSld>
+  <p:clrMapOvr>
+    <a:masterClrMapping/>
+  </p:clrMapOvr>
+</p:sld>
+</file>
+
+<file path=ppt/slides/slide28.xml><?xml version="1.0" encoding="utf-8"?>
+<p:sld xmlns:a="http://schemas.openxmlformats.org/drawingml/2006/main" xmlns:r="http://schemas.openxmlformats.org/officeDocument/2006/relationships" xmlns:p="http://schemas.openxmlformats.org/presentationml/2006/main">
+  <p:cSld>
+    <p:spTree>
+      <p:nvGrpSpPr>
+        <p:cNvPr id="1" name=""/>
+        <p:cNvGrpSpPr/>
+        <p:nvPr/>
+      </p:nvGrpSpPr>
+      <p:grpSpPr>
+        <a:xfrm>
+          <a:off x="0" y="0"/>
+          <a:ext cx="0" cy="0"/>
+          <a:chOff x="0" y="0"/>
+          <a:chExt cx="0" cy="0"/>
+        </a:xfrm>
+      </p:grpSpPr>
+      <p:sp>
+        <p:nvSpPr>
+          <p:cNvPr id="2" name="Title 1"/>
+          <p:cNvSpPr>
+            <a:spLocks noGrp="1"/>
+          </p:cNvSpPr>
+          <p:nvPr>
+            <p:ph type="title"/>
+          </p:nvPr>
+        </p:nvSpPr>
+        <p:spPr/>
+        <p:txBody>
+          <a:bodyPr/>
+          <a:lstStyle/>
+          <a:p>
+            <a:r>
+              <a:rPr lang="en-US" dirty="0"/>
+              <a:t>4. </a:t>
+            </a:r>
+            <a:r>
+              <a:rPr lang="en-US" dirty="0" err="1"/>
+              <a:t>Tổng</a:t>
+            </a:r>
+            <a:r>
+              <a:rPr lang="en-US" dirty="0"/>
+              <a:t> </a:t>
+            </a:r>
+            <a:r>
+              <a:rPr lang="en-US" dirty="0" err="1"/>
+              <a:t>kết</a:t>
+            </a:r>
+            <a:endParaRPr lang="en-US" dirty="0"/>
+          </a:p>
+        </p:txBody>
+      </p:sp>
+      <p:sp>
+        <p:nvSpPr>
+          <p:cNvPr id="3" name="Content Placeholder 2"/>
+          <p:cNvSpPr>
+            <a:spLocks noGrp="1"/>
+          </p:cNvSpPr>
+          <p:nvPr>
+            <p:ph idx="1"/>
+          </p:nvPr>
+        </p:nvSpPr>
+        <p:spPr/>
+        <p:txBody>
+          <a:bodyPr/>
+          <a:lstStyle/>
+          <a:p>
+            <a:pPr marL="0" indent="0">
+              <a:buNone/>
+            </a:pPr>
+            <a:r>
+              <a:rPr lang="en-US" b="1" dirty="0">
+                <a:sym typeface="Wingdings" pitchFamily="2" charset="2"/>
+              </a:rPr>
+              <a:t>* </a:t>
+            </a:r>
+            <a:r>
+              <a:rPr lang="en-US" b="1" dirty="0" err="1">
+                <a:sym typeface="Wingdings" pitchFamily="2" charset="2"/>
+              </a:rPr>
+              <a:t>Kết</a:t>
+            </a:r>
+            <a:r>
+              <a:rPr lang="en-US" b="1" dirty="0">
+                <a:sym typeface="Wingdings" pitchFamily="2" charset="2"/>
+              </a:rPr>
+              <a:t> </a:t>
+            </a:r>
+            <a:r>
+              <a:rPr lang="en-US" b="1" dirty="0" err="1">
+                <a:sym typeface="Wingdings" pitchFamily="2" charset="2"/>
+              </a:rPr>
+              <a:t>quả</a:t>
+            </a:r>
+            <a:r>
+              <a:rPr lang="en-US" b="1" dirty="0">
+                <a:sym typeface="Wingdings" pitchFamily="2" charset="2"/>
+              </a:rPr>
+              <a:t> </a:t>
+            </a:r>
+            <a:r>
+              <a:rPr lang="en-US" b="1" dirty="0" err="1">
+                <a:sym typeface="Wingdings" pitchFamily="2" charset="2"/>
+              </a:rPr>
+              <a:t>đạt</a:t>
+            </a:r>
+            <a:r>
+              <a:rPr lang="en-US" b="1" dirty="0">
+                <a:sym typeface="Wingdings" pitchFamily="2" charset="2"/>
+              </a:rPr>
+              <a:t> </a:t>
+            </a:r>
+            <a:r>
+              <a:rPr lang="en-US" b="1" dirty="0" err="1">
+                <a:sym typeface="Wingdings" pitchFamily="2" charset="2"/>
+              </a:rPr>
+              <a:t>được</a:t>
+            </a:r>
+            <a:r>
+              <a:rPr lang="en-US" b="1" dirty="0">
+                <a:sym typeface="Wingdings" pitchFamily="2" charset="2"/>
+              </a:rPr>
+              <a:t>:</a:t>
+            </a:r>
+            <a:endParaRPr lang="en-US" dirty="0">
+              <a:sym typeface="Wingdings" pitchFamily="2" charset="2"/>
+            </a:endParaRPr>
+          </a:p>
+          <a:p>
+            <a:pPr lvl="1"/>
+            <a:r>
+              <a:rPr lang="en-US" dirty="0" err="1"/>
+              <a:t>Phân</a:t>
+            </a:r>
+            <a:r>
+              <a:rPr lang="en-US" dirty="0"/>
+              <a:t> </a:t>
+            </a:r>
+            <a:r>
+              <a:rPr lang="en-US" dirty="0" err="1"/>
+              <a:t>tích</a:t>
+            </a:r>
+            <a:r>
+              <a:rPr lang="en-US" dirty="0"/>
+              <a:t> </a:t>
+            </a:r>
+            <a:r>
+              <a:rPr lang="en-US" dirty="0" err="1"/>
+              <a:t>thiết</a:t>
+            </a:r>
+            <a:r>
+              <a:rPr lang="en-US" dirty="0"/>
+              <a:t> </a:t>
+            </a:r>
+            <a:r>
+              <a:rPr lang="en-US" dirty="0" err="1"/>
+              <a:t>kế</a:t>
+            </a:r>
+            <a:r>
+              <a:rPr lang="en-US" dirty="0"/>
+              <a:t> </a:t>
+            </a:r>
+            <a:r>
+              <a:rPr lang="en-US" dirty="0" err="1"/>
+              <a:t>được</a:t>
+            </a:r>
+            <a:r>
+              <a:rPr lang="en-US" dirty="0"/>
+              <a:t> </a:t>
+            </a:r>
+            <a:r>
+              <a:rPr lang="en-US" dirty="0" err="1"/>
+              <a:t>các</a:t>
+            </a:r>
+            <a:r>
+              <a:rPr lang="en-US" dirty="0"/>
+              <a:t> </a:t>
+            </a:r>
+            <a:r>
+              <a:rPr lang="en-US" dirty="0" err="1"/>
+              <a:t>chức</a:t>
+            </a:r>
+            <a:r>
+              <a:rPr lang="en-US" dirty="0"/>
+              <a:t> </a:t>
+            </a:r>
+            <a:r>
+              <a:rPr lang="en-US" dirty="0" err="1"/>
+              <a:t>năng</a:t>
+            </a:r>
+            <a:r>
+              <a:rPr lang="en-US" dirty="0"/>
+              <a:t> </a:t>
+            </a:r>
+            <a:r>
+              <a:rPr lang="en-US" dirty="0" err="1"/>
+              <a:t>chính</a:t>
+            </a:r>
+            <a:r>
+              <a:rPr lang="en-US" dirty="0"/>
+              <a:t> </a:t>
+            </a:r>
+            <a:r>
+              <a:rPr lang="en-US" dirty="0" err="1"/>
+              <a:t>của</a:t>
+            </a:r>
+            <a:r>
+              <a:rPr lang="en-US" dirty="0"/>
+              <a:t> </a:t>
+            </a:r>
+            <a:r>
+              <a:rPr lang="en-US" dirty="0" err="1"/>
+              <a:t>hệ</a:t>
+            </a:r>
+            <a:r>
+              <a:rPr lang="en-US" dirty="0"/>
+              <a:t> </a:t>
+            </a:r>
+            <a:r>
+              <a:rPr lang="en-US" dirty="0" err="1"/>
+              <a:t>thống</a:t>
+            </a:r>
+            <a:endParaRPr lang="en-US" dirty="0"/>
+          </a:p>
+          <a:p>
+            <a:pPr lvl="1"/>
+            <a:r>
+              <a:rPr lang="en-US" dirty="0" err="1"/>
+              <a:t>Hiểu</a:t>
+            </a:r>
+            <a:r>
+              <a:rPr lang="en-US" dirty="0"/>
+              <a:t> </a:t>
+            </a:r>
+            <a:r>
+              <a:rPr lang="en-US" dirty="0" err="1"/>
+              <a:t>được</a:t>
+            </a:r>
+            <a:r>
+              <a:rPr lang="en-US" dirty="0"/>
+              <a:t> </a:t>
+            </a:r>
+            <a:r>
+              <a:rPr lang="en-US" dirty="0" err="1"/>
+              <a:t>các</a:t>
+            </a:r>
+            <a:r>
+              <a:rPr lang="en-US" dirty="0"/>
+              <a:t> </a:t>
+            </a:r>
+            <a:r>
+              <a:rPr lang="en-US" dirty="0" err="1"/>
+              <a:t>bước</a:t>
+            </a:r>
+            <a:r>
+              <a:rPr lang="en-US" dirty="0"/>
+              <a:t>, </a:t>
+            </a:r>
+            <a:r>
+              <a:rPr lang="en-US" dirty="0" err="1"/>
+              <a:t>quy</a:t>
+            </a:r>
+            <a:r>
+              <a:rPr lang="en-US" dirty="0"/>
+              <a:t> </a:t>
+            </a:r>
+            <a:r>
+              <a:rPr lang="en-US" dirty="0" err="1"/>
+              <a:t>trình</a:t>
+            </a:r>
+            <a:r>
+              <a:rPr lang="en-US" dirty="0"/>
+              <a:t>, </a:t>
+            </a:r>
+            <a:r>
+              <a:rPr lang="en-US" dirty="0" err="1"/>
+              <a:t>đặc</a:t>
+            </a:r>
+            <a:r>
+              <a:rPr lang="en-US" dirty="0"/>
+              <a:t> </a:t>
+            </a:r>
+            <a:r>
+              <a:rPr lang="en-US" dirty="0" err="1"/>
+              <a:t>điểm</a:t>
+            </a:r>
+            <a:r>
+              <a:rPr lang="en-US" dirty="0"/>
+              <a:t> </a:t>
+            </a:r>
+            <a:r>
+              <a:rPr lang="en-US" dirty="0" err="1"/>
+              <a:t>khi</a:t>
+            </a:r>
+            <a:r>
+              <a:rPr lang="en-US" dirty="0"/>
+              <a:t> </a:t>
+            </a:r>
+            <a:r>
+              <a:rPr lang="en-US" dirty="0" err="1"/>
+              <a:t>phân</a:t>
+            </a:r>
+            <a:r>
+              <a:rPr lang="en-US" dirty="0"/>
+              <a:t> </a:t>
+            </a:r>
+            <a:r>
+              <a:rPr lang="en-US" dirty="0" err="1"/>
+              <a:t>tích</a:t>
+            </a:r>
+            <a:r>
+              <a:rPr lang="en-US" dirty="0"/>
+              <a:t> </a:t>
+            </a:r>
+            <a:r>
+              <a:rPr lang="en-US" dirty="0" err="1"/>
+              <a:t>thiết</a:t>
+            </a:r>
+            <a:r>
+              <a:rPr lang="en-US" dirty="0"/>
+              <a:t> </a:t>
+            </a:r>
+            <a:r>
+              <a:rPr lang="en-US" dirty="0" err="1"/>
+              <a:t>kế</a:t>
+            </a:r>
+            <a:r>
+              <a:rPr lang="en-US" dirty="0"/>
+              <a:t> </a:t>
+            </a:r>
+            <a:r>
+              <a:rPr lang="en-US" dirty="0" err="1"/>
+              <a:t>hệ</a:t>
+            </a:r>
+            <a:r>
+              <a:rPr lang="en-US" dirty="0"/>
+              <a:t> </a:t>
+            </a:r>
+            <a:r>
+              <a:rPr lang="en-US" dirty="0" err="1"/>
+              <a:t>thống</a:t>
+            </a:r>
+            <a:endParaRPr lang="en-US" dirty="0"/>
+          </a:p>
+          <a:p>
+            <a:pPr lvl="1"/>
+            <a:r>
+              <a:rPr lang="en-US" dirty="0" err="1"/>
+              <a:t>Hiểu</a:t>
+            </a:r>
+            <a:r>
+              <a:rPr lang="en-US" dirty="0"/>
+              <a:t> </a:t>
+            </a:r>
+            <a:r>
+              <a:rPr lang="en-US" dirty="0" err="1"/>
+              <a:t>được</a:t>
+            </a:r>
+            <a:r>
+              <a:rPr lang="en-US" dirty="0"/>
+              <a:t> </a:t>
+            </a:r>
+            <a:r>
+              <a:rPr lang="en-US" dirty="0" err="1"/>
+              <a:t>chức</a:t>
+            </a:r>
+            <a:r>
+              <a:rPr lang="en-US" dirty="0"/>
+              <a:t> </a:t>
+            </a:r>
+            <a:r>
+              <a:rPr lang="en-US" dirty="0" err="1"/>
+              <a:t>năng</a:t>
+            </a:r>
+            <a:r>
+              <a:rPr lang="en-US" dirty="0"/>
+              <a:t> </a:t>
+            </a:r>
+            <a:r>
+              <a:rPr lang="en-US" dirty="0" err="1"/>
+              <a:t>của</a:t>
+            </a:r>
+            <a:r>
+              <a:rPr lang="en-US" dirty="0"/>
+              <a:t> </a:t>
+            </a:r>
+            <a:r>
+              <a:rPr lang="en-US" dirty="0" err="1"/>
+              <a:t>các</a:t>
+            </a:r>
+            <a:r>
+              <a:rPr lang="en-US" dirty="0"/>
+              <a:t> </a:t>
+            </a:r>
+            <a:r>
+              <a:rPr lang="en-US" dirty="0" err="1"/>
+              <a:t>loại</a:t>
+            </a:r>
+            <a:r>
+              <a:rPr lang="en-US" dirty="0"/>
+              <a:t> </a:t>
+            </a:r>
+            <a:r>
+              <a:rPr lang="en-US" dirty="0" err="1"/>
+              <a:t>sơ</a:t>
+            </a:r>
+            <a:r>
+              <a:rPr lang="en-US" dirty="0"/>
+              <a:t> </a:t>
+            </a:r>
+            <a:r>
+              <a:rPr lang="en-US" dirty="0" err="1"/>
+              <a:t>đồ</a:t>
+            </a:r>
+            <a:r>
+              <a:rPr lang="en-US" dirty="0"/>
+              <a:t>, </a:t>
+            </a:r>
+            <a:r>
+              <a:rPr lang="en-US" dirty="0" err="1"/>
+              <a:t>tài</a:t>
+            </a:r>
+            <a:r>
+              <a:rPr lang="en-US" dirty="0"/>
+              <a:t> </a:t>
+            </a:r>
+            <a:r>
+              <a:rPr lang="en-US" dirty="0" err="1"/>
+              <a:t>liệu</a:t>
+            </a:r>
+            <a:endParaRPr lang="en-US" dirty="0"/>
+          </a:p>
+          <a:p>
+            <a:pPr lvl="1"/>
+            <a:r>
+              <a:rPr lang="en-US" dirty="0" err="1"/>
+              <a:t>Làm</a:t>
+            </a:r>
+            <a:r>
+              <a:rPr lang="en-US" dirty="0"/>
+              <a:t> </a:t>
+            </a:r>
+            <a:r>
+              <a:rPr lang="en-US" dirty="0" err="1"/>
+              <a:t>việc</a:t>
+            </a:r>
+            <a:r>
+              <a:rPr lang="en-US" dirty="0"/>
+              <a:t> </a:t>
+            </a:r>
+            <a:r>
+              <a:rPr lang="en-US" dirty="0" err="1"/>
+              <a:t>nhóm</a:t>
+            </a:r>
+            <a:endParaRPr lang="en-US" dirty="0"/>
+          </a:p>
+          <a:p>
+            <a:pPr lvl="1"/>
+            <a:endParaRPr lang="en-US" dirty="0"/>
+          </a:p>
+          <a:p>
+            <a:pPr marL="0" indent="0">
+              <a:buNone/>
+            </a:pPr>
+            <a:r>
+              <a:rPr lang="en-US" b="1" dirty="0"/>
+              <a:t>* </a:t>
+            </a:r>
+            <a:r>
+              <a:rPr lang="en-US" b="1" dirty="0" err="1"/>
+              <a:t>Cần</a:t>
+            </a:r>
+            <a:r>
+              <a:rPr lang="en-US" b="1" dirty="0"/>
+              <a:t> </a:t>
+            </a:r>
+            <a:r>
+              <a:rPr lang="en-US" b="1" dirty="0" err="1"/>
+              <a:t>cải</a:t>
+            </a:r>
+            <a:r>
+              <a:rPr lang="en-US" b="1" dirty="0"/>
+              <a:t> </a:t>
+            </a:r>
+            <a:r>
+              <a:rPr lang="en-US" b="1" dirty="0" err="1"/>
+              <a:t>thiện</a:t>
+            </a:r>
+            <a:r>
+              <a:rPr lang="en-US" b="1" dirty="0"/>
+              <a:t>:</a:t>
+            </a:r>
+          </a:p>
+          <a:p>
+            <a:pPr lvl="1"/>
+            <a:r>
+              <a:rPr lang="en-US" dirty="0" err="1"/>
+              <a:t>Chức</a:t>
+            </a:r>
+            <a:r>
+              <a:rPr lang="en-US" dirty="0"/>
+              <a:t> </a:t>
+            </a:r>
+            <a:r>
+              <a:rPr lang="en-US" dirty="0" err="1"/>
+              <a:t>năng</a:t>
+            </a:r>
+            <a:r>
+              <a:rPr lang="en-US" dirty="0"/>
+              <a:t> </a:t>
+            </a:r>
+            <a:r>
+              <a:rPr lang="en-US" dirty="0" err="1"/>
+              <a:t>của</a:t>
+            </a:r>
+            <a:r>
+              <a:rPr lang="en-US" dirty="0"/>
+              <a:t> </a:t>
+            </a:r>
+            <a:r>
+              <a:rPr lang="en-US" dirty="0" err="1"/>
+              <a:t>hệ</a:t>
+            </a:r>
+            <a:r>
+              <a:rPr lang="en-US" dirty="0"/>
+              <a:t> </a:t>
+            </a:r>
+            <a:r>
+              <a:rPr lang="en-US" dirty="0" err="1"/>
+              <a:t>thống</a:t>
+            </a:r>
+            <a:r>
+              <a:rPr lang="en-US" dirty="0"/>
+              <a:t> </a:t>
+            </a:r>
+            <a:r>
+              <a:rPr lang="en-US" dirty="0" err="1"/>
+              <a:t>cần</a:t>
+            </a:r>
+            <a:r>
+              <a:rPr lang="en-US" dirty="0"/>
+              <a:t> </a:t>
+            </a:r>
+            <a:r>
+              <a:rPr lang="en-US" dirty="0" err="1"/>
+              <a:t>thiết</a:t>
+            </a:r>
+            <a:r>
+              <a:rPr lang="en-US" dirty="0"/>
+              <a:t> </a:t>
+            </a:r>
+            <a:r>
+              <a:rPr lang="en-US" dirty="0" err="1"/>
+              <a:t>kế</a:t>
+            </a:r>
+            <a:r>
+              <a:rPr lang="en-US" dirty="0"/>
+              <a:t> </a:t>
+            </a:r>
+            <a:r>
+              <a:rPr lang="en-US" dirty="0" err="1"/>
+              <a:t>nhiều</a:t>
+            </a:r>
+            <a:r>
+              <a:rPr lang="en-US" dirty="0"/>
+              <a:t> </a:t>
+            </a:r>
+            <a:r>
+              <a:rPr lang="en-US" dirty="0" err="1"/>
+              <a:t>hơn</a:t>
+            </a:r>
+            <a:r>
+              <a:rPr lang="en-US" dirty="0"/>
+              <a:t>, </a:t>
+            </a:r>
+            <a:r>
+              <a:rPr lang="en-US" dirty="0" err="1"/>
+              <a:t>đặc</a:t>
+            </a:r>
+            <a:r>
+              <a:rPr lang="en-US" dirty="0"/>
+              <a:t> </a:t>
+            </a:r>
+            <a:r>
+              <a:rPr lang="en-US" dirty="0" err="1"/>
+              <a:t>sắc</a:t>
+            </a:r>
+            <a:r>
+              <a:rPr lang="en-US" dirty="0"/>
+              <a:t> </a:t>
+            </a:r>
+            <a:r>
+              <a:rPr lang="en-US" dirty="0" err="1"/>
+              <a:t>hơn</a:t>
+            </a:r>
+            <a:endParaRPr lang="en-US" dirty="0"/>
+          </a:p>
+          <a:p>
+            <a:pPr lvl="1"/>
+            <a:r>
+              <a:rPr lang="en-US" dirty="0" err="1"/>
+              <a:t>Các</a:t>
+            </a:r>
+            <a:r>
+              <a:rPr lang="en-US" dirty="0"/>
+              <a:t> </a:t>
+            </a:r>
+            <a:r>
+              <a:rPr lang="en-US" dirty="0" err="1"/>
+              <a:t>biểu</a:t>
+            </a:r>
+            <a:r>
+              <a:rPr lang="en-US" dirty="0"/>
+              <a:t> </a:t>
+            </a:r>
+            <a:r>
+              <a:rPr lang="en-US" dirty="0" err="1"/>
+              <a:t>đồ</a:t>
+            </a:r>
+            <a:r>
+              <a:rPr lang="en-US" dirty="0"/>
+              <a:t> </a:t>
+            </a:r>
+            <a:r>
+              <a:rPr lang="en-US" dirty="0" err="1"/>
+              <a:t>còn</a:t>
+            </a:r>
+            <a:r>
+              <a:rPr lang="en-US" dirty="0"/>
+              <a:t> </a:t>
+            </a:r>
+            <a:r>
+              <a:rPr lang="en-US" dirty="0" err="1"/>
+              <a:t>chưa</a:t>
+            </a:r>
+            <a:r>
+              <a:rPr lang="en-US" dirty="0"/>
+              <a:t> </a:t>
+            </a:r>
+            <a:r>
+              <a:rPr lang="en-US" dirty="0" err="1"/>
+              <a:t>thống</a:t>
+            </a:r>
+            <a:r>
+              <a:rPr lang="en-US" dirty="0"/>
+              <a:t> </a:t>
+            </a:r>
+            <a:r>
+              <a:rPr lang="en-US" dirty="0" err="1"/>
+              <a:t>nhất</a:t>
+            </a:r>
+            <a:r>
+              <a:rPr lang="en-US" dirty="0"/>
+              <a:t> </a:t>
+            </a:r>
+            <a:r>
+              <a:rPr lang="en-US" dirty="0" err="1"/>
+              <a:t>về</a:t>
+            </a:r>
+            <a:r>
+              <a:rPr lang="en-US" dirty="0"/>
+              <a:t> </a:t>
+            </a:r>
+            <a:r>
+              <a:rPr lang="en-US" dirty="0" err="1"/>
+              <a:t>việc</a:t>
+            </a:r>
+            <a:r>
+              <a:rPr lang="en-US" dirty="0"/>
+              <a:t> </a:t>
+            </a:r>
+            <a:r>
+              <a:rPr lang="en-US" dirty="0" err="1"/>
+              <a:t>đặt</a:t>
+            </a:r>
+            <a:r>
+              <a:rPr lang="en-US" dirty="0"/>
+              <a:t> </a:t>
+            </a:r>
+            <a:r>
+              <a:rPr lang="en-US" dirty="0" err="1"/>
+              <a:t>tên</a:t>
+            </a:r>
+            <a:r>
+              <a:rPr lang="en-US" dirty="0"/>
+              <a:t> (do </a:t>
+            </a:r>
+            <a:r>
+              <a:rPr lang="en-US" dirty="0" err="1"/>
+              <a:t>các</a:t>
+            </a:r>
+            <a:r>
+              <a:rPr lang="en-US" dirty="0"/>
+              <a:t> </a:t>
+            </a:r>
+            <a:r>
+              <a:rPr lang="en-US" dirty="0" err="1"/>
+              <a:t>thành</a:t>
+            </a:r>
+            <a:r>
+              <a:rPr lang="en-US" dirty="0"/>
+              <a:t> </a:t>
+            </a:r>
+            <a:r>
+              <a:rPr lang="en-US" dirty="0" err="1"/>
+              <a:t>viên</a:t>
+            </a:r>
+            <a:r>
+              <a:rPr lang="en-US" dirty="0"/>
+              <a:t> chia </a:t>
+            </a:r>
+            <a:r>
+              <a:rPr lang="en-US" dirty="0" err="1"/>
+              <a:t>công</a:t>
+            </a:r>
+            <a:r>
+              <a:rPr lang="en-US" dirty="0"/>
+              <a:t> </a:t>
+            </a:r>
+            <a:r>
+              <a:rPr lang="en-US" dirty="0" err="1"/>
+              <a:t>việc</a:t>
+            </a:r>
+            <a:r>
+              <a:rPr lang="en-US" dirty="0"/>
+              <a:t> ra </a:t>
+            </a:r>
+            <a:r>
+              <a:rPr lang="en-US" dirty="0" err="1"/>
+              <a:t>làm</a:t>
+            </a:r>
+            <a:r>
+              <a:rPr lang="en-US" dirty="0"/>
+              <a:t>)</a:t>
+            </a:r>
+          </a:p>
+        </p:txBody>
+      </p:sp>
+      <p:sp>
+        <p:nvSpPr>
+          <p:cNvPr id="4" name="Slide Number Placeholder 3">
+            <a:extLst>
+              <a:ext uri="{FF2B5EF4-FFF2-40B4-BE49-F238E27FC236}">
+                <a16:creationId xmlns:a16="http://schemas.microsoft.com/office/drawing/2014/main" id="{2F142CB2-BE52-C042-87A4-24A34A87DE6E}"/>
+              </a:ext>
+            </a:extLst>
+          </p:cNvPr>
+          <p:cNvSpPr>
+            <a:spLocks noGrp="1"/>
+          </p:cNvSpPr>
+          <p:nvPr>
+            <p:ph type="sldNum" sz="quarter" idx="12"/>
+          </p:nvPr>
+        </p:nvSpPr>
+        <p:spPr/>
+        <p:txBody>
+          <a:bodyPr/>
+          <a:lstStyle/>
+          <a:p>
+            <a:fld id="{A02EBBDA-6239-48A4-BF42-145536EAE284}" type="slidenum">
+              <a:rPr lang="en-US" smtClean="0"/>
+              <a:t>28</a:t>
+            </a:fld>
+            <a:endParaRPr lang="en-US"/>
+          </a:p>
+        </p:txBody>
+      </p:sp>
+    </p:spTree>
+    <p:extLst>
+      <p:ext uri="{BB962C8B-B14F-4D97-AF65-F5344CB8AC3E}">
+        <p14:creationId xmlns:p14="http://schemas.microsoft.com/office/powerpoint/2010/main" val="2952705840"/>
+      </p:ext>
+    </p:extLst>
+  </p:cSld>
+  <p:clrMapOvr>
+    <a:masterClrMapping/>
+  </p:clrMapOvr>
+</p:sld>
+</file>
+
+<file path=ppt/slides/slide29.xml><?xml version="1.0" encoding="utf-8"?>
+<p:sld xmlns:a="http://schemas.openxmlformats.org/drawingml/2006/main" xmlns:r="http://schemas.openxmlformats.org/officeDocument/2006/relationships" xmlns:p="http://schemas.openxmlformats.org/presentationml/2006/main">
+  <p:cSld>
+    <p:spTree>
+      <p:nvGrpSpPr>
+        <p:cNvPr id="1" name=""/>
+        <p:cNvGrpSpPr/>
+        <p:nvPr/>
+      </p:nvGrpSpPr>
+      <p:grpSpPr>
+        <a:xfrm>
+          <a:off x="0" y="0"/>
+          <a:ext cx="0" cy="0"/>
+          <a:chOff x="0" y="0"/>
+          <a:chExt cx="0" cy="0"/>
+        </a:xfrm>
+      </p:grpSpPr>
+      <p:sp>
+        <p:nvSpPr>
+          <p:cNvPr id="2" name="Slide Number Placeholder 1">
+            <a:extLst>
+              <a:ext uri="{FF2B5EF4-FFF2-40B4-BE49-F238E27FC236}">
+                <a16:creationId xmlns:a16="http://schemas.microsoft.com/office/drawing/2014/main" id="{96FC28C9-8F50-5446-9EE5-C9550948B6C3}"/>
+              </a:ext>
+            </a:extLst>
+          </p:cNvPr>
+          <p:cNvSpPr>
+            <a:spLocks noGrp="1"/>
+          </p:cNvSpPr>
+          <p:nvPr>
+            <p:ph type="sldNum" sz="quarter" idx="12"/>
+          </p:nvPr>
+        </p:nvSpPr>
+        <p:spPr/>
+        <p:txBody>
+          <a:bodyPr/>
+          <a:lstStyle/>
+          <a:p>
+            <a:fld id="{A02EBBDA-6239-48A4-BF42-145536EAE284}" type="slidenum">
+              <a:rPr lang="en-US" smtClean="0"/>
+              <a:t>29</a:t>
+            </a:fld>
+            <a:endParaRPr lang="en-US"/>
+          </a:p>
+        </p:txBody>
+      </p:sp>
+      <p:sp>
+        <p:nvSpPr>
+          <p:cNvPr id="3" name="Rectangle 2">
+            <a:extLst>
+              <a:ext uri="{FF2B5EF4-FFF2-40B4-BE49-F238E27FC236}">
+                <a16:creationId xmlns:a16="http://schemas.microsoft.com/office/drawing/2014/main" id="{CF8AE88B-0857-A247-9948-A4D224DFFB64}"/>
+              </a:ext>
+            </a:extLst>
+          </p:cNvPr>
+          <p:cNvSpPr/>
+          <p:nvPr/>
+        </p:nvSpPr>
+        <p:spPr>
+          <a:xfrm>
+            <a:off x="1224379" y="2036002"/>
+            <a:ext cx="7801088" cy="1754326"/>
+          </a:xfrm>
+          <a:prstGeom prst="rect">
+            <a:avLst/>
+          </a:prstGeom>
+          <a:noFill/>
+        </p:spPr>
+        <p:txBody>
+          <a:bodyPr wrap="square" lIns="91440" tIns="45720" rIns="91440" bIns="45720">
+            <a:spAutoFit/>
+          </a:bodyPr>
+          <a:lstStyle/>
+          <a:p>
+            <a:pPr algn="ctr"/>
+            <a:r>
+              <a:rPr lang="en-US" sz="5400" b="0" cap="none" spc="0" dirty="0" err="1">
+                <a:ln w="0"/>
+                <a:solidFill>
+                  <a:schemeClr val="accent1"/>
+                </a:solidFill>
+                <a:effectLst>
+                  <a:outerShdw blurRad="38100" dist="25400" dir="5400000" algn="ctr" rotWithShape="0">
+                    <a:srgbClr val="6E747A">
+                      <a:alpha val="43000"/>
+                    </a:srgbClr>
+                  </a:outerShdw>
+                </a:effectLst>
+              </a:rPr>
+              <a:t>Cám</a:t>
+            </a:r>
+            <a:r>
+              <a:rPr lang="en-US" sz="5400" b="0" cap="none" spc="0" dirty="0">
+                <a:ln w="0"/>
+                <a:solidFill>
+                  <a:schemeClr val="accent1"/>
+                </a:solidFill>
+                <a:effectLst>
+                  <a:outerShdw blurRad="38100" dist="25400" dir="5400000" algn="ctr" rotWithShape="0">
+                    <a:srgbClr val="6E747A">
+                      <a:alpha val="43000"/>
+                    </a:srgbClr>
+                  </a:outerShdw>
+                </a:effectLst>
+              </a:rPr>
+              <a:t> </a:t>
+            </a:r>
+            <a:r>
+              <a:rPr lang="en-US" sz="5400" b="0" cap="none" spc="0" dirty="0" err="1">
+                <a:ln w="0"/>
+                <a:solidFill>
+                  <a:schemeClr val="accent1"/>
+                </a:solidFill>
+                <a:effectLst>
+                  <a:outerShdw blurRad="38100" dist="25400" dir="5400000" algn="ctr" rotWithShape="0">
+                    <a:srgbClr val="6E747A">
+                      <a:alpha val="43000"/>
+                    </a:srgbClr>
+                  </a:outerShdw>
+                </a:effectLst>
+              </a:rPr>
+              <a:t>ơn</a:t>
+            </a:r>
+            <a:r>
+              <a:rPr lang="en-US" sz="5400" b="0" cap="none" spc="0" dirty="0">
+                <a:ln w="0"/>
+                <a:solidFill>
+                  <a:schemeClr val="accent1"/>
+                </a:solidFill>
+                <a:effectLst>
+                  <a:outerShdw blurRad="38100" dist="25400" dir="5400000" algn="ctr" rotWithShape="0">
+                    <a:srgbClr val="6E747A">
+                      <a:alpha val="43000"/>
+                    </a:srgbClr>
+                  </a:outerShdw>
+                </a:effectLst>
+              </a:rPr>
+              <a:t> </a:t>
+            </a:r>
+            <a:r>
+              <a:rPr lang="en-US" sz="5400" b="0" cap="none" spc="0" dirty="0" err="1">
+                <a:ln w="0"/>
+                <a:solidFill>
+                  <a:schemeClr val="accent1"/>
+                </a:solidFill>
+                <a:effectLst>
+                  <a:outerShdw blurRad="38100" dist="25400" dir="5400000" algn="ctr" rotWithShape="0">
+                    <a:srgbClr val="6E747A">
+                      <a:alpha val="43000"/>
+                    </a:srgbClr>
+                  </a:outerShdw>
+                </a:effectLst>
+              </a:rPr>
+              <a:t>thầy</a:t>
+            </a:r>
+            <a:r>
+              <a:rPr lang="en-US" sz="5400" b="0" cap="none" spc="0" dirty="0">
+                <a:ln w="0"/>
+                <a:solidFill>
+                  <a:schemeClr val="accent1"/>
+                </a:solidFill>
+                <a:effectLst>
+                  <a:outerShdw blurRad="38100" dist="25400" dir="5400000" algn="ctr" rotWithShape="0">
+                    <a:srgbClr val="6E747A">
+                      <a:alpha val="43000"/>
+                    </a:srgbClr>
+                  </a:outerShdw>
+                </a:effectLst>
+              </a:rPr>
+              <a:t> </a:t>
+            </a:r>
+            <a:r>
+              <a:rPr lang="en-US" sz="5400" b="0" cap="none" spc="0" dirty="0" err="1">
+                <a:ln w="0"/>
+                <a:solidFill>
+                  <a:schemeClr val="accent1"/>
+                </a:solidFill>
+                <a:effectLst>
+                  <a:outerShdw blurRad="38100" dist="25400" dir="5400000" algn="ctr" rotWithShape="0">
+                    <a:srgbClr val="6E747A">
+                      <a:alpha val="43000"/>
+                    </a:srgbClr>
+                  </a:outerShdw>
+                </a:effectLst>
+              </a:rPr>
+              <a:t>cô</a:t>
+            </a:r>
+            <a:r>
+              <a:rPr lang="en-US" sz="5400" b="0" cap="none" spc="0" dirty="0">
+                <a:ln w="0"/>
+                <a:solidFill>
+                  <a:schemeClr val="accent1"/>
+                </a:solidFill>
+                <a:effectLst>
+                  <a:outerShdw blurRad="38100" dist="25400" dir="5400000" algn="ctr" rotWithShape="0">
+                    <a:srgbClr val="6E747A">
+                      <a:alpha val="43000"/>
+                    </a:srgbClr>
+                  </a:outerShdw>
+                </a:effectLst>
+              </a:rPr>
+              <a:t> </a:t>
+            </a:r>
+            <a:r>
+              <a:rPr lang="en-US" sz="5400" b="0" cap="none" spc="0" dirty="0" err="1">
+                <a:ln w="0"/>
+                <a:solidFill>
+                  <a:schemeClr val="accent1"/>
+                </a:solidFill>
+                <a:effectLst>
+                  <a:outerShdw blurRad="38100" dist="25400" dir="5400000" algn="ctr" rotWithShape="0">
+                    <a:srgbClr val="6E747A">
+                      <a:alpha val="43000"/>
+                    </a:srgbClr>
+                  </a:outerShdw>
+                </a:effectLst>
+              </a:rPr>
+              <a:t>và</a:t>
+            </a:r>
+            <a:r>
+              <a:rPr lang="en-US" sz="5400" b="0" cap="none" spc="0" dirty="0">
+                <a:ln w="0"/>
+                <a:solidFill>
+                  <a:schemeClr val="accent1"/>
+                </a:solidFill>
+                <a:effectLst>
+                  <a:outerShdw blurRad="38100" dist="25400" dir="5400000" algn="ctr" rotWithShape="0">
+                    <a:srgbClr val="6E747A">
+                      <a:alpha val="43000"/>
+                    </a:srgbClr>
+                  </a:outerShdw>
+                </a:effectLst>
+              </a:rPr>
+              <a:t> </a:t>
+            </a:r>
+            <a:r>
+              <a:rPr lang="en-US" sz="5400" b="0" cap="none" spc="0" dirty="0" err="1">
+                <a:ln w="0"/>
+                <a:solidFill>
+                  <a:schemeClr val="accent1"/>
+                </a:solidFill>
+                <a:effectLst>
+                  <a:outerShdw blurRad="38100" dist="25400" dir="5400000" algn="ctr" rotWithShape="0">
+                    <a:srgbClr val="6E747A">
+                      <a:alpha val="43000"/>
+                    </a:srgbClr>
+                  </a:outerShdw>
+                </a:effectLst>
+              </a:rPr>
+              <a:t>các</a:t>
+            </a:r>
+            <a:r>
+              <a:rPr lang="en-US" sz="5400" b="0" cap="none" spc="0" dirty="0">
+                <a:ln w="0"/>
+                <a:solidFill>
+                  <a:schemeClr val="accent1"/>
+                </a:solidFill>
+                <a:effectLst>
+                  <a:outerShdw blurRad="38100" dist="25400" dir="5400000" algn="ctr" rotWithShape="0">
+                    <a:srgbClr val="6E747A">
+                      <a:alpha val="43000"/>
+                    </a:srgbClr>
+                  </a:outerShdw>
+                </a:effectLst>
+              </a:rPr>
+              <a:t> </a:t>
+            </a:r>
+            <a:r>
+              <a:rPr lang="en-US" sz="5400" b="0" cap="none" spc="0" dirty="0" err="1">
+                <a:ln w="0"/>
+                <a:solidFill>
+                  <a:schemeClr val="accent1"/>
+                </a:solidFill>
+                <a:effectLst>
+                  <a:outerShdw blurRad="38100" dist="25400" dir="5400000" algn="ctr" rotWithShape="0">
+                    <a:srgbClr val="6E747A">
+                      <a:alpha val="43000"/>
+                    </a:srgbClr>
+                  </a:outerShdw>
+                </a:effectLst>
+              </a:rPr>
+              <a:t>bạn</a:t>
+            </a:r>
+            <a:r>
+              <a:rPr lang="en-US" sz="5400" b="0" cap="none" spc="0" dirty="0">
+                <a:ln w="0"/>
+                <a:solidFill>
+                  <a:schemeClr val="accent1"/>
+                </a:solidFill>
+                <a:effectLst>
+                  <a:outerShdw blurRad="38100" dist="25400" dir="5400000" algn="ctr" rotWithShape="0">
+                    <a:srgbClr val="6E747A">
+                      <a:alpha val="43000"/>
+                    </a:srgbClr>
+                  </a:outerShdw>
+                </a:effectLst>
+              </a:rPr>
+              <a:t> </a:t>
+            </a:r>
+            <a:r>
+              <a:rPr lang="en-US" sz="5400" b="0" cap="none" spc="0" dirty="0" err="1">
+                <a:ln w="0"/>
+                <a:solidFill>
+                  <a:schemeClr val="accent1"/>
+                </a:solidFill>
+                <a:effectLst>
+                  <a:outerShdw blurRad="38100" dist="25400" dir="5400000" algn="ctr" rotWithShape="0">
+                    <a:srgbClr val="6E747A">
+                      <a:alpha val="43000"/>
+                    </a:srgbClr>
+                  </a:outerShdw>
+                </a:effectLst>
+              </a:rPr>
+              <a:t>đã</a:t>
+            </a:r>
+            <a:r>
+              <a:rPr lang="en-US" sz="5400" b="0" cap="none" spc="0" dirty="0">
+                <a:ln w="0"/>
+                <a:solidFill>
+                  <a:schemeClr val="accent1"/>
+                </a:solidFill>
+                <a:effectLst>
+                  <a:outerShdw blurRad="38100" dist="25400" dir="5400000" algn="ctr" rotWithShape="0">
+                    <a:srgbClr val="6E747A">
+                      <a:alpha val="43000"/>
+                    </a:srgbClr>
+                  </a:outerShdw>
+                </a:effectLst>
+              </a:rPr>
+              <a:t> </a:t>
+            </a:r>
+            <a:r>
+              <a:rPr lang="en-US" sz="5400" b="0" cap="none" spc="0" dirty="0" err="1">
+                <a:ln w="0"/>
+                <a:solidFill>
+                  <a:schemeClr val="accent1"/>
+                </a:solidFill>
+                <a:effectLst>
+                  <a:outerShdw blurRad="38100" dist="25400" dir="5400000" algn="ctr" rotWithShape="0">
+                    <a:srgbClr val="6E747A">
+                      <a:alpha val="43000"/>
+                    </a:srgbClr>
+                  </a:outerShdw>
+                </a:effectLst>
+              </a:rPr>
+              <a:t>lắng</a:t>
+            </a:r>
+            <a:r>
+              <a:rPr lang="en-US" sz="5400" b="0" cap="none" spc="0" dirty="0">
+                <a:ln w="0"/>
+                <a:solidFill>
+                  <a:schemeClr val="accent1"/>
+                </a:solidFill>
+                <a:effectLst>
+                  <a:outerShdw blurRad="38100" dist="25400" dir="5400000" algn="ctr" rotWithShape="0">
+                    <a:srgbClr val="6E747A">
+                      <a:alpha val="43000"/>
+                    </a:srgbClr>
+                  </a:outerShdw>
+                </a:effectLst>
+              </a:rPr>
+              <a:t> </a:t>
+            </a:r>
+            <a:r>
+              <a:rPr lang="en-US" sz="5400" b="0" cap="none" spc="0" dirty="0" err="1">
+                <a:ln w="0"/>
+                <a:solidFill>
+                  <a:schemeClr val="accent1"/>
+                </a:solidFill>
+                <a:effectLst>
+                  <a:outerShdw blurRad="38100" dist="25400" dir="5400000" algn="ctr" rotWithShape="0">
+                    <a:srgbClr val="6E747A">
+                      <a:alpha val="43000"/>
+                    </a:srgbClr>
+                  </a:outerShdw>
+                </a:effectLst>
+              </a:rPr>
+              <a:t>nghe</a:t>
+            </a:r>
+            <a:r>
+              <a:rPr lang="en-US" sz="5400" b="0" cap="none" spc="0" dirty="0">
+                <a:ln w="0"/>
+                <a:solidFill>
+                  <a:schemeClr val="accent1"/>
+                </a:solidFill>
+                <a:effectLst>
+                  <a:outerShdw blurRad="38100" dist="25400" dir="5400000" algn="ctr" rotWithShape="0">
+                    <a:srgbClr val="6E747A">
+                      <a:alpha val="43000"/>
+                    </a:srgbClr>
+                  </a:outerShdw>
+                </a:effectLst>
+              </a:rPr>
+              <a:t>!</a:t>
+            </a:r>
+          </a:p>
+        </p:txBody>
+      </p:sp>
+    </p:spTree>
+    <p:extLst>
+      <p:ext uri="{BB962C8B-B14F-4D97-AF65-F5344CB8AC3E}">
+        <p14:creationId xmlns:p14="http://schemas.microsoft.com/office/powerpoint/2010/main" val="3158584091"/>
       </p:ext>
     </p:extLst>
   </p:cSld>
@@ -4472,6 +10495,35 @@
               <a:latin typeface="Arial" panose="020B0604020202020204" pitchFamily="34" charset="0"/>
               <a:cs typeface="Arial" panose="020B0604020202020204" pitchFamily="34" charset="0"/>
             </a:endParaRPr>
+          </a:p>
+        </p:txBody>
+      </p:sp>
+      <p:sp>
+        <p:nvSpPr>
+          <p:cNvPr id="4" name="Slide Number Placeholder 3">
+            <a:extLst>
+              <a:ext uri="{FF2B5EF4-FFF2-40B4-BE49-F238E27FC236}">
+                <a16:creationId xmlns:a16="http://schemas.microsoft.com/office/drawing/2014/main" id="{B3927B57-D811-FA47-92C6-B0F3A55CF76B}"/>
+              </a:ext>
+            </a:extLst>
+          </p:cNvPr>
+          <p:cNvSpPr>
+            <a:spLocks noGrp="1"/>
+          </p:cNvSpPr>
+          <p:nvPr>
+            <p:ph type="sldNum" sz="quarter" idx="12"/>
+          </p:nvPr>
+        </p:nvSpPr>
+        <p:spPr/>
+        <p:txBody>
+          <a:bodyPr/>
+          <a:lstStyle/>
+          <a:p>
+            <a:fld id="{A02EBBDA-6239-48A4-BF42-145536EAE284}" type="slidenum">
+              <a:rPr lang="en-US" smtClean="0"/>
+              <a:t>3</a:t>
+            </a:fld>
+            <a:endParaRPr lang="en-US"/>
           </a:p>
         </p:txBody>
       </p:sp>
@@ -4595,7 +10647,391 @@
           <a:bodyPr/>
           <a:lstStyle/>
           <a:p>
+            <a:r>
+              <a:rPr lang="en-US" dirty="0" err="1"/>
+              <a:t>Trong</a:t>
+            </a:r>
+            <a:r>
+              <a:rPr lang="en-US" dirty="0"/>
+              <a:t> 3 – 5 </a:t>
+            </a:r>
+            <a:r>
+              <a:rPr lang="en-US" dirty="0" err="1"/>
+              <a:t>năm</a:t>
+            </a:r>
+            <a:r>
+              <a:rPr lang="en-US" dirty="0"/>
+              <a:t> </a:t>
+            </a:r>
+            <a:r>
+              <a:rPr lang="en-US" dirty="0" err="1"/>
+              <a:t>gần</a:t>
+            </a:r>
+            <a:r>
+              <a:rPr lang="en-US" dirty="0"/>
+              <a:t> </a:t>
+            </a:r>
+            <a:r>
+              <a:rPr lang="en-US" dirty="0" err="1"/>
+              <a:t>đây</a:t>
+            </a:r>
+            <a:r>
+              <a:rPr lang="en-US" dirty="0"/>
+              <a:t>, </a:t>
+            </a:r>
+            <a:r>
+              <a:rPr lang="en-US" dirty="0" err="1"/>
+              <a:t>nhu</a:t>
+            </a:r>
+            <a:r>
+              <a:rPr lang="en-US" dirty="0"/>
+              <a:t> </a:t>
+            </a:r>
+            <a:r>
+              <a:rPr lang="en-US" dirty="0" err="1"/>
+              <a:t>cầu</a:t>
+            </a:r>
+            <a:r>
+              <a:rPr lang="en-US" dirty="0"/>
+              <a:t> </a:t>
+            </a:r>
+            <a:r>
+              <a:rPr lang="en-US" dirty="0" err="1"/>
+              <a:t>xem</a:t>
+            </a:r>
+            <a:r>
+              <a:rPr lang="en-US" dirty="0"/>
+              <a:t> </a:t>
+            </a:r>
+            <a:r>
+              <a:rPr lang="en-US" dirty="0" err="1"/>
+              <a:t>phim</a:t>
+            </a:r>
+            <a:r>
+              <a:rPr lang="en-US" dirty="0"/>
+              <a:t> </a:t>
+            </a:r>
+            <a:r>
+              <a:rPr lang="en-US" dirty="0" err="1"/>
+              <a:t>chiếu</a:t>
+            </a:r>
+            <a:r>
+              <a:rPr lang="en-US" dirty="0"/>
+              <a:t> </a:t>
+            </a:r>
+            <a:r>
+              <a:rPr lang="en-US" dirty="0" err="1"/>
+              <a:t>rạp</a:t>
+            </a:r>
+            <a:r>
+              <a:rPr lang="en-US" dirty="0"/>
+              <a:t> </a:t>
+            </a:r>
+            <a:r>
+              <a:rPr lang="en-US" dirty="0" err="1"/>
+              <a:t>tại</a:t>
+            </a:r>
+            <a:r>
+              <a:rPr lang="en-US" dirty="0"/>
+              <a:t> </a:t>
+            </a:r>
+            <a:r>
+              <a:rPr lang="en-US" dirty="0" err="1"/>
+              <a:t>Việt</a:t>
+            </a:r>
+            <a:r>
+              <a:rPr lang="en-US" dirty="0"/>
+              <a:t> Nam, </a:t>
+            </a:r>
+            <a:r>
+              <a:rPr lang="en-US" dirty="0" err="1"/>
+              <a:t>đặc</a:t>
+            </a:r>
+            <a:r>
+              <a:rPr lang="en-US" dirty="0"/>
+              <a:t> </a:t>
+            </a:r>
+            <a:r>
+              <a:rPr lang="en-US" dirty="0" err="1"/>
+              <a:t>biệt</a:t>
+            </a:r>
+            <a:r>
+              <a:rPr lang="en-US" dirty="0"/>
+              <a:t> </a:t>
+            </a:r>
+            <a:r>
+              <a:rPr lang="en-US" dirty="0" err="1"/>
+              <a:t>là</a:t>
+            </a:r>
+            <a:r>
+              <a:rPr lang="en-US" dirty="0"/>
+              <a:t> </a:t>
+            </a:r>
+            <a:r>
+              <a:rPr lang="en-US" dirty="0" err="1"/>
+              <a:t>các</a:t>
+            </a:r>
+            <a:r>
+              <a:rPr lang="en-US" dirty="0"/>
+              <a:t> </a:t>
+            </a:r>
+            <a:r>
+              <a:rPr lang="en-US" dirty="0" err="1"/>
+              <a:t>thành</a:t>
+            </a:r>
+            <a:r>
+              <a:rPr lang="en-US" dirty="0"/>
+              <a:t> </a:t>
+            </a:r>
+            <a:r>
+              <a:rPr lang="en-US" dirty="0" err="1"/>
+              <a:t>phố</a:t>
+            </a:r>
+            <a:r>
+              <a:rPr lang="en-US" dirty="0"/>
+              <a:t> </a:t>
+            </a:r>
+            <a:r>
+              <a:rPr lang="en-US" dirty="0" err="1"/>
+              <a:t>lớn</a:t>
+            </a:r>
+            <a:r>
+              <a:rPr lang="en-US" dirty="0"/>
+              <a:t> </a:t>
+            </a:r>
+            <a:r>
+              <a:rPr lang="en-US" dirty="0" err="1"/>
+              <a:t>tăng</a:t>
+            </a:r>
+            <a:r>
+              <a:rPr lang="en-US" dirty="0"/>
+              <a:t> </a:t>
+            </a:r>
+            <a:r>
+              <a:rPr lang="en-US" dirty="0" err="1"/>
+              <a:t>rất</a:t>
+            </a:r>
+            <a:r>
+              <a:rPr lang="en-US" dirty="0"/>
+              <a:t> </a:t>
+            </a:r>
+            <a:r>
+              <a:rPr lang="en-US" dirty="0" err="1"/>
+              <a:t>mạnh</a:t>
+            </a:r>
             <a:endParaRPr lang="en-US" dirty="0"/>
+          </a:p>
+          <a:p>
+            <a:pPr lvl="1">
+              <a:buFont typeface="Courier New" panose="02070309020205020404" pitchFamily="49" charset="0"/>
+              <a:buChar char="o"/>
+            </a:pPr>
+            <a:r>
+              <a:rPr lang="en-US" dirty="0" err="1"/>
+              <a:t>Trung</a:t>
+            </a:r>
+            <a:r>
+              <a:rPr lang="en-US" dirty="0"/>
+              <a:t> </a:t>
+            </a:r>
+            <a:r>
+              <a:rPr lang="en-US" dirty="0" err="1"/>
+              <a:t>bình</a:t>
+            </a:r>
+            <a:r>
+              <a:rPr lang="en-US" dirty="0"/>
+              <a:t> 55% </a:t>
+            </a:r>
+            <a:r>
+              <a:rPr lang="en-US" dirty="0" err="1"/>
+              <a:t>người</a:t>
+            </a:r>
+            <a:r>
+              <a:rPr lang="en-US" dirty="0"/>
+              <a:t> </a:t>
+            </a:r>
+            <a:r>
+              <a:rPr lang="en-US" dirty="0" err="1"/>
+              <a:t>Việt</a:t>
+            </a:r>
+            <a:r>
+              <a:rPr lang="en-US" dirty="0"/>
+              <a:t> </a:t>
+            </a:r>
+            <a:r>
+              <a:rPr lang="en-US" dirty="0" err="1"/>
+              <a:t>xem</a:t>
+            </a:r>
+            <a:r>
+              <a:rPr lang="en-US" dirty="0"/>
+              <a:t> </a:t>
+            </a:r>
+            <a:r>
+              <a:rPr lang="en-US" dirty="0" err="1"/>
+              <a:t>phim</a:t>
+            </a:r>
+            <a:r>
+              <a:rPr lang="en-US" dirty="0"/>
+              <a:t> </a:t>
+            </a:r>
+            <a:r>
+              <a:rPr lang="en-US" dirty="0" err="1"/>
+              <a:t>rạp</a:t>
+            </a:r>
+            <a:r>
+              <a:rPr lang="en-US" dirty="0"/>
+              <a:t> 1 </a:t>
+            </a:r>
+            <a:r>
+              <a:rPr lang="en-US" dirty="0" err="1"/>
+              <a:t>lần</a:t>
+            </a:r>
+            <a:r>
+              <a:rPr lang="en-US" dirty="0"/>
+              <a:t> 1 </a:t>
+            </a:r>
+            <a:r>
+              <a:rPr lang="en-US" dirty="0" err="1"/>
+              <a:t>tháng</a:t>
+            </a:r>
+            <a:endParaRPr lang="en-US" dirty="0"/>
+          </a:p>
+          <a:p>
+            <a:pPr lvl="1">
+              <a:buFont typeface="Courier New" panose="02070309020205020404" pitchFamily="49" charset="0"/>
+              <a:buChar char="o"/>
+            </a:pPr>
+            <a:r>
+              <a:rPr lang="en-US" dirty="0" err="1"/>
+              <a:t>Sinh</a:t>
+            </a:r>
+            <a:r>
+              <a:rPr lang="en-US" dirty="0"/>
+              <a:t> </a:t>
+            </a:r>
+            <a:r>
+              <a:rPr lang="en-US" dirty="0" err="1"/>
+              <a:t>viên</a:t>
+            </a:r>
+            <a:r>
+              <a:rPr lang="en-US" dirty="0"/>
+              <a:t> </a:t>
+            </a:r>
+            <a:r>
+              <a:rPr lang="en-US" dirty="0" err="1"/>
+              <a:t>trung</a:t>
+            </a:r>
+            <a:r>
+              <a:rPr lang="en-US" dirty="0"/>
+              <a:t> </a:t>
+            </a:r>
+            <a:r>
+              <a:rPr lang="en-US" dirty="0" err="1"/>
+              <a:t>bình</a:t>
+            </a:r>
+            <a:r>
+              <a:rPr lang="en-US" dirty="0"/>
+              <a:t> </a:t>
+            </a:r>
+            <a:r>
+              <a:rPr lang="en-US" dirty="0" err="1"/>
+              <a:t>xem</a:t>
+            </a:r>
+            <a:r>
+              <a:rPr lang="en-US" dirty="0"/>
+              <a:t> </a:t>
+            </a:r>
+            <a:r>
+              <a:rPr lang="en-US" dirty="0" err="1"/>
+              <a:t>phim</a:t>
+            </a:r>
+            <a:r>
+              <a:rPr lang="en-US" dirty="0"/>
+              <a:t> </a:t>
+            </a:r>
+            <a:r>
+              <a:rPr lang="en-US" dirty="0" err="1"/>
+              <a:t>rạp</a:t>
+            </a:r>
+            <a:r>
+              <a:rPr lang="en-US" dirty="0"/>
+              <a:t> 1.5 – 2 </a:t>
+            </a:r>
+            <a:r>
+              <a:rPr lang="en-US" dirty="0" err="1"/>
+              <a:t>lần</a:t>
+            </a:r>
+            <a:r>
+              <a:rPr lang="en-US" dirty="0"/>
+              <a:t> 1 </a:t>
+            </a:r>
+            <a:r>
+              <a:rPr lang="en-US" dirty="0" err="1"/>
+              <a:t>tháng</a:t>
+            </a:r>
+            <a:endParaRPr lang="en-US" dirty="0"/>
+          </a:p>
+          <a:p>
+            <a:endParaRPr lang="en-US" dirty="0"/>
+          </a:p>
+        </p:txBody>
+      </p:sp>
+      <p:pic>
+        <p:nvPicPr>
+          <p:cNvPr id="4" name="Picture 3">
+            <a:extLst>
+              <a:ext uri="{FF2B5EF4-FFF2-40B4-BE49-F238E27FC236}">
+                <a16:creationId xmlns:a16="http://schemas.microsoft.com/office/drawing/2014/main" id="{61F2FC40-CF4E-8245-8FAD-5672EDDA1EF9}"/>
+              </a:ext>
+            </a:extLst>
+          </p:cNvPr>
+          <p:cNvPicPr>
+            <a:picLocks noChangeAspect="1"/>
+          </p:cNvPicPr>
+          <p:nvPr/>
+        </p:nvPicPr>
+        <p:blipFill>
+          <a:blip r:embed="rId2"/>
+          <a:stretch>
+            <a:fillRect/>
+          </a:stretch>
+        </p:blipFill>
+        <p:spPr>
+          <a:xfrm>
+            <a:off x="1860991" y="2834351"/>
+            <a:ext cx="5422017" cy="3357286"/>
+          </a:xfrm>
+          <a:prstGeom prst="rect">
+            <a:avLst/>
+          </a:prstGeom>
+        </p:spPr>
+      </p:pic>
+      <p:sp>
+        <p:nvSpPr>
+          <p:cNvPr id="5" name="Slide Number Placeholder 4">
+            <a:extLst>
+              <a:ext uri="{FF2B5EF4-FFF2-40B4-BE49-F238E27FC236}">
+                <a16:creationId xmlns:a16="http://schemas.microsoft.com/office/drawing/2014/main" id="{8ABE6E89-EC00-624D-A73D-BE951DD521AA}"/>
+              </a:ext>
+            </a:extLst>
+          </p:cNvPr>
+          <p:cNvSpPr>
+            <a:spLocks noGrp="1"/>
+          </p:cNvSpPr>
+          <p:nvPr>
+            <p:ph type="sldNum" sz="quarter" idx="12"/>
+          </p:nvPr>
+        </p:nvSpPr>
+        <p:spPr/>
+        <p:txBody>
+          <a:bodyPr/>
+          <a:lstStyle/>
+          <a:p>
+            <a:fld id="{A02EBBDA-6239-48A4-BF42-145536EAE284}" type="slidenum">
+              <a:rPr lang="en-US" smtClean="0"/>
+              <a:t>4</a:t>
+            </a:fld>
+            <a:endParaRPr lang="en-US"/>
           </a:p>
         </p:txBody>
       </p:sp>
@@ -4644,7 +11080,84 @@
           <a:bodyPr/>
           <a:lstStyle/>
           <a:p>
-            <a:endParaRPr lang="en-US"/>
+            <a:r>
+              <a:rPr lang="en-US" b="0" dirty="0">
+                <a:latin typeface="Arial" panose="020B0604020202020204" pitchFamily="34" charset="0"/>
+                <a:cs typeface="Arial" panose="020B0604020202020204" pitchFamily="34" charset="0"/>
+              </a:rPr>
+              <a:t>1.1 </a:t>
+            </a:r>
+            <a:r>
+              <a:rPr lang="en-US" b="0" dirty="0" err="1">
+                <a:latin typeface="Arial" panose="020B0604020202020204" pitchFamily="34" charset="0"/>
+                <a:cs typeface="Arial" panose="020B0604020202020204" pitchFamily="34" charset="0"/>
+              </a:rPr>
+              <a:t>Giới</a:t>
+            </a:r>
+            <a:r>
+              <a:rPr lang="en-US" b="0" dirty="0">
+                <a:latin typeface="Arial" panose="020B0604020202020204" pitchFamily="34" charset="0"/>
+                <a:cs typeface="Arial" panose="020B0604020202020204" pitchFamily="34" charset="0"/>
+              </a:rPr>
+              <a:t> </a:t>
+            </a:r>
+            <a:r>
+              <a:rPr lang="en-US" b="0" dirty="0" err="1">
+                <a:latin typeface="Arial" panose="020B0604020202020204" pitchFamily="34" charset="0"/>
+                <a:cs typeface="Arial" panose="020B0604020202020204" pitchFamily="34" charset="0"/>
+              </a:rPr>
+              <a:t>thiệu</a:t>
+            </a:r>
+            <a:r>
+              <a:rPr lang="en-US" b="0" dirty="0">
+                <a:latin typeface="Arial" panose="020B0604020202020204" pitchFamily="34" charset="0"/>
+                <a:cs typeface="Arial" panose="020B0604020202020204" pitchFamily="34" charset="0"/>
+              </a:rPr>
+              <a:t> </a:t>
+            </a:r>
+            <a:r>
+              <a:rPr lang="en-US" b="0" dirty="0" err="1">
+                <a:latin typeface="Arial" panose="020B0604020202020204" pitchFamily="34" charset="0"/>
+                <a:cs typeface="Arial" panose="020B0604020202020204" pitchFamily="34" charset="0"/>
+              </a:rPr>
+              <a:t>bài</a:t>
+            </a:r>
+            <a:r>
+              <a:rPr lang="en-US" b="0" dirty="0">
+                <a:latin typeface="Arial" panose="020B0604020202020204" pitchFamily="34" charset="0"/>
+                <a:cs typeface="Arial" panose="020B0604020202020204" pitchFamily="34" charset="0"/>
+              </a:rPr>
+              <a:t> </a:t>
+            </a:r>
+            <a:r>
+              <a:rPr lang="en-US" b="0" dirty="0" err="1">
+                <a:latin typeface="Arial" panose="020B0604020202020204" pitchFamily="34" charset="0"/>
+                <a:cs typeface="Arial" panose="020B0604020202020204" pitchFamily="34" charset="0"/>
+              </a:rPr>
+              <a:t>toán</a:t>
+            </a:r>
+            <a:r>
+              <a:rPr lang="en-US" b="0" dirty="0">
+                <a:latin typeface="Arial" panose="020B0604020202020204" pitchFamily="34" charset="0"/>
+                <a:cs typeface="Arial" panose="020B0604020202020204" pitchFamily="34" charset="0"/>
+              </a:rPr>
+              <a:t> (</a:t>
+            </a:r>
+            <a:r>
+              <a:rPr lang="en-US" b="0" dirty="0" err="1">
+                <a:latin typeface="Arial" panose="020B0604020202020204" pitchFamily="34" charset="0"/>
+                <a:cs typeface="Arial" panose="020B0604020202020204" pitchFamily="34" charset="0"/>
+              </a:rPr>
+              <a:t>tiếp</a:t>
+            </a:r>
+            <a:r>
+              <a:rPr lang="en-US" b="0" dirty="0">
+                <a:latin typeface="Arial" panose="020B0604020202020204" pitchFamily="34" charset="0"/>
+                <a:cs typeface="Arial" panose="020B0604020202020204" pitchFamily="34" charset="0"/>
+              </a:rPr>
+              <a:t>)</a:t>
+            </a:r>
+            <a:endParaRPr lang="en-US" b="0" dirty="0"/>
           </a:p>
         </p:txBody>
       </p:sp>
@@ -4663,6 +11176,572 @@
           <a:bodyPr/>
           <a:lstStyle/>
           <a:p>
+            <a:r>
+              <a:rPr lang="en-US" dirty="0" err="1"/>
+              <a:t>Rất</a:t>
+            </a:r>
+            <a:r>
+              <a:rPr lang="en-US" dirty="0"/>
+              <a:t> </a:t>
+            </a:r>
+            <a:r>
+              <a:rPr lang="en-US" dirty="0" err="1"/>
+              <a:t>nhiều</a:t>
+            </a:r>
+            <a:r>
+              <a:rPr lang="en-US" dirty="0"/>
+              <a:t> </a:t>
+            </a:r>
+            <a:r>
+              <a:rPr lang="en-US" dirty="0" err="1"/>
+              <a:t>hệ</a:t>
+            </a:r>
+            <a:r>
+              <a:rPr lang="en-US" dirty="0"/>
+              <a:t> </a:t>
+            </a:r>
+            <a:r>
+              <a:rPr lang="en-US" dirty="0" err="1"/>
+              <a:t>thống</a:t>
+            </a:r>
+            <a:r>
+              <a:rPr lang="en-US" dirty="0"/>
+              <a:t> </a:t>
+            </a:r>
+            <a:r>
+              <a:rPr lang="en-US" dirty="0" err="1"/>
+              <a:t>rạp</a:t>
+            </a:r>
+            <a:r>
+              <a:rPr lang="en-US" dirty="0"/>
+              <a:t> </a:t>
+            </a:r>
+            <a:r>
+              <a:rPr lang="en-US" dirty="0" err="1"/>
+              <a:t>phim</a:t>
+            </a:r>
+            <a:r>
+              <a:rPr lang="en-US" dirty="0"/>
+              <a:t> </a:t>
+            </a:r>
+            <a:r>
+              <a:rPr lang="en-US" dirty="0" err="1"/>
+              <a:t>đang</a:t>
+            </a:r>
+            <a:r>
+              <a:rPr lang="en-US" dirty="0"/>
+              <a:t> </a:t>
+            </a:r>
+            <a:r>
+              <a:rPr lang="en-US" dirty="0" err="1"/>
+              <a:t>tranh</a:t>
+            </a:r>
+            <a:r>
+              <a:rPr lang="en-US" dirty="0"/>
+              <a:t> </a:t>
+            </a:r>
+            <a:r>
+              <a:rPr lang="en-US" dirty="0" err="1"/>
+              <a:t>giành</a:t>
+            </a:r>
+            <a:r>
+              <a:rPr lang="en-US" dirty="0"/>
+              <a:t> </a:t>
+            </a:r>
+            <a:r>
+              <a:rPr lang="en-US" dirty="0" err="1"/>
+              <a:t>thị</a:t>
+            </a:r>
+            <a:r>
+              <a:rPr lang="en-US" dirty="0"/>
+              <a:t> </a:t>
+            </a:r>
+            <a:r>
+              <a:rPr lang="en-US" dirty="0" err="1"/>
+              <a:t>phần</a:t>
+            </a:r>
+            <a:r>
+              <a:rPr lang="en-US" dirty="0"/>
+              <a:t>, </a:t>
+            </a:r>
+            <a:r>
+              <a:rPr lang="en-US" dirty="0" err="1"/>
+              <a:t>mọc</a:t>
+            </a:r>
+            <a:r>
+              <a:rPr lang="en-US" dirty="0"/>
+              <a:t> ra </a:t>
+            </a:r>
+            <a:r>
+              <a:rPr lang="en-US" dirty="0" err="1"/>
+              <a:t>ngày</a:t>
+            </a:r>
+            <a:r>
+              <a:rPr lang="en-US" dirty="0"/>
+              <a:t> </a:t>
+            </a:r>
+            <a:r>
+              <a:rPr lang="en-US" dirty="0" err="1"/>
+              <a:t>càng</a:t>
+            </a:r>
+            <a:r>
+              <a:rPr lang="en-US" dirty="0"/>
+              <a:t> </a:t>
+            </a:r>
+            <a:r>
+              <a:rPr lang="en-US" dirty="0" err="1"/>
+              <a:t>nhiều</a:t>
+            </a:r>
+            <a:r>
+              <a:rPr lang="en-US" dirty="0"/>
+              <a:t> </a:t>
+            </a:r>
+            <a:r>
+              <a:rPr lang="en-US" dirty="0" err="1"/>
+              <a:t>cơ</a:t>
+            </a:r>
+            <a:r>
+              <a:rPr lang="en-US" dirty="0"/>
+              <a:t> </a:t>
+            </a:r>
+            <a:r>
+              <a:rPr lang="en-US" dirty="0" err="1"/>
+              <a:t>sở</a:t>
+            </a:r>
+            <a:r>
+              <a:rPr lang="en-US" dirty="0"/>
+              <a:t> </a:t>
+            </a:r>
+            <a:r>
+              <a:rPr lang="en-US" dirty="0" err="1"/>
+              <a:t>mới</a:t>
+            </a:r>
+            <a:endParaRPr lang="en-US" dirty="0"/>
+          </a:p>
+          <a:p>
+            <a:endParaRPr lang="en-US" dirty="0"/>
+          </a:p>
+          <a:p>
+            <a:endParaRPr lang="en-US" dirty="0"/>
+          </a:p>
+          <a:p>
+            <a:endParaRPr lang="en-US" dirty="0"/>
+          </a:p>
+          <a:p>
+            <a:pPr marL="0" indent="0">
+              <a:buNone/>
+            </a:pPr>
+            <a:endParaRPr lang="en-US" dirty="0"/>
+          </a:p>
+          <a:p>
+            <a:r>
+              <a:rPr lang="en-US" dirty="0" err="1"/>
+              <a:t>Chưa</a:t>
+            </a:r>
+            <a:r>
+              <a:rPr lang="en-US" dirty="0"/>
+              <a:t> </a:t>
+            </a:r>
+            <a:r>
+              <a:rPr lang="en-US" dirty="0" err="1"/>
+              <a:t>có</a:t>
+            </a:r>
+            <a:r>
+              <a:rPr lang="en-US" dirty="0"/>
+              <a:t> </a:t>
+            </a:r>
+            <a:r>
+              <a:rPr lang="en-US" dirty="0" err="1"/>
+              <a:t>cổng</a:t>
+            </a:r>
+            <a:r>
+              <a:rPr lang="en-US" dirty="0"/>
+              <a:t> </a:t>
+            </a:r>
+            <a:r>
+              <a:rPr lang="en-US" dirty="0" err="1"/>
+              <a:t>thông</a:t>
+            </a:r>
+            <a:r>
+              <a:rPr lang="en-US" dirty="0"/>
+              <a:t> tin </a:t>
+            </a:r>
+            <a:r>
+              <a:rPr lang="en-US" dirty="0" err="1"/>
+              <a:t>chung</a:t>
+            </a:r>
+            <a:r>
+              <a:rPr lang="en-US" dirty="0"/>
+              <a:t>, </a:t>
+            </a:r>
+            <a:r>
+              <a:rPr lang="en-US" dirty="0" err="1"/>
+              <a:t>tổng</a:t>
+            </a:r>
+            <a:r>
+              <a:rPr lang="en-US" dirty="0"/>
+              <a:t> </a:t>
+            </a:r>
+            <a:r>
+              <a:rPr lang="en-US" dirty="0" err="1"/>
+              <a:t>hợp</a:t>
+            </a:r>
+            <a:r>
+              <a:rPr lang="en-US" dirty="0"/>
+              <a:t> </a:t>
+            </a:r>
+            <a:r>
+              <a:rPr lang="en-US" dirty="0" err="1"/>
+              <a:t>thông</a:t>
+            </a:r>
+            <a:r>
+              <a:rPr lang="en-US" dirty="0"/>
+              <a:t> tin </a:t>
+            </a:r>
+            <a:r>
+              <a:rPr lang="en-US" dirty="0" err="1"/>
+              <a:t>về</a:t>
+            </a:r>
+            <a:r>
+              <a:rPr lang="en-US" dirty="0"/>
+              <a:t> </a:t>
+            </a:r>
+            <a:r>
+              <a:rPr lang="en-US" dirty="0" err="1"/>
+              <a:t>các</a:t>
+            </a:r>
+            <a:r>
+              <a:rPr lang="en-US" dirty="0"/>
+              <a:t> </a:t>
+            </a:r>
+            <a:r>
+              <a:rPr lang="en-US" dirty="0" err="1"/>
+              <a:t>phim</a:t>
+            </a:r>
+            <a:r>
+              <a:rPr lang="en-US" dirty="0"/>
+              <a:t>, </a:t>
+            </a:r>
+            <a:r>
+              <a:rPr lang="en-US" dirty="0" err="1"/>
+              <a:t>các</a:t>
+            </a:r>
+            <a:r>
+              <a:rPr lang="en-US" dirty="0"/>
+              <a:t> </a:t>
+            </a:r>
+            <a:r>
+              <a:rPr lang="en-US" dirty="0" err="1"/>
+              <a:t>rạp</a:t>
+            </a:r>
+            <a:r>
+              <a:rPr lang="en-US" dirty="0"/>
+              <a:t>, </a:t>
+            </a:r>
+            <a:r>
+              <a:rPr lang="en-US" dirty="0" err="1"/>
+              <a:t>các</a:t>
+            </a:r>
+            <a:r>
+              <a:rPr lang="en-US" dirty="0"/>
+              <a:t> </a:t>
+            </a:r>
+            <a:r>
+              <a:rPr lang="en-US" dirty="0" err="1"/>
+              <a:t>suất</a:t>
+            </a:r>
+            <a:r>
+              <a:rPr lang="en-US" dirty="0"/>
+              <a:t> </a:t>
+            </a:r>
+            <a:r>
+              <a:rPr lang="en-US" dirty="0" err="1"/>
+              <a:t>chiếu</a:t>
+            </a:r>
+            <a:r>
+              <a:rPr lang="en-US" dirty="0"/>
+              <a:t> </a:t>
+            </a:r>
+            <a:r>
+              <a:rPr lang="en-US" dirty="0" err="1"/>
+              <a:t>và</a:t>
+            </a:r>
+            <a:r>
+              <a:rPr lang="en-US" dirty="0"/>
+              <a:t> </a:t>
+            </a:r>
+            <a:r>
+              <a:rPr lang="en-US" dirty="0" err="1"/>
+              <a:t>đánh</a:t>
+            </a:r>
+            <a:r>
+              <a:rPr lang="en-US" dirty="0"/>
+              <a:t> </a:t>
+            </a:r>
+            <a:r>
+              <a:rPr lang="en-US" dirty="0" err="1"/>
+              <a:t>giá</a:t>
+            </a:r>
+            <a:r>
+              <a:rPr lang="en-US" dirty="0"/>
+              <a:t> </a:t>
+            </a:r>
+            <a:r>
+              <a:rPr lang="en-US" dirty="0" err="1"/>
+              <a:t>phim</a:t>
+            </a:r>
+            <a:r>
+              <a:rPr lang="en-US" dirty="0"/>
+              <a:t> (</a:t>
+            </a:r>
+            <a:r>
+              <a:rPr lang="en-US" dirty="0" err="1"/>
+              <a:t>tương</a:t>
+            </a:r>
+            <a:r>
+              <a:rPr lang="en-US" dirty="0"/>
+              <a:t> </a:t>
+            </a:r>
+            <a:r>
+              <a:rPr lang="en-US" dirty="0" err="1"/>
+              <a:t>tự</a:t>
+            </a:r>
+            <a:r>
+              <a:rPr lang="en-US" dirty="0"/>
+              <a:t> IMDb </a:t>
+            </a:r>
+            <a:r>
+              <a:rPr lang="en-US" dirty="0" err="1"/>
+              <a:t>của</a:t>
+            </a:r>
+            <a:r>
+              <a:rPr lang="en-US" dirty="0"/>
+              <a:t> </a:t>
+            </a:r>
+            <a:r>
+              <a:rPr lang="en-US" dirty="0" err="1"/>
+              <a:t>nước</a:t>
+            </a:r>
+            <a:r>
+              <a:rPr lang="en-US" dirty="0"/>
+              <a:t> </a:t>
+            </a:r>
+            <a:r>
+              <a:rPr lang="en-US" dirty="0" err="1"/>
+              <a:t>ngoài</a:t>
+            </a:r>
+            <a:r>
+              <a:rPr lang="en-US" dirty="0"/>
+              <a:t>)</a:t>
+            </a:r>
+          </a:p>
+          <a:p>
+            <a:endParaRPr lang="en-US" dirty="0"/>
+          </a:p>
+          <a:p>
+            <a:endParaRPr lang="en-US" dirty="0"/>
+          </a:p>
+        </p:txBody>
+      </p:sp>
+      <p:pic>
+        <p:nvPicPr>
+          <p:cNvPr id="5" name="Picture 4">
+            <a:extLst>
+              <a:ext uri="{FF2B5EF4-FFF2-40B4-BE49-F238E27FC236}">
+                <a16:creationId xmlns:a16="http://schemas.microsoft.com/office/drawing/2014/main" id="{6F6F628D-CF3C-BD40-A26F-7C44EFD1AA73}"/>
+              </a:ext>
+            </a:extLst>
+          </p:cNvPr>
+          <p:cNvPicPr>
+            <a:picLocks noChangeAspect="1"/>
+          </p:cNvPicPr>
+          <p:nvPr/>
+        </p:nvPicPr>
+        <p:blipFill>
+          <a:blip r:embed="rId2">
+            <a:extLst>
+              <a:ext uri="{28A0092B-C50C-407E-A947-70E740481C1C}">
+                <a14:useLocalDpi xmlns:a14="http://schemas.microsoft.com/office/drawing/2010/main" val="0"/>
+              </a:ext>
+            </a:extLst>
+          </a:blip>
+          <a:stretch>
+            <a:fillRect/>
+          </a:stretch>
+        </p:blipFill>
+        <p:spPr>
+          <a:xfrm>
+            <a:off x="1558731" y="2573181"/>
+            <a:ext cx="1303738" cy="566480"/>
+          </a:xfrm>
+          <a:prstGeom prst="rect">
+            <a:avLst/>
+          </a:prstGeom>
+        </p:spPr>
+      </p:pic>
+      <p:pic>
+        <p:nvPicPr>
+          <p:cNvPr id="7" name="Picture 6">
+            <a:extLst>
+              <a:ext uri="{FF2B5EF4-FFF2-40B4-BE49-F238E27FC236}">
+                <a16:creationId xmlns:a16="http://schemas.microsoft.com/office/drawing/2014/main" id="{5456B04B-21ED-2745-8B11-7A264984EAD0}"/>
+              </a:ext>
+            </a:extLst>
+          </p:cNvPr>
+          <p:cNvPicPr>
+            <a:picLocks noChangeAspect="1"/>
+          </p:cNvPicPr>
+          <p:nvPr/>
+        </p:nvPicPr>
+        <p:blipFill>
+          <a:blip r:embed="rId3">
+            <a:extLst>
+              <a:ext uri="{28A0092B-C50C-407E-A947-70E740481C1C}">
+                <a14:useLocalDpi xmlns:a14="http://schemas.microsoft.com/office/drawing/2010/main" val="0"/>
+              </a:ext>
+            </a:extLst>
+          </a:blip>
+          <a:stretch>
+            <a:fillRect/>
+          </a:stretch>
+        </p:blipFill>
+        <p:spPr>
+          <a:xfrm>
+            <a:off x="3355064" y="2444941"/>
+            <a:ext cx="830580" cy="822960"/>
+          </a:xfrm>
+          <a:prstGeom prst="rect">
+            <a:avLst/>
+          </a:prstGeom>
+        </p:spPr>
+      </p:pic>
+      <p:pic>
+        <p:nvPicPr>
+          <p:cNvPr id="9" name="Picture 8">
+            <a:extLst>
+              <a:ext uri="{FF2B5EF4-FFF2-40B4-BE49-F238E27FC236}">
+                <a16:creationId xmlns:a16="http://schemas.microsoft.com/office/drawing/2014/main" id="{E091BCCD-C863-B443-A4FF-B61D70BA20D4}"/>
+              </a:ext>
+            </a:extLst>
+          </p:cNvPr>
+          <p:cNvPicPr>
+            <a:picLocks noChangeAspect="1"/>
+          </p:cNvPicPr>
+          <p:nvPr/>
+        </p:nvPicPr>
+        <p:blipFill>
+          <a:blip r:embed="rId4">
+            <a:extLst>
+              <a:ext uri="{28A0092B-C50C-407E-A947-70E740481C1C}">
+                <a14:useLocalDpi xmlns:a14="http://schemas.microsoft.com/office/drawing/2010/main" val="0"/>
+              </a:ext>
+            </a:extLst>
+          </a:blip>
+          <a:stretch>
+            <a:fillRect/>
+          </a:stretch>
+        </p:blipFill>
+        <p:spPr>
+          <a:xfrm>
+            <a:off x="4678239" y="2573181"/>
+            <a:ext cx="1448518" cy="604290"/>
+          </a:xfrm>
+          <a:prstGeom prst="rect">
+            <a:avLst/>
+          </a:prstGeom>
+        </p:spPr>
+      </p:pic>
+      <p:pic>
+        <p:nvPicPr>
+          <p:cNvPr id="11" name="Picture 10">
+            <a:extLst>
+              <a:ext uri="{FF2B5EF4-FFF2-40B4-BE49-F238E27FC236}">
+                <a16:creationId xmlns:a16="http://schemas.microsoft.com/office/drawing/2014/main" id="{07238AD6-83C4-8344-9C89-AA70D014397B}"/>
+              </a:ext>
+            </a:extLst>
+          </p:cNvPr>
+          <p:cNvPicPr>
+            <a:picLocks noChangeAspect="1"/>
+          </p:cNvPicPr>
+          <p:nvPr/>
+        </p:nvPicPr>
+        <p:blipFill>
+          <a:blip r:embed="rId5">
+            <a:extLst>
+              <a:ext uri="{28A0092B-C50C-407E-A947-70E740481C1C}">
+                <a14:useLocalDpi xmlns:a14="http://schemas.microsoft.com/office/drawing/2010/main" val="0"/>
+              </a:ext>
+            </a:extLst>
+          </a:blip>
+          <a:stretch>
+            <a:fillRect/>
+          </a:stretch>
+        </p:blipFill>
+        <p:spPr>
+          <a:xfrm>
+            <a:off x="6619352" y="2233802"/>
+            <a:ext cx="1233500" cy="1233500"/>
+          </a:xfrm>
+          <a:prstGeom prst="rect">
+            <a:avLst/>
+          </a:prstGeom>
+        </p:spPr>
+      </p:pic>
+      <p:pic>
+        <p:nvPicPr>
+          <p:cNvPr id="12" name="Picture 11">
+            <a:extLst>
+              <a:ext uri="{FF2B5EF4-FFF2-40B4-BE49-F238E27FC236}">
+                <a16:creationId xmlns:a16="http://schemas.microsoft.com/office/drawing/2014/main" id="{068A9CF8-490E-BE4A-AE17-4AE03A190950}"/>
+              </a:ext>
+            </a:extLst>
+          </p:cNvPr>
+          <p:cNvPicPr>
+            <a:picLocks noChangeAspect="1"/>
+          </p:cNvPicPr>
+          <p:nvPr/>
+        </p:nvPicPr>
+        <p:blipFill>
+          <a:blip r:embed="rId6"/>
+          <a:stretch>
+            <a:fillRect/>
+          </a:stretch>
+        </p:blipFill>
+        <p:spPr>
+          <a:xfrm>
+            <a:off x="2462088" y="4494882"/>
+            <a:ext cx="4080123" cy="1796382"/>
+          </a:xfrm>
+          <a:prstGeom prst="rect">
+            <a:avLst/>
+          </a:prstGeom>
+        </p:spPr>
+      </p:pic>
+      <p:sp>
+        <p:nvSpPr>
+          <p:cNvPr id="13" name="Slide Number Placeholder 12">
+            <a:extLst>
+              <a:ext uri="{FF2B5EF4-FFF2-40B4-BE49-F238E27FC236}">
+                <a16:creationId xmlns:a16="http://schemas.microsoft.com/office/drawing/2014/main" id="{93746D16-0502-E44E-9A03-6C7DA586337E}"/>
+              </a:ext>
+            </a:extLst>
+          </p:cNvPr>
+          <p:cNvSpPr>
+            <a:spLocks noGrp="1"/>
+          </p:cNvSpPr>
+          <p:nvPr>
+            <p:ph type="sldNum" sz="quarter" idx="12"/>
+          </p:nvPr>
+        </p:nvSpPr>
+        <p:spPr/>
+        <p:txBody>
+          <a:bodyPr/>
+          <a:lstStyle/>
+          <a:p>
+            <a:fld id="{A02EBBDA-6239-48A4-BF42-145536EAE284}" type="slidenum">
+              <a:rPr lang="en-US" smtClean="0"/>
+              <a:t>5</a:t>
+            </a:fld>
             <a:endParaRPr lang="en-US"/>
           </a:p>
         </p:txBody>
@@ -4670,7 +11749,7 @@
     </p:spTree>
     <p:extLst>
       <p:ext uri="{BB962C8B-B14F-4D97-AF65-F5344CB8AC3E}">
-        <p14:creationId xmlns:p14="http://schemas.microsoft.com/office/powerpoint/2010/main" val="250996911"/>
+        <p14:creationId xmlns:p14="http://schemas.microsoft.com/office/powerpoint/2010/main" val="1380016091"/>
       </p:ext>
     </p:extLst>
   </p:cSld>
@@ -4712,7 +11791,84 @@
           <a:bodyPr/>
           <a:lstStyle/>
           <a:p>
-            <a:endParaRPr lang="en-US"/>
+            <a:r>
+              <a:rPr lang="en-US" b="0" dirty="0">
+                <a:latin typeface="Arial" panose="020B0604020202020204" pitchFamily="34" charset="0"/>
+                <a:cs typeface="Arial" panose="020B0604020202020204" pitchFamily="34" charset="0"/>
+              </a:rPr>
+              <a:t>1.1 </a:t>
+            </a:r>
+            <a:r>
+              <a:rPr lang="en-US" b="0" dirty="0" err="1">
+                <a:latin typeface="Arial" panose="020B0604020202020204" pitchFamily="34" charset="0"/>
+                <a:cs typeface="Arial" panose="020B0604020202020204" pitchFamily="34" charset="0"/>
+              </a:rPr>
+              <a:t>Giới</a:t>
+            </a:r>
+            <a:r>
+              <a:rPr lang="en-US" b="0" dirty="0">
+                <a:latin typeface="Arial" panose="020B0604020202020204" pitchFamily="34" charset="0"/>
+                <a:cs typeface="Arial" panose="020B0604020202020204" pitchFamily="34" charset="0"/>
+              </a:rPr>
+              <a:t> </a:t>
+            </a:r>
+            <a:r>
+              <a:rPr lang="en-US" b="0" dirty="0" err="1">
+                <a:latin typeface="Arial" panose="020B0604020202020204" pitchFamily="34" charset="0"/>
+                <a:cs typeface="Arial" panose="020B0604020202020204" pitchFamily="34" charset="0"/>
+              </a:rPr>
+              <a:t>thiệu</a:t>
+            </a:r>
+            <a:r>
+              <a:rPr lang="en-US" b="0" dirty="0">
+                <a:latin typeface="Arial" panose="020B0604020202020204" pitchFamily="34" charset="0"/>
+                <a:cs typeface="Arial" panose="020B0604020202020204" pitchFamily="34" charset="0"/>
+              </a:rPr>
+              <a:t> </a:t>
+            </a:r>
+            <a:r>
+              <a:rPr lang="en-US" b="0" dirty="0" err="1">
+                <a:latin typeface="Arial" panose="020B0604020202020204" pitchFamily="34" charset="0"/>
+                <a:cs typeface="Arial" panose="020B0604020202020204" pitchFamily="34" charset="0"/>
+              </a:rPr>
+              <a:t>bài</a:t>
+            </a:r>
+            <a:r>
+              <a:rPr lang="en-US" b="0" dirty="0">
+                <a:latin typeface="Arial" panose="020B0604020202020204" pitchFamily="34" charset="0"/>
+                <a:cs typeface="Arial" panose="020B0604020202020204" pitchFamily="34" charset="0"/>
+              </a:rPr>
+              <a:t> </a:t>
+            </a:r>
+            <a:r>
+              <a:rPr lang="en-US" b="0" dirty="0" err="1">
+                <a:latin typeface="Arial" panose="020B0604020202020204" pitchFamily="34" charset="0"/>
+                <a:cs typeface="Arial" panose="020B0604020202020204" pitchFamily="34" charset="0"/>
+              </a:rPr>
+              <a:t>toán</a:t>
+            </a:r>
+            <a:r>
+              <a:rPr lang="en-US" b="0" dirty="0">
+                <a:latin typeface="Arial" panose="020B0604020202020204" pitchFamily="34" charset="0"/>
+                <a:cs typeface="Arial" panose="020B0604020202020204" pitchFamily="34" charset="0"/>
+              </a:rPr>
+              <a:t> (</a:t>
+            </a:r>
+            <a:r>
+              <a:rPr lang="en-US" b="0" dirty="0" err="1">
+                <a:latin typeface="Arial" panose="020B0604020202020204" pitchFamily="34" charset="0"/>
+                <a:cs typeface="Arial" panose="020B0604020202020204" pitchFamily="34" charset="0"/>
+              </a:rPr>
+              <a:t>tiếp</a:t>
+            </a:r>
+            <a:r>
+              <a:rPr lang="en-US" b="0" dirty="0">
+                <a:latin typeface="Arial" panose="020B0604020202020204" pitchFamily="34" charset="0"/>
+                <a:cs typeface="Arial" panose="020B0604020202020204" pitchFamily="34" charset="0"/>
+              </a:rPr>
+              <a:t>)</a:t>
+            </a:r>
+            <a:endParaRPr lang="en-US" b="0" dirty="0"/>
           </a:p>
         </p:txBody>
       </p:sp>
@@ -4731,6 +11887,752 @@
           <a:bodyPr/>
           <a:lstStyle/>
           <a:p>
+            <a:pPr marL="0" indent="0">
+              <a:buNone/>
+            </a:pPr>
+            <a:r>
+              <a:rPr lang="en-US" dirty="0">
+                <a:sym typeface="Wingdings" pitchFamily="2" charset="2"/>
+              </a:rPr>
+              <a:t> </a:t>
+            </a:r>
+            <a:r>
+              <a:rPr lang="en-US" dirty="0" err="1">
+                <a:sym typeface="Wingdings" pitchFamily="2" charset="2"/>
+              </a:rPr>
+              <a:t>Nhóm</a:t>
+            </a:r>
+            <a:r>
+              <a:rPr lang="en-US" dirty="0">
+                <a:sym typeface="Wingdings" pitchFamily="2" charset="2"/>
+              </a:rPr>
+              <a:t> </a:t>
+            </a:r>
+            <a:r>
+              <a:rPr lang="en-US" dirty="0" err="1">
+                <a:sym typeface="Wingdings" pitchFamily="2" charset="2"/>
+              </a:rPr>
+              <a:t>quyết</a:t>
+            </a:r>
+            <a:r>
+              <a:rPr lang="en-US" dirty="0">
+                <a:sym typeface="Wingdings" pitchFamily="2" charset="2"/>
+              </a:rPr>
+              <a:t> </a:t>
+            </a:r>
+            <a:r>
+              <a:rPr lang="en-US" dirty="0" err="1">
+                <a:sym typeface="Wingdings" pitchFamily="2" charset="2"/>
+              </a:rPr>
+              <a:t>định</a:t>
+            </a:r>
+            <a:r>
+              <a:rPr lang="en-US" dirty="0">
+                <a:sym typeface="Wingdings" pitchFamily="2" charset="2"/>
+              </a:rPr>
+              <a:t> </a:t>
+            </a:r>
+            <a:r>
+              <a:rPr lang="en-US" dirty="0" err="1">
+                <a:sym typeface="Wingdings" pitchFamily="2" charset="2"/>
+              </a:rPr>
+              <a:t>chọn</a:t>
+            </a:r>
+            <a:r>
+              <a:rPr lang="en-US" dirty="0">
+                <a:sym typeface="Wingdings" pitchFamily="2" charset="2"/>
+              </a:rPr>
+              <a:t> </a:t>
+            </a:r>
+            <a:r>
+              <a:rPr lang="en-US" dirty="0" err="1">
+                <a:sym typeface="Wingdings" pitchFamily="2" charset="2"/>
+              </a:rPr>
+              <a:t>đề</a:t>
+            </a:r>
+            <a:r>
+              <a:rPr lang="en-US" dirty="0">
+                <a:sym typeface="Wingdings" pitchFamily="2" charset="2"/>
+              </a:rPr>
+              <a:t> </a:t>
+            </a:r>
+            <a:r>
+              <a:rPr lang="en-US" dirty="0" err="1">
+                <a:sym typeface="Wingdings" pitchFamily="2" charset="2"/>
+              </a:rPr>
+              <a:t>tài</a:t>
+            </a:r>
+            <a:r>
+              <a:rPr lang="en-US" dirty="0">
+                <a:sym typeface="Wingdings" pitchFamily="2" charset="2"/>
+              </a:rPr>
+              <a:t>:</a:t>
+            </a:r>
+          </a:p>
+          <a:p>
+            <a:pPr marL="0" indent="0">
+              <a:buNone/>
+            </a:pPr>
+            <a:r>
+              <a:rPr lang="en-US" b="1" dirty="0">
+                <a:sym typeface="Wingdings" pitchFamily="2" charset="2"/>
+              </a:rPr>
+              <a:t>”</a:t>
+            </a:r>
+            <a:r>
+              <a:rPr lang="en-US" b="1" dirty="0" err="1">
+                <a:sym typeface="Wingdings" pitchFamily="2" charset="2"/>
+              </a:rPr>
+              <a:t>Xây</a:t>
+            </a:r>
+            <a:r>
+              <a:rPr lang="en-US" b="1" dirty="0">
+                <a:sym typeface="Wingdings" pitchFamily="2" charset="2"/>
+              </a:rPr>
+              <a:t> </a:t>
+            </a:r>
+            <a:r>
+              <a:rPr lang="en-US" b="1" dirty="0" err="1">
+                <a:sym typeface="Wingdings" pitchFamily="2" charset="2"/>
+              </a:rPr>
+              <a:t>dựng</a:t>
+            </a:r>
+            <a:r>
+              <a:rPr lang="en-US" b="1" dirty="0">
+                <a:sym typeface="Wingdings" pitchFamily="2" charset="2"/>
+              </a:rPr>
+              <a:t> </a:t>
+            </a:r>
+            <a:r>
+              <a:rPr lang="en-US" b="1" dirty="0" err="1">
+                <a:sym typeface="Wingdings" pitchFamily="2" charset="2"/>
+              </a:rPr>
+              <a:t>hệ</a:t>
+            </a:r>
+            <a:r>
+              <a:rPr lang="en-US" b="1" dirty="0">
+                <a:sym typeface="Wingdings" pitchFamily="2" charset="2"/>
+              </a:rPr>
+              <a:t> </a:t>
+            </a:r>
+            <a:r>
+              <a:rPr lang="en-US" b="1" dirty="0" err="1">
+                <a:sym typeface="Wingdings" pitchFamily="2" charset="2"/>
+              </a:rPr>
+              <a:t>thống</a:t>
+            </a:r>
+            <a:r>
+              <a:rPr lang="en-US" b="1" dirty="0">
+                <a:sym typeface="Wingdings" pitchFamily="2" charset="2"/>
+              </a:rPr>
+              <a:t> </a:t>
+            </a:r>
+            <a:r>
+              <a:rPr lang="en-US" b="1" dirty="0" err="1">
+                <a:sym typeface="Wingdings" pitchFamily="2" charset="2"/>
+              </a:rPr>
+              <a:t>Cổng</a:t>
+            </a:r>
+            <a:r>
+              <a:rPr lang="en-US" b="1" dirty="0">
+                <a:sym typeface="Wingdings" pitchFamily="2" charset="2"/>
+              </a:rPr>
+              <a:t> </a:t>
+            </a:r>
+            <a:r>
+              <a:rPr lang="en-US" b="1" dirty="0" err="1">
+                <a:sym typeface="Wingdings" pitchFamily="2" charset="2"/>
+              </a:rPr>
+              <a:t>thông</a:t>
+            </a:r>
+            <a:r>
+              <a:rPr lang="en-US" b="1" dirty="0">
+                <a:sym typeface="Wingdings" pitchFamily="2" charset="2"/>
+              </a:rPr>
+              <a:t> tin </a:t>
+            </a:r>
+            <a:r>
+              <a:rPr lang="en-US" b="1" dirty="0" err="1">
+                <a:sym typeface="Wingdings" pitchFamily="2" charset="2"/>
+              </a:rPr>
+              <a:t>về</a:t>
+            </a:r>
+            <a:r>
+              <a:rPr lang="en-US" b="1" dirty="0">
+                <a:sym typeface="Wingdings" pitchFamily="2" charset="2"/>
+              </a:rPr>
+              <a:t> </a:t>
+            </a:r>
+            <a:r>
+              <a:rPr lang="en-US" b="1" dirty="0" err="1">
+                <a:sym typeface="Wingdings" pitchFamily="2" charset="2"/>
+              </a:rPr>
+              <a:t>phim</a:t>
+            </a:r>
+            <a:r>
+              <a:rPr lang="en-US" b="1" dirty="0">
+                <a:sym typeface="Wingdings" pitchFamily="2" charset="2"/>
+              </a:rPr>
+              <a:t> </a:t>
+            </a:r>
+            <a:r>
+              <a:rPr lang="en-US" b="1" dirty="0" err="1">
+                <a:sym typeface="Wingdings" pitchFamily="2" charset="2"/>
+              </a:rPr>
+              <a:t>chiếu</a:t>
+            </a:r>
+            <a:r>
+              <a:rPr lang="en-US" b="1" dirty="0">
+                <a:sym typeface="Wingdings" pitchFamily="2" charset="2"/>
+              </a:rPr>
+              <a:t> </a:t>
+            </a:r>
+            <a:r>
+              <a:rPr lang="en-US" b="1" dirty="0" err="1">
+                <a:sym typeface="Wingdings" pitchFamily="2" charset="2"/>
+              </a:rPr>
+              <a:t>rạp</a:t>
+            </a:r>
+            <a:r>
+              <a:rPr lang="en-US" b="1" dirty="0">
+                <a:sym typeface="Wingdings" pitchFamily="2" charset="2"/>
+              </a:rPr>
+              <a:t> </a:t>
+            </a:r>
+            <a:r>
+              <a:rPr lang="en-US" b="1" dirty="0" err="1">
+                <a:sym typeface="Wingdings" pitchFamily="2" charset="2"/>
+              </a:rPr>
+              <a:t>tại</a:t>
+            </a:r>
+            <a:r>
+              <a:rPr lang="en-US" b="1" dirty="0">
+                <a:sym typeface="Wingdings" pitchFamily="2" charset="2"/>
+              </a:rPr>
+              <a:t> </a:t>
+            </a:r>
+            <a:r>
+              <a:rPr lang="en-US" b="1" dirty="0" err="1">
+                <a:sym typeface="Wingdings" pitchFamily="2" charset="2"/>
+              </a:rPr>
+              <a:t>Việt</a:t>
+            </a:r>
+            <a:r>
+              <a:rPr lang="en-US" b="1" dirty="0">
+                <a:sym typeface="Wingdings" pitchFamily="2" charset="2"/>
+              </a:rPr>
+              <a:t> Nam”</a:t>
+            </a:r>
+          </a:p>
+          <a:p>
+            <a:pPr marL="0" indent="0">
+              <a:buNone/>
+            </a:pPr>
+            <a:endParaRPr lang="en-US" dirty="0">
+              <a:sym typeface="Wingdings" pitchFamily="2" charset="2"/>
+            </a:endParaRPr>
+          </a:p>
+          <a:p>
+            <a:pPr marL="0" indent="0">
+              <a:buNone/>
+            </a:pPr>
+            <a:r>
+              <a:rPr lang="en-US" dirty="0">
+                <a:sym typeface="Wingdings" pitchFamily="2" charset="2"/>
+              </a:rPr>
+              <a:t> </a:t>
+            </a:r>
+            <a:r>
+              <a:rPr lang="en-US" dirty="0" err="1">
+                <a:sym typeface="Wingdings" pitchFamily="2" charset="2"/>
+              </a:rPr>
+              <a:t>Hệ</a:t>
+            </a:r>
+            <a:r>
+              <a:rPr lang="en-US" dirty="0">
+                <a:sym typeface="Wingdings" pitchFamily="2" charset="2"/>
+              </a:rPr>
+              <a:t> </a:t>
+            </a:r>
+            <a:r>
+              <a:rPr lang="en-US" dirty="0" err="1">
+                <a:sym typeface="Wingdings" pitchFamily="2" charset="2"/>
+              </a:rPr>
+              <a:t>thống</a:t>
+            </a:r>
+            <a:r>
+              <a:rPr lang="en-US" dirty="0">
+                <a:sym typeface="Wingdings" pitchFamily="2" charset="2"/>
+              </a:rPr>
+              <a:t> </a:t>
+            </a:r>
+            <a:r>
+              <a:rPr lang="en-US" dirty="0" err="1">
+                <a:sym typeface="Wingdings" pitchFamily="2" charset="2"/>
+              </a:rPr>
+              <a:t>sẽ</a:t>
+            </a:r>
+            <a:r>
+              <a:rPr lang="en-US" dirty="0">
+                <a:sym typeface="Wingdings" pitchFamily="2" charset="2"/>
+              </a:rPr>
+              <a:t> </a:t>
+            </a:r>
+            <a:r>
+              <a:rPr lang="en-US" dirty="0" err="1">
+                <a:sym typeface="Wingdings" pitchFamily="2" charset="2"/>
+              </a:rPr>
+              <a:t>giải</a:t>
+            </a:r>
+            <a:r>
+              <a:rPr lang="en-US" dirty="0">
+                <a:sym typeface="Wingdings" pitchFamily="2" charset="2"/>
+              </a:rPr>
+              <a:t> </a:t>
+            </a:r>
+            <a:r>
+              <a:rPr lang="en-US" dirty="0" err="1">
+                <a:sym typeface="Wingdings" pitchFamily="2" charset="2"/>
+              </a:rPr>
+              <a:t>quyết</a:t>
+            </a:r>
+            <a:r>
+              <a:rPr lang="en-US" dirty="0">
+                <a:sym typeface="Wingdings" pitchFamily="2" charset="2"/>
+              </a:rPr>
+              <a:t> </a:t>
+            </a:r>
+            <a:r>
+              <a:rPr lang="en-US" dirty="0" err="1">
+                <a:sym typeface="Wingdings" pitchFamily="2" charset="2"/>
+              </a:rPr>
+              <a:t>các</a:t>
+            </a:r>
+            <a:r>
+              <a:rPr lang="en-US" dirty="0">
+                <a:sym typeface="Wingdings" pitchFamily="2" charset="2"/>
+              </a:rPr>
+              <a:t> </a:t>
+            </a:r>
+            <a:r>
+              <a:rPr lang="en-US" dirty="0" err="1">
+                <a:sym typeface="Wingdings" pitchFamily="2" charset="2"/>
+              </a:rPr>
+              <a:t>vấn</a:t>
+            </a:r>
+            <a:r>
+              <a:rPr lang="en-US" dirty="0">
+                <a:sym typeface="Wingdings" pitchFamily="2" charset="2"/>
+              </a:rPr>
+              <a:t> </a:t>
+            </a:r>
+            <a:r>
+              <a:rPr lang="en-US" dirty="0" err="1">
+                <a:sym typeface="Wingdings" pitchFamily="2" charset="2"/>
+              </a:rPr>
+              <a:t>đề</a:t>
+            </a:r>
+            <a:r>
+              <a:rPr lang="en-US" dirty="0">
+                <a:sym typeface="Wingdings" pitchFamily="2" charset="2"/>
+              </a:rPr>
+              <a:t>:</a:t>
+            </a:r>
+          </a:p>
+          <a:p>
+            <a:r>
+              <a:rPr lang="en-US" dirty="0" err="1"/>
+              <a:t>Cung</a:t>
+            </a:r>
+            <a:r>
+              <a:rPr lang="en-US" dirty="0"/>
+              <a:t> </a:t>
+            </a:r>
+            <a:r>
+              <a:rPr lang="en-US" dirty="0" err="1"/>
+              <a:t>cấp</a:t>
+            </a:r>
+            <a:r>
+              <a:rPr lang="en-US" dirty="0"/>
+              <a:t> </a:t>
+            </a:r>
+            <a:r>
+              <a:rPr lang="en-US" dirty="0" err="1"/>
+              <a:t>thông</a:t>
+            </a:r>
+            <a:r>
+              <a:rPr lang="en-US" dirty="0"/>
+              <a:t> tin </a:t>
+            </a:r>
+            <a:r>
+              <a:rPr lang="en-US" dirty="0" err="1"/>
+              <a:t>về</a:t>
+            </a:r>
+            <a:r>
+              <a:rPr lang="en-US" dirty="0"/>
+              <a:t> </a:t>
+            </a:r>
+            <a:r>
+              <a:rPr lang="en-US" dirty="0" err="1"/>
+              <a:t>tất</a:t>
+            </a:r>
+            <a:r>
+              <a:rPr lang="en-US" dirty="0"/>
+              <a:t> </a:t>
+            </a:r>
+            <a:r>
+              <a:rPr lang="en-US" dirty="0" err="1"/>
+              <a:t>cả</a:t>
+            </a:r>
+            <a:r>
+              <a:rPr lang="en-US" dirty="0"/>
+              <a:t> </a:t>
+            </a:r>
+            <a:r>
+              <a:rPr lang="en-US" dirty="0" err="1"/>
+              <a:t>các</a:t>
+            </a:r>
+            <a:r>
+              <a:rPr lang="en-US" dirty="0"/>
+              <a:t> </a:t>
+            </a:r>
+            <a:r>
+              <a:rPr lang="en-US" dirty="0" err="1"/>
+              <a:t>bộ</a:t>
+            </a:r>
+            <a:r>
+              <a:rPr lang="en-US" dirty="0"/>
+              <a:t> </a:t>
+            </a:r>
+            <a:r>
+              <a:rPr lang="en-US" dirty="0" err="1"/>
+              <a:t>phim</a:t>
+            </a:r>
+            <a:r>
+              <a:rPr lang="en-US" dirty="0"/>
+              <a:t> </a:t>
+            </a:r>
+            <a:r>
+              <a:rPr lang="en-US" dirty="0" err="1"/>
+              <a:t>chiếu</a:t>
+            </a:r>
+            <a:r>
+              <a:rPr lang="en-US" dirty="0"/>
+              <a:t> </a:t>
+            </a:r>
+            <a:r>
+              <a:rPr lang="en-US" dirty="0" err="1"/>
+              <a:t>rạp</a:t>
+            </a:r>
+            <a:r>
+              <a:rPr lang="en-US" dirty="0"/>
+              <a:t> </a:t>
+            </a:r>
+            <a:r>
+              <a:rPr lang="en-US" dirty="0" err="1"/>
+              <a:t>ở</a:t>
+            </a:r>
+            <a:r>
+              <a:rPr lang="en-US" dirty="0"/>
+              <a:t> </a:t>
+            </a:r>
+            <a:r>
+              <a:rPr lang="en-US" dirty="0" err="1"/>
+              <a:t>Việt</a:t>
+            </a:r>
+            <a:r>
+              <a:rPr lang="en-US" dirty="0"/>
+              <a:t> Nam</a:t>
+            </a:r>
+          </a:p>
+          <a:p>
+            <a:r>
+              <a:rPr lang="en-US" dirty="0" err="1"/>
+              <a:t>Diễn</a:t>
+            </a:r>
+            <a:r>
+              <a:rPr lang="en-US" dirty="0"/>
+              <a:t> </a:t>
+            </a:r>
+            <a:r>
+              <a:rPr lang="en-US" dirty="0" err="1"/>
+              <a:t>đàn</a:t>
+            </a:r>
+            <a:r>
+              <a:rPr lang="en-US" dirty="0"/>
+              <a:t> </a:t>
+            </a:r>
+            <a:r>
+              <a:rPr lang="en-US" dirty="0" err="1"/>
+              <a:t>mở</a:t>
+            </a:r>
+            <a:r>
+              <a:rPr lang="en-US" dirty="0"/>
+              <a:t> </a:t>
+            </a:r>
+            <a:r>
+              <a:rPr lang="en-US" dirty="0" err="1"/>
+              <a:t>để</a:t>
+            </a:r>
+            <a:r>
+              <a:rPr lang="en-US" dirty="0"/>
+              <a:t> </a:t>
+            </a:r>
+            <a:r>
+              <a:rPr lang="en-US" dirty="0" err="1"/>
+              <a:t>mọi</a:t>
+            </a:r>
+            <a:r>
+              <a:rPr lang="en-US" dirty="0"/>
+              <a:t> </a:t>
+            </a:r>
+            <a:r>
+              <a:rPr lang="en-US" dirty="0" err="1"/>
+              <a:t>người</a:t>
+            </a:r>
+            <a:r>
+              <a:rPr lang="en-US" dirty="0"/>
+              <a:t> </a:t>
+            </a:r>
+            <a:r>
+              <a:rPr lang="en-US" dirty="0" err="1"/>
+              <a:t>bình</a:t>
+            </a:r>
+            <a:r>
+              <a:rPr lang="en-US" dirty="0"/>
+              <a:t> </a:t>
+            </a:r>
+            <a:r>
+              <a:rPr lang="en-US" dirty="0" err="1"/>
+              <a:t>luận</a:t>
+            </a:r>
+            <a:r>
+              <a:rPr lang="en-US" dirty="0"/>
+              <a:t>, review </a:t>
+            </a:r>
+            <a:r>
+              <a:rPr lang="en-US" dirty="0" err="1"/>
+              <a:t>phim</a:t>
+            </a:r>
+            <a:endParaRPr lang="en-US" dirty="0"/>
+          </a:p>
+          <a:p>
+            <a:r>
+              <a:rPr lang="en-US" dirty="0" err="1"/>
+              <a:t>Cung</a:t>
+            </a:r>
+            <a:r>
+              <a:rPr lang="en-US" dirty="0"/>
+              <a:t> </a:t>
+            </a:r>
+            <a:r>
+              <a:rPr lang="en-US" dirty="0" err="1"/>
+              <a:t>cấp</a:t>
+            </a:r>
+            <a:r>
+              <a:rPr lang="en-US" dirty="0"/>
+              <a:t> </a:t>
+            </a:r>
+            <a:r>
+              <a:rPr lang="en-US" dirty="0" err="1"/>
+              <a:t>thông</a:t>
+            </a:r>
+            <a:r>
+              <a:rPr lang="en-US" dirty="0"/>
+              <a:t> tin </a:t>
+            </a:r>
+            <a:r>
+              <a:rPr lang="en-US" dirty="0" err="1"/>
+              <a:t>tổng</a:t>
+            </a:r>
+            <a:r>
+              <a:rPr lang="en-US" dirty="0"/>
+              <a:t> </a:t>
+            </a:r>
+            <a:r>
+              <a:rPr lang="en-US" dirty="0" err="1"/>
+              <a:t>hợp</a:t>
+            </a:r>
+            <a:r>
+              <a:rPr lang="en-US" dirty="0"/>
+              <a:t> </a:t>
+            </a:r>
+            <a:r>
+              <a:rPr lang="en-US" dirty="0" err="1"/>
+              <a:t>về</a:t>
+            </a:r>
+            <a:r>
+              <a:rPr lang="en-US" dirty="0"/>
+              <a:t> </a:t>
+            </a:r>
+            <a:r>
+              <a:rPr lang="en-US" dirty="0" err="1"/>
+              <a:t>tất</a:t>
+            </a:r>
+            <a:r>
+              <a:rPr lang="en-US" dirty="0"/>
+              <a:t> </a:t>
+            </a:r>
+            <a:r>
+              <a:rPr lang="en-US" dirty="0" err="1"/>
+              <a:t>cả</a:t>
+            </a:r>
+            <a:r>
+              <a:rPr lang="en-US" dirty="0"/>
+              <a:t> </a:t>
+            </a:r>
+            <a:r>
+              <a:rPr lang="en-US" dirty="0" err="1"/>
+              <a:t>rạp</a:t>
+            </a:r>
+            <a:r>
+              <a:rPr lang="en-US" dirty="0"/>
+              <a:t> </a:t>
+            </a:r>
+            <a:r>
+              <a:rPr lang="en-US" dirty="0" err="1"/>
+              <a:t>phim</a:t>
+            </a:r>
+            <a:endParaRPr lang="en-US" dirty="0"/>
+          </a:p>
+          <a:p>
+            <a:r>
+              <a:rPr lang="en-US" dirty="0" err="1"/>
+              <a:t>Suất</a:t>
+            </a:r>
+            <a:r>
+              <a:rPr lang="en-US" dirty="0"/>
+              <a:t> </a:t>
+            </a:r>
+            <a:r>
+              <a:rPr lang="en-US" dirty="0" err="1"/>
+              <a:t>chiếu</a:t>
+            </a:r>
+            <a:r>
+              <a:rPr lang="en-US" dirty="0"/>
+              <a:t> </a:t>
+            </a:r>
+            <a:r>
+              <a:rPr lang="en-US" dirty="0" err="1"/>
+              <a:t>trong</a:t>
+            </a:r>
+            <a:r>
+              <a:rPr lang="en-US" dirty="0"/>
+              <a:t> </a:t>
+            </a:r>
+            <a:r>
+              <a:rPr lang="en-US" dirty="0" err="1"/>
+              <a:t>ngày</a:t>
+            </a:r>
+            <a:r>
+              <a:rPr lang="en-US" dirty="0"/>
+              <a:t> </a:t>
+            </a:r>
+            <a:r>
+              <a:rPr lang="en-US" dirty="0" err="1"/>
+              <a:t>của</a:t>
+            </a:r>
+            <a:r>
+              <a:rPr lang="en-US" dirty="0"/>
+              <a:t> </a:t>
+            </a:r>
+            <a:r>
+              <a:rPr lang="en-US" dirty="0" err="1"/>
+              <a:t>tất</a:t>
+            </a:r>
+            <a:r>
+              <a:rPr lang="en-US" dirty="0"/>
+              <a:t> </a:t>
+            </a:r>
+            <a:r>
+              <a:rPr lang="en-US" dirty="0" err="1"/>
+              <a:t>cả</a:t>
+            </a:r>
+            <a:r>
+              <a:rPr lang="en-US" dirty="0"/>
+              <a:t> </a:t>
+            </a:r>
+            <a:r>
+              <a:rPr lang="en-US" dirty="0" err="1"/>
+              <a:t>bộ</a:t>
+            </a:r>
+            <a:r>
+              <a:rPr lang="en-US" dirty="0"/>
+              <a:t> </a:t>
+            </a:r>
+            <a:r>
+              <a:rPr lang="en-US" dirty="0" err="1"/>
+              <a:t>phim</a:t>
+            </a:r>
+            <a:r>
+              <a:rPr lang="en-US" dirty="0"/>
+              <a:t>, </a:t>
+            </a:r>
+            <a:r>
+              <a:rPr lang="en-US" dirty="0" err="1"/>
+              <a:t>tại</a:t>
+            </a:r>
+            <a:r>
+              <a:rPr lang="en-US" dirty="0"/>
+              <a:t> </a:t>
+            </a:r>
+            <a:r>
+              <a:rPr lang="en-US" dirty="0" err="1"/>
+              <a:t>tất</a:t>
+            </a:r>
+            <a:r>
+              <a:rPr lang="en-US" dirty="0"/>
+              <a:t> </a:t>
+            </a:r>
+            <a:r>
+              <a:rPr lang="en-US" dirty="0" err="1"/>
+              <a:t>cả</a:t>
+            </a:r>
+            <a:r>
+              <a:rPr lang="en-US" dirty="0"/>
+              <a:t> </a:t>
+            </a:r>
+            <a:r>
+              <a:rPr lang="en-US" dirty="0" err="1"/>
+              <a:t>các</a:t>
+            </a:r>
+            <a:r>
+              <a:rPr lang="en-US" dirty="0"/>
+              <a:t> </a:t>
+            </a:r>
+            <a:r>
+              <a:rPr lang="en-US" dirty="0" err="1"/>
+              <a:t>rạp</a:t>
+            </a:r>
+            <a:endParaRPr lang="en-US" dirty="0"/>
+          </a:p>
+        </p:txBody>
+      </p:sp>
+      <p:sp>
+        <p:nvSpPr>
+          <p:cNvPr id="8" name="Slide Number Placeholder 7">
+            <a:extLst>
+              <a:ext uri="{FF2B5EF4-FFF2-40B4-BE49-F238E27FC236}">
+                <a16:creationId xmlns:a16="http://schemas.microsoft.com/office/drawing/2014/main" id="{0740B888-C8FE-6A40-A622-0FBCF7DD4ADE}"/>
+              </a:ext>
+            </a:extLst>
+          </p:cNvPr>
+          <p:cNvSpPr>
+            <a:spLocks noGrp="1"/>
+          </p:cNvSpPr>
+          <p:nvPr>
+            <p:ph type="sldNum" sz="quarter" idx="12"/>
+          </p:nvPr>
+        </p:nvSpPr>
+        <p:spPr/>
+        <p:txBody>
+          <a:bodyPr/>
+          <a:lstStyle/>
+          <a:p>
+            <a:fld id="{A02EBBDA-6239-48A4-BF42-145536EAE284}" type="slidenum">
+              <a:rPr lang="en-US" smtClean="0"/>
+              <a:t>6</a:t>
+            </a:fld>
             <a:endParaRPr lang="en-US"/>
           </a:p>
         </p:txBody>
@@ -4738,7 +12640,7 @@
     </p:spTree>
     <p:extLst>
       <p:ext uri="{BB962C8B-B14F-4D97-AF65-F5344CB8AC3E}">
-        <p14:creationId xmlns:p14="http://schemas.microsoft.com/office/powerpoint/2010/main" val="31164438"/>
+        <p14:creationId xmlns:p14="http://schemas.microsoft.com/office/powerpoint/2010/main" val="4267148783"/>
       </p:ext>
     </p:extLst>
   </p:cSld>
@@ -4780,7 +12682,39 @@
           <a:bodyPr/>
           <a:lstStyle/>
           <a:p>
-            <a:endParaRPr lang="en-US"/>
+            <a:r>
+              <a:rPr lang="en-US" dirty="0"/>
+              <a:t>1. </a:t>
+            </a:r>
+            <a:r>
+              <a:rPr lang="en-US" dirty="0" err="1"/>
+              <a:t>Tổng</a:t>
+            </a:r>
+            <a:r>
+              <a:rPr lang="en-US" dirty="0"/>
+              <a:t> </a:t>
+            </a:r>
+            <a:r>
+              <a:rPr lang="en-US" dirty="0" err="1"/>
+              <a:t>quan</a:t>
+            </a:r>
+            <a:r>
+              <a:rPr lang="en-US" dirty="0"/>
+              <a:t> </a:t>
+            </a:r>
+            <a:r>
+              <a:rPr lang="en-US" dirty="0" err="1"/>
+              <a:t>đề</a:t>
+            </a:r>
+            <a:r>
+              <a:rPr lang="en-US" dirty="0"/>
+              <a:t> </a:t>
+            </a:r>
+            <a:r>
+              <a:rPr lang="en-US" dirty="0" err="1"/>
+              <a:t>tài</a:t>
+            </a:r>
+            <a:endParaRPr lang="en-US" dirty="0"/>
           </a:p>
         </p:txBody>
       </p:sp>
@@ -4799,6 +12733,148 @@
           <a:bodyPr/>
           <a:lstStyle/>
           <a:p>
+            <a:pPr marL="0" indent="0">
+              <a:buNone/>
+            </a:pPr>
+            <a:r>
+              <a:rPr lang="en-US" dirty="0">
+                <a:latin typeface="Arial" panose="020B0604020202020204" pitchFamily="34" charset="0"/>
+                <a:cs typeface="Arial" panose="020B0604020202020204" pitchFamily="34" charset="0"/>
+              </a:rPr>
+              <a:t>1.1 </a:t>
+            </a:r>
+            <a:r>
+              <a:rPr lang="en-US" dirty="0" err="1">
+                <a:latin typeface="Arial" panose="020B0604020202020204" pitchFamily="34" charset="0"/>
+                <a:cs typeface="Arial" panose="020B0604020202020204" pitchFamily="34" charset="0"/>
+              </a:rPr>
+              <a:t>Giới</a:t>
+            </a:r>
+            <a:r>
+              <a:rPr lang="en-US" dirty="0">
+                <a:latin typeface="Arial" panose="020B0604020202020204" pitchFamily="34" charset="0"/>
+                <a:cs typeface="Arial" panose="020B0604020202020204" pitchFamily="34" charset="0"/>
+              </a:rPr>
+              <a:t> </a:t>
+            </a:r>
+            <a:r>
+              <a:rPr lang="en-US" dirty="0" err="1">
+                <a:latin typeface="Arial" panose="020B0604020202020204" pitchFamily="34" charset="0"/>
+                <a:cs typeface="Arial" panose="020B0604020202020204" pitchFamily="34" charset="0"/>
+              </a:rPr>
+              <a:t>thiệu</a:t>
+            </a:r>
+            <a:r>
+              <a:rPr lang="en-US" dirty="0">
+                <a:latin typeface="Arial" panose="020B0604020202020204" pitchFamily="34" charset="0"/>
+                <a:cs typeface="Arial" panose="020B0604020202020204" pitchFamily="34" charset="0"/>
+              </a:rPr>
+              <a:t> </a:t>
+            </a:r>
+            <a:r>
+              <a:rPr lang="en-US" dirty="0" err="1">
+                <a:latin typeface="Arial" panose="020B0604020202020204" pitchFamily="34" charset="0"/>
+                <a:cs typeface="Arial" panose="020B0604020202020204" pitchFamily="34" charset="0"/>
+              </a:rPr>
+              <a:t>bài</a:t>
+            </a:r>
+            <a:r>
+              <a:rPr lang="en-US" dirty="0">
+                <a:latin typeface="Arial" panose="020B0604020202020204" pitchFamily="34" charset="0"/>
+                <a:cs typeface="Arial" panose="020B0604020202020204" pitchFamily="34" charset="0"/>
+              </a:rPr>
+              <a:t> </a:t>
+            </a:r>
+            <a:r>
+              <a:rPr lang="en-US" dirty="0" err="1">
+                <a:latin typeface="Arial" panose="020B0604020202020204" pitchFamily="34" charset="0"/>
+                <a:cs typeface="Arial" panose="020B0604020202020204" pitchFamily="34" charset="0"/>
+              </a:rPr>
+              <a:t>toán</a:t>
+            </a:r>
+            <a:endParaRPr lang="en-US" dirty="0">
+              <a:latin typeface="Arial" panose="020B0604020202020204" pitchFamily="34" charset="0"/>
+              <a:cs typeface="Arial" panose="020B0604020202020204" pitchFamily="34" charset="0"/>
+            </a:endParaRPr>
+          </a:p>
+          <a:p>
+            <a:pPr marL="0" indent="0">
+              <a:buNone/>
+            </a:pPr>
+            <a:r>
+              <a:rPr lang="en-US" b="1" dirty="0">
+                <a:latin typeface="Arial" panose="020B0604020202020204" pitchFamily="34" charset="0"/>
+                <a:cs typeface="Arial" panose="020B0604020202020204" pitchFamily="34" charset="0"/>
+              </a:rPr>
+              <a:t>1.2 </a:t>
+            </a:r>
+            <a:r>
+              <a:rPr lang="en-US" b="1" dirty="0" err="1">
+                <a:latin typeface="Arial" panose="020B0604020202020204" pitchFamily="34" charset="0"/>
+                <a:cs typeface="Arial" panose="020B0604020202020204" pitchFamily="34" charset="0"/>
+              </a:rPr>
+              <a:t>Phạm</a:t>
+            </a:r>
+            <a:r>
+              <a:rPr lang="en-US" b="1" dirty="0">
+                <a:latin typeface="Arial" panose="020B0604020202020204" pitchFamily="34" charset="0"/>
+                <a:cs typeface="Arial" panose="020B0604020202020204" pitchFamily="34" charset="0"/>
+              </a:rPr>
+              <a:t> vi </a:t>
+            </a:r>
+            <a:r>
+              <a:rPr lang="en-US" b="1" dirty="0" err="1">
+                <a:latin typeface="Arial" panose="020B0604020202020204" pitchFamily="34" charset="0"/>
+                <a:cs typeface="Arial" panose="020B0604020202020204" pitchFamily="34" charset="0"/>
+              </a:rPr>
+              <a:t>giải</a:t>
+            </a:r>
+            <a:r>
+              <a:rPr lang="en-US" b="1" dirty="0">
+                <a:latin typeface="Arial" panose="020B0604020202020204" pitchFamily="34" charset="0"/>
+                <a:cs typeface="Arial" panose="020B0604020202020204" pitchFamily="34" charset="0"/>
+              </a:rPr>
+              <a:t> </a:t>
+            </a:r>
+            <a:r>
+              <a:rPr lang="en-US" b="1" dirty="0" err="1">
+                <a:latin typeface="Arial" panose="020B0604020202020204" pitchFamily="34" charset="0"/>
+                <a:cs typeface="Arial" panose="020B0604020202020204" pitchFamily="34" charset="0"/>
+              </a:rPr>
+              <a:t>quyết</a:t>
+            </a:r>
+            <a:endParaRPr lang="en-US" b="1" dirty="0">
+              <a:latin typeface="Arial" panose="020B0604020202020204" pitchFamily="34" charset="0"/>
+              <a:cs typeface="Arial" panose="020B0604020202020204" pitchFamily="34" charset="0"/>
+            </a:endParaRPr>
+          </a:p>
+        </p:txBody>
+      </p:sp>
+      <p:sp>
+        <p:nvSpPr>
+          <p:cNvPr id="4" name="Slide Number Placeholder 3">
+            <a:extLst>
+              <a:ext uri="{FF2B5EF4-FFF2-40B4-BE49-F238E27FC236}">
+                <a16:creationId xmlns:a16="http://schemas.microsoft.com/office/drawing/2014/main" id="{A9011FA1-2BF2-3D4F-82EF-A72F9793FF46}"/>
+              </a:ext>
+            </a:extLst>
+          </p:cNvPr>
+          <p:cNvSpPr>
+            <a:spLocks noGrp="1"/>
+          </p:cNvSpPr>
+          <p:nvPr>
+            <p:ph type="sldNum" sz="quarter" idx="12"/>
+          </p:nvPr>
+        </p:nvSpPr>
+        <p:spPr/>
+        <p:txBody>
+          <a:bodyPr/>
+          <a:lstStyle/>
+          <a:p>
+            <a:fld id="{A02EBBDA-6239-48A4-BF42-145536EAE284}" type="slidenum">
+              <a:rPr lang="en-US" smtClean="0"/>
+              <a:t>7</a:t>
+            </a:fld>
             <a:endParaRPr lang="en-US"/>
           </a:p>
         </p:txBody>
@@ -4806,7 +12882,7 @@
     </p:spTree>
     <p:extLst>
       <p:ext uri="{BB962C8B-B14F-4D97-AF65-F5344CB8AC3E}">
-        <p14:creationId xmlns:p14="http://schemas.microsoft.com/office/powerpoint/2010/main" val="560494888"/>
+        <p14:creationId xmlns:p14="http://schemas.microsoft.com/office/powerpoint/2010/main" val="3447806304"/>
       </p:ext>
     </p:extLst>
   </p:cSld>
@@ -4848,7 +12924,49 @@
           <a:bodyPr/>
           <a:lstStyle/>
           <a:p>
-            <a:endParaRPr lang="en-US"/>
+            <a:r>
+              <a:rPr lang="en-US" b="0" dirty="0">
+                <a:latin typeface="Arial" panose="020B0604020202020204" pitchFamily="34" charset="0"/>
+                <a:cs typeface="Arial" panose="020B0604020202020204" pitchFamily="34" charset="0"/>
+              </a:rPr>
+              <a:t>1.2 </a:t>
+            </a:r>
+            <a:r>
+              <a:rPr lang="en-US" b="0" dirty="0" err="1">
+                <a:latin typeface="Arial" panose="020B0604020202020204" pitchFamily="34" charset="0"/>
+                <a:cs typeface="Arial" panose="020B0604020202020204" pitchFamily="34" charset="0"/>
+              </a:rPr>
+              <a:t>Phạm</a:t>
+            </a:r>
+            <a:r>
+              <a:rPr lang="en-US" b="0" dirty="0">
+                <a:latin typeface="Arial" panose="020B0604020202020204" pitchFamily="34" charset="0"/>
+                <a:cs typeface="Arial" panose="020B0604020202020204" pitchFamily="34" charset="0"/>
+              </a:rPr>
+              <a:t> vi </a:t>
+            </a:r>
+            <a:r>
+              <a:rPr lang="en-US" b="0" dirty="0" err="1">
+                <a:latin typeface="Arial" panose="020B0604020202020204" pitchFamily="34" charset="0"/>
+                <a:cs typeface="Arial" panose="020B0604020202020204" pitchFamily="34" charset="0"/>
+              </a:rPr>
+              <a:t>giải</a:t>
+            </a:r>
+            <a:r>
+              <a:rPr lang="en-US" b="0" dirty="0">
+                <a:latin typeface="Arial" panose="020B0604020202020204" pitchFamily="34" charset="0"/>
+                <a:cs typeface="Arial" panose="020B0604020202020204" pitchFamily="34" charset="0"/>
+              </a:rPr>
+              <a:t> </a:t>
+            </a:r>
+            <a:r>
+              <a:rPr lang="en-US" b="0" dirty="0" err="1">
+                <a:latin typeface="Arial" panose="020B0604020202020204" pitchFamily="34" charset="0"/>
+                <a:cs typeface="Arial" panose="020B0604020202020204" pitchFamily="34" charset="0"/>
+              </a:rPr>
+              <a:t>quyết</a:t>
+            </a:r>
+            <a:endParaRPr lang="en-US" b="0" dirty="0"/>
           </a:p>
         </p:txBody>
       </p:sp>
@@ -4867,6 +12985,651 @@
           <a:bodyPr/>
           <a:lstStyle/>
           <a:p>
+            <a:pPr marL="0" indent="0">
+              <a:buNone/>
+            </a:pPr>
+            <a:r>
+              <a:rPr lang="en-US" dirty="0" err="1"/>
+              <a:t>Phạm</a:t>
+            </a:r>
+            <a:r>
+              <a:rPr lang="en-US" dirty="0"/>
+              <a:t> vi </a:t>
+            </a:r>
+            <a:r>
+              <a:rPr lang="en-US" dirty="0" err="1"/>
+              <a:t>của</a:t>
+            </a:r>
+            <a:r>
+              <a:rPr lang="en-US" dirty="0"/>
+              <a:t> </a:t>
+            </a:r>
+            <a:r>
+              <a:rPr lang="en-US" dirty="0" err="1"/>
+              <a:t>đề</a:t>
+            </a:r>
+            <a:r>
+              <a:rPr lang="en-US" dirty="0"/>
+              <a:t> </a:t>
+            </a:r>
+            <a:r>
+              <a:rPr lang="en-US" dirty="0" err="1"/>
+              <a:t>tài</a:t>
+            </a:r>
+            <a:r>
+              <a:rPr lang="en-US" dirty="0"/>
+              <a:t>: </a:t>
+            </a:r>
+            <a:r>
+              <a:rPr lang="en-US" dirty="0" err="1"/>
+              <a:t>Phân</a:t>
+            </a:r>
+            <a:r>
+              <a:rPr lang="en-US" dirty="0"/>
+              <a:t> </a:t>
+            </a:r>
+            <a:r>
+              <a:rPr lang="en-US" dirty="0" err="1"/>
+              <a:t>tích</a:t>
+            </a:r>
+            <a:r>
+              <a:rPr lang="en-US" dirty="0"/>
+              <a:t> </a:t>
+            </a:r>
+            <a:r>
+              <a:rPr lang="en-US" dirty="0" err="1"/>
+              <a:t>thiết</a:t>
+            </a:r>
+            <a:r>
+              <a:rPr lang="en-US" dirty="0"/>
+              <a:t> </a:t>
+            </a:r>
+            <a:r>
+              <a:rPr lang="en-US" dirty="0" err="1"/>
+              <a:t>kế</a:t>
+            </a:r>
+            <a:r>
+              <a:rPr lang="en-US" dirty="0"/>
+              <a:t> </a:t>
+            </a:r>
+            <a:r>
+              <a:rPr lang="en-US" dirty="0" err="1"/>
+              <a:t>hệ</a:t>
+            </a:r>
+            <a:r>
+              <a:rPr lang="en-US" dirty="0"/>
+              <a:t> </a:t>
+            </a:r>
+            <a:r>
+              <a:rPr lang="en-US" dirty="0" err="1"/>
+              <a:t>thống</a:t>
+            </a:r>
+            <a:r>
+              <a:rPr lang="en-US" dirty="0"/>
+              <a:t> </a:t>
+            </a:r>
+            <a:r>
+              <a:rPr lang="en-US" dirty="0" err="1"/>
+              <a:t>với</a:t>
+            </a:r>
+            <a:r>
+              <a:rPr lang="en-US" dirty="0"/>
+              <a:t> </a:t>
+            </a:r>
+            <a:r>
+              <a:rPr lang="en-US" dirty="0" err="1"/>
+              <a:t>các</a:t>
+            </a:r>
+            <a:r>
+              <a:rPr lang="en-US" dirty="0"/>
+              <a:t> </a:t>
+            </a:r>
+            <a:r>
+              <a:rPr lang="en-US" dirty="0" err="1"/>
+              <a:t>chức</a:t>
+            </a:r>
+            <a:r>
+              <a:rPr lang="en-US" dirty="0"/>
+              <a:t> </a:t>
+            </a:r>
+            <a:r>
+              <a:rPr lang="en-US" dirty="0" err="1"/>
+              <a:t>năng</a:t>
+            </a:r>
+            <a:endParaRPr lang="en-US" dirty="0"/>
+          </a:p>
+          <a:p>
+            <a:r>
+              <a:rPr lang="en-US" dirty="0" err="1"/>
+              <a:t>Cung</a:t>
+            </a:r>
+            <a:r>
+              <a:rPr lang="en-US" dirty="0"/>
+              <a:t> </a:t>
+            </a:r>
+            <a:r>
+              <a:rPr lang="en-US" dirty="0" err="1"/>
+              <a:t>cấp</a:t>
+            </a:r>
+            <a:r>
+              <a:rPr lang="en-US" dirty="0"/>
+              <a:t> </a:t>
+            </a:r>
+            <a:r>
+              <a:rPr lang="en-US" dirty="0" err="1"/>
+              <a:t>thông</a:t>
+            </a:r>
+            <a:r>
+              <a:rPr lang="en-US" dirty="0"/>
+              <a:t> tin </a:t>
+            </a:r>
+            <a:r>
+              <a:rPr lang="en-US" dirty="0" err="1"/>
+              <a:t>của</a:t>
+            </a:r>
+            <a:r>
+              <a:rPr lang="en-US" dirty="0"/>
+              <a:t> </a:t>
+            </a:r>
+            <a:r>
+              <a:rPr lang="en-US" dirty="0" err="1"/>
+              <a:t>tất</a:t>
+            </a:r>
+            <a:r>
+              <a:rPr lang="en-US" dirty="0"/>
+              <a:t> </a:t>
+            </a:r>
+            <a:r>
+              <a:rPr lang="en-US" dirty="0" err="1"/>
+              <a:t>cả</a:t>
+            </a:r>
+            <a:r>
+              <a:rPr lang="en-US" dirty="0"/>
+              <a:t> </a:t>
+            </a:r>
+            <a:r>
+              <a:rPr lang="en-US" dirty="0" err="1"/>
+              <a:t>phim</a:t>
+            </a:r>
+            <a:r>
+              <a:rPr lang="en-US" dirty="0"/>
+              <a:t> </a:t>
+            </a:r>
+            <a:r>
+              <a:rPr lang="en-US" dirty="0" err="1"/>
+              <a:t>chiếu</a:t>
+            </a:r>
+            <a:r>
+              <a:rPr lang="en-US" dirty="0"/>
+              <a:t> </a:t>
+            </a:r>
+            <a:r>
+              <a:rPr lang="en-US" dirty="0" err="1"/>
+              <a:t>rạp</a:t>
+            </a:r>
+            <a:endParaRPr lang="en-US" dirty="0"/>
+          </a:p>
+          <a:p>
+            <a:r>
+              <a:rPr lang="en-US" dirty="0" err="1"/>
+              <a:t>Cung</a:t>
+            </a:r>
+            <a:r>
+              <a:rPr lang="en-US" dirty="0"/>
+              <a:t> </a:t>
+            </a:r>
+            <a:r>
+              <a:rPr lang="en-US" dirty="0" err="1"/>
+              <a:t>cấp</a:t>
+            </a:r>
+            <a:r>
+              <a:rPr lang="en-US" dirty="0"/>
+              <a:t> </a:t>
+            </a:r>
+            <a:r>
+              <a:rPr lang="en-US" dirty="0" err="1"/>
+              <a:t>thông</a:t>
+            </a:r>
+            <a:r>
+              <a:rPr lang="en-US" dirty="0"/>
+              <a:t> tin </a:t>
+            </a:r>
+            <a:r>
+              <a:rPr lang="en-US" dirty="0" err="1"/>
+              <a:t>về</a:t>
+            </a:r>
+            <a:r>
+              <a:rPr lang="en-US" dirty="0"/>
+              <a:t> </a:t>
+            </a:r>
+            <a:r>
+              <a:rPr lang="en-US" dirty="0" err="1"/>
+              <a:t>các</a:t>
+            </a:r>
+            <a:r>
+              <a:rPr lang="en-US" dirty="0"/>
+              <a:t> </a:t>
+            </a:r>
+            <a:r>
+              <a:rPr lang="en-US" dirty="0" err="1"/>
+              <a:t>rạp</a:t>
+            </a:r>
+            <a:endParaRPr lang="en-US" dirty="0"/>
+          </a:p>
+          <a:p>
+            <a:r>
+              <a:rPr lang="en-US" dirty="0" err="1"/>
+              <a:t>Thông</a:t>
+            </a:r>
+            <a:r>
+              <a:rPr lang="en-US" dirty="0"/>
+              <a:t> tin </a:t>
+            </a:r>
+            <a:r>
+              <a:rPr lang="en-US" dirty="0" err="1"/>
+              <a:t>về</a:t>
+            </a:r>
+            <a:r>
+              <a:rPr lang="en-US" dirty="0"/>
+              <a:t> </a:t>
+            </a:r>
+            <a:r>
+              <a:rPr lang="en-US" dirty="0" err="1"/>
+              <a:t>suất</a:t>
+            </a:r>
+            <a:r>
+              <a:rPr lang="en-US" dirty="0"/>
+              <a:t> </a:t>
+            </a:r>
+            <a:r>
+              <a:rPr lang="en-US" dirty="0" err="1"/>
+              <a:t>chiếu</a:t>
+            </a:r>
+            <a:r>
+              <a:rPr lang="en-US" dirty="0"/>
+              <a:t> </a:t>
+            </a:r>
+            <a:r>
+              <a:rPr lang="en-US" dirty="0" err="1"/>
+              <a:t>trong</a:t>
+            </a:r>
+            <a:r>
+              <a:rPr lang="en-US" dirty="0"/>
+              <a:t> </a:t>
+            </a:r>
+            <a:r>
+              <a:rPr lang="en-US" dirty="0" err="1"/>
+              <a:t>ngày</a:t>
+            </a:r>
+            <a:endParaRPr lang="en-US" dirty="0"/>
+          </a:p>
+          <a:p>
+            <a:r>
+              <a:rPr lang="en-US" dirty="0" err="1"/>
+              <a:t>Bình</a:t>
+            </a:r>
+            <a:r>
+              <a:rPr lang="en-US" dirty="0"/>
+              <a:t> </a:t>
+            </a:r>
+            <a:r>
+              <a:rPr lang="en-US" dirty="0" err="1"/>
+              <a:t>luận</a:t>
+            </a:r>
+            <a:r>
+              <a:rPr lang="en-US" dirty="0"/>
+              <a:t>, </a:t>
+            </a:r>
+            <a:r>
+              <a:rPr lang="en-US" dirty="0" err="1"/>
+              <a:t>đánh</a:t>
+            </a:r>
+            <a:r>
+              <a:rPr lang="en-US" dirty="0"/>
+              <a:t> </a:t>
+            </a:r>
+            <a:r>
+              <a:rPr lang="en-US" dirty="0" err="1"/>
+              <a:t>giá</a:t>
+            </a:r>
+            <a:r>
+              <a:rPr lang="en-US" dirty="0"/>
+              <a:t> </a:t>
+            </a:r>
+            <a:r>
+              <a:rPr lang="en-US" dirty="0" err="1"/>
+              <a:t>phim</a:t>
+            </a:r>
+            <a:endParaRPr lang="en-US" dirty="0"/>
+          </a:p>
+          <a:p>
+            <a:r>
+              <a:rPr lang="en-US" dirty="0" err="1"/>
+              <a:t>Hệ</a:t>
+            </a:r>
+            <a:r>
+              <a:rPr lang="en-US" dirty="0"/>
+              <a:t> </a:t>
+            </a:r>
+            <a:r>
+              <a:rPr lang="en-US" dirty="0" err="1"/>
+              <a:t>thống</a:t>
+            </a:r>
+            <a:r>
+              <a:rPr lang="en-US" dirty="0"/>
+              <a:t> admin </a:t>
+            </a:r>
+            <a:r>
+              <a:rPr lang="en-US" dirty="0" err="1"/>
+              <a:t>quản</a:t>
+            </a:r>
+            <a:r>
+              <a:rPr lang="en-US" dirty="0"/>
+              <a:t> </a:t>
+            </a:r>
+            <a:r>
+              <a:rPr lang="en-US" dirty="0" err="1"/>
+              <a:t>lý</a:t>
+            </a:r>
+            <a:endParaRPr lang="en-US" dirty="0"/>
+          </a:p>
+          <a:p>
+            <a:endParaRPr lang="en-US" dirty="0"/>
+          </a:p>
+          <a:p>
+            <a:pPr marL="0" indent="0">
+              <a:buNone/>
+            </a:pPr>
+            <a:r>
+              <a:rPr lang="en-US" dirty="0" err="1"/>
+              <a:t>Hướng</a:t>
+            </a:r>
+            <a:r>
+              <a:rPr lang="en-US" dirty="0"/>
+              <a:t> </a:t>
+            </a:r>
+            <a:r>
+              <a:rPr lang="en-US" dirty="0" err="1"/>
+              <a:t>phát</a:t>
+            </a:r>
+            <a:r>
+              <a:rPr lang="en-US" dirty="0"/>
+              <a:t> </a:t>
+            </a:r>
+            <a:r>
+              <a:rPr lang="en-US" dirty="0" err="1"/>
+              <a:t>triển</a:t>
+            </a:r>
+            <a:r>
+              <a:rPr lang="en-US" dirty="0"/>
+              <a:t> </a:t>
+            </a:r>
+            <a:r>
+              <a:rPr lang="en-US" dirty="0" err="1"/>
+              <a:t>thêm</a:t>
+            </a:r>
+            <a:r>
+              <a:rPr lang="en-US" dirty="0"/>
+              <a:t> </a:t>
+            </a:r>
+            <a:r>
+              <a:rPr lang="en-US" dirty="0" err="1"/>
+              <a:t>của</a:t>
+            </a:r>
+            <a:r>
+              <a:rPr lang="en-US" dirty="0"/>
+              <a:t> </a:t>
+            </a:r>
+            <a:r>
+              <a:rPr lang="en-US" dirty="0" err="1"/>
+              <a:t>đề</a:t>
+            </a:r>
+            <a:r>
+              <a:rPr lang="en-US" dirty="0"/>
+              <a:t> </a:t>
+            </a:r>
+            <a:r>
+              <a:rPr lang="en-US" dirty="0" err="1"/>
+              <a:t>tài</a:t>
+            </a:r>
+            <a:r>
+              <a:rPr lang="en-US" dirty="0"/>
+              <a:t>:</a:t>
+            </a:r>
+          </a:p>
+          <a:p>
+            <a:r>
+              <a:rPr lang="en-US" dirty="0" err="1"/>
+              <a:t>Chức</a:t>
+            </a:r>
+            <a:r>
+              <a:rPr lang="en-US" dirty="0"/>
+              <a:t> </a:t>
+            </a:r>
+            <a:r>
+              <a:rPr lang="en-US" dirty="0" err="1"/>
+              <a:t>năng</a:t>
+            </a:r>
+            <a:r>
+              <a:rPr lang="en-US" dirty="0"/>
+              <a:t> </a:t>
+            </a:r>
+            <a:r>
+              <a:rPr lang="en-US" dirty="0" err="1"/>
+              <a:t>gợi</a:t>
+            </a:r>
+            <a:r>
+              <a:rPr lang="en-US" dirty="0"/>
+              <a:t> </a:t>
+            </a:r>
+            <a:r>
+              <a:rPr lang="en-US" dirty="0" err="1"/>
+              <a:t>ý</a:t>
+            </a:r>
+            <a:r>
+              <a:rPr lang="en-US" dirty="0"/>
+              <a:t> </a:t>
+            </a:r>
+            <a:r>
+              <a:rPr lang="en-US" dirty="0" err="1"/>
+              <a:t>suất</a:t>
+            </a:r>
+            <a:r>
+              <a:rPr lang="en-US" dirty="0"/>
+              <a:t> </a:t>
+            </a:r>
+            <a:r>
+              <a:rPr lang="en-US" dirty="0" err="1"/>
+              <a:t>chiếu</a:t>
+            </a:r>
+            <a:r>
+              <a:rPr lang="en-US" dirty="0"/>
+              <a:t> </a:t>
+            </a:r>
+            <a:r>
+              <a:rPr lang="en-US" dirty="0" err="1"/>
+              <a:t>dựa</a:t>
+            </a:r>
+            <a:r>
+              <a:rPr lang="en-US" dirty="0"/>
+              <a:t> </a:t>
+            </a:r>
+            <a:r>
+              <a:rPr lang="en-US" dirty="0" err="1"/>
+              <a:t>trên</a:t>
+            </a:r>
+            <a:r>
+              <a:rPr lang="en-US" dirty="0"/>
+              <a:t> </a:t>
+            </a:r>
+            <a:r>
+              <a:rPr lang="en-US" dirty="0" err="1"/>
+              <a:t>rạp</a:t>
+            </a:r>
+            <a:r>
+              <a:rPr lang="en-US" dirty="0"/>
+              <a:t> </a:t>
+            </a:r>
+            <a:r>
+              <a:rPr lang="en-US" dirty="0" err="1"/>
+              <a:t>và</a:t>
+            </a:r>
+            <a:r>
+              <a:rPr lang="en-US" dirty="0"/>
+              <a:t> </a:t>
+            </a:r>
+            <a:r>
+              <a:rPr lang="en-US" dirty="0" err="1"/>
+              <a:t>suất</a:t>
+            </a:r>
+            <a:r>
+              <a:rPr lang="en-US" dirty="0"/>
+              <a:t> </a:t>
+            </a:r>
+            <a:r>
+              <a:rPr lang="en-US" dirty="0" err="1"/>
+              <a:t>chiếu</a:t>
+            </a:r>
+            <a:r>
+              <a:rPr lang="en-US" dirty="0"/>
+              <a:t> </a:t>
+            </a:r>
+            <a:r>
+              <a:rPr lang="en-US" dirty="0" err="1"/>
+              <a:t>gần</a:t>
+            </a:r>
+            <a:r>
+              <a:rPr lang="en-US" dirty="0"/>
+              <a:t> </a:t>
+            </a:r>
+            <a:r>
+              <a:rPr lang="en-US" dirty="0" err="1"/>
+              <a:t>nhất</a:t>
+            </a:r>
+            <a:endParaRPr lang="en-US" dirty="0"/>
+          </a:p>
+          <a:p>
+            <a:r>
+              <a:rPr lang="en-US" dirty="0" err="1"/>
+              <a:t>Hệ</a:t>
+            </a:r>
+            <a:r>
+              <a:rPr lang="en-US" dirty="0"/>
+              <a:t> </a:t>
+            </a:r>
+            <a:r>
+              <a:rPr lang="en-US" dirty="0" err="1"/>
+              <a:t>thống</a:t>
+            </a:r>
+            <a:r>
+              <a:rPr lang="en-US" dirty="0"/>
+              <a:t> </a:t>
+            </a:r>
+            <a:r>
+              <a:rPr lang="en-US" dirty="0" err="1"/>
+              <a:t>đặt</a:t>
+            </a:r>
+            <a:r>
+              <a:rPr lang="en-US" dirty="0"/>
+              <a:t> </a:t>
+            </a:r>
+            <a:r>
+              <a:rPr lang="en-US" dirty="0" err="1"/>
+              <a:t>vé</a:t>
+            </a:r>
+            <a:r>
+              <a:rPr lang="en-US" dirty="0"/>
+              <a:t> </a:t>
+            </a:r>
+            <a:r>
+              <a:rPr lang="en-US" dirty="0" err="1"/>
+              <a:t>phim</a:t>
+            </a:r>
+            <a:r>
+              <a:rPr lang="en-US" dirty="0"/>
+              <a:t> </a:t>
+            </a:r>
+            <a:r>
+              <a:rPr lang="en-US" dirty="0" err="1"/>
+              <a:t>phối</a:t>
+            </a:r>
+            <a:r>
+              <a:rPr lang="en-US" dirty="0"/>
+              <a:t> </a:t>
+            </a:r>
+            <a:r>
+              <a:rPr lang="en-US" dirty="0" err="1"/>
+              <a:t>hợp</a:t>
+            </a:r>
+            <a:r>
+              <a:rPr lang="en-US" dirty="0"/>
+              <a:t> </a:t>
+            </a:r>
+            <a:r>
+              <a:rPr lang="en-US" dirty="0" err="1"/>
+              <a:t>với</a:t>
+            </a:r>
+            <a:r>
+              <a:rPr lang="en-US" dirty="0"/>
+              <a:t> </a:t>
+            </a:r>
+            <a:r>
+              <a:rPr lang="en-US" dirty="0" err="1"/>
+              <a:t>các</a:t>
+            </a:r>
+            <a:r>
+              <a:rPr lang="en-US" dirty="0"/>
+              <a:t> </a:t>
+            </a:r>
+            <a:r>
+              <a:rPr lang="en-US" dirty="0" err="1"/>
+              <a:t>hệ</a:t>
+            </a:r>
+            <a:r>
+              <a:rPr lang="en-US" dirty="0"/>
+              <a:t> </a:t>
+            </a:r>
+            <a:r>
+              <a:rPr lang="en-US" dirty="0" err="1"/>
+              <a:t>thống</a:t>
+            </a:r>
+            <a:r>
+              <a:rPr lang="en-US" dirty="0"/>
+              <a:t> </a:t>
+            </a:r>
+            <a:r>
+              <a:rPr lang="en-US" dirty="0" err="1"/>
+              <a:t>rạp</a:t>
+            </a:r>
+            <a:endParaRPr lang="en-US" dirty="0"/>
+          </a:p>
+        </p:txBody>
+      </p:sp>
+      <p:sp>
+        <p:nvSpPr>
+          <p:cNvPr id="4" name="Slide Number Placeholder 3">
+            <a:extLst>
+              <a:ext uri="{FF2B5EF4-FFF2-40B4-BE49-F238E27FC236}">
+                <a16:creationId xmlns:a16="http://schemas.microsoft.com/office/drawing/2014/main" id="{61741357-4979-AA47-BE22-C095653C830F}"/>
+              </a:ext>
+            </a:extLst>
+          </p:cNvPr>
+          <p:cNvSpPr>
+            <a:spLocks noGrp="1"/>
+          </p:cNvSpPr>
+          <p:nvPr>
+            <p:ph type="sldNum" sz="quarter" idx="12"/>
+          </p:nvPr>
+        </p:nvSpPr>
+        <p:spPr/>
+        <p:txBody>
+          <a:bodyPr/>
+          <a:lstStyle/>
+          <a:p>
+            <a:fld id="{A02EBBDA-6239-48A4-BF42-145536EAE284}" type="slidenum">
+              <a:rPr lang="en-US" smtClean="0"/>
+              <a:t>8</a:t>
+            </a:fld>
             <a:endParaRPr lang="en-US"/>
           </a:p>
         </p:txBody>
@@ -4874,7 +13637,7 @@
     </p:spTree>
     <p:extLst>
       <p:ext uri="{BB962C8B-B14F-4D97-AF65-F5344CB8AC3E}">
-        <p14:creationId xmlns:p14="http://schemas.microsoft.com/office/powerpoint/2010/main" val="3441804610"/>
+        <p14:creationId xmlns:p14="http://schemas.microsoft.com/office/powerpoint/2010/main" val="1012178498"/>
       </p:ext>
     </p:extLst>
   </p:cSld>
@@ -4916,7 +13679,19 @@
           <a:bodyPr/>
           <a:lstStyle/>
           <a:p>
-            <a:endParaRPr lang="en-US"/>
+            <a:r>
+              <a:rPr lang="en-US" dirty="0" err="1"/>
+              <a:t>Mục</a:t>
+            </a:r>
+            <a:r>
+              <a:rPr lang="en-US" dirty="0"/>
+              <a:t> </a:t>
+            </a:r>
+            <a:r>
+              <a:rPr lang="en-US" dirty="0" err="1"/>
+              <a:t>lục</a:t>
+            </a:r>
+            <a:endParaRPr lang="en-US" dirty="0"/>
           </a:p>
         </p:txBody>
       </p:sp>
@@ -4930,11 +13705,301 @@
             <p:ph idx="1"/>
           </p:nvPr>
         </p:nvSpPr>
-        <p:spPr/>
+        <p:spPr>
+          <a:xfrm>
+            <a:off x="488950" y="1955802"/>
+            <a:ext cx="8026400" cy="4548030"/>
+          </a:xfrm>
+        </p:spPr>
         <p:txBody>
           <a:bodyPr/>
           <a:lstStyle/>
           <a:p>
+            <a:pPr marL="0" indent="0">
+              <a:spcBef>
+                <a:spcPts val="1200"/>
+              </a:spcBef>
+              <a:spcAft>
+                <a:spcPts val="1200"/>
+              </a:spcAft>
+              <a:buNone/>
+            </a:pPr>
+            <a:r>
+              <a:rPr lang="en-US" dirty="0">
+                <a:latin typeface="Arial" panose="020B0604020202020204" pitchFamily="34" charset="0"/>
+                <a:cs typeface="Arial" panose="020B0604020202020204" pitchFamily="34" charset="0"/>
+              </a:rPr>
+              <a:t>1. </a:t>
+            </a:r>
+            <a:r>
+              <a:rPr lang="en-US" dirty="0" err="1">
+                <a:latin typeface="Arial" panose="020B0604020202020204" pitchFamily="34" charset="0"/>
+                <a:cs typeface="Arial" panose="020B0604020202020204" pitchFamily="34" charset="0"/>
+              </a:rPr>
+              <a:t>Tổng</a:t>
+            </a:r>
+            <a:r>
+              <a:rPr lang="en-US" dirty="0">
+                <a:latin typeface="Arial" panose="020B0604020202020204" pitchFamily="34" charset="0"/>
+                <a:cs typeface="Arial" panose="020B0604020202020204" pitchFamily="34" charset="0"/>
+              </a:rPr>
+              <a:t> </a:t>
+            </a:r>
+            <a:r>
+              <a:rPr lang="en-US" dirty="0" err="1">
+                <a:latin typeface="Arial" panose="020B0604020202020204" pitchFamily="34" charset="0"/>
+                <a:cs typeface="Arial" panose="020B0604020202020204" pitchFamily="34" charset="0"/>
+              </a:rPr>
+              <a:t>quan</a:t>
+            </a:r>
+            <a:r>
+              <a:rPr lang="en-US" dirty="0">
+                <a:latin typeface="Arial" panose="020B0604020202020204" pitchFamily="34" charset="0"/>
+                <a:cs typeface="Arial" panose="020B0604020202020204" pitchFamily="34" charset="0"/>
+              </a:rPr>
+              <a:t> </a:t>
+            </a:r>
+            <a:r>
+              <a:rPr lang="en-US" dirty="0" err="1">
+                <a:latin typeface="Arial" panose="020B0604020202020204" pitchFamily="34" charset="0"/>
+                <a:cs typeface="Arial" panose="020B0604020202020204" pitchFamily="34" charset="0"/>
+              </a:rPr>
+              <a:t>đề</a:t>
+            </a:r>
+            <a:r>
+              <a:rPr lang="en-US" dirty="0">
+                <a:latin typeface="Arial" panose="020B0604020202020204" pitchFamily="34" charset="0"/>
+                <a:cs typeface="Arial" panose="020B0604020202020204" pitchFamily="34" charset="0"/>
+              </a:rPr>
+              <a:t> </a:t>
+            </a:r>
+            <a:r>
+              <a:rPr lang="en-US" dirty="0" err="1">
+                <a:latin typeface="Arial" panose="020B0604020202020204" pitchFamily="34" charset="0"/>
+                <a:cs typeface="Arial" panose="020B0604020202020204" pitchFamily="34" charset="0"/>
+              </a:rPr>
+              <a:t>tài</a:t>
+            </a:r>
+            <a:endParaRPr lang="en-US" dirty="0">
+              <a:latin typeface="Arial" panose="020B0604020202020204" pitchFamily="34" charset="0"/>
+              <a:cs typeface="Arial" panose="020B0604020202020204" pitchFamily="34" charset="0"/>
+            </a:endParaRPr>
+          </a:p>
+          <a:p>
+            <a:pPr marL="0" indent="0">
+              <a:spcBef>
+                <a:spcPts val="1200"/>
+              </a:spcBef>
+              <a:spcAft>
+                <a:spcPts val="1200"/>
+              </a:spcAft>
+              <a:buNone/>
+            </a:pPr>
+            <a:r>
+              <a:rPr lang="en-US" b="1" dirty="0">
+                <a:latin typeface="Arial" panose="020B0604020202020204" pitchFamily="34" charset="0"/>
+                <a:cs typeface="Arial" panose="020B0604020202020204" pitchFamily="34" charset="0"/>
+              </a:rPr>
+              <a:t>2. </a:t>
+            </a:r>
+            <a:r>
+              <a:rPr lang="en-US" b="1" dirty="0" err="1">
+                <a:latin typeface="Arial" panose="020B0604020202020204" pitchFamily="34" charset="0"/>
+                <a:cs typeface="Arial" panose="020B0604020202020204" pitchFamily="34" charset="0"/>
+              </a:rPr>
+              <a:t>Phân</a:t>
+            </a:r>
+            <a:r>
+              <a:rPr lang="en-US" b="1" dirty="0">
+                <a:latin typeface="Arial" panose="020B0604020202020204" pitchFamily="34" charset="0"/>
+                <a:cs typeface="Arial" panose="020B0604020202020204" pitchFamily="34" charset="0"/>
+              </a:rPr>
+              <a:t> </a:t>
+            </a:r>
+            <a:r>
+              <a:rPr lang="en-US" b="1" dirty="0" err="1">
+                <a:latin typeface="Arial" panose="020B0604020202020204" pitchFamily="34" charset="0"/>
+                <a:cs typeface="Arial" panose="020B0604020202020204" pitchFamily="34" charset="0"/>
+              </a:rPr>
+              <a:t>tích</a:t>
+            </a:r>
+            <a:r>
+              <a:rPr lang="en-US" b="1" dirty="0">
+                <a:latin typeface="Arial" panose="020B0604020202020204" pitchFamily="34" charset="0"/>
+                <a:cs typeface="Arial" panose="020B0604020202020204" pitchFamily="34" charset="0"/>
+              </a:rPr>
+              <a:t> </a:t>
+            </a:r>
+            <a:r>
+              <a:rPr lang="en-US" b="1" dirty="0" err="1">
+                <a:latin typeface="Arial" panose="020B0604020202020204" pitchFamily="34" charset="0"/>
+                <a:cs typeface="Arial" panose="020B0604020202020204" pitchFamily="34" charset="0"/>
+              </a:rPr>
+              <a:t>yêu</a:t>
+            </a:r>
+            <a:r>
+              <a:rPr lang="en-US" b="1" dirty="0">
+                <a:latin typeface="Arial" panose="020B0604020202020204" pitchFamily="34" charset="0"/>
+                <a:cs typeface="Arial" panose="020B0604020202020204" pitchFamily="34" charset="0"/>
+              </a:rPr>
+              <a:t> </a:t>
+            </a:r>
+            <a:r>
+              <a:rPr lang="en-US" b="1" dirty="0" err="1">
+                <a:latin typeface="Arial" panose="020B0604020202020204" pitchFamily="34" charset="0"/>
+                <a:cs typeface="Arial" panose="020B0604020202020204" pitchFamily="34" charset="0"/>
+              </a:rPr>
+              <a:t>cầu</a:t>
+            </a:r>
+            <a:endParaRPr lang="en-US" b="1" dirty="0">
+              <a:latin typeface="Arial" panose="020B0604020202020204" pitchFamily="34" charset="0"/>
+              <a:cs typeface="Arial" panose="020B0604020202020204" pitchFamily="34" charset="0"/>
+            </a:endParaRPr>
+          </a:p>
+          <a:p>
+            <a:pPr marL="0" indent="0">
+              <a:spcBef>
+                <a:spcPts val="1200"/>
+              </a:spcBef>
+              <a:spcAft>
+                <a:spcPts val="1200"/>
+              </a:spcAft>
+              <a:buNone/>
+            </a:pPr>
+            <a:r>
+              <a:rPr lang="en-US" dirty="0">
+                <a:latin typeface="Arial" panose="020B0604020202020204" pitchFamily="34" charset="0"/>
+                <a:cs typeface="Arial" panose="020B0604020202020204" pitchFamily="34" charset="0"/>
+              </a:rPr>
+              <a:t>3. </a:t>
+            </a:r>
+            <a:r>
+              <a:rPr lang="en-US" dirty="0" err="1">
+                <a:latin typeface="Arial" panose="020B0604020202020204" pitchFamily="34" charset="0"/>
+                <a:cs typeface="Arial" panose="020B0604020202020204" pitchFamily="34" charset="0"/>
+              </a:rPr>
+              <a:t>Thiết</a:t>
+            </a:r>
+            <a:r>
+              <a:rPr lang="en-US" dirty="0">
+                <a:latin typeface="Arial" panose="020B0604020202020204" pitchFamily="34" charset="0"/>
+                <a:cs typeface="Arial" panose="020B0604020202020204" pitchFamily="34" charset="0"/>
+              </a:rPr>
+              <a:t> </a:t>
+            </a:r>
+            <a:r>
+              <a:rPr lang="en-US" dirty="0" err="1">
+                <a:latin typeface="Arial" panose="020B0604020202020204" pitchFamily="34" charset="0"/>
+                <a:cs typeface="Arial" panose="020B0604020202020204" pitchFamily="34" charset="0"/>
+              </a:rPr>
+              <a:t>kế</a:t>
+            </a:r>
+            <a:r>
+              <a:rPr lang="en-US" dirty="0">
+                <a:latin typeface="Arial" panose="020B0604020202020204" pitchFamily="34" charset="0"/>
+                <a:cs typeface="Arial" panose="020B0604020202020204" pitchFamily="34" charset="0"/>
+              </a:rPr>
+              <a:t> </a:t>
+            </a:r>
+            <a:r>
+              <a:rPr lang="en-US" dirty="0" err="1">
+                <a:latin typeface="Arial" panose="020B0604020202020204" pitchFamily="34" charset="0"/>
+                <a:cs typeface="Arial" panose="020B0604020202020204" pitchFamily="34" charset="0"/>
+              </a:rPr>
+              <a:t>hệ</a:t>
+            </a:r>
+            <a:r>
+              <a:rPr lang="en-US" dirty="0">
+                <a:latin typeface="Arial" panose="020B0604020202020204" pitchFamily="34" charset="0"/>
+                <a:cs typeface="Arial" panose="020B0604020202020204" pitchFamily="34" charset="0"/>
+              </a:rPr>
+              <a:t> </a:t>
+            </a:r>
+            <a:r>
+              <a:rPr lang="en-US" dirty="0" err="1">
+                <a:latin typeface="Arial" panose="020B0604020202020204" pitchFamily="34" charset="0"/>
+                <a:cs typeface="Arial" panose="020B0604020202020204" pitchFamily="34" charset="0"/>
+              </a:rPr>
+              <a:t>thống</a:t>
+            </a:r>
+            <a:endParaRPr lang="en-US" dirty="0">
+              <a:latin typeface="Arial" panose="020B0604020202020204" pitchFamily="34" charset="0"/>
+              <a:cs typeface="Arial" panose="020B0604020202020204" pitchFamily="34" charset="0"/>
+            </a:endParaRPr>
+          </a:p>
+          <a:p>
+            <a:pPr marL="0" indent="0">
+              <a:spcBef>
+                <a:spcPts val="1200"/>
+              </a:spcBef>
+              <a:spcAft>
+                <a:spcPts val="1200"/>
+              </a:spcAft>
+              <a:buNone/>
+            </a:pPr>
+            <a:r>
+              <a:rPr lang="en-US" dirty="0">
+                <a:latin typeface="Arial" panose="020B0604020202020204" pitchFamily="34" charset="0"/>
+                <a:cs typeface="Arial" panose="020B0604020202020204" pitchFamily="34" charset="0"/>
+              </a:rPr>
+              <a:t>4. </a:t>
+            </a:r>
+            <a:r>
+              <a:rPr lang="en-US" dirty="0" err="1">
+                <a:latin typeface="Arial" panose="020B0604020202020204" pitchFamily="34" charset="0"/>
+                <a:cs typeface="Arial" panose="020B0604020202020204" pitchFamily="34" charset="0"/>
+              </a:rPr>
+              <a:t>Tổng</a:t>
+            </a:r>
+            <a:r>
+              <a:rPr lang="en-US" dirty="0">
+                <a:latin typeface="Arial" panose="020B0604020202020204" pitchFamily="34" charset="0"/>
+                <a:cs typeface="Arial" panose="020B0604020202020204" pitchFamily="34" charset="0"/>
+              </a:rPr>
+              <a:t> </a:t>
+            </a:r>
+            <a:r>
+              <a:rPr lang="en-US" dirty="0" err="1">
+                <a:latin typeface="Arial" panose="020B0604020202020204" pitchFamily="34" charset="0"/>
+                <a:cs typeface="Arial" panose="020B0604020202020204" pitchFamily="34" charset="0"/>
+              </a:rPr>
+              <a:t>kết</a:t>
+            </a:r>
+            <a:r>
+              <a:rPr lang="en-US" dirty="0">
+                <a:latin typeface="Arial" panose="020B0604020202020204" pitchFamily="34" charset="0"/>
+                <a:cs typeface="Arial" panose="020B0604020202020204" pitchFamily="34" charset="0"/>
+              </a:rPr>
+              <a:t>  </a:t>
+            </a:r>
+          </a:p>
+        </p:txBody>
+      </p:sp>
+      <p:sp>
+        <p:nvSpPr>
+          <p:cNvPr id="4" name="Slide Number Placeholder 3">
+            <a:extLst>
+              <a:ext uri="{FF2B5EF4-FFF2-40B4-BE49-F238E27FC236}">
+                <a16:creationId xmlns:a16="http://schemas.microsoft.com/office/drawing/2014/main" id="{166D67BD-3139-5549-B067-B437D799E23B}"/>
+              </a:ext>
+            </a:extLst>
+          </p:cNvPr>
+          <p:cNvSpPr>
+            <a:spLocks noGrp="1"/>
+          </p:cNvSpPr>
+          <p:nvPr>
+            <p:ph type="sldNum" sz="quarter" idx="12"/>
+          </p:nvPr>
+        </p:nvSpPr>
+        <p:spPr/>
+        <p:txBody>
+          <a:bodyPr/>
+          <a:lstStyle/>
+          <a:p>
+            <a:fld id="{A02EBBDA-6239-48A4-BF42-145536EAE284}" type="slidenum">
+              <a:rPr lang="en-US" smtClean="0"/>
+              <a:t>9</a:t>
+            </a:fld>
             <a:endParaRPr lang="en-US"/>
           </a:p>
         </p:txBody>
@@ -4942,7 +14007,7 @@
     </p:spTree>
     <p:extLst>
       <p:ext uri="{BB962C8B-B14F-4D97-AF65-F5344CB8AC3E}">
-        <p14:creationId xmlns:p14="http://schemas.microsoft.com/office/powerpoint/2010/main" val="3075455831"/>
+        <p14:creationId xmlns:p14="http://schemas.microsoft.com/office/powerpoint/2010/main" val="3457200650"/>
       </p:ext>
     </p:extLst>
   </p:cSld>
@@ -5211,4 +14276,299 @@
     </a:ext>
   </a:extLst>
 </a:theme>
+</file>
+
+<file path=ppt/theme/theme2.xml><?xml version="1.0" encoding="utf-8"?>
+<a:theme xmlns:a="http://schemas.openxmlformats.org/drawingml/2006/main" name="Office Theme">
+  <a:themeElements>
+    <a:clrScheme name="Office">
+      <a:dk1>
+        <a:sysClr val="windowText" lastClr="000000"/>
+      </a:dk1>
+      <a:lt1>
+        <a:sysClr val="window" lastClr="FFFFFF"/>
+      </a:lt1>
+      <a:dk2>
+        <a:srgbClr val="44546A"/>
+      </a:dk2>
+      <a:lt2>
+        <a:srgbClr val="E7E6E6"/>
+      </a:lt2>
+      <a:accent1>
+        <a:srgbClr val="4472C4"/>
+      </a:accent1>
+      <a:accent2>
+        <a:srgbClr val="ED7D31"/>
+      </a:accent2>
+      <a:accent3>
+        <a:srgbClr val="A5A5A5"/>
+      </a:accent3>
+      <a:accent4>
+        <a:srgbClr val="FFC000"/>
+      </a:accent4>
+      <a:accent5>
+        <a:srgbClr val="5B9BD5"/>
+      </a:accent5>
+      <a:accent6>
+        <a:srgbClr val="70AD47"/>
+      </a:accent6>
+      <a:hlink>
+        <a:srgbClr val="0563C1"/>
+      </a:hlink>
+      <a:folHlink>
+        <a:srgbClr val="954F72"/>
+      </a:folHlink>
+    </a:clrScheme>
+    <a:fontScheme name="Office">
+      <a:majorFont>
+        <a:latin typeface="Calibri Light" panose="020F0302020204030204"/>
+        <a:ea typeface=""/>
+        <a:cs typeface=""/>
+        <a:font script="Jpan" typeface="游ゴシック Light"/>
+        <a:font script="Hang" typeface="맑은 고딕"/>
+        <a:font script="Hans" typeface="等线 Light"/>
+        <a:font script="Hant" typeface="新細明體"/>
+        <a:font script="Arab" typeface="Times New Roman"/>
+        <a:font script="Hebr" typeface="Times New Roman"/>
+        <a:font script="Thai" typeface="Angsana New"/>
+        <a:font script="Ethi" typeface="Nyala"/>
+        <a:font script="Beng" typeface="Vrinda"/>
+        <a:font script="Gujr" typeface="Shruti"/>
+        <a:font script="Khmr" typeface="MoolBoran"/>
+        <a:font script="Knda" typeface="Tunga"/>
+        <a:font script="Guru" typeface="Raavi"/>
+        <a:font script="Cans" typeface="Euphemia"/>
+        <a:font script="Cher" typeface="Plantagenet Cherokee"/>
+        <a:font script="Yiii" typeface="Microsoft Yi Baiti"/>
+        <a:font script="Tibt" typeface="Microsoft Himalaya"/>
+        <a:font script="Thaa" typeface="MV Boli"/>
+        <a:font script="Deva" typeface="Mangal"/>
+        <a:font script="Telu" typeface="Gautami"/>
+        <a:font script="Taml" typeface="Latha"/>
+        <a:font script="Syrc" typeface="Estrangelo Edessa"/>
+        <a:font script="Orya" typeface="Kalinga"/>
+        <a:font script="Mlym" typeface="Kartika"/>
+        <a:font script="Laoo" typeface="DokChampa"/>
+        <a:font script="Sinh" typeface="Iskoola Pota"/>
+        <a:font script="Mong" typeface="Mongolian Baiti"/>
+        <a:font script="Viet" typeface="Times New Roman"/>
+        <a:font script="Uigh" typeface="Microsoft Uighur"/>
+        <a:font script="Geor" typeface="Sylfaen"/>
+        <a:font script="Armn" typeface="Arial"/>
+        <a:font script="Bugi" typeface="Leelawadee UI"/>
+        <a:font script="Bopo" typeface="Microsoft JhengHei"/>
+        <a:font script="Java" typeface="Javanese Text"/>
+        <a:font script="Lisu" typeface="Segoe UI"/>
+        <a:font script="Mymr" typeface="Myanmar Text"/>
+        <a:font script="Nkoo" typeface="Ebrima"/>
+        <a:font script="Olck" typeface="Nirmala UI"/>
+        <a:font script="Osma" typeface="Ebrima"/>
+        <a:font script="Phag" typeface="Phagspa"/>
+        <a:font script="Syrn" typeface="Estrangelo Edessa"/>
+        <a:font script="Syrj" typeface="Estrangelo Edessa"/>
+        <a:font script="Syre" typeface="Estrangelo Edessa"/>
+        <a:font script="Sora" typeface="Nirmala UI"/>
+        <a:font script="Tale" typeface="Microsoft Tai Le"/>
+        <a:font script="Talu" typeface="Microsoft New Tai Lue"/>
+        <a:font script="Tfng" typeface="Ebrima"/>
+      </a:majorFont>
+      <a:minorFont>
+        <a:latin typeface="Calibri" panose="020F0502020204030204"/>
+        <a:ea typeface=""/>
+        <a:cs typeface=""/>
+        <a:font script="Jpan" typeface="游ゴシック"/>
+        <a:font script="Hang" typeface="맑은 고딕"/>
+        <a:font script="Hans" typeface="等线"/>
+        <a:font script="Hant" typeface="新細明體"/>
+        <a:font script="Arab" typeface="Arial"/>
+        <a:font script="Hebr" typeface="Arial"/>
+        <a:font script="Thai" typeface="Cordia New"/>
+        <a:font script="Ethi" typeface="Nyala"/>
+        <a:font script="Beng" typeface="Vrinda"/>
+        <a:font script="Gujr" typeface="Shruti"/>
+        <a:font script="Khmr" typeface="DaunPenh"/>
+        <a:font script="Knda" typeface="Tunga"/>
+        <a:font script="Guru" typeface="Raavi"/>
+        <a:font script="Cans" typeface="Euphemia"/>
+        <a:font script="Cher" typeface="Plantagenet Cherokee"/>
+        <a:font script="Yiii" typeface="Microsoft Yi Baiti"/>
+        <a:font script="Tibt" typeface="Microsoft Himalaya"/>
+        <a:font script="Thaa" typeface="MV Boli"/>
+        <a:font script="Deva" typeface="Mangal"/>
+        <a:font script="Telu" typeface="Gautami"/>
+        <a:font script="Taml" typeface="Latha"/>
+        <a:font script="Syrc" typeface="Estrangelo Edessa"/>
+        <a:font script="Orya" typeface="Kalinga"/>
+        <a:font script="Mlym" typeface="Kartika"/>
+        <a:font script="Laoo" typeface="DokChampa"/>
+        <a:font script="Sinh" typeface="Iskoola Pota"/>
+        <a:font script="Mong" typeface="Mongolian Baiti"/>
+        <a:font script="Viet" typeface="Arial"/>
+        <a:font script="Uigh" typeface="Microsoft Uighur"/>
+        <a:font script="Geor" typeface="Sylfaen"/>
+        <a:font script="Armn" typeface="Arial"/>
+        <a:font script="Bugi" typeface="Leelawadee UI"/>
+        <a:font script="Bopo" typeface="Microsoft JhengHei"/>
+        <a:font script="Java" typeface="Javanese Text"/>
+        <a:font script="Lisu" typeface="Segoe UI"/>
+        <a:font script="Mymr" typeface="Myanmar Text"/>
+        <a:font script="Nkoo" typeface="Ebrima"/>
+        <a:font script="Olck" typeface="Nirmala UI"/>
+        <a:font script="Osma" typeface="Ebrima"/>
+        <a:font script="Phag" typeface="Phagspa"/>
+        <a:font script="Syrn" typeface="Estrangelo Edessa"/>
+        <a:font script="Syrj" typeface="Estrangelo Edessa"/>
+        <a:font script="Syre" typeface="Estrangelo Edessa"/>
+        <a:font script="Sora" typeface="Nirmala UI"/>
+        <a:font script="Tale" typeface="Microsoft Tai Le"/>
+        <a:font script="Talu" typeface="Microsoft New Tai Lue"/>
+        <a:font script="Tfng" typeface="Ebrima"/>
+      </a:minorFont>
+    </a:fontScheme>
+    <a:fmtScheme name="Office">
+      <a:fillStyleLst>
+        <a:solidFill>
+          <a:schemeClr val="phClr"/>
+        </a:solidFill>
+        <a:gradFill rotWithShape="1">
+          <a:gsLst>
+            <a:gs pos="0">
+              <a:schemeClr val="phClr">
+                <a:lumMod val="110000"/>
+                <a:satMod val="105000"/>
+                <a:tint val="67000"/>
+              </a:schemeClr>
+            </a:gs>
+            <a:gs pos="50000">
+              <a:schemeClr val="phClr">
+                <a:lumMod val="105000"/>
+                <a:satMod val="103000"/>
+                <a:tint val="73000"/>
+              </a:schemeClr>
+            </a:gs>
+            <a:gs pos="100000">
+              <a:schemeClr val="phClr">
+                <a:lumMod val="105000"/>
+                <a:satMod val="109000"/>
+                <a:tint val="81000"/>
+              </a:schemeClr>
+            </a:gs>
+          </a:gsLst>
+          <a:lin ang="5400000" scaled="0"/>
+        </a:gradFill>
+        <a:gradFill rotWithShape="1">
+          <a:gsLst>
+            <a:gs pos="0">
+              <a:schemeClr val="phClr">
+                <a:satMod val="103000"/>
+                <a:lumMod val="102000"/>
+                <a:tint val="94000"/>
+              </a:schemeClr>
+            </a:gs>
+            <a:gs pos="50000">
+              <a:schemeClr val="phClr">
+                <a:satMod val="110000"/>
+                <a:lumMod val="100000"/>
+                <a:shade val="100000"/>
+              </a:schemeClr>
+            </a:gs>
+            <a:gs pos="100000">
+              <a:schemeClr val="phClr">
+                <a:lumMod val="99000"/>
+                <a:satMod val="120000"/>
+                <a:shade val="78000"/>
+              </a:schemeClr>
+            </a:gs>
+          </a:gsLst>
+          <a:lin ang="5400000" scaled="0"/>
+        </a:gradFill>
+      </a:fillStyleLst>
+      <a:lnStyleLst>
+        <a:ln w="6350" cap="flat" cmpd="sng" algn="ctr">
+          <a:solidFill>
+            <a:schemeClr val="phClr"/>
+          </a:solidFill>
+          <a:prstDash val="solid"/>
+          <a:miter lim="800000"/>
+        </a:ln>
+        <a:ln w="12700" cap="flat" cmpd="sng" algn="ctr">
+          <a:solidFill>
+            <a:schemeClr val="phClr"/>
+          </a:solidFill>
+          <a:prstDash val="solid"/>
+          <a:miter lim="800000"/>
+        </a:ln>
+        <a:ln w="19050" cap="flat" cmpd="sng" algn="ctr">
+          <a:solidFill>
+            <a:schemeClr val="phClr"/>
+          </a:solidFill>
+          <a:prstDash val="solid"/>
+          <a:miter lim="800000"/>
+        </a:ln>
+      </a:lnStyleLst>
+      <a:effectStyleLst>
+        <a:effectStyle>
+          <a:effectLst/>
+        </a:effectStyle>
+        <a:effectStyle>
+          <a:effectLst/>
+        </a:effectStyle>
+        <a:effectStyle>
+          <a:effectLst>
+            <a:outerShdw blurRad="57150" dist="19050" dir="5400000" algn="ctr" rotWithShape="0">
+              <a:srgbClr val="000000">
+                <a:alpha val="63000"/>
+              </a:srgbClr>
+            </a:outerShdw>
+          </a:effectLst>
+        </a:effectStyle>
+      </a:effectStyleLst>
+      <a:bgFillStyleLst>
+        <a:solidFill>
+          <a:schemeClr val="phClr"/>
+        </a:solidFill>
+        <a:solidFill>
+          <a:schemeClr val="phClr">
+            <a:tint val="95000"/>
+            <a:satMod val="170000"/>
+          </a:schemeClr>
+        </a:solidFill>
+        <a:gradFill rotWithShape="1">
+          <a:gsLst>
+            <a:gs pos="0">
+              <a:schemeClr val="phClr">
+                <a:tint val="93000"/>
+                <a:satMod val="150000"/>
+                <a:shade val="98000"/>
+                <a:lumMod val="102000"/>
+              </a:schemeClr>
+            </a:gs>
+            <a:gs pos="50000">
+              <a:schemeClr val="phClr">
+                <a:tint val="98000"/>
+                <a:satMod val="130000"/>
+                <a:shade val="90000"/>
+                <a:lumMod val="103000"/>
+              </a:schemeClr>
+            </a:gs>
+            <a:gs pos="100000">
+              <a:schemeClr val="phClr">
+                <a:shade val="63000"/>
+                <a:satMod val="120000"/>
+              </a:schemeClr>
+            </a:gs>
+          </a:gsLst>
+          <a:lin ang="5400000" scaled="0"/>
+        </a:gradFill>
+      </a:bgFillStyleLst>
+    </a:fmtScheme>
+  </a:themeElements>
+  <a:objectDefaults/>
+  <a:extraClrSchemeLst/>
+  <a:extLst>
+    <a:ext uri="{05A4C25C-085E-4340-85A3-A5531E510DB2}">
+      <thm15:themeFamily xmlns:thm15="http://schemas.microsoft.com/office/thememl/2012/main" name="Office Theme" id="{62F939B6-93AF-4DB8-9C6B-D6C7DFDC589F}" vid="{4A3C46E8-61CC-4603-A589-7422A47A8E4A}"/>
+    </a:ext>
+  </a:extLst>
+</a:theme>
 </file>